--- a/Tech Challenge 2.pptx
+++ b/Tech Challenge 2.pptx
@@ -123,15 +123,12 @@
       </a:defRPr>
     </a:lvl9pPr>
   </p:defaultTextStyle>
+  <p:extLst>
+    <p:ext uri="{EFAFB233-063F-42B5-8137-9DF3F51BA10A}">
+      <p15:sldGuideLst xmlns:p15="http://schemas.microsoft.com/office/powerpoint/2012/main"/>
+    </p:ext>
+  </p:extLst>
 </p:presentation>
-</file>
-
-<file path=ppt/revisionInfo.xml><?xml version="1.0" encoding="utf-8"?>
-<p1510:revInfo xmlns:a="http://schemas.openxmlformats.org/drawingml/2006/main" xmlns:r="http://schemas.openxmlformats.org/officeDocument/2006/relationships" xmlns:p1510="http://schemas.microsoft.com/office/powerpoint/2015/10/main">
-  <p1510:revLst>
-    <p1510:client id="{C914C98F-9D12-4649-87B0-238A5E51B4A5}" v="2" dt="2025-01-18T02:35:11.981"/>
-  </p1510:revLst>
-</p1510:revInfo>
 </file>
 
 <file path=ppt/changesInfos/changesInfo1.xml><?xml version="1.0" encoding="utf-8"?>
@@ -490,6 +487,60 @@
       </pc:sldChg>
     </pc:docChg>
   </pc:docChgLst>
+  <pc:docChgLst>
+    <pc:chgData name="Daniela Meneghello" userId="73bf1f0a2ad2b6aa" providerId="LiveId" clId="{CA9998E5-5CA2-4F20-A28D-73399079BE17}"/>
+    <pc:docChg chg="custSel modSld">
+      <pc:chgData name="Daniela Meneghello" userId="73bf1f0a2ad2b6aa" providerId="LiveId" clId="{CA9998E5-5CA2-4F20-A28D-73399079BE17}" dt="2025-01-19T15:27:31.093" v="262" actId="20577"/>
+      <pc:docMkLst>
+        <pc:docMk/>
+      </pc:docMkLst>
+      <pc:sldChg chg="modSp mod">
+        <pc:chgData name="Daniela Meneghello" userId="73bf1f0a2ad2b6aa" providerId="LiveId" clId="{CA9998E5-5CA2-4F20-A28D-73399079BE17}" dt="2025-01-19T14:55:18.198" v="34" actId="13926"/>
+        <pc:sldMkLst>
+          <pc:docMk/>
+          <pc:sldMk cId="3408243523" sldId="265"/>
+        </pc:sldMkLst>
+        <pc:spChg chg="mod">
+          <ac:chgData name="Daniela Meneghello" userId="73bf1f0a2ad2b6aa" providerId="LiveId" clId="{CA9998E5-5CA2-4F20-A28D-73399079BE17}" dt="2025-01-19T14:55:18.198" v="34" actId="13926"/>
+          <ac:spMkLst>
+            <pc:docMk/>
+            <pc:sldMk cId="3408243523" sldId="265"/>
+            <ac:spMk id="5" creationId="{3E6A8566-ADC1-5E72-794A-8D040EB32F2E}"/>
+          </ac:spMkLst>
+        </pc:spChg>
+      </pc:sldChg>
+      <pc:sldChg chg="modSp mod">
+        <pc:chgData name="Daniela Meneghello" userId="73bf1f0a2ad2b6aa" providerId="LiveId" clId="{CA9998E5-5CA2-4F20-A28D-73399079BE17}" dt="2025-01-19T15:27:31.093" v="262" actId="20577"/>
+        <pc:sldMkLst>
+          <pc:docMk/>
+          <pc:sldMk cId="15057690" sldId="276"/>
+        </pc:sldMkLst>
+        <pc:spChg chg="mod">
+          <ac:chgData name="Daniela Meneghello" userId="73bf1f0a2ad2b6aa" providerId="LiveId" clId="{CA9998E5-5CA2-4F20-A28D-73399079BE17}" dt="2025-01-19T15:27:31.093" v="262" actId="20577"/>
+          <ac:spMkLst>
+            <pc:docMk/>
+            <pc:sldMk cId="15057690" sldId="276"/>
+            <ac:spMk id="5" creationId="{99DE1CE4-AF56-7E87-2AD8-FDF57513FA30}"/>
+          </ac:spMkLst>
+        </pc:spChg>
+      </pc:sldChg>
+      <pc:sldChg chg="modSp mod">
+        <pc:chgData name="Daniela Meneghello" userId="73bf1f0a2ad2b6aa" providerId="LiveId" clId="{CA9998E5-5CA2-4F20-A28D-73399079BE17}" dt="2025-01-19T15:03:25.661" v="223" actId="20577"/>
+        <pc:sldMkLst>
+          <pc:docMk/>
+          <pc:sldMk cId="3077559420" sldId="282"/>
+        </pc:sldMkLst>
+        <pc:spChg chg="mod">
+          <ac:chgData name="Daniela Meneghello" userId="73bf1f0a2ad2b6aa" providerId="LiveId" clId="{CA9998E5-5CA2-4F20-A28D-73399079BE17}" dt="2025-01-19T15:03:25.661" v="223" actId="20577"/>
+          <ac:spMkLst>
+            <pc:docMk/>
+            <pc:sldMk cId="3077559420" sldId="282"/>
+            <ac:spMk id="5" creationId="{A251B214-6316-A2E3-3CA8-E127EA11706C}"/>
+          </ac:spMkLst>
+        </pc:spChg>
+      </pc:sldChg>
+    </pc:docChg>
+  </pc:docChgLst>
 </pc:chgInfo>
 </file>
 
@@ -640,7 +691,7 @@
           <a:p>
             <a:fld id="{EFE62247-E43E-4986-AB07-454F481901DA}" type="datetimeFigureOut">
               <a:rPr lang="pt-BR" smtClean="0"/>
-              <a:t>17/01/2025</a:t>
+              <a:t>19/01/2025</a:t>
             </a:fld>
             <a:endParaRPr lang="pt-BR"/>
           </a:p>
@@ -838,7 +889,7 @@
           <a:p>
             <a:fld id="{EFE62247-E43E-4986-AB07-454F481901DA}" type="datetimeFigureOut">
               <a:rPr lang="pt-BR" smtClean="0"/>
-              <a:t>17/01/2025</a:t>
+              <a:t>19/01/2025</a:t>
             </a:fld>
             <a:endParaRPr lang="pt-BR"/>
           </a:p>
@@ -1046,7 +1097,7 @@
           <a:p>
             <a:fld id="{EFE62247-E43E-4986-AB07-454F481901DA}" type="datetimeFigureOut">
               <a:rPr lang="pt-BR" smtClean="0"/>
-              <a:t>17/01/2025</a:t>
+              <a:t>19/01/2025</a:t>
             </a:fld>
             <a:endParaRPr lang="pt-BR"/>
           </a:p>
@@ -1244,7 +1295,7 @@
           <a:p>
             <a:fld id="{EFE62247-E43E-4986-AB07-454F481901DA}" type="datetimeFigureOut">
               <a:rPr lang="pt-BR" smtClean="0"/>
-              <a:t>17/01/2025</a:t>
+              <a:t>19/01/2025</a:t>
             </a:fld>
             <a:endParaRPr lang="pt-BR"/>
           </a:p>
@@ -1519,7 +1570,7 @@
           <a:p>
             <a:fld id="{EFE62247-E43E-4986-AB07-454F481901DA}" type="datetimeFigureOut">
               <a:rPr lang="pt-BR" smtClean="0"/>
-              <a:t>17/01/2025</a:t>
+              <a:t>19/01/2025</a:t>
             </a:fld>
             <a:endParaRPr lang="pt-BR"/>
           </a:p>
@@ -1784,7 +1835,7 @@
           <a:p>
             <a:fld id="{EFE62247-E43E-4986-AB07-454F481901DA}" type="datetimeFigureOut">
               <a:rPr lang="pt-BR" smtClean="0"/>
-              <a:t>17/01/2025</a:t>
+              <a:t>19/01/2025</a:t>
             </a:fld>
             <a:endParaRPr lang="pt-BR"/>
           </a:p>
@@ -2196,7 +2247,7 @@
           <a:p>
             <a:fld id="{EFE62247-E43E-4986-AB07-454F481901DA}" type="datetimeFigureOut">
               <a:rPr lang="pt-BR" smtClean="0"/>
-              <a:t>17/01/2025</a:t>
+              <a:t>19/01/2025</a:t>
             </a:fld>
             <a:endParaRPr lang="pt-BR"/>
           </a:p>
@@ -2337,7 +2388,7 @@
           <a:p>
             <a:fld id="{EFE62247-E43E-4986-AB07-454F481901DA}" type="datetimeFigureOut">
               <a:rPr lang="pt-BR" smtClean="0"/>
-              <a:t>17/01/2025</a:t>
+              <a:t>19/01/2025</a:t>
             </a:fld>
             <a:endParaRPr lang="pt-BR"/>
           </a:p>
@@ -2450,7 +2501,7 @@
           <a:p>
             <a:fld id="{EFE62247-E43E-4986-AB07-454F481901DA}" type="datetimeFigureOut">
               <a:rPr lang="pt-BR" smtClean="0"/>
-              <a:t>17/01/2025</a:t>
+              <a:t>19/01/2025</a:t>
             </a:fld>
             <a:endParaRPr lang="pt-BR"/>
           </a:p>
@@ -2761,7 +2812,7 @@
           <a:p>
             <a:fld id="{EFE62247-E43E-4986-AB07-454F481901DA}" type="datetimeFigureOut">
               <a:rPr lang="pt-BR" smtClean="0"/>
-              <a:t>17/01/2025</a:t>
+              <a:t>19/01/2025</a:t>
             </a:fld>
             <a:endParaRPr lang="pt-BR"/>
           </a:p>
@@ -3049,7 +3100,7 @@
           <a:p>
             <a:fld id="{EFE62247-E43E-4986-AB07-454F481901DA}" type="datetimeFigureOut">
               <a:rPr lang="pt-BR" smtClean="0"/>
-              <a:t>17/01/2025</a:t>
+              <a:t>19/01/2025</a:t>
             </a:fld>
             <a:endParaRPr lang="pt-BR"/>
           </a:p>
@@ -3290,7 +3341,7 @@
           <a:p>
             <a:fld id="{EFE62247-E43E-4986-AB07-454F481901DA}" type="datetimeFigureOut">
               <a:rPr lang="pt-BR" smtClean="0"/>
-              <a:t>17/01/2025</a:t>
+              <a:t>19/01/2025</a:t>
             </a:fld>
             <a:endParaRPr lang="pt-BR"/>
           </a:p>
@@ -4716,13 +4767,18 @@
               <a:rPr lang="pt-BR" dirty="0" err="1"/>
               <a:t>Naive</a:t>
             </a:r>
+            <a:endParaRPr lang="pt-BR" dirty="0"/>
+          </a:p>
+          <a:p>
+            <a:pPr lvl="1"/>
+            <a:r>
+              <a:rPr lang="pt-BR" dirty="0" err="1"/>
+              <a:t>Seasonal</a:t>
+            </a:r>
             <a:r>
               <a:rPr lang="pt-BR" dirty="0"/>
-              <a:t>????</a:t>
-            </a:r>
-          </a:p>
-          <a:p>
-            <a:pPr lvl="1"/>
+              <a:t> </a:t>
+            </a:r>
             <a:r>
               <a:rPr lang="pt-BR" dirty="0" err="1"/>
               <a:t>Window</a:t>
@@ -4735,21 +4791,27 @@
               <a:rPr lang="pt-BR" dirty="0" err="1"/>
               <a:t>Average</a:t>
             </a:r>
-            <a:r>
-              <a:rPr lang="pt-BR" dirty="0"/>
-              <a:t>????</a:t>
-            </a:r>
+            <a:endParaRPr lang="pt-BR" dirty="0"/>
           </a:p>
           <a:p>
             <a:pPr lvl="1"/>
             <a:r>
               <a:rPr lang="pt-BR" dirty="0" err="1"/>
-              <a:t>Arima</a:t>
-            </a:r>
-            <a:r>
-              <a:rPr lang="pt-BR" dirty="0"/>
+              <a:t>Sarima</a:t>
+            </a:r>
+            <a:endParaRPr lang="pt-BR" dirty="0"/>
+          </a:p>
+          <a:p>
+            <a:pPr lvl="1"/>
+            <a:r>
+              <a:rPr lang="pt-BR" dirty="0" err="1"/>
+              <a:t>Prophet</a:t>
+            </a:r>
+            <a:r>
+              <a:rPr lang="pt-BR"/>
               <a:t>???</a:t>
             </a:r>
+            <a:endParaRPr lang="pt-BR" dirty="0"/>
           </a:p>
           <a:p>
             <a:r>
@@ -7247,17 +7309,99 @@
         </p:nvSpPr>
         <p:spPr/>
         <p:txBody>
-          <a:bodyPr/>
+          <a:bodyPr>
+            <a:normAutofit fontScale="92500" lnSpcReduction="20000"/>
+          </a:bodyPr>
           <a:lstStyle/>
           <a:p>
             <a:r>
               <a:rPr lang="pt-BR" dirty="0"/>
-              <a:t>Colocar o enunciado do tech Challenge</a:t>
-            </a:r>
-          </a:p>
-          <a:p>
+              <a:t>Imagine que você foi escalado para um time de investimentos e precisará realizar um modelo preditivo com dados da IBOVESPA (Bolsa de valores) para criar uma série temporal e prever diariamente o fechamento da base. Para isso, utilize a base de dados contida no site da </a:t>
+            </a:r>
+            <a:r>
+              <a:rPr lang="pt-BR" dirty="0" err="1"/>
+              <a:t>Investing</a:t>
+            </a:r>
             <a:r>
               <a:rPr lang="pt-BR" dirty="0"/>
+              <a:t> https://br.investing.com/</a:t>
+            </a:r>
+            <a:r>
+              <a:rPr lang="pt-BR" dirty="0" err="1"/>
+              <a:t>indices</a:t>
+            </a:r>
+            <a:r>
+              <a:rPr lang="pt-BR" dirty="0"/>
+              <a:t>/</a:t>
+            </a:r>
+            <a:r>
+              <a:rPr lang="pt-BR" dirty="0" err="1"/>
+              <a:t>bovespa</a:t>
+            </a:r>
+            <a:r>
+              <a:rPr lang="pt-BR" dirty="0"/>
+              <a:t>-</a:t>
+            </a:r>
+            <a:r>
+              <a:rPr lang="pt-BR" dirty="0" err="1"/>
+              <a:t>historical</a:t>
+            </a:r>
+            <a:r>
+              <a:rPr lang="pt-BR" dirty="0"/>
+              <a:t>-data) e selecione o período “diário”, com o intervalo de tempo que achar adequado. </a:t>
+            </a:r>
+          </a:p>
+          <a:p>
+            <a:r>
+              <a:rPr lang="pt-BR" dirty="0"/>
+              <a:t>Você precisará demonstrar para o time de investimentos: </a:t>
+            </a:r>
+          </a:p>
+          <a:p>
+            <a:pPr marL="914400" lvl="1" indent="-457200">
+              <a:buFont typeface="+mj-lt"/>
+              <a:buAutoNum type="arabicPeriod"/>
+            </a:pPr>
+            <a:r>
+              <a:rPr lang="pt-BR" dirty="0"/>
+              <a:t>O modelo com o </a:t>
+            </a:r>
+            <a:r>
+              <a:rPr lang="pt-BR" dirty="0" err="1"/>
+              <a:t>storytelling</a:t>
+            </a:r>
+            <a:r>
+              <a:rPr lang="pt-BR" dirty="0"/>
+              <a:t>, desde a captura do dado até a entrega do modelo; </a:t>
+            </a:r>
+          </a:p>
+          <a:p>
+            <a:pPr marL="914400" lvl="1" indent="-457200">
+              <a:buFont typeface="+mj-lt"/>
+              <a:buAutoNum type="arabicPeriod"/>
+            </a:pPr>
+            <a:r>
+              <a:rPr lang="pt-BR" dirty="0"/>
+              <a:t>Justificar a técnica utilizada;</a:t>
+            </a:r>
+          </a:p>
+          <a:p>
+            <a:pPr marL="914400" lvl="1" indent="-457200">
+              <a:buFont typeface="+mj-lt"/>
+              <a:buAutoNum type="arabicPeriod"/>
+            </a:pPr>
+            <a:r>
+              <a:rPr lang="pt-BR" dirty="0"/>
+              <a:t>Atingir uma acuracidade adequada (acima de 70%).</a:t>
+            </a:r>
+          </a:p>
+          <a:p>
+            <a:r>
+              <a:rPr lang="pt-BR" dirty="0">
+                <a:highlight>
+                  <a:srgbClr val="FFFF00"/>
+                </a:highlight>
+              </a:rPr>
               <a:t>Incluir definições necessárias ???</a:t>
             </a:r>
           </a:p>
@@ -7368,7 +7512,31 @@
           <a:p>
             <a:r>
               <a:rPr lang="pt-BR" dirty="0"/>
-              <a:t>De onde obtivemos a base de dados</a:t>
+              <a:t>De onde obtivemos a base de dados  - Realizamos o download de um arquivo .</a:t>
+            </a:r>
+            <a:r>
+              <a:rPr lang="pt-BR" dirty="0" err="1"/>
+              <a:t>csv</a:t>
+            </a:r>
+            <a:r>
+              <a:rPr lang="pt-BR" dirty="0"/>
+              <a:t> do site </a:t>
+            </a:r>
+            <a:r>
+              <a:rPr lang="pt-BR" dirty="0" err="1"/>
+              <a:t>investing</a:t>
+            </a:r>
+            <a:r>
+              <a:rPr lang="pt-BR" dirty="0"/>
+              <a:t>, conforme informado, </a:t>
+            </a:r>
+            <a:r>
+              <a:rPr lang="pt-BR" dirty="0" err="1"/>
+              <a:t>co</a:t>
+            </a:r>
+            <a:r>
+              <a:rPr lang="pt-BR" dirty="0"/>
+              <a:t> s os dados entre XX/XX/XXXX e XX/XX/XXXX. </a:t>
             </a:r>
           </a:p>
           <a:p>

--- a/Tech Challenge 2.pptx
+++ b/Tech Challenge 2.pptx
@@ -11,20 +11,22 @@
     <p:sldId id="259" r:id="rId5"/>
     <p:sldId id="265" r:id="rId6"/>
     <p:sldId id="282" r:id="rId7"/>
-    <p:sldId id="281" r:id="rId8"/>
-    <p:sldId id="283" r:id="rId9"/>
-    <p:sldId id="284" r:id="rId10"/>
-    <p:sldId id="285" r:id="rId11"/>
-    <p:sldId id="286" r:id="rId12"/>
-    <p:sldId id="287" r:id="rId13"/>
-    <p:sldId id="288" r:id="rId14"/>
-    <p:sldId id="289" r:id="rId15"/>
-    <p:sldId id="290" r:id="rId16"/>
-    <p:sldId id="276" r:id="rId17"/>
-    <p:sldId id="291" r:id="rId18"/>
-    <p:sldId id="292" r:id="rId19"/>
-    <p:sldId id="277" r:id="rId20"/>
-    <p:sldId id="293" r:id="rId21"/>
+    <p:sldId id="294" r:id="rId8"/>
+    <p:sldId id="295" r:id="rId9"/>
+    <p:sldId id="281" r:id="rId10"/>
+    <p:sldId id="283" r:id="rId11"/>
+    <p:sldId id="284" r:id="rId12"/>
+    <p:sldId id="285" r:id="rId13"/>
+    <p:sldId id="286" r:id="rId14"/>
+    <p:sldId id="287" r:id="rId15"/>
+    <p:sldId id="288" r:id="rId16"/>
+    <p:sldId id="289" r:id="rId17"/>
+    <p:sldId id="290" r:id="rId18"/>
+    <p:sldId id="276" r:id="rId19"/>
+    <p:sldId id="291" r:id="rId20"/>
+    <p:sldId id="292" r:id="rId21"/>
+    <p:sldId id="277" r:id="rId22"/>
+    <p:sldId id="293" r:id="rId23"/>
   </p:sldIdLst>
   <p:sldSz cx="12192000" cy="6858000"/>
   <p:notesSz cx="6858000" cy="9144000"/>
@@ -129,6 +131,14 @@
     </p:ext>
   </p:extLst>
 </p:presentation>
+</file>
+
+<file path=ppt/revisionInfo.xml><?xml version="1.0" encoding="utf-8"?>
+<p1510:revInfo xmlns:a="http://schemas.openxmlformats.org/drawingml/2006/main" xmlns:r="http://schemas.openxmlformats.org/officeDocument/2006/relationships" xmlns:p1510="http://schemas.microsoft.com/office/powerpoint/2015/10/main">
+  <p1510:revLst>
+    <p1510:client id="{CA9998E5-5CA2-4F20-A28D-73399079BE17}" v="4" dt="2025-01-19T15:56:35.938"/>
+  </p1510:revLst>
+</p1510:revInfo>
 </file>
 
 <file path=ppt/changesInfos/changesInfo1.xml><?xml version="1.0" encoding="utf-8"?>
@@ -489,19 +499,19 @@
   </pc:docChgLst>
   <pc:docChgLst>
     <pc:chgData name="Daniela Meneghello" userId="73bf1f0a2ad2b6aa" providerId="LiveId" clId="{CA9998E5-5CA2-4F20-A28D-73399079BE17}"/>
-    <pc:docChg chg="custSel modSld">
-      <pc:chgData name="Daniela Meneghello" userId="73bf1f0a2ad2b6aa" providerId="LiveId" clId="{CA9998E5-5CA2-4F20-A28D-73399079BE17}" dt="2025-01-19T15:27:31.093" v="262" actId="20577"/>
+    <pc:docChg chg="custSel addSld delSld modSld">
+      <pc:chgData name="Daniela Meneghello" userId="73bf1f0a2ad2b6aa" providerId="LiveId" clId="{CA9998E5-5CA2-4F20-A28D-73399079BE17}" dt="2025-01-19T15:57:07.526" v="370" actId="22"/>
       <pc:docMkLst>
         <pc:docMk/>
       </pc:docMkLst>
       <pc:sldChg chg="modSp mod">
-        <pc:chgData name="Daniela Meneghello" userId="73bf1f0a2ad2b6aa" providerId="LiveId" clId="{CA9998E5-5CA2-4F20-A28D-73399079BE17}" dt="2025-01-19T14:55:18.198" v="34" actId="13926"/>
+        <pc:chgData name="Daniela Meneghello" userId="73bf1f0a2ad2b6aa" providerId="LiveId" clId="{CA9998E5-5CA2-4F20-A28D-73399079BE17}" dt="2025-01-19T15:54:01.779" v="264" actId="27636"/>
         <pc:sldMkLst>
           <pc:docMk/>
           <pc:sldMk cId="3408243523" sldId="265"/>
         </pc:sldMkLst>
         <pc:spChg chg="mod">
-          <ac:chgData name="Daniela Meneghello" userId="73bf1f0a2ad2b6aa" providerId="LiveId" clId="{CA9998E5-5CA2-4F20-A28D-73399079BE17}" dt="2025-01-19T14:55:18.198" v="34" actId="13926"/>
+          <ac:chgData name="Daniela Meneghello" userId="73bf1f0a2ad2b6aa" providerId="LiveId" clId="{CA9998E5-5CA2-4F20-A28D-73399079BE17}" dt="2025-01-19T15:54:01.779" v="264" actId="27636"/>
           <ac:spMkLst>
             <pc:docMk/>
             <pc:sldMk cId="3408243523" sldId="265"/>
@@ -525,19 +535,63 @@
         </pc:spChg>
       </pc:sldChg>
       <pc:sldChg chg="modSp mod">
-        <pc:chgData name="Daniela Meneghello" userId="73bf1f0a2ad2b6aa" providerId="LiveId" clId="{CA9998E5-5CA2-4F20-A28D-73399079BE17}" dt="2025-01-19T15:03:25.661" v="223" actId="20577"/>
+        <pc:chgData name="Daniela Meneghello" userId="73bf1f0a2ad2b6aa" providerId="LiveId" clId="{CA9998E5-5CA2-4F20-A28D-73399079BE17}" dt="2025-01-19T15:56:33.243" v="366" actId="6549"/>
         <pc:sldMkLst>
           <pc:docMk/>
           <pc:sldMk cId="3077559420" sldId="282"/>
         </pc:sldMkLst>
         <pc:spChg chg="mod">
-          <ac:chgData name="Daniela Meneghello" userId="73bf1f0a2ad2b6aa" providerId="LiveId" clId="{CA9998E5-5CA2-4F20-A28D-73399079BE17}" dt="2025-01-19T15:03:25.661" v="223" actId="20577"/>
+          <ac:chgData name="Daniela Meneghello" userId="73bf1f0a2ad2b6aa" providerId="LiveId" clId="{CA9998E5-5CA2-4F20-A28D-73399079BE17}" dt="2025-01-19T15:56:33.243" v="366" actId="6549"/>
           <ac:spMkLst>
             <pc:docMk/>
             <pc:sldMk cId="3077559420" sldId="282"/>
             <ac:spMk id="5" creationId="{A251B214-6316-A2E3-3CA8-E127EA11706C}"/>
           </ac:spMkLst>
         </pc:spChg>
+      </pc:sldChg>
+      <pc:sldChg chg="addSp modSp add mod">
+        <pc:chgData name="Daniela Meneghello" userId="73bf1f0a2ad2b6aa" providerId="LiveId" clId="{CA9998E5-5CA2-4F20-A28D-73399079BE17}" dt="2025-01-19T15:57:07.526" v="370" actId="22"/>
+        <pc:sldMkLst>
+          <pc:docMk/>
+          <pc:sldMk cId="1945438211" sldId="294"/>
+        </pc:sldMkLst>
+        <pc:spChg chg="mod">
+          <ac:chgData name="Daniela Meneghello" userId="73bf1f0a2ad2b6aa" providerId="LiveId" clId="{CA9998E5-5CA2-4F20-A28D-73399079BE17}" dt="2025-01-19T15:57:07.242" v="369" actId="20577"/>
+          <ac:spMkLst>
+            <pc:docMk/>
+            <pc:sldMk cId="1945438211" sldId="294"/>
+            <ac:spMk id="5" creationId="{E00DEFC8-1077-1246-6BE2-7C8BEB823453}"/>
+          </ac:spMkLst>
+        </pc:spChg>
+        <pc:picChg chg="add">
+          <ac:chgData name="Daniela Meneghello" userId="73bf1f0a2ad2b6aa" providerId="LiveId" clId="{CA9998E5-5CA2-4F20-A28D-73399079BE17}" dt="2025-01-19T15:57:07.526" v="370" actId="22"/>
+          <ac:picMkLst>
+            <pc:docMk/>
+            <pc:sldMk cId="1945438211" sldId="294"/>
+            <ac:picMk id="3" creationId="{95C56EF9-A87D-6642-78BA-BFD65103F29F}"/>
+          </ac:picMkLst>
+        </pc:picChg>
+      </pc:sldChg>
+      <pc:sldChg chg="add del setBg">
+        <pc:chgData name="Daniela Meneghello" userId="73bf1f0a2ad2b6aa" providerId="LiveId" clId="{CA9998E5-5CA2-4F20-A28D-73399079BE17}" dt="2025-01-19T15:55:51.167" v="266"/>
+        <pc:sldMkLst>
+          <pc:docMk/>
+          <pc:sldMk cId="1958886964" sldId="294"/>
+        </pc:sldMkLst>
+      </pc:sldChg>
+      <pc:sldChg chg="add">
+        <pc:chgData name="Daniela Meneghello" userId="73bf1f0a2ad2b6aa" providerId="LiveId" clId="{CA9998E5-5CA2-4F20-A28D-73399079BE17}" dt="2025-01-19T15:56:02.145" v="268" actId="2890"/>
+        <pc:sldMkLst>
+          <pc:docMk/>
+          <pc:sldMk cId="1531945353" sldId="295"/>
+        </pc:sldMkLst>
+      </pc:sldChg>
+      <pc:sldChg chg="add del setBg">
+        <pc:chgData name="Daniela Meneghello" userId="73bf1f0a2ad2b6aa" providerId="LiveId" clId="{CA9998E5-5CA2-4F20-A28D-73399079BE17}" dt="2025-01-19T15:56:35.928" v="368"/>
+        <pc:sldMkLst>
+          <pc:docMk/>
+          <pc:sldMk cId="1892179173" sldId="296"/>
+        </pc:sldMkLst>
       </pc:sldChg>
     </pc:docChg>
   </pc:docChgLst>
@@ -3843,6 +3897,322 @@
         <p:cNvPr id="1" name="">
           <a:extLst>
             <a:ext uri="{FF2B5EF4-FFF2-40B4-BE49-F238E27FC236}">
+              <a16:creationId xmlns:a16="http://schemas.microsoft.com/office/drawing/2014/main" id="{0BD20D63-A304-5005-7650-4752F954B702}"/>
+            </a:ext>
+          </a:extLst>
+        </p:cNvPr>
+        <p:cNvGrpSpPr/>
+        <p:nvPr/>
+      </p:nvGrpSpPr>
+      <p:grpSpPr>
+        <a:xfrm>
+          <a:off x="0" y="0"/>
+          <a:ext cx="0" cy="0"/>
+          <a:chOff x="0" y="0"/>
+          <a:chExt cx="0" cy="0"/>
+        </a:xfrm>
+      </p:grpSpPr>
+      <p:sp>
+        <p:nvSpPr>
+          <p:cNvPr id="4" name="Título 3">
+            <a:extLst>
+              <a:ext uri="{FF2B5EF4-FFF2-40B4-BE49-F238E27FC236}">
+                <a16:creationId xmlns:a16="http://schemas.microsoft.com/office/drawing/2014/main" id="{5ED345D9-62FA-1BC9-14BE-7E359A4BDFDA}"/>
+              </a:ext>
+            </a:extLst>
+          </p:cNvPr>
+          <p:cNvSpPr>
+            <a:spLocks noGrp="1"/>
+          </p:cNvSpPr>
+          <p:nvPr>
+            <p:ph type="title"/>
+          </p:nvPr>
+        </p:nvSpPr>
+        <p:spPr/>
+        <p:txBody>
+          <a:bodyPr/>
+          <a:lstStyle/>
+          <a:p>
+            <a:pPr marL="742950" indent="-742950">
+              <a:buFont typeface="+mj-lt"/>
+              <a:buAutoNum type="arabicPeriod" startAt="2"/>
+            </a:pPr>
+            <a:r>
+              <a:rPr lang="pt-BR" dirty="0"/>
+              <a:t>Análise Exploratória dos Dados</a:t>
+            </a:r>
+          </a:p>
+        </p:txBody>
+      </p:sp>
+      <p:sp>
+        <p:nvSpPr>
+          <p:cNvPr id="5" name="Espaço Reservado para Conteúdo 4">
+            <a:extLst>
+              <a:ext uri="{FF2B5EF4-FFF2-40B4-BE49-F238E27FC236}">
+                <a16:creationId xmlns:a16="http://schemas.microsoft.com/office/drawing/2014/main" id="{C75FA89C-3048-EDA1-B4B6-1175A5B6FDC3}"/>
+              </a:ext>
+            </a:extLst>
+          </p:cNvPr>
+          <p:cNvSpPr>
+            <a:spLocks noGrp="1"/>
+          </p:cNvSpPr>
+          <p:nvPr>
+            <p:ph idx="1"/>
+          </p:nvPr>
+        </p:nvSpPr>
+        <p:spPr/>
+        <p:txBody>
+          <a:bodyPr>
+            <a:normAutofit lnSpcReduction="10000"/>
+          </a:bodyPr>
+          <a:lstStyle/>
+          <a:p>
+            <a:r>
+              <a:rPr lang="pt-BR" dirty="0"/>
+              <a:t>Linha do tempo com principais acontecimentos - B</a:t>
+            </a:r>
+          </a:p>
+          <a:p>
+            <a:r>
+              <a:rPr lang="pt-BR" b="1" dirty="0"/>
+              <a:t>2002 - Eleição Presidencial no Brasil</a:t>
+            </a:r>
+          </a:p>
+          <a:p>
+            <a:pPr lvl="1"/>
+            <a:r>
+              <a:rPr lang="pt-BR" dirty="0"/>
+              <a:t>Incertezas em torno da vitória de Lula causaram fuga de capitais estrangeiros.</a:t>
+            </a:r>
+          </a:p>
+          <a:p>
+            <a:pPr lvl="1"/>
+            <a:r>
+              <a:rPr lang="pt-BR" dirty="0"/>
+              <a:t>Forte desvalorização do real e queda expressiva do Ibovespa, que só se recuperou após a confirmação do compromisso com a responsabilidade fiscal.</a:t>
+            </a:r>
+          </a:p>
+          <a:p>
+            <a:r>
+              <a:rPr lang="pt-BR" b="1" dirty="0">
+                <a:highlight>
+                  <a:srgbClr val="FFFF00"/>
+                </a:highlight>
+              </a:rPr>
+              <a:t>2008 - Crise do Subprime</a:t>
+            </a:r>
+          </a:p>
+          <a:p>
+            <a:pPr lvl="1"/>
+            <a:r>
+              <a:rPr lang="pt-BR" dirty="0"/>
+              <a:t>Colapso do mercado imobiliário dos EUA, levando à falência de grandes instituições financeiras.</a:t>
+            </a:r>
+          </a:p>
+          <a:p>
+            <a:pPr lvl="1"/>
+            <a:r>
+              <a:rPr lang="pt-BR" dirty="0"/>
+              <a:t>O Ibovespa caiu mais de 40% no ano devido à fuga de investidores e recessão global.</a:t>
+            </a:r>
+          </a:p>
+          <a:p>
+            <a:pPr lvl="1"/>
+            <a:endParaRPr lang="pt-BR" dirty="0"/>
+          </a:p>
+        </p:txBody>
+      </p:sp>
+    </p:spTree>
+    <p:extLst>
+      <p:ext uri="{BB962C8B-B14F-4D97-AF65-F5344CB8AC3E}">
+        <p14:creationId xmlns:p14="http://schemas.microsoft.com/office/powerpoint/2010/main" val="3534365709"/>
+      </p:ext>
+    </p:extLst>
+  </p:cSld>
+  <p:clrMapOvr>
+    <a:masterClrMapping/>
+  </p:clrMapOvr>
+</p:sld>
+</file>
+
+<file path=ppt/slides/slide11.xml><?xml version="1.0" encoding="utf-8"?>
+<p:sld xmlns:a="http://schemas.openxmlformats.org/drawingml/2006/main" xmlns:r="http://schemas.openxmlformats.org/officeDocument/2006/relationships" xmlns:p="http://schemas.openxmlformats.org/presentationml/2006/main">
+  <p:cSld>
+    <p:bg>
+      <p:bgPr>
+        <a:blipFill dpi="0" rotWithShape="1">
+          <a:blip r:embed="rId2">
+            <a:lum/>
+          </a:blip>
+          <a:srcRect/>
+          <a:stretch>
+            <a:fillRect/>
+          </a:stretch>
+        </a:blipFill>
+        <a:effectLst/>
+      </p:bgPr>
+    </p:bg>
+    <p:spTree>
+      <p:nvGrpSpPr>
+        <p:cNvPr id="1" name="">
+          <a:extLst>
+            <a:ext uri="{FF2B5EF4-FFF2-40B4-BE49-F238E27FC236}">
+              <a16:creationId xmlns:a16="http://schemas.microsoft.com/office/drawing/2014/main" id="{400265B1-31E3-171C-AC2E-5C0FC073C556}"/>
+            </a:ext>
+          </a:extLst>
+        </p:cNvPr>
+        <p:cNvGrpSpPr/>
+        <p:nvPr/>
+      </p:nvGrpSpPr>
+      <p:grpSpPr>
+        <a:xfrm>
+          <a:off x="0" y="0"/>
+          <a:ext cx="0" cy="0"/>
+          <a:chOff x="0" y="0"/>
+          <a:chExt cx="0" cy="0"/>
+        </a:xfrm>
+      </p:grpSpPr>
+      <p:sp>
+        <p:nvSpPr>
+          <p:cNvPr id="4" name="Título 3">
+            <a:extLst>
+              <a:ext uri="{FF2B5EF4-FFF2-40B4-BE49-F238E27FC236}">
+                <a16:creationId xmlns:a16="http://schemas.microsoft.com/office/drawing/2014/main" id="{1A924032-E808-EA9A-265C-AA253124407C}"/>
+              </a:ext>
+            </a:extLst>
+          </p:cNvPr>
+          <p:cNvSpPr>
+            <a:spLocks noGrp="1"/>
+          </p:cNvSpPr>
+          <p:nvPr>
+            <p:ph type="title"/>
+          </p:nvPr>
+        </p:nvSpPr>
+        <p:spPr/>
+        <p:txBody>
+          <a:bodyPr/>
+          <a:lstStyle/>
+          <a:p>
+            <a:pPr marL="742950" indent="-742950">
+              <a:buFont typeface="+mj-lt"/>
+              <a:buAutoNum type="arabicPeriod" startAt="2"/>
+            </a:pPr>
+            <a:r>
+              <a:rPr lang="pt-BR" dirty="0"/>
+              <a:t>Análise Exploratória dos Dados</a:t>
+            </a:r>
+          </a:p>
+        </p:txBody>
+      </p:sp>
+      <p:sp>
+        <p:nvSpPr>
+          <p:cNvPr id="5" name="Espaço Reservado para Conteúdo 4">
+            <a:extLst>
+              <a:ext uri="{FF2B5EF4-FFF2-40B4-BE49-F238E27FC236}">
+                <a16:creationId xmlns:a16="http://schemas.microsoft.com/office/drawing/2014/main" id="{DFE9091F-D4A4-C4DB-9174-A37EB46EDCD7}"/>
+              </a:ext>
+            </a:extLst>
+          </p:cNvPr>
+          <p:cNvSpPr>
+            <a:spLocks noGrp="1"/>
+          </p:cNvSpPr>
+          <p:nvPr>
+            <p:ph idx="1"/>
+          </p:nvPr>
+        </p:nvSpPr>
+        <p:spPr/>
+        <p:txBody>
+          <a:bodyPr>
+            <a:normAutofit/>
+          </a:bodyPr>
+          <a:lstStyle/>
+          <a:p>
+            <a:r>
+              <a:rPr lang="pt-BR" dirty="0"/>
+              <a:t>Linha do tempo com principais acontecimentos - C</a:t>
+            </a:r>
+          </a:p>
+          <a:p>
+            <a:r>
+              <a:rPr lang="pt-BR" b="1" dirty="0"/>
+              <a:t>2010 - Crescimento da Economia Chinesa</a:t>
+            </a:r>
+          </a:p>
+          <a:p>
+            <a:pPr lvl="1"/>
+            <a:r>
+              <a:rPr lang="pt-BR" dirty="0"/>
+              <a:t>Demanda por commodities da China elevou as exportações brasileiras.</a:t>
+            </a:r>
+          </a:p>
+          <a:p>
+            <a:pPr lvl="1"/>
+            <a:r>
+              <a:rPr lang="pt-BR" dirty="0"/>
+              <a:t>Alta no Ibovespa, impulsionado por empresas de mineração e energia.</a:t>
+            </a:r>
+          </a:p>
+          <a:p>
+            <a:r>
+              <a:rPr lang="pt-BR" b="1" dirty="0"/>
+              <a:t>2014 - Queda no Preço do Petróleo</a:t>
+            </a:r>
+          </a:p>
+          <a:p>
+            <a:pPr lvl="1"/>
+            <a:r>
+              <a:rPr lang="pt-BR" dirty="0"/>
+              <a:t>O excesso de oferta global levou à queda acentuada nos preços do petróleo.</a:t>
+            </a:r>
+          </a:p>
+          <a:p>
+            <a:pPr lvl="1"/>
+            <a:r>
+              <a:rPr lang="pt-BR" dirty="0"/>
+              <a:t>Empresas do setor de energia no Ibovespa tiveram perdas significativas.</a:t>
+            </a:r>
+          </a:p>
+          <a:p>
+            <a:pPr lvl="1"/>
+            <a:endParaRPr lang="pt-BR" dirty="0"/>
+          </a:p>
+        </p:txBody>
+      </p:sp>
+    </p:spTree>
+    <p:extLst>
+      <p:ext uri="{BB962C8B-B14F-4D97-AF65-F5344CB8AC3E}">
+        <p14:creationId xmlns:p14="http://schemas.microsoft.com/office/powerpoint/2010/main" val="1414758720"/>
+      </p:ext>
+    </p:extLst>
+  </p:cSld>
+  <p:clrMapOvr>
+    <a:masterClrMapping/>
+  </p:clrMapOvr>
+</p:sld>
+</file>
+
+<file path=ppt/slides/slide12.xml><?xml version="1.0" encoding="utf-8"?>
+<p:sld xmlns:a="http://schemas.openxmlformats.org/drawingml/2006/main" xmlns:r="http://schemas.openxmlformats.org/officeDocument/2006/relationships" xmlns:p="http://schemas.openxmlformats.org/presentationml/2006/main">
+  <p:cSld>
+    <p:bg>
+      <p:bgPr>
+        <a:blipFill dpi="0" rotWithShape="1">
+          <a:blip r:embed="rId2">
+            <a:lum/>
+          </a:blip>
+          <a:srcRect/>
+          <a:stretch>
+            <a:fillRect/>
+          </a:stretch>
+        </a:blipFill>
+        <a:effectLst/>
+      </p:bgPr>
+    </p:bg>
+    <p:spTree>
+      <p:nvGrpSpPr>
+        <p:cNvPr id="1" name="">
+          <a:extLst>
+            <a:ext uri="{FF2B5EF4-FFF2-40B4-BE49-F238E27FC236}">
               <a16:creationId xmlns:a16="http://schemas.microsoft.com/office/drawing/2014/main" id="{B5572B87-0670-3B5E-CA61-77855F9A536B}"/>
             </a:ext>
           </a:extLst>
@@ -3984,7 +4354,7 @@
 </p:sld>
 </file>
 
-<file path=ppt/slides/slide11.xml><?xml version="1.0" encoding="utf-8"?>
+<file path=ppt/slides/slide13.xml><?xml version="1.0" encoding="utf-8"?>
 <p:sld xmlns:a="http://schemas.openxmlformats.org/drawingml/2006/main" xmlns:r="http://schemas.openxmlformats.org/officeDocument/2006/relationships" xmlns:p="http://schemas.openxmlformats.org/presentationml/2006/main">
   <p:cSld>
     <p:bg>
@@ -4148,7 +4518,7 @@
 </p:sld>
 </file>
 
-<file path=ppt/slides/slide12.xml><?xml version="1.0" encoding="utf-8"?>
+<file path=ppt/slides/slide14.xml><?xml version="1.0" encoding="utf-8"?>
 <p:sld xmlns:a="http://schemas.openxmlformats.org/drawingml/2006/main" xmlns:r="http://schemas.openxmlformats.org/officeDocument/2006/relationships" xmlns:p="http://schemas.openxmlformats.org/presentationml/2006/main">
   <p:cSld>
     <p:bg>
@@ -4284,7 +4654,7 @@
 </p:sld>
 </file>
 
-<file path=ppt/slides/slide13.xml><?xml version="1.0" encoding="utf-8"?>
+<file path=ppt/slides/slide15.xml><?xml version="1.0" encoding="utf-8"?>
 <p:sld xmlns:a="http://schemas.openxmlformats.org/drawingml/2006/main" xmlns:r="http://schemas.openxmlformats.org/officeDocument/2006/relationships" xmlns:p="http://schemas.openxmlformats.org/presentationml/2006/main">
   <p:cSld>
     <p:bg>
@@ -4432,7 +4802,7 @@
 </p:sld>
 </file>
 
-<file path=ppt/slides/slide14.xml><?xml version="1.0" encoding="utf-8"?>
+<file path=ppt/slides/slide16.xml><?xml version="1.0" encoding="utf-8"?>
 <p:sld xmlns:a="http://schemas.openxmlformats.org/drawingml/2006/main" xmlns:r="http://schemas.openxmlformats.org/officeDocument/2006/relationships" xmlns:p="http://schemas.openxmlformats.org/presentationml/2006/main">
   <p:cSld>
     <p:bg>
@@ -4549,7 +4919,7 @@
 </p:sld>
 </file>
 
-<file path=ppt/slides/slide15.xml><?xml version="1.0" encoding="utf-8"?>
+<file path=ppt/slides/slide17.xml><?xml version="1.0" encoding="utf-8"?>
 <p:sld xmlns:a="http://schemas.openxmlformats.org/drawingml/2006/main" xmlns:r="http://schemas.openxmlformats.org/officeDocument/2006/relationships" xmlns:p="http://schemas.openxmlformats.org/presentationml/2006/main">
   <p:cSld>
     <p:bg>
@@ -4666,7 +5036,7 @@
 </p:sld>
 </file>
 
-<file path=ppt/slides/slide16.xml><?xml version="1.0" encoding="utf-8"?>
+<file path=ppt/slides/slide18.xml><?xml version="1.0" encoding="utf-8"?>
 <p:sld xmlns:a="http://schemas.openxmlformats.org/drawingml/2006/main" xmlns:r="http://schemas.openxmlformats.org/officeDocument/2006/relationships" xmlns:p="http://schemas.openxmlformats.org/presentationml/2006/main">
   <p:cSld>
     <p:bg>
@@ -4834,7 +5204,7 @@
 </p:sld>
 </file>
 
-<file path=ppt/slides/slide17.xml><?xml version="1.0" encoding="utf-8"?>
+<file path=ppt/slides/slide19.xml><?xml version="1.0" encoding="utf-8"?>
 <p:sld xmlns:a="http://schemas.openxmlformats.org/drawingml/2006/main" xmlns:r="http://schemas.openxmlformats.org/officeDocument/2006/relationships" xmlns:p="http://schemas.openxmlformats.org/presentationml/2006/main">
   <p:cSld>
     <p:bg>
@@ -4955,234 +5325,6 @@
     <p:extLst>
       <p:ext uri="{BB962C8B-B14F-4D97-AF65-F5344CB8AC3E}">
         <p14:creationId xmlns:p14="http://schemas.microsoft.com/office/powerpoint/2010/main" val="673627097"/>
-      </p:ext>
-    </p:extLst>
-  </p:cSld>
-  <p:clrMapOvr>
-    <a:masterClrMapping/>
-  </p:clrMapOvr>
-</p:sld>
-</file>
-
-<file path=ppt/slides/slide18.xml><?xml version="1.0" encoding="utf-8"?>
-<p:sld xmlns:a="http://schemas.openxmlformats.org/drawingml/2006/main" xmlns:r="http://schemas.openxmlformats.org/officeDocument/2006/relationships" xmlns:p="http://schemas.openxmlformats.org/presentationml/2006/main">
-  <p:cSld>
-    <p:bg>
-      <p:bgPr>
-        <a:blipFill dpi="0" rotWithShape="1">
-          <a:blip r:embed="rId2">
-            <a:lum/>
-          </a:blip>
-          <a:srcRect/>
-          <a:stretch>
-            <a:fillRect/>
-          </a:stretch>
-        </a:blipFill>
-        <a:effectLst/>
-      </p:bgPr>
-    </p:bg>
-    <p:spTree>
-      <p:nvGrpSpPr>
-        <p:cNvPr id="1" name="">
-          <a:extLst>
-            <a:ext uri="{FF2B5EF4-FFF2-40B4-BE49-F238E27FC236}">
-              <a16:creationId xmlns:a16="http://schemas.microsoft.com/office/drawing/2014/main" id="{7625225D-E33D-18A3-0832-963D1A97E44E}"/>
-            </a:ext>
-          </a:extLst>
-        </p:cNvPr>
-        <p:cNvGrpSpPr/>
-        <p:nvPr/>
-      </p:nvGrpSpPr>
-      <p:grpSpPr>
-        <a:xfrm>
-          <a:off x="0" y="0"/>
-          <a:ext cx="0" cy="0"/>
-          <a:chOff x="0" y="0"/>
-          <a:chExt cx="0" cy="0"/>
-        </a:xfrm>
-      </p:grpSpPr>
-      <p:sp>
-        <p:nvSpPr>
-          <p:cNvPr id="4" name="Título 3">
-            <a:extLst>
-              <a:ext uri="{FF2B5EF4-FFF2-40B4-BE49-F238E27FC236}">
-                <a16:creationId xmlns:a16="http://schemas.microsoft.com/office/drawing/2014/main" id="{FF623CD5-00BF-A834-B999-ADB6F7AE69CB}"/>
-              </a:ext>
-            </a:extLst>
-          </p:cNvPr>
-          <p:cNvSpPr>
-            <a:spLocks noGrp="1"/>
-          </p:cNvSpPr>
-          <p:nvPr>
-            <p:ph type="title"/>
-          </p:nvPr>
-        </p:nvSpPr>
-        <p:spPr/>
-        <p:txBody>
-          <a:bodyPr/>
-          <a:lstStyle/>
-          <a:p>
-            <a:pPr marL="742950" indent="-742950">
-              <a:buFont typeface="+mj-lt"/>
-              <a:buAutoNum type="arabicPeriod" startAt="8"/>
-            </a:pPr>
-            <a:r>
-              <a:rPr lang="pt-BR" dirty="0"/>
-              <a:t>Conclusão</a:t>
-            </a:r>
-          </a:p>
-        </p:txBody>
-      </p:sp>
-      <p:sp>
-        <p:nvSpPr>
-          <p:cNvPr id="5" name="Espaço Reservado para Conteúdo 4">
-            <a:extLst>
-              <a:ext uri="{FF2B5EF4-FFF2-40B4-BE49-F238E27FC236}">
-                <a16:creationId xmlns:a16="http://schemas.microsoft.com/office/drawing/2014/main" id="{754E1015-546B-BFDE-4B7C-0B65FFE765DD}"/>
-              </a:ext>
-            </a:extLst>
-          </p:cNvPr>
-          <p:cNvSpPr>
-            <a:spLocks noGrp="1"/>
-          </p:cNvSpPr>
-          <p:nvPr>
-            <p:ph idx="1"/>
-          </p:nvPr>
-        </p:nvSpPr>
-        <p:spPr/>
-        <p:txBody>
-          <a:bodyPr/>
-          <a:lstStyle/>
-          <a:p>
-            <a:r>
-              <a:rPr lang="pt-BR" dirty="0"/>
-              <a:t>Treino e teste dos models X, Y e Z;</a:t>
-            </a:r>
-          </a:p>
-          <a:p>
-            <a:r>
-              <a:rPr lang="pt-BR" dirty="0"/>
-              <a:t>Dentre esses escolhemos o modelo X;</a:t>
-            </a:r>
-          </a:p>
-          <a:p>
-            <a:r>
-              <a:rPr lang="pt-BR" dirty="0"/>
-              <a:t>Observação do modelo aplicado teve acurácia de XXX;</a:t>
-            </a:r>
-          </a:p>
-          <a:p>
-            <a:r>
-              <a:rPr lang="pt-BR" dirty="0"/>
-              <a:t>Mais Comentários;</a:t>
-            </a:r>
-          </a:p>
-        </p:txBody>
-      </p:sp>
-    </p:spTree>
-    <p:extLst>
-      <p:ext uri="{BB962C8B-B14F-4D97-AF65-F5344CB8AC3E}">
-        <p14:creationId xmlns:p14="http://schemas.microsoft.com/office/powerpoint/2010/main" val="1407816696"/>
-      </p:ext>
-    </p:extLst>
-  </p:cSld>
-  <p:clrMapOvr>
-    <a:masterClrMapping/>
-  </p:clrMapOvr>
-</p:sld>
-</file>
-
-<file path=ppt/slides/slide19.xml><?xml version="1.0" encoding="utf-8"?>
-<p:sld xmlns:a="http://schemas.openxmlformats.org/drawingml/2006/main" xmlns:r="http://schemas.openxmlformats.org/officeDocument/2006/relationships" xmlns:p="http://schemas.openxmlformats.org/presentationml/2006/main">
-  <p:cSld>
-    <p:bg>
-      <p:bgPr>
-        <a:blipFill dpi="0" rotWithShape="1">
-          <a:blip r:embed="rId2">
-            <a:lum/>
-          </a:blip>
-          <a:srcRect/>
-          <a:stretch>
-            <a:fillRect/>
-          </a:stretch>
-        </a:blipFill>
-        <a:effectLst/>
-      </p:bgPr>
-    </p:bg>
-    <p:spTree>
-      <p:nvGrpSpPr>
-        <p:cNvPr id="1" name="">
-          <a:extLst>
-            <a:ext uri="{FF2B5EF4-FFF2-40B4-BE49-F238E27FC236}">
-              <a16:creationId xmlns:a16="http://schemas.microsoft.com/office/drawing/2014/main" id="{01F77476-BE32-FA72-A13E-100301FD8AE5}"/>
-            </a:ext>
-          </a:extLst>
-        </p:cNvPr>
-        <p:cNvGrpSpPr/>
-        <p:nvPr/>
-      </p:nvGrpSpPr>
-      <p:grpSpPr>
-        <a:xfrm>
-          <a:off x="0" y="0"/>
-          <a:ext cx="0" cy="0"/>
-          <a:chOff x="0" y="0"/>
-          <a:chExt cx="0" cy="0"/>
-        </a:xfrm>
-      </p:grpSpPr>
-      <p:sp>
-        <p:nvSpPr>
-          <p:cNvPr id="2" name="Título 1">
-            <a:extLst>
-              <a:ext uri="{FF2B5EF4-FFF2-40B4-BE49-F238E27FC236}">
-                <a16:creationId xmlns:a16="http://schemas.microsoft.com/office/drawing/2014/main" id="{FC4DB56D-AEC4-F2DD-DFD5-E5BDEF680144}"/>
-              </a:ext>
-            </a:extLst>
-          </p:cNvPr>
-          <p:cNvSpPr>
-            <a:spLocks noGrp="1"/>
-          </p:cNvSpPr>
-          <p:nvPr>
-            <p:ph type="title"/>
-          </p:nvPr>
-        </p:nvSpPr>
-        <p:spPr/>
-        <p:txBody>
-          <a:bodyPr/>
-          <a:lstStyle/>
-          <a:p>
-            <a:endParaRPr lang="pt-BR" dirty="0"/>
-          </a:p>
-        </p:txBody>
-      </p:sp>
-      <p:sp>
-        <p:nvSpPr>
-          <p:cNvPr id="3" name="Espaço Reservado para Conteúdo 2">
-            <a:extLst>
-              <a:ext uri="{FF2B5EF4-FFF2-40B4-BE49-F238E27FC236}">
-                <a16:creationId xmlns:a16="http://schemas.microsoft.com/office/drawing/2014/main" id="{0F95B50C-1DB7-B69B-BE5A-F4D2E624EEA2}"/>
-              </a:ext>
-            </a:extLst>
-          </p:cNvPr>
-          <p:cNvSpPr>
-            <a:spLocks noGrp="1"/>
-          </p:cNvSpPr>
-          <p:nvPr>
-            <p:ph idx="1"/>
-          </p:nvPr>
-        </p:nvSpPr>
-        <p:spPr/>
-        <p:txBody>
-          <a:bodyPr/>
-          <a:lstStyle/>
-          <a:p>
-            <a:endParaRPr lang="pt-BR" dirty="0"/>
-          </a:p>
-        </p:txBody>
-      </p:sp>
-    </p:spTree>
-    <p:extLst>
-      <p:ext uri="{BB962C8B-B14F-4D97-AF65-F5344CB8AC3E}">
-        <p14:creationId xmlns:p14="http://schemas.microsoft.com/office/powerpoint/2010/main" val="2772287773"/>
       </p:ext>
     </p:extLst>
   </p:cSld>
@@ -6456,6 +6598,234 @@
   <p:cSld>
     <p:bg>
       <p:bgPr>
+        <a:blipFill dpi="0" rotWithShape="1">
+          <a:blip r:embed="rId2">
+            <a:lum/>
+          </a:blip>
+          <a:srcRect/>
+          <a:stretch>
+            <a:fillRect/>
+          </a:stretch>
+        </a:blipFill>
+        <a:effectLst/>
+      </p:bgPr>
+    </p:bg>
+    <p:spTree>
+      <p:nvGrpSpPr>
+        <p:cNvPr id="1" name="">
+          <a:extLst>
+            <a:ext uri="{FF2B5EF4-FFF2-40B4-BE49-F238E27FC236}">
+              <a16:creationId xmlns:a16="http://schemas.microsoft.com/office/drawing/2014/main" id="{7625225D-E33D-18A3-0832-963D1A97E44E}"/>
+            </a:ext>
+          </a:extLst>
+        </p:cNvPr>
+        <p:cNvGrpSpPr/>
+        <p:nvPr/>
+      </p:nvGrpSpPr>
+      <p:grpSpPr>
+        <a:xfrm>
+          <a:off x="0" y="0"/>
+          <a:ext cx="0" cy="0"/>
+          <a:chOff x="0" y="0"/>
+          <a:chExt cx="0" cy="0"/>
+        </a:xfrm>
+      </p:grpSpPr>
+      <p:sp>
+        <p:nvSpPr>
+          <p:cNvPr id="4" name="Título 3">
+            <a:extLst>
+              <a:ext uri="{FF2B5EF4-FFF2-40B4-BE49-F238E27FC236}">
+                <a16:creationId xmlns:a16="http://schemas.microsoft.com/office/drawing/2014/main" id="{FF623CD5-00BF-A834-B999-ADB6F7AE69CB}"/>
+              </a:ext>
+            </a:extLst>
+          </p:cNvPr>
+          <p:cNvSpPr>
+            <a:spLocks noGrp="1"/>
+          </p:cNvSpPr>
+          <p:nvPr>
+            <p:ph type="title"/>
+          </p:nvPr>
+        </p:nvSpPr>
+        <p:spPr/>
+        <p:txBody>
+          <a:bodyPr/>
+          <a:lstStyle/>
+          <a:p>
+            <a:pPr marL="742950" indent="-742950">
+              <a:buFont typeface="+mj-lt"/>
+              <a:buAutoNum type="arabicPeriod" startAt="8"/>
+            </a:pPr>
+            <a:r>
+              <a:rPr lang="pt-BR" dirty="0"/>
+              <a:t>Conclusão</a:t>
+            </a:r>
+          </a:p>
+        </p:txBody>
+      </p:sp>
+      <p:sp>
+        <p:nvSpPr>
+          <p:cNvPr id="5" name="Espaço Reservado para Conteúdo 4">
+            <a:extLst>
+              <a:ext uri="{FF2B5EF4-FFF2-40B4-BE49-F238E27FC236}">
+                <a16:creationId xmlns:a16="http://schemas.microsoft.com/office/drawing/2014/main" id="{754E1015-546B-BFDE-4B7C-0B65FFE765DD}"/>
+              </a:ext>
+            </a:extLst>
+          </p:cNvPr>
+          <p:cNvSpPr>
+            <a:spLocks noGrp="1"/>
+          </p:cNvSpPr>
+          <p:nvPr>
+            <p:ph idx="1"/>
+          </p:nvPr>
+        </p:nvSpPr>
+        <p:spPr/>
+        <p:txBody>
+          <a:bodyPr/>
+          <a:lstStyle/>
+          <a:p>
+            <a:r>
+              <a:rPr lang="pt-BR" dirty="0"/>
+              <a:t>Treino e teste dos models X, Y e Z;</a:t>
+            </a:r>
+          </a:p>
+          <a:p>
+            <a:r>
+              <a:rPr lang="pt-BR" dirty="0"/>
+              <a:t>Dentre esses escolhemos o modelo X;</a:t>
+            </a:r>
+          </a:p>
+          <a:p>
+            <a:r>
+              <a:rPr lang="pt-BR" dirty="0"/>
+              <a:t>Observação do modelo aplicado teve acurácia de XXX;</a:t>
+            </a:r>
+          </a:p>
+          <a:p>
+            <a:r>
+              <a:rPr lang="pt-BR" dirty="0"/>
+              <a:t>Mais Comentários;</a:t>
+            </a:r>
+          </a:p>
+        </p:txBody>
+      </p:sp>
+    </p:spTree>
+    <p:extLst>
+      <p:ext uri="{BB962C8B-B14F-4D97-AF65-F5344CB8AC3E}">
+        <p14:creationId xmlns:p14="http://schemas.microsoft.com/office/powerpoint/2010/main" val="1407816696"/>
+      </p:ext>
+    </p:extLst>
+  </p:cSld>
+  <p:clrMapOvr>
+    <a:masterClrMapping/>
+  </p:clrMapOvr>
+</p:sld>
+</file>
+
+<file path=ppt/slides/slide21.xml><?xml version="1.0" encoding="utf-8"?>
+<p:sld xmlns:a="http://schemas.openxmlformats.org/drawingml/2006/main" xmlns:r="http://schemas.openxmlformats.org/officeDocument/2006/relationships" xmlns:p="http://schemas.openxmlformats.org/presentationml/2006/main">
+  <p:cSld>
+    <p:bg>
+      <p:bgPr>
+        <a:blipFill dpi="0" rotWithShape="1">
+          <a:blip r:embed="rId2">
+            <a:lum/>
+          </a:blip>
+          <a:srcRect/>
+          <a:stretch>
+            <a:fillRect/>
+          </a:stretch>
+        </a:blipFill>
+        <a:effectLst/>
+      </p:bgPr>
+    </p:bg>
+    <p:spTree>
+      <p:nvGrpSpPr>
+        <p:cNvPr id="1" name="">
+          <a:extLst>
+            <a:ext uri="{FF2B5EF4-FFF2-40B4-BE49-F238E27FC236}">
+              <a16:creationId xmlns:a16="http://schemas.microsoft.com/office/drawing/2014/main" id="{01F77476-BE32-FA72-A13E-100301FD8AE5}"/>
+            </a:ext>
+          </a:extLst>
+        </p:cNvPr>
+        <p:cNvGrpSpPr/>
+        <p:nvPr/>
+      </p:nvGrpSpPr>
+      <p:grpSpPr>
+        <a:xfrm>
+          <a:off x="0" y="0"/>
+          <a:ext cx="0" cy="0"/>
+          <a:chOff x="0" y="0"/>
+          <a:chExt cx="0" cy="0"/>
+        </a:xfrm>
+      </p:grpSpPr>
+      <p:sp>
+        <p:nvSpPr>
+          <p:cNvPr id="2" name="Título 1">
+            <a:extLst>
+              <a:ext uri="{FF2B5EF4-FFF2-40B4-BE49-F238E27FC236}">
+                <a16:creationId xmlns:a16="http://schemas.microsoft.com/office/drawing/2014/main" id="{FC4DB56D-AEC4-F2DD-DFD5-E5BDEF680144}"/>
+              </a:ext>
+            </a:extLst>
+          </p:cNvPr>
+          <p:cNvSpPr>
+            <a:spLocks noGrp="1"/>
+          </p:cNvSpPr>
+          <p:nvPr>
+            <p:ph type="title"/>
+          </p:nvPr>
+        </p:nvSpPr>
+        <p:spPr/>
+        <p:txBody>
+          <a:bodyPr/>
+          <a:lstStyle/>
+          <a:p>
+            <a:endParaRPr lang="pt-BR" dirty="0"/>
+          </a:p>
+        </p:txBody>
+      </p:sp>
+      <p:sp>
+        <p:nvSpPr>
+          <p:cNvPr id="3" name="Espaço Reservado para Conteúdo 2">
+            <a:extLst>
+              <a:ext uri="{FF2B5EF4-FFF2-40B4-BE49-F238E27FC236}">
+                <a16:creationId xmlns:a16="http://schemas.microsoft.com/office/drawing/2014/main" id="{0F95B50C-1DB7-B69B-BE5A-F4D2E624EEA2}"/>
+              </a:ext>
+            </a:extLst>
+          </p:cNvPr>
+          <p:cNvSpPr>
+            <a:spLocks noGrp="1"/>
+          </p:cNvSpPr>
+          <p:nvPr>
+            <p:ph idx="1"/>
+          </p:nvPr>
+        </p:nvSpPr>
+        <p:spPr/>
+        <p:txBody>
+          <a:bodyPr/>
+          <a:lstStyle/>
+          <a:p>
+            <a:endParaRPr lang="pt-BR" dirty="0"/>
+          </a:p>
+        </p:txBody>
+      </p:sp>
+    </p:spTree>
+    <p:extLst>
+      <p:ext uri="{BB962C8B-B14F-4D97-AF65-F5344CB8AC3E}">
+        <p14:creationId xmlns:p14="http://schemas.microsoft.com/office/powerpoint/2010/main" val="2772287773"/>
+      </p:ext>
+    </p:extLst>
+  </p:cSld>
+  <p:clrMapOvr>
+    <a:masterClrMapping/>
+  </p:clrMapOvr>
+</p:sld>
+</file>
+
+<file path=ppt/slides/slide22.xml><?xml version="1.0" encoding="utf-8"?>
+<p:sld xmlns:a="http://schemas.openxmlformats.org/drawingml/2006/main" xmlns:r="http://schemas.openxmlformats.org/officeDocument/2006/relationships" xmlns:p="http://schemas.openxmlformats.org/presentationml/2006/main">
+  <p:cSld>
+    <p:bg>
+      <p:bgPr>
         <a:solidFill>
           <a:schemeClr val="bg1"/>
         </a:solidFill>
@@ -7310,7 +7680,7 @@
         <p:spPr/>
         <p:txBody>
           <a:bodyPr>
-            <a:normAutofit fontScale="92500" lnSpcReduction="20000"/>
+            <a:normAutofit fontScale="85000" lnSpcReduction="10000"/>
           </a:bodyPr>
           <a:lstStyle/>
           <a:p>
@@ -7350,6 +7720,9 @@
               <a:rPr lang="pt-BR" dirty="0"/>
               <a:t>-data) e selecione o período “diário”, com o intervalo de tempo que achar adequado. </a:t>
             </a:r>
+          </a:p>
+          <a:p>
+            <a:endParaRPr lang="pt-BR" dirty="0"/>
           </a:p>
           <a:p>
             <a:r>
@@ -7512,37 +7885,23 @@
           <a:p>
             <a:r>
               <a:rPr lang="pt-BR" dirty="0"/>
-              <a:t>De onde obtivemos a base de dados  - Realizamos o download de um arquivo .</a:t>
+              <a:t>Realizamos o input dos dados, </a:t>
             </a:r>
             <a:r>
               <a:rPr lang="pt-BR" dirty="0" err="1"/>
-              <a:t>csv</a:t>
-            </a:r>
-            <a:r>
-              <a:rPr lang="pt-BR" dirty="0"/>
-              <a:t> do site </a:t>
+              <a:t>atrave´s</a:t>
+            </a:r>
+            <a:r>
+              <a:rPr lang="pt-BR" dirty="0"/>
+              <a:t> do </a:t>
             </a:r>
             <a:r>
               <a:rPr lang="pt-BR" dirty="0" err="1"/>
-              <a:t>investing</a:t>
-            </a:r>
-            <a:r>
-              <a:rPr lang="pt-BR" dirty="0"/>
-              <a:t>, conforme informado, </a:t>
-            </a:r>
-            <a:r>
-              <a:rPr lang="pt-BR" dirty="0" err="1"/>
-              <a:t>co</a:t>
-            </a:r>
-            <a:r>
-              <a:rPr lang="pt-BR" dirty="0"/>
-              <a:t> s os dados entre XX/XX/XXXX e XX/XX/XXXX. </a:t>
-            </a:r>
-          </a:p>
-          <a:p>
-            <a:r>
-              <a:rPr lang="pt-BR" dirty="0"/>
-              <a:t>Período Analisado</a:t>
+              <a:t>arquivo.Csv</a:t>
+            </a:r>
+            <a:r>
+              <a:rPr lang="pt-BR" dirty="0"/>
+              <a:t>, baixado do site indicado: Período Analisado</a:t>
             </a:r>
           </a:p>
           <a:p>
@@ -7579,6 +7938,355 @@
 </file>
 
 <file path=ppt/slides/slide7.xml><?xml version="1.0" encoding="utf-8"?>
+<p:sld xmlns:a="http://schemas.openxmlformats.org/drawingml/2006/main" xmlns:r="http://schemas.openxmlformats.org/officeDocument/2006/relationships" xmlns:p="http://schemas.openxmlformats.org/presentationml/2006/main">
+  <p:cSld>
+    <p:bg>
+      <p:bgPr>
+        <a:blipFill dpi="0" rotWithShape="1">
+          <a:blip r:embed="rId2">
+            <a:lum/>
+          </a:blip>
+          <a:srcRect/>
+          <a:stretch>
+            <a:fillRect/>
+          </a:stretch>
+        </a:blipFill>
+        <a:effectLst/>
+      </p:bgPr>
+    </p:bg>
+    <p:spTree>
+      <p:nvGrpSpPr>
+        <p:cNvPr id="1" name="">
+          <a:extLst>
+            <a:ext uri="{FF2B5EF4-FFF2-40B4-BE49-F238E27FC236}">
+              <a16:creationId xmlns:a16="http://schemas.microsoft.com/office/drawing/2014/main" id="{46A61A53-DB47-75C9-8B52-D96E462B2EE2}"/>
+            </a:ext>
+          </a:extLst>
+        </p:cNvPr>
+        <p:cNvGrpSpPr/>
+        <p:nvPr/>
+      </p:nvGrpSpPr>
+      <p:grpSpPr>
+        <a:xfrm>
+          <a:off x="0" y="0"/>
+          <a:ext cx="0" cy="0"/>
+          <a:chOff x="0" y="0"/>
+          <a:chExt cx="0" cy="0"/>
+        </a:xfrm>
+      </p:grpSpPr>
+      <p:sp>
+        <p:nvSpPr>
+          <p:cNvPr id="4" name="Título 3">
+            <a:extLst>
+              <a:ext uri="{FF2B5EF4-FFF2-40B4-BE49-F238E27FC236}">
+                <a16:creationId xmlns:a16="http://schemas.microsoft.com/office/drawing/2014/main" id="{F6E6AABE-FFCE-4327-AA8C-1245D63F27CA}"/>
+              </a:ext>
+            </a:extLst>
+          </p:cNvPr>
+          <p:cNvSpPr>
+            <a:spLocks noGrp="1"/>
+          </p:cNvSpPr>
+          <p:nvPr>
+            <p:ph type="title"/>
+          </p:nvPr>
+        </p:nvSpPr>
+        <p:spPr/>
+        <p:txBody>
+          <a:bodyPr/>
+          <a:lstStyle/>
+          <a:p>
+            <a:pPr marL="742950" indent="-742950">
+              <a:buFont typeface="+mj-lt"/>
+              <a:buAutoNum type="arabicPeriod" startAt="2"/>
+            </a:pPr>
+            <a:r>
+              <a:rPr lang="pt-BR" dirty="0"/>
+              <a:t>Análise Exploratória dos Dados</a:t>
+            </a:r>
+          </a:p>
+        </p:txBody>
+      </p:sp>
+      <p:sp>
+        <p:nvSpPr>
+          <p:cNvPr id="5" name="Espaço Reservado para Conteúdo 4">
+            <a:extLst>
+              <a:ext uri="{FF2B5EF4-FFF2-40B4-BE49-F238E27FC236}">
+                <a16:creationId xmlns:a16="http://schemas.microsoft.com/office/drawing/2014/main" id="{E00DEFC8-1077-1246-6BE2-7C8BEB823453}"/>
+              </a:ext>
+            </a:extLst>
+          </p:cNvPr>
+          <p:cNvSpPr>
+            <a:spLocks noGrp="1"/>
+          </p:cNvSpPr>
+          <p:nvPr>
+            <p:ph idx="1"/>
+          </p:nvPr>
+        </p:nvSpPr>
+        <p:spPr/>
+        <p:txBody>
+          <a:bodyPr/>
+          <a:lstStyle/>
+          <a:p>
+            <a:r>
+              <a:rPr lang="pt-BR" dirty="0"/>
+              <a:t>De onde obtivemos a base de dados  - Realizamos o download de um arquivo .</a:t>
+            </a:r>
+            <a:r>
+              <a:rPr lang="pt-BR" dirty="0" err="1"/>
+              <a:t>csv</a:t>
+            </a:r>
+            <a:r>
+              <a:rPr lang="pt-BR" dirty="0"/>
+              <a:t> do site </a:t>
+            </a:r>
+            <a:r>
+              <a:rPr lang="pt-BR" dirty="0" err="1"/>
+              <a:t>investing</a:t>
+            </a:r>
+            <a:r>
+              <a:rPr lang="pt-BR" dirty="0"/>
+              <a:t>, conforme informado, </a:t>
+            </a:r>
+            <a:r>
+              <a:rPr lang="pt-BR" dirty="0" err="1"/>
+              <a:t>co</a:t>
+            </a:r>
+            <a:r>
+              <a:rPr lang="pt-BR" dirty="0"/>
+              <a:t> s os dados entre XX/XX/XXXX e XX/XX/XXXX. </a:t>
+            </a:r>
+          </a:p>
+          <a:p>
+            <a:endParaRPr lang="pt-BR" dirty="0"/>
+          </a:p>
+          <a:p>
+            <a:r>
+              <a:rPr lang="pt-BR" dirty="0"/>
+              <a:t>Período Analisado</a:t>
+            </a:r>
+          </a:p>
+          <a:p>
+            <a:r>
+              <a:rPr lang="pt-BR" dirty="0"/>
+              <a:t>Anotações de transformações necessárias nos dados ( aqui ou deixamos no código?)</a:t>
+            </a:r>
+          </a:p>
+          <a:p>
+            <a:r>
+              <a:rPr lang="pt-BR" dirty="0"/>
+              <a:t>???Gráfico de fechamento ao longo do período????</a:t>
+            </a:r>
+          </a:p>
+          <a:p>
+            <a:endParaRPr lang="pt-BR" dirty="0"/>
+          </a:p>
+          <a:p>
+            <a:endParaRPr lang="pt-BR" dirty="0"/>
+          </a:p>
+        </p:txBody>
+      </p:sp>
+      <p:pic>
+        <p:nvPicPr>
+          <p:cNvPr id="3" name="Imagem 2">
+            <a:extLst>
+              <a:ext uri="{FF2B5EF4-FFF2-40B4-BE49-F238E27FC236}">
+                <a16:creationId xmlns:a16="http://schemas.microsoft.com/office/drawing/2014/main" id="{95C56EF9-A87D-6642-78BA-BFD65103F29F}"/>
+              </a:ext>
+            </a:extLst>
+          </p:cNvPr>
+          <p:cNvPicPr>
+            <a:picLocks noChangeAspect="1"/>
+          </p:cNvPicPr>
+          <p:nvPr/>
+        </p:nvPicPr>
+        <p:blipFill>
+          <a:blip r:embed="rId3"/>
+          <a:stretch>
+            <a:fillRect/>
+          </a:stretch>
+        </p:blipFill>
+        <p:spPr>
+          <a:xfrm>
+            <a:off x="142875" y="2933700"/>
+            <a:ext cx="11906250" cy="990600"/>
+          </a:xfrm>
+          <a:prstGeom prst="rect">
+            <a:avLst/>
+          </a:prstGeom>
+        </p:spPr>
+      </p:pic>
+    </p:spTree>
+    <p:extLst>
+      <p:ext uri="{BB962C8B-B14F-4D97-AF65-F5344CB8AC3E}">
+        <p14:creationId xmlns:p14="http://schemas.microsoft.com/office/powerpoint/2010/main" val="1945438211"/>
+      </p:ext>
+    </p:extLst>
+  </p:cSld>
+  <p:clrMapOvr>
+    <a:masterClrMapping/>
+  </p:clrMapOvr>
+</p:sld>
+</file>
+
+<file path=ppt/slides/slide8.xml><?xml version="1.0" encoding="utf-8"?>
+<p:sld xmlns:a="http://schemas.openxmlformats.org/drawingml/2006/main" xmlns:r="http://schemas.openxmlformats.org/officeDocument/2006/relationships" xmlns:p="http://schemas.openxmlformats.org/presentationml/2006/main">
+  <p:cSld>
+    <p:bg>
+      <p:bgPr>
+        <a:blipFill dpi="0" rotWithShape="1">
+          <a:blip r:embed="rId2">
+            <a:lum/>
+          </a:blip>
+          <a:srcRect/>
+          <a:stretch>
+            <a:fillRect/>
+          </a:stretch>
+        </a:blipFill>
+        <a:effectLst/>
+      </p:bgPr>
+    </p:bg>
+    <p:spTree>
+      <p:nvGrpSpPr>
+        <p:cNvPr id="1" name="">
+          <a:extLst>
+            <a:ext uri="{FF2B5EF4-FFF2-40B4-BE49-F238E27FC236}">
+              <a16:creationId xmlns:a16="http://schemas.microsoft.com/office/drawing/2014/main" id="{4288E030-9EBD-4CD7-14BE-8A890EAE7062}"/>
+            </a:ext>
+          </a:extLst>
+        </p:cNvPr>
+        <p:cNvGrpSpPr/>
+        <p:nvPr/>
+      </p:nvGrpSpPr>
+      <p:grpSpPr>
+        <a:xfrm>
+          <a:off x="0" y="0"/>
+          <a:ext cx="0" cy="0"/>
+          <a:chOff x="0" y="0"/>
+          <a:chExt cx="0" cy="0"/>
+        </a:xfrm>
+      </p:grpSpPr>
+      <p:sp>
+        <p:nvSpPr>
+          <p:cNvPr id="4" name="Título 3">
+            <a:extLst>
+              <a:ext uri="{FF2B5EF4-FFF2-40B4-BE49-F238E27FC236}">
+                <a16:creationId xmlns:a16="http://schemas.microsoft.com/office/drawing/2014/main" id="{7BE4DC5A-CA8C-6227-FDB2-A2A571D9761D}"/>
+              </a:ext>
+            </a:extLst>
+          </p:cNvPr>
+          <p:cNvSpPr>
+            <a:spLocks noGrp="1"/>
+          </p:cNvSpPr>
+          <p:nvPr>
+            <p:ph type="title"/>
+          </p:nvPr>
+        </p:nvSpPr>
+        <p:spPr/>
+        <p:txBody>
+          <a:bodyPr/>
+          <a:lstStyle/>
+          <a:p>
+            <a:pPr marL="742950" indent="-742950">
+              <a:buFont typeface="+mj-lt"/>
+              <a:buAutoNum type="arabicPeriod" startAt="2"/>
+            </a:pPr>
+            <a:r>
+              <a:rPr lang="pt-BR" dirty="0"/>
+              <a:t>Análise Exploratória dos Dados</a:t>
+            </a:r>
+          </a:p>
+        </p:txBody>
+      </p:sp>
+      <p:sp>
+        <p:nvSpPr>
+          <p:cNvPr id="5" name="Espaço Reservado para Conteúdo 4">
+            <a:extLst>
+              <a:ext uri="{FF2B5EF4-FFF2-40B4-BE49-F238E27FC236}">
+                <a16:creationId xmlns:a16="http://schemas.microsoft.com/office/drawing/2014/main" id="{DAE25980-E370-1B5F-DFA4-61A5641ACBBD}"/>
+              </a:ext>
+            </a:extLst>
+          </p:cNvPr>
+          <p:cNvSpPr>
+            <a:spLocks noGrp="1"/>
+          </p:cNvSpPr>
+          <p:nvPr>
+            <p:ph idx="1"/>
+          </p:nvPr>
+        </p:nvSpPr>
+        <p:spPr/>
+        <p:txBody>
+          <a:bodyPr/>
+          <a:lstStyle/>
+          <a:p>
+            <a:r>
+              <a:rPr lang="pt-BR" dirty="0"/>
+              <a:t>De onde obtivemos a base de dados  - Realizamos o download de um arquivo .</a:t>
+            </a:r>
+            <a:r>
+              <a:rPr lang="pt-BR" dirty="0" err="1"/>
+              <a:t>csv</a:t>
+            </a:r>
+            <a:r>
+              <a:rPr lang="pt-BR" dirty="0"/>
+              <a:t> do site </a:t>
+            </a:r>
+            <a:r>
+              <a:rPr lang="pt-BR" dirty="0" err="1"/>
+              <a:t>investing</a:t>
+            </a:r>
+            <a:r>
+              <a:rPr lang="pt-BR" dirty="0"/>
+              <a:t>, conforme informado, </a:t>
+            </a:r>
+            <a:r>
+              <a:rPr lang="pt-BR" dirty="0" err="1"/>
+              <a:t>co</a:t>
+            </a:r>
+            <a:r>
+              <a:rPr lang="pt-BR" dirty="0"/>
+              <a:t> s os dados entre XX/XX/XXXX e XX/XX/XXXX. </a:t>
+            </a:r>
+          </a:p>
+          <a:p>
+            <a:r>
+              <a:rPr lang="pt-BR" dirty="0"/>
+              <a:t>Período Analisado</a:t>
+            </a:r>
+          </a:p>
+          <a:p>
+            <a:r>
+              <a:rPr lang="pt-BR" dirty="0"/>
+              <a:t>Anotações de transformações necessárias nos dados ( aqui ou deixamos no código?)</a:t>
+            </a:r>
+          </a:p>
+          <a:p>
+            <a:r>
+              <a:rPr lang="pt-BR" dirty="0"/>
+              <a:t>???Gráfico de fechamento ao longo do período????</a:t>
+            </a:r>
+          </a:p>
+          <a:p>
+            <a:endParaRPr lang="pt-BR" dirty="0"/>
+          </a:p>
+          <a:p>
+            <a:endParaRPr lang="pt-BR" dirty="0"/>
+          </a:p>
+        </p:txBody>
+      </p:sp>
+    </p:spTree>
+    <p:extLst>
+      <p:ext uri="{BB962C8B-B14F-4D97-AF65-F5344CB8AC3E}">
+        <p14:creationId xmlns:p14="http://schemas.microsoft.com/office/powerpoint/2010/main" val="1531945353"/>
+      </p:ext>
+    </p:extLst>
+  </p:cSld>
+  <p:clrMapOvr>
+    <a:masterClrMapping/>
+  </p:clrMapOvr>
+</p:sld>
+</file>
+
+<file path=ppt/slides/slide9.xml><?xml version="1.0" encoding="utf-8"?>
 <p:sld xmlns:a="http://schemas.openxmlformats.org/drawingml/2006/main" xmlns:r="http://schemas.openxmlformats.org/officeDocument/2006/relationships" xmlns:p="http://schemas.openxmlformats.org/presentationml/2006/main">
   <p:cSld>
     <p:bg>
@@ -7733,322 +8441,6 @@
     <p:extLst>
       <p:ext uri="{BB962C8B-B14F-4D97-AF65-F5344CB8AC3E}">
         <p14:creationId xmlns:p14="http://schemas.microsoft.com/office/powerpoint/2010/main" val="4237091996"/>
-      </p:ext>
-    </p:extLst>
-  </p:cSld>
-  <p:clrMapOvr>
-    <a:masterClrMapping/>
-  </p:clrMapOvr>
-</p:sld>
-</file>
-
-<file path=ppt/slides/slide8.xml><?xml version="1.0" encoding="utf-8"?>
-<p:sld xmlns:a="http://schemas.openxmlformats.org/drawingml/2006/main" xmlns:r="http://schemas.openxmlformats.org/officeDocument/2006/relationships" xmlns:p="http://schemas.openxmlformats.org/presentationml/2006/main">
-  <p:cSld>
-    <p:bg>
-      <p:bgPr>
-        <a:blipFill dpi="0" rotWithShape="1">
-          <a:blip r:embed="rId2">
-            <a:lum/>
-          </a:blip>
-          <a:srcRect/>
-          <a:stretch>
-            <a:fillRect/>
-          </a:stretch>
-        </a:blipFill>
-        <a:effectLst/>
-      </p:bgPr>
-    </p:bg>
-    <p:spTree>
-      <p:nvGrpSpPr>
-        <p:cNvPr id="1" name="">
-          <a:extLst>
-            <a:ext uri="{FF2B5EF4-FFF2-40B4-BE49-F238E27FC236}">
-              <a16:creationId xmlns:a16="http://schemas.microsoft.com/office/drawing/2014/main" id="{0BD20D63-A304-5005-7650-4752F954B702}"/>
-            </a:ext>
-          </a:extLst>
-        </p:cNvPr>
-        <p:cNvGrpSpPr/>
-        <p:nvPr/>
-      </p:nvGrpSpPr>
-      <p:grpSpPr>
-        <a:xfrm>
-          <a:off x="0" y="0"/>
-          <a:ext cx="0" cy="0"/>
-          <a:chOff x="0" y="0"/>
-          <a:chExt cx="0" cy="0"/>
-        </a:xfrm>
-      </p:grpSpPr>
-      <p:sp>
-        <p:nvSpPr>
-          <p:cNvPr id="4" name="Título 3">
-            <a:extLst>
-              <a:ext uri="{FF2B5EF4-FFF2-40B4-BE49-F238E27FC236}">
-                <a16:creationId xmlns:a16="http://schemas.microsoft.com/office/drawing/2014/main" id="{5ED345D9-62FA-1BC9-14BE-7E359A4BDFDA}"/>
-              </a:ext>
-            </a:extLst>
-          </p:cNvPr>
-          <p:cNvSpPr>
-            <a:spLocks noGrp="1"/>
-          </p:cNvSpPr>
-          <p:nvPr>
-            <p:ph type="title"/>
-          </p:nvPr>
-        </p:nvSpPr>
-        <p:spPr/>
-        <p:txBody>
-          <a:bodyPr/>
-          <a:lstStyle/>
-          <a:p>
-            <a:pPr marL="742950" indent="-742950">
-              <a:buFont typeface="+mj-lt"/>
-              <a:buAutoNum type="arabicPeriod" startAt="2"/>
-            </a:pPr>
-            <a:r>
-              <a:rPr lang="pt-BR" dirty="0"/>
-              <a:t>Análise Exploratória dos Dados</a:t>
-            </a:r>
-          </a:p>
-        </p:txBody>
-      </p:sp>
-      <p:sp>
-        <p:nvSpPr>
-          <p:cNvPr id="5" name="Espaço Reservado para Conteúdo 4">
-            <a:extLst>
-              <a:ext uri="{FF2B5EF4-FFF2-40B4-BE49-F238E27FC236}">
-                <a16:creationId xmlns:a16="http://schemas.microsoft.com/office/drawing/2014/main" id="{C75FA89C-3048-EDA1-B4B6-1175A5B6FDC3}"/>
-              </a:ext>
-            </a:extLst>
-          </p:cNvPr>
-          <p:cNvSpPr>
-            <a:spLocks noGrp="1"/>
-          </p:cNvSpPr>
-          <p:nvPr>
-            <p:ph idx="1"/>
-          </p:nvPr>
-        </p:nvSpPr>
-        <p:spPr/>
-        <p:txBody>
-          <a:bodyPr>
-            <a:normAutofit lnSpcReduction="10000"/>
-          </a:bodyPr>
-          <a:lstStyle/>
-          <a:p>
-            <a:r>
-              <a:rPr lang="pt-BR" dirty="0"/>
-              <a:t>Linha do tempo com principais acontecimentos - B</a:t>
-            </a:r>
-          </a:p>
-          <a:p>
-            <a:r>
-              <a:rPr lang="pt-BR" b="1" dirty="0"/>
-              <a:t>2002 - Eleição Presidencial no Brasil</a:t>
-            </a:r>
-          </a:p>
-          <a:p>
-            <a:pPr lvl="1"/>
-            <a:r>
-              <a:rPr lang="pt-BR" dirty="0"/>
-              <a:t>Incertezas em torno da vitória de Lula causaram fuga de capitais estrangeiros.</a:t>
-            </a:r>
-          </a:p>
-          <a:p>
-            <a:pPr lvl="1"/>
-            <a:r>
-              <a:rPr lang="pt-BR" dirty="0"/>
-              <a:t>Forte desvalorização do real e queda expressiva do Ibovespa, que só se recuperou após a confirmação do compromisso com a responsabilidade fiscal.</a:t>
-            </a:r>
-          </a:p>
-          <a:p>
-            <a:r>
-              <a:rPr lang="pt-BR" b="1" dirty="0">
-                <a:highlight>
-                  <a:srgbClr val="FFFF00"/>
-                </a:highlight>
-              </a:rPr>
-              <a:t>2008 - Crise do Subprime</a:t>
-            </a:r>
-          </a:p>
-          <a:p>
-            <a:pPr lvl="1"/>
-            <a:r>
-              <a:rPr lang="pt-BR" dirty="0"/>
-              <a:t>Colapso do mercado imobiliário dos EUA, levando à falência de grandes instituições financeiras.</a:t>
-            </a:r>
-          </a:p>
-          <a:p>
-            <a:pPr lvl="1"/>
-            <a:r>
-              <a:rPr lang="pt-BR" dirty="0"/>
-              <a:t>O Ibovespa caiu mais de 40% no ano devido à fuga de investidores e recessão global.</a:t>
-            </a:r>
-          </a:p>
-          <a:p>
-            <a:pPr lvl="1"/>
-            <a:endParaRPr lang="pt-BR" dirty="0"/>
-          </a:p>
-        </p:txBody>
-      </p:sp>
-    </p:spTree>
-    <p:extLst>
-      <p:ext uri="{BB962C8B-B14F-4D97-AF65-F5344CB8AC3E}">
-        <p14:creationId xmlns:p14="http://schemas.microsoft.com/office/powerpoint/2010/main" val="3534365709"/>
-      </p:ext>
-    </p:extLst>
-  </p:cSld>
-  <p:clrMapOvr>
-    <a:masterClrMapping/>
-  </p:clrMapOvr>
-</p:sld>
-</file>
-
-<file path=ppt/slides/slide9.xml><?xml version="1.0" encoding="utf-8"?>
-<p:sld xmlns:a="http://schemas.openxmlformats.org/drawingml/2006/main" xmlns:r="http://schemas.openxmlformats.org/officeDocument/2006/relationships" xmlns:p="http://schemas.openxmlformats.org/presentationml/2006/main">
-  <p:cSld>
-    <p:bg>
-      <p:bgPr>
-        <a:blipFill dpi="0" rotWithShape="1">
-          <a:blip r:embed="rId2">
-            <a:lum/>
-          </a:blip>
-          <a:srcRect/>
-          <a:stretch>
-            <a:fillRect/>
-          </a:stretch>
-        </a:blipFill>
-        <a:effectLst/>
-      </p:bgPr>
-    </p:bg>
-    <p:spTree>
-      <p:nvGrpSpPr>
-        <p:cNvPr id="1" name="">
-          <a:extLst>
-            <a:ext uri="{FF2B5EF4-FFF2-40B4-BE49-F238E27FC236}">
-              <a16:creationId xmlns:a16="http://schemas.microsoft.com/office/drawing/2014/main" id="{400265B1-31E3-171C-AC2E-5C0FC073C556}"/>
-            </a:ext>
-          </a:extLst>
-        </p:cNvPr>
-        <p:cNvGrpSpPr/>
-        <p:nvPr/>
-      </p:nvGrpSpPr>
-      <p:grpSpPr>
-        <a:xfrm>
-          <a:off x="0" y="0"/>
-          <a:ext cx="0" cy="0"/>
-          <a:chOff x="0" y="0"/>
-          <a:chExt cx="0" cy="0"/>
-        </a:xfrm>
-      </p:grpSpPr>
-      <p:sp>
-        <p:nvSpPr>
-          <p:cNvPr id="4" name="Título 3">
-            <a:extLst>
-              <a:ext uri="{FF2B5EF4-FFF2-40B4-BE49-F238E27FC236}">
-                <a16:creationId xmlns:a16="http://schemas.microsoft.com/office/drawing/2014/main" id="{1A924032-E808-EA9A-265C-AA253124407C}"/>
-              </a:ext>
-            </a:extLst>
-          </p:cNvPr>
-          <p:cNvSpPr>
-            <a:spLocks noGrp="1"/>
-          </p:cNvSpPr>
-          <p:nvPr>
-            <p:ph type="title"/>
-          </p:nvPr>
-        </p:nvSpPr>
-        <p:spPr/>
-        <p:txBody>
-          <a:bodyPr/>
-          <a:lstStyle/>
-          <a:p>
-            <a:pPr marL="742950" indent="-742950">
-              <a:buFont typeface="+mj-lt"/>
-              <a:buAutoNum type="arabicPeriod" startAt="2"/>
-            </a:pPr>
-            <a:r>
-              <a:rPr lang="pt-BR" dirty="0"/>
-              <a:t>Análise Exploratória dos Dados</a:t>
-            </a:r>
-          </a:p>
-        </p:txBody>
-      </p:sp>
-      <p:sp>
-        <p:nvSpPr>
-          <p:cNvPr id="5" name="Espaço Reservado para Conteúdo 4">
-            <a:extLst>
-              <a:ext uri="{FF2B5EF4-FFF2-40B4-BE49-F238E27FC236}">
-                <a16:creationId xmlns:a16="http://schemas.microsoft.com/office/drawing/2014/main" id="{DFE9091F-D4A4-C4DB-9174-A37EB46EDCD7}"/>
-              </a:ext>
-            </a:extLst>
-          </p:cNvPr>
-          <p:cNvSpPr>
-            <a:spLocks noGrp="1"/>
-          </p:cNvSpPr>
-          <p:nvPr>
-            <p:ph idx="1"/>
-          </p:nvPr>
-        </p:nvSpPr>
-        <p:spPr/>
-        <p:txBody>
-          <a:bodyPr>
-            <a:normAutofit/>
-          </a:bodyPr>
-          <a:lstStyle/>
-          <a:p>
-            <a:r>
-              <a:rPr lang="pt-BR" dirty="0"/>
-              <a:t>Linha do tempo com principais acontecimentos - C</a:t>
-            </a:r>
-          </a:p>
-          <a:p>
-            <a:r>
-              <a:rPr lang="pt-BR" b="1" dirty="0"/>
-              <a:t>2010 - Crescimento da Economia Chinesa</a:t>
-            </a:r>
-          </a:p>
-          <a:p>
-            <a:pPr lvl="1"/>
-            <a:r>
-              <a:rPr lang="pt-BR" dirty="0"/>
-              <a:t>Demanda por commodities da China elevou as exportações brasileiras.</a:t>
-            </a:r>
-          </a:p>
-          <a:p>
-            <a:pPr lvl="1"/>
-            <a:r>
-              <a:rPr lang="pt-BR" dirty="0"/>
-              <a:t>Alta no Ibovespa, impulsionado por empresas de mineração e energia.</a:t>
-            </a:r>
-          </a:p>
-          <a:p>
-            <a:r>
-              <a:rPr lang="pt-BR" b="1" dirty="0"/>
-              <a:t>2014 - Queda no Preço do Petróleo</a:t>
-            </a:r>
-          </a:p>
-          <a:p>
-            <a:pPr lvl="1"/>
-            <a:r>
-              <a:rPr lang="pt-BR" dirty="0"/>
-              <a:t>O excesso de oferta global levou à queda acentuada nos preços do petróleo.</a:t>
-            </a:r>
-          </a:p>
-          <a:p>
-            <a:pPr lvl="1"/>
-            <a:r>
-              <a:rPr lang="pt-BR" dirty="0"/>
-              <a:t>Empresas do setor de energia no Ibovespa tiveram perdas significativas.</a:t>
-            </a:r>
-          </a:p>
-          <a:p>
-            <a:pPr lvl="1"/>
-            <a:endParaRPr lang="pt-BR" dirty="0"/>
-          </a:p>
-        </p:txBody>
-      </p:sp>
-    </p:spTree>
-    <p:extLst>
-      <p:ext uri="{BB962C8B-B14F-4D97-AF65-F5344CB8AC3E}">
-        <p14:creationId xmlns:p14="http://schemas.microsoft.com/office/powerpoint/2010/main" val="1414758720"/>
       </p:ext>
     </p:extLst>
   </p:cSld>

--- a/Tech Challenge 2.pptx
+++ b/Tech Challenge 2.pptx
@@ -5,7 +5,7 @@
     <p:sldMasterId id="2147483648" r:id="rId1"/>
   </p:sldMasterIdLst>
   <p:notesMasterIdLst>
-    <p:notesMasterId r:id="rId27"/>
+    <p:notesMasterId r:id="rId23"/>
   </p:notesMasterIdLst>
   <p:sldIdLst>
     <p:sldId id="259" r:id="rId2"/>
@@ -24,15 +24,11 @@
     <p:sldId id="312" r:id="rId15"/>
     <p:sldId id="310" r:id="rId16"/>
     <p:sldId id="311" r:id="rId17"/>
-    <p:sldId id="307" r:id="rId18"/>
-    <p:sldId id="305" r:id="rId19"/>
-    <p:sldId id="301" r:id="rId20"/>
-    <p:sldId id="290" r:id="rId21"/>
-    <p:sldId id="276" r:id="rId22"/>
-    <p:sldId id="291" r:id="rId23"/>
-    <p:sldId id="292" r:id="rId24"/>
-    <p:sldId id="277" r:id="rId25"/>
-    <p:sldId id="293" r:id="rId26"/>
+    <p:sldId id="305" r:id="rId18"/>
+    <p:sldId id="313" r:id="rId19"/>
+    <p:sldId id="314" r:id="rId20"/>
+    <p:sldId id="315" r:id="rId21"/>
+    <p:sldId id="293" r:id="rId22"/>
   </p:sldIdLst>
   <p:sldSz cx="12192000" cy="6858000"/>
   <p:notesSz cx="6858000" cy="9144000"/>
@@ -204,22 +200,6 @@
           <pc:docMk/>
           <pc:sldMk cId="15057690" sldId="276"/>
         </pc:sldMkLst>
-        <pc:spChg chg="mod">
-          <ac:chgData name="Daniela Meneghello" userId="73bf1f0a2ad2b6aa" providerId="LiveId" clId="{C914C98F-9D12-4649-87B0-238A5E51B4A5}" dt="2025-01-18T02:54:46.330" v="1364" actId="20577"/>
-          <ac:spMkLst>
-            <pc:docMk/>
-            <pc:sldMk cId="15057690" sldId="276"/>
-            <ac:spMk id="4" creationId="{73ECDB8C-D3EB-C0EA-BA33-D6990F5BD921}"/>
-          </ac:spMkLst>
-        </pc:spChg>
-        <pc:spChg chg="mod">
-          <ac:chgData name="Daniela Meneghello" userId="73bf1f0a2ad2b6aa" providerId="LiveId" clId="{C914C98F-9D12-4649-87B0-238A5E51B4A5}" dt="2025-01-18T02:59:28.090" v="1657" actId="20577"/>
-          <ac:spMkLst>
-            <pc:docMk/>
-            <pc:sldMk cId="15057690" sldId="276"/>
-            <ac:spMk id="5" creationId="{99DE1CE4-AF56-7E87-2AD8-FDF57513FA30}"/>
-          </ac:spMkLst>
-        </pc:spChg>
       </pc:sldChg>
       <pc:sldChg chg="modSp add del mod">
         <pc:chgData name="Daniela Meneghello" userId="73bf1f0a2ad2b6aa" providerId="LiveId" clId="{C914C98F-9D12-4649-87B0-238A5E51B4A5}" dt="2025-01-18T03:02:23.055" v="1732" actId="47"/>
@@ -227,14 +207,6 @@
           <pc:docMk/>
           <pc:sldMk cId="1719510040" sldId="278"/>
         </pc:sldMkLst>
-        <pc:spChg chg="mod">
-          <ac:chgData name="Daniela Meneghello" userId="73bf1f0a2ad2b6aa" providerId="LiveId" clId="{C914C98F-9D12-4649-87B0-238A5E51B4A5}" dt="2025-01-18T03:00:48.828" v="1721" actId="11"/>
-          <ac:spMkLst>
-            <pc:docMk/>
-            <pc:sldMk cId="1719510040" sldId="278"/>
-            <ac:spMk id="2" creationId="{F6B1EDED-4313-DE98-BDBB-77B997643291}"/>
-          </ac:spMkLst>
-        </pc:spChg>
       </pc:sldChg>
       <pc:sldChg chg="modSp mod">
         <pc:chgData name="Daniela Meneghello" userId="73bf1f0a2ad2b6aa" providerId="LiveId" clId="{C914C98F-9D12-4649-87B0-238A5E51B4A5}" dt="2025-01-18T02:32:59.248" v="437" actId="13926"/>
@@ -242,22 +214,6 @@
           <pc:docMk/>
           <pc:sldMk cId="4237091996" sldId="281"/>
         </pc:sldMkLst>
-        <pc:spChg chg="mod">
-          <ac:chgData name="Daniela Meneghello" userId="73bf1f0a2ad2b6aa" providerId="LiveId" clId="{C914C98F-9D12-4649-87B0-238A5E51B4A5}" dt="2025-01-18T02:19:23.994" v="71" actId="20577"/>
-          <ac:spMkLst>
-            <pc:docMk/>
-            <pc:sldMk cId="4237091996" sldId="281"/>
-            <ac:spMk id="4" creationId="{5574832C-8D95-B010-B88E-BE39A1804979}"/>
-          </ac:spMkLst>
-        </pc:spChg>
-        <pc:spChg chg="mod">
-          <ac:chgData name="Daniela Meneghello" userId="73bf1f0a2ad2b6aa" providerId="LiveId" clId="{C914C98F-9D12-4649-87B0-238A5E51B4A5}" dt="2025-01-18T02:32:59.248" v="437" actId="13926"/>
-          <ac:spMkLst>
-            <pc:docMk/>
-            <pc:sldMk cId="4237091996" sldId="281"/>
-            <ac:spMk id="5" creationId="{13A78004-4A67-D1F4-1EC8-B70EAF7547A4}"/>
-          </ac:spMkLst>
-        </pc:spChg>
       </pc:sldChg>
       <pc:sldChg chg="modSp mod">
         <pc:chgData name="Daniela Meneghello" userId="73bf1f0a2ad2b6aa" providerId="LiveId" clId="{C914C98F-9D12-4649-87B0-238A5E51B4A5}" dt="2025-01-18T02:32:21.831" v="435" actId="13926"/>
@@ -265,14 +221,6 @@
           <pc:docMk/>
           <pc:sldMk cId="3534365709" sldId="283"/>
         </pc:sldMkLst>
-        <pc:spChg chg="mod">
-          <ac:chgData name="Daniela Meneghello" userId="73bf1f0a2ad2b6aa" providerId="LiveId" clId="{C914C98F-9D12-4649-87B0-238A5E51B4A5}" dt="2025-01-18T02:32:21.831" v="435" actId="13926"/>
-          <ac:spMkLst>
-            <pc:docMk/>
-            <pc:sldMk cId="3534365709" sldId="283"/>
-            <ac:spMk id="5" creationId="{C75FA89C-3048-EDA1-B4B6-1175A5B6FDC3}"/>
-          </ac:spMkLst>
-        </pc:spChg>
       </pc:sldChg>
       <pc:sldChg chg="modSp mod">
         <pc:chgData name="Daniela Meneghello" userId="73bf1f0a2ad2b6aa" providerId="LiveId" clId="{C914C98F-9D12-4649-87B0-238A5E51B4A5}" dt="2025-01-18T02:17:57.871" v="26" actId="20577"/>
@@ -280,14 +228,6 @@
           <pc:docMk/>
           <pc:sldMk cId="1414758720" sldId="284"/>
         </pc:sldMkLst>
-        <pc:spChg chg="mod">
-          <ac:chgData name="Daniela Meneghello" userId="73bf1f0a2ad2b6aa" providerId="LiveId" clId="{C914C98F-9D12-4649-87B0-238A5E51B4A5}" dt="2025-01-18T02:17:57.871" v="26" actId="20577"/>
-          <ac:spMkLst>
-            <pc:docMk/>
-            <pc:sldMk cId="1414758720" sldId="284"/>
-            <ac:spMk id="5" creationId="{DFE9091F-D4A4-C4DB-9174-A37EB46EDCD7}"/>
-          </ac:spMkLst>
-        </pc:spChg>
       </pc:sldChg>
       <pc:sldChg chg="modSp add mod">
         <pc:chgData name="Daniela Meneghello" userId="73bf1f0a2ad2b6aa" providerId="LiveId" clId="{C914C98F-9D12-4649-87B0-238A5E51B4A5}" dt="2025-01-18T02:33:24.040" v="438" actId="13926"/>
@@ -295,14 +235,6 @@
           <pc:docMk/>
           <pc:sldMk cId="1694859040" sldId="285"/>
         </pc:sldMkLst>
-        <pc:spChg chg="mod">
-          <ac:chgData name="Daniela Meneghello" userId="73bf1f0a2ad2b6aa" providerId="LiveId" clId="{C914C98F-9D12-4649-87B0-238A5E51B4A5}" dt="2025-01-18T02:33:24.040" v="438" actId="13926"/>
-          <ac:spMkLst>
-            <pc:docMk/>
-            <pc:sldMk cId="1694859040" sldId="285"/>
-            <ac:spMk id="5" creationId="{7EF46DFF-2867-3763-3F95-F316D7D798FB}"/>
-          </ac:spMkLst>
-        </pc:spChg>
       </pc:sldChg>
       <pc:sldChg chg="modSp add mod">
         <pc:chgData name="Daniela Meneghello" userId="73bf1f0a2ad2b6aa" providerId="LiveId" clId="{C914C98F-9D12-4649-87B0-238A5E51B4A5}" dt="2025-01-18T02:34:20.964" v="440" actId="13926"/>
@@ -310,14 +242,6 @@
           <pc:docMk/>
           <pc:sldMk cId="3933063948" sldId="286"/>
         </pc:sldMkLst>
-        <pc:spChg chg="mod">
-          <ac:chgData name="Daniela Meneghello" userId="73bf1f0a2ad2b6aa" providerId="LiveId" clId="{C914C98F-9D12-4649-87B0-238A5E51B4A5}" dt="2025-01-18T02:34:20.964" v="440" actId="13926"/>
-          <ac:spMkLst>
-            <pc:docMk/>
-            <pc:sldMk cId="3933063948" sldId="286"/>
-            <ac:spMk id="5" creationId="{849F8830-46E4-535E-CD4A-ABF2936CBEF3}"/>
-          </ac:spMkLst>
-        </pc:spChg>
       </pc:sldChg>
       <pc:sldChg chg="modSp add mod">
         <pc:chgData name="Daniela Meneghello" userId="73bf1f0a2ad2b6aa" providerId="LiveId" clId="{C914C98F-9D12-4649-87B0-238A5E51B4A5}" dt="2025-01-18T02:21:50.276" v="97" actId="6549"/>
@@ -325,14 +249,6 @@
           <pc:docMk/>
           <pc:sldMk cId="3673250436" sldId="287"/>
         </pc:sldMkLst>
-        <pc:spChg chg="mod">
-          <ac:chgData name="Daniela Meneghello" userId="73bf1f0a2ad2b6aa" providerId="LiveId" clId="{C914C98F-9D12-4649-87B0-238A5E51B4A5}" dt="2025-01-18T02:21:50.276" v="97" actId="6549"/>
-          <ac:spMkLst>
-            <pc:docMk/>
-            <pc:sldMk cId="3673250436" sldId="287"/>
-            <ac:spMk id="5" creationId="{82655B06-2ED6-B0A0-6301-94682F070149}"/>
-          </ac:spMkLst>
-        </pc:spChg>
       </pc:sldChg>
       <pc:sldChg chg="new del">
         <pc:chgData name="Daniela Meneghello" userId="73bf1f0a2ad2b6aa" providerId="LiveId" clId="{C914C98F-9D12-4649-87B0-238A5E51B4A5}" dt="2025-01-18T02:35:12.366" v="444" actId="680"/>
@@ -347,22 +263,6 @@
           <pc:docMk/>
           <pc:sldMk cId="2855566339" sldId="288"/>
         </pc:sldMkLst>
-        <pc:spChg chg="mod">
-          <ac:chgData name="Daniela Meneghello" userId="73bf1f0a2ad2b6aa" providerId="LiveId" clId="{C914C98F-9D12-4649-87B0-238A5E51B4A5}" dt="2025-01-18T02:42:52.058" v="707" actId="20577"/>
-          <ac:spMkLst>
-            <pc:docMk/>
-            <pc:sldMk cId="2855566339" sldId="288"/>
-            <ac:spMk id="4" creationId="{1593B1C1-CC92-0E8E-6995-08828B28155E}"/>
-          </ac:spMkLst>
-        </pc:spChg>
-        <pc:spChg chg="mod">
-          <ac:chgData name="Daniela Meneghello" userId="73bf1f0a2ad2b6aa" providerId="LiveId" clId="{C914C98F-9D12-4649-87B0-238A5E51B4A5}" dt="2025-01-18T02:48:12.555" v="1066" actId="20577"/>
-          <ac:spMkLst>
-            <pc:docMk/>
-            <pc:sldMk cId="2855566339" sldId="288"/>
-            <ac:spMk id="5" creationId="{7FEFF699-2B6F-5F1D-97C2-950ECE43D606}"/>
-          </ac:spMkLst>
-        </pc:spChg>
       </pc:sldChg>
       <pc:sldChg chg="add del setBg">
         <pc:chgData name="Daniela Meneghello" userId="73bf1f0a2ad2b6aa" providerId="LiveId" clId="{C914C98F-9D12-4649-87B0-238A5E51B4A5}" dt="2025-01-18T02:35:11.968" v="443"/>
@@ -400,22 +300,6 @@
           <pc:docMk/>
           <pc:sldMk cId="348153174" sldId="290"/>
         </pc:sldMkLst>
-        <pc:spChg chg="mod">
-          <ac:chgData name="Daniela Meneghello" userId="73bf1f0a2ad2b6aa" providerId="LiveId" clId="{C914C98F-9D12-4649-87B0-238A5E51B4A5}" dt="2025-01-18T02:52:35.499" v="1170" actId="20577"/>
-          <ac:spMkLst>
-            <pc:docMk/>
-            <pc:sldMk cId="348153174" sldId="290"/>
-            <ac:spMk id="4" creationId="{2CD93532-EA6E-0EDB-6D12-67255C32D3A3}"/>
-          </ac:spMkLst>
-        </pc:spChg>
-        <pc:spChg chg="mod">
-          <ac:chgData name="Daniela Meneghello" userId="73bf1f0a2ad2b6aa" providerId="LiveId" clId="{C914C98F-9D12-4649-87B0-238A5E51B4A5}" dt="2025-01-18T02:54:25.147" v="1351" actId="20577"/>
-          <ac:spMkLst>
-            <pc:docMk/>
-            <pc:sldMk cId="348153174" sldId="290"/>
-            <ac:spMk id="5" creationId="{72BF9230-FB5B-F151-0B41-E6F5E568A779}"/>
-          </ac:spMkLst>
-        </pc:spChg>
       </pc:sldChg>
       <pc:sldChg chg="modSp add mod">
         <pc:chgData name="Daniela Meneghello" userId="73bf1f0a2ad2b6aa" providerId="LiveId" clId="{C914C98F-9D12-4649-87B0-238A5E51B4A5}" dt="2025-01-18T03:04:51.294" v="1928" actId="20577"/>
@@ -423,22 +307,6 @@
           <pc:docMk/>
           <pc:sldMk cId="673627097" sldId="291"/>
         </pc:sldMkLst>
-        <pc:spChg chg="mod">
-          <ac:chgData name="Daniela Meneghello" userId="73bf1f0a2ad2b6aa" providerId="LiveId" clId="{C914C98F-9D12-4649-87B0-238A5E51B4A5}" dt="2025-01-18T03:02:03.464" v="1730" actId="11"/>
-          <ac:spMkLst>
-            <pc:docMk/>
-            <pc:sldMk cId="673627097" sldId="291"/>
-            <ac:spMk id="4" creationId="{5702B297-DF73-72B4-C4A3-5C167B70CE5B}"/>
-          </ac:spMkLst>
-        </pc:spChg>
-        <pc:spChg chg="mod">
-          <ac:chgData name="Daniela Meneghello" userId="73bf1f0a2ad2b6aa" providerId="LiveId" clId="{C914C98F-9D12-4649-87B0-238A5E51B4A5}" dt="2025-01-18T03:04:51.294" v="1928" actId="20577"/>
-          <ac:spMkLst>
-            <pc:docMk/>
-            <pc:sldMk cId="673627097" sldId="291"/>
-            <ac:spMk id="5" creationId="{D3D6D17A-81C5-6765-08F9-2BF5FFB63BCB}"/>
-          </ac:spMkLst>
-        </pc:spChg>
       </pc:sldChg>
       <pc:sldChg chg="add del">
         <pc:chgData name="Daniela Meneghello" userId="73bf1f0a2ad2b6aa" providerId="LiveId" clId="{C914C98F-9D12-4649-87B0-238A5E51B4A5}" dt="2025-01-18T03:02:22.010" v="1731" actId="47"/>
@@ -453,22 +321,6 @@
           <pc:docMk/>
           <pc:sldMk cId="1407816696" sldId="292"/>
         </pc:sldMkLst>
-        <pc:spChg chg="mod">
-          <ac:chgData name="Daniela Meneghello" userId="73bf1f0a2ad2b6aa" providerId="LiveId" clId="{C914C98F-9D12-4649-87B0-238A5E51B4A5}" dt="2025-01-18T03:06:26.033" v="1939" actId="20577"/>
-          <ac:spMkLst>
-            <pc:docMk/>
-            <pc:sldMk cId="1407816696" sldId="292"/>
-            <ac:spMk id="4" creationId="{FF623CD5-00BF-A834-B999-ADB6F7AE69CB}"/>
-          </ac:spMkLst>
-        </pc:spChg>
-        <pc:spChg chg="mod">
-          <ac:chgData name="Daniela Meneghello" userId="73bf1f0a2ad2b6aa" providerId="LiveId" clId="{C914C98F-9D12-4649-87B0-238A5E51B4A5}" dt="2025-01-18T03:09:13.424" v="2136" actId="20577"/>
-          <ac:spMkLst>
-            <pc:docMk/>
-            <pc:sldMk cId="1407816696" sldId="292"/>
-            <ac:spMk id="5" creationId="{754E1015-546B-BFDE-4B7C-0B65FFE765DD}"/>
-          </ac:spMkLst>
-        </pc:spChg>
       </pc:sldChg>
       <pc:sldChg chg="delSp add mod ord">
         <pc:chgData name="Daniela Meneghello" userId="73bf1f0a2ad2b6aa" providerId="LiveId" clId="{C914C98F-9D12-4649-87B0-238A5E51B4A5}" dt="2025-01-18T03:10:06.056" v="2147" actId="478"/>
@@ -476,37 +328,13 @@
           <pc:docMk/>
           <pc:sldMk cId="2983449811" sldId="293"/>
         </pc:sldMkLst>
-        <pc:spChg chg="del">
-          <ac:chgData name="Daniela Meneghello" userId="73bf1f0a2ad2b6aa" providerId="LiveId" clId="{C914C98F-9D12-4649-87B0-238A5E51B4A5}" dt="2025-01-18T03:09:58.695" v="2145" actId="478"/>
-          <ac:spMkLst>
-            <pc:docMk/>
-            <pc:sldMk cId="2983449811" sldId="293"/>
-            <ac:spMk id="6" creationId="{B56F230A-B6F8-92B9-4E97-5A36E386D810}"/>
-          </ac:spMkLst>
-        </pc:spChg>
-        <pc:spChg chg="del">
-          <ac:chgData name="Daniela Meneghello" userId="73bf1f0a2ad2b6aa" providerId="LiveId" clId="{C914C98F-9D12-4649-87B0-238A5E51B4A5}" dt="2025-01-18T03:10:02.417" v="2146" actId="478"/>
-          <ac:spMkLst>
-            <pc:docMk/>
-            <pc:sldMk cId="2983449811" sldId="293"/>
-            <ac:spMk id="7" creationId="{6A9C5C56-BB5F-6C7E-D33E-564F498EDBE8}"/>
-          </ac:spMkLst>
-        </pc:spChg>
-        <pc:picChg chg="del">
-          <ac:chgData name="Daniela Meneghello" userId="73bf1f0a2ad2b6aa" providerId="LiveId" clId="{C914C98F-9D12-4649-87B0-238A5E51B4A5}" dt="2025-01-18T03:10:06.056" v="2147" actId="478"/>
-          <ac:picMkLst>
-            <pc:docMk/>
-            <pc:sldMk cId="2983449811" sldId="293"/>
-            <ac:picMk id="8" creationId="{F84F2809-CC95-7282-B124-27CA5766C99D}"/>
-          </ac:picMkLst>
-        </pc:picChg>
       </pc:sldChg>
     </pc:docChg>
   </pc:docChgLst>
   <pc:docChgLst>
     <pc:chgData name="Daniela Meneghello" userId="73bf1f0a2ad2b6aa" providerId="LiveId" clId="{CA9998E5-5CA2-4F20-A28D-73399079BE17}"/>
     <pc:docChg chg="undo custSel addSld delSld modSld sldOrd">
-      <pc:chgData name="Daniela Meneghello" userId="73bf1f0a2ad2b6aa" providerId="LiveId" clId="{CA9998E5-5CA2-4F20-A28D-73399079BE17}" dt="2025-01-19T20:22:33.129" v="3818" actId="1076"/>
+      <pc:chgData name="Daniela Meneghello" userId="73bf1f0a2ad2b6aa" providerId="LiveId" clId="{CA9998E5-5CA2-4F20-A28D-73399079BE17}" dt="2025-01-21T00:46:11.116" v="5258" actId="113"/>
       <pc:docMkLst>
         <pc:docMk/>
       </pc:docMkLst>
@@ -525,7 +353,7 @@
         </pc:sldMkLst>
       </pc:sldChg>
       <pc:sldChg chg="modSp mod">
-        <pc:chgData name="Daniela Meneghello" userId="73bf1f0a2ad2b6aa" providerId="LiveId" clId="{CA9998E5-5CA2-4F20-A28D-73399079BE17}" dt="2025-01-19T19:59:20.584" v="3675" actId="20577"/>
+        <pc:chgData name="Daniela Meneghello" userId="73bf1f0a2ad2b6aa" providerId="LiveId" clId="{CA9998E5-5CA2-4F20-A28D-73399079BE17}" dt="2025-01-20T23:53:57.267" v="3819" actId="6549"/>
         <pc:sldMkLst>
           <pc:docMk/>
           <pc:sldMk cId="1672156451" sldId="259"/>
@@ -536,6 +364,14 @@
             <pc:docMk/>
             <pc:sldMk cId="1672156451" sldId="259"/>
             <ac:spMk id="6" creationId="{71EB4179-9C82-1C48-724E-75CED2ACD92B}"/>
+          </ac:spMkLst>
+        </pc:spChg>
+        <pc:spChg chg="mod">
+          <ac:chgData name="Daniela Meneghello" userId="73bf1f0a2ad2b6aa" providerId="LiveId" clId="{CA9998E5-5CA2-4F20-A28D-73399079BE17}" dt="2025-01-20T23:53:57.267" v="3819" actId="6549"/>
+          <ac:spMkLst>
+            <pc:docMk/>
+            <pc:sldMk cId="1672156451" sldId="259"/>
+            <ac:spMk id="7" creationId="{9AAEB4E5-19A2-D55C-B0CC-14BB96656F6F}"/>
           </ac:spMkLst>
         </pc:spChg>
       </pc:sldChg>
@@ -569,20 +405,19 @@
           </ac:spMkLst>
         </pc:spChg>
       </pc:sldChg>
-      <pc:sldChg chg="modSp mod">
-        <pc:chgData name="Daniela Meneghello" userId="73bf1f0a2ad2b6aa" providerId="LiveId" clId="{CA9998E5-5CA2-4F20-A28D-73399079BE17}" dt="2025-01-19T15:27:31.093" v="262" actId="20577"/>
+      <pc:sldChg chg="modSp del mod">
+        <pc:chgData name="Daniela Meneghello" userId="73bf1f0a2ad2b6aa" providerId="LiveId" clId="{CA9998E5-5CA2-4F20-A28D-73399079BE17}" dt="2025-01-21T00:06:31.145" v="4112" actId="47"/>
         <pc:sldMkLst>
           <pc:docMk/>
           <pc:sldMk cId="15057690" sldId="276"/>
         </pc:sldMkLst>
-        <pc:spChg chg="mod">
-          <ac:chgData name="Daniela Meneghello" userId="73bf1f0a2ad2b6aa" providerId="LiveId" clId="{CA9998E5-5CA2-4F20-A28D-73399079BE17}" dt="2025-01-19T15:27:31.093" v="262" actId="20577"/>
-          <ac:spMkLst>
-            <pc:docMk/>
-            <pc:sldMk cId="15057690" sldId="276"/>
-            <ac:spMk id="5" creationId="{99DE1CE4-AF56-7E87-2AD8-FDF57513FA30}"/>
-          </ac:spMkLst>
-        </pc:spChg>
+      </pc:sldChg>
+      <pc:sldChg chg="del">
+        <pc:chgData name="Daniela Meneghello" userId="73bf1f0a2ad2b6aa" providerId="LiveId" clId="{CA9998E5-5CA2-4F20-A28D-73399079BE17}" dt="2025-01-21T00:43:27.624" v="4876" actId="47"/>
+        <pc:sldMkLst>
+          <pc:docMk/>
+          <pc:sldMk cId="2772287773" sldId="277"/>
+        </pc:sldMkLst>
       </pc:sldChg>
       <pc:sldChg chg="del">
         <pc:chgData name="Daniela Meneghello" userId="73bf1f0a2ad2b6aa" providerId="LiveId" clId="{CA9998E5-5CA2-4F20-A28D-73399079BE17}" dt="2025-01-19T18:40:34.843" v="2167" actId="47"/>
@@ -694,86 +529,6 @@
           </ac:spMkLst>
         </pc:spChg>
         <pc:spChg chg="mod">
-          <ac:chgData name="Daniela Meneghello" userId="73bf1f0a2ad2b6aa" providerId="LiveId" clId="{CA9998E5-5CA2-4F20-A28D-73399079BE17}" dt="2025-01-19T17:42:54.261" v="1318"/>
-          <ac:spMkLst>
-            <pc:docMk/>
-            <pc:sldMk cId="3077559420" sldId="282"/>
-            <ac:spMk id="17" creationId="{DE7AC6B9-5CCF-AF3E-7AFB-A76729B517AE}"/>
-          </ac:spMkLst>
-        </pc:spChg>
-        <pc:spChg chg="mod">
-          <ac:chgData name="Daniela Meneghello" userId="73bf1f0a2ad2b6aa" providerId="LiveId" clId="{CA9998E5-5CA2-4F20-A28D-73399079BE17}" dt="2025-01-19T17:42:54.261" v="1318"/>
-          <ac:spMkLst>
-            <pc:docMk/>
-            <pc:sldMk cId="3077559420" sldId="282"/>
-            <ac:spMk id="18" creationId="{BF3B276B-538B-D20A-6C26-238282833F0A}"/>
-          </ac:spMkLst>
-        </pc:spChg>
-        <pc:spChg chg="mod">
-          <ac:chgData name="Daniela Meneghello" userId="73bf1f0a2ad2b6aa" providerId="LiveId" clId="{CA9998E5-5CA2-4F20-A28D-73399079BE17}" dt="2025-01-19T17:42:54.261" v="1318"/>
-          <ac:spMkLst>
-            <pc:docMk/>
-            <pc:sldMk cId="3077559420" sldId="282"/>
-            <ac:spMk id="19" creationId="{FFD3D52E-F227-3F9B-EF74-BEAC417CABBE}"/>
-          </ac:spMkLst>
-        </pc:spChg>
-        <pc:spChg chg="mod">
-          <ac:chgData name="Daniela Meneghello" userId="73bf1f0a2ad2b6aa" providerId="LiveId" clId="{CA9998E5-5CA2-4F20-A28D-73399079BE17}" dt="2025-01-19T17:42:54.261" v="1318"/>
-          <ac:spMkLst>
-            <pc:docMk/>
-            <pc:sldMk cId="3077559420" sldId="282"/>
-            <ac:spMk id="20" creationId="{5D6BC782-7F77-68C7-30DB-A96931FD7DB6}"/>
-          </ac:spMkLst>
-        </pc:spChg>
-        <pc:spChg chg="mod">
-          <ac:chgData name="Daniela Meneghello" userId="73bf1f0a2ad2b6aa" providerId="LiveId" clId="{CA9998E5-5CA2-4F20-A28D-73399079BE17}" dt="2025-01-19T17:42:54.261" v="1318"/>
-          <ac:spMkLst>
-            <pc:docMk/>
-            <pc:sldMk cId="3077559420" sldId="282"/>
-            <ac:spMk id="21" creationId="{C94C4EB2-ABFA-8FE8-187B-9081DCB75898}"/>
-          </ac:spMkLst>
-        </pc:spChg>
-        <pc:spChg chg="mod">
-          <ac:chgData name="Daniela Meneghello" userId="73bf1f0a2ad2b6aa" providerId="LiveId" clId="{CA9998E5-5CA2-4F20-A28D-73399079BE17}" dt="2025-01-19T17:42:54.261" v="1318"/>
-          <ac:spMkLst>
-            <pc:docMk/>
-            <pc:sldMk cId="3077559420" sldId="282"/>
-            <ac:spMk id="22" creationId="{50D49FF9-7879-C227-B247-A96A0B9598D4}"/>
-          </ac:spMkLst>
-        </pc:spChg>
-        <pc:spChg chg="mod">
-          <ac:chgData name="Daniela Meneghello" userId="73bf1f0a2ad2b6aa" providerId="LiveId" clId="{CA9998E5-5CA2-4F20-A28D-73399079BE17}" dt="2025-01-19T17:42:54.261" v="1318"/>
-          <ac:spMkLst>
-            <pc:docMk/>
-            <pc:sldMk cId="3077559420" sldId="282"/>
-            <ac:spMk id="23" creationId="{6027344D-690C-4C28-DABE-73D42D1410C9}"/>
-          </ac:spMkLst>
-        </pc:spChg>
-        <pc:spChg chg="mod">
-          <ac:chgData name="Daniela Meneghello" userId="73bf1f0a2ad2b6aa" providerId="LiveId" clId="{CA9998E5-5CA2-4F20-A28D-73399079BE17}" dt="2025-01-19T17:42:54.261" v="1318"/>
-          <ac:spMkLst>
-            <pc:docMk/>
-            <pc:sldMk cId="3077559420" sldId="282"/>
-            <ac:spMk id="24" creationId="{0EA47608-349A-B01C-8B7C-C93C3178AA4C}"/>
-          </ac:spMkLst>
-        </pc:spChg>
-        <pc:spChg chg="mod">
-          <ac:chgData name="Daniela Meneghello" userId="73bf1f0a2ad2b6aa" providerId="LiveId" clId="{CA9998E5-5CA2-4F20-A28D-73399079BE17}" dt="2025-01-19T17:42:54.261" v="1318"/>
-          <ac:spMkLst>
-            <pc:docMk/>
-            <pc:sldMk cId="3077559420" sldId="282"/>
-            <ac:spMk id="25" creationId="{AC711EC9-F1B7-1C9D-B606-B6C88B3670B0}"/>
-          </ac:spMkLst>
-        </pc:spChg>
-        <pc:spChg chg="mod">
-          <ac:chgData name="Daniela Meneghello" userId="73bf1f0a2ad2b6aa" providerId="LiveId" clId="{CA9998E5-5CA2-4F20-A28D-73399079BE17}" dt="2025-01-19T17:42:54.261" v="1318"/>
-          <ac:spMkLst>
-            <pc:docMk/>
-            <pc:sldMk cId="3077559420" sldId="282"/>
-            <ac:spMk id="26" creationId="{A95521F9-6208-7C95-BB69-997D8744DAB6}"/>
-          </ac:spMkLst>
-        </pc:spChg>
-        <pc:spChg chg="mod">
           <ac:chgData name="Daniela Meneghello" userId="73bf1f0a2ad2b6aa" providerId="LiveId" clId="{CA9998E5-5CA2-4F20-A28D-73399079BE17}" dt="2025-01-19T17:54:20.746" v="1867" actId="255"/>
           <ac:spMkLst>
             <pc:docMk/>
@@ -787,38 +542,6 @@
             <pc:docMk/>
             <pc:sldMk cId="3077559420" sldId="282"/>
             <ac:spMk id="30" creationId="{44C6B1E3-5F6F-6F8E-CE47-BABA741F0973}"/>
-          </ac:spMkLst>
-        </pc:spChg>
-        <pc:spChg chg="del mod topLvl">
-          <ac:chgData name="Daniela Meneghello" userId="73bf1f0a2ad2b6aa" providerId="LiveId" clId="{CA9998E5-5CA2-4F20-A28D-73399079BE17}" dt="2025-01-19T17:58:51.593" v="1901" actId="478"/>
-          <ac:spMkLst>
-            <pc:docMk/>
-            <pc:sldMk cId="3077559420" sldId="282"/>
-            <ac:spMk id="32" creationId="{F6F3B6FD-7542-3DD7-BC22-0F5AD81B9282}"/>
-          </ac:spMkLst>
-        </pc:spChg>
-        <pc:spChg chg="del mod topLvl">
-          <ac:chgData name="Daniela Meneghello" userId="73bf1f0a2ad2b6aa" providerId="LiveId" clId="{CA9998E5-5CA2-4F20-A28D-73399079BE17}" dt="2025-01-19T17:58:54.904" v="1902" actId="478"/>
-          <ac:spMkLst>
-            <pc:docMk/>
-            <pc:sldMk cId="3077559420" sldId="282"/>
-            <ac:spMk id="33" creationId="{B9439D24-93E1-8413-D337-36B0632BC5DC}"/>
-          </ac:spMkLst>
-        </pc:spChg>
-        <pc:spChg chg="mod">
-          <ac:chgData name="Daniela Meneghello" userId="73bf1f0a2ad2b6aa" providerId="LiveId" clId="{CA9998E5-5CA2-4F20-A28D-73399079BE17}" dt="2025-01-19T17:56:07.385" v="1882" actId="255"/>
-          <ac:spMkLst>
-            <pc:docMk/>
-            <pc:sldMk cId="3077559420" sldId="282"/>
-            <ac:spMk id="35" creationId="{0E43036C-D6AE-4D2A-9C60-001069CF9E71}"/>
-          </ac:spMkLst>
-        </pc:spChg>
-        <pc:spChg chg="mod">
-          <ac:chgData name="Daniela Meneghello" userId="73bf1f0a2ad2b6aa" providerId="LiveId" clId="{CA9998E5-5CA2-4F20-A28D-73399079BE17}" dt="2025-01-19T17:56:07.385" v="1882" actId="255"/>
-          <ac:spMkLst>
-            <pc:docMk/>
-            <pc:sldMk cId="3077559420" sldId="282"/>
-            <ac:spMk id="36" creationId="{55B2B308-0D76-B2D2-BE9F-6F5F2752E2BD}"/>
           </ac:spMkLst>
         </pc:spChg>
         <pc:spChg chg="mod">
@@ -885,30 +608,6 @@
             <ac:spMk id="48" creationId="{A83365DA-7D1F-FC3C-1DF8-28ADBDB7A3B2}"/>
           </ac:spMkLst>
         </pc:spChg>
-        <pc:spChg chg="add del mod">
-          <ac:chgData name="Daniela Meneghello" userId="73bf1f0a2ad2b6aa" providerId="LiveId" clId="{CA9998E5-5CA2-4F20-A28D-73399079BE17}" dt="2025-01-19T17:54:35.556" v="1871"/>
-          <ac:spMkLst>
-            <pc:docMk/>
-            <pc:sldMk cId="3077559420" sldId="282"/>
-            <ac:spMk id="52" creationId="{805560A7-E365-1C4B-1CF8-28364F2BB27F}"/>
-          </ac:spMkLst>
-        </pc:spChg>
-        <pc:spChg chg="mod">
-          <ac:chgData name="Daniela Meneghello" userId="73bf1f0a2ad2b6aa" providerId="LiveId" clId="{CA9998E5-5CA2-4F20-A28D-73399079BE17}" dt="2025-01-19T17:57:30.981" v="1889" actId="1076"/>
-          <ac:spMkLst>
-            <pc:docMk/>
-            <pc:sldMk cId="3077559420" sldId="282"/>
-            <ac:spMk id="54" creationId="{2525BF86-4D98-1811-EA38-874DAB7FB1C3}"/>
-          </ac:spMkLst>
-        </pc:spChg>
-        <pc:spChg chg="mod">
-          <ac:chgData name="Daniela Meneghello" userId="73bf1f0a2ad2b6aa" providerId="LiveId" clId="{CA9998E5-5CA2-4F20-A28D-73399079BE17}" dt="2025-01-19T17:56:31.397" v="1884" actId="255"/>
-          <ac:spMkLst>
-            <pc:docMk/>
-            <pc:sldMk cId="3077559420" sldId="282"/>
-            <ac:spMk id="55" creationId="{6A78AB10-B2D8-BC21-D258-B8652649C348}"/>
-          </ac:spMkLst>
-        </pc:spChg>
         <pc:spChg chg="mod">
           <ac:chgData name="Daniela Meneghello" userId="73bf1f0a2ad2b6aa" providerId="LiveId" clId="{CA9998E5-5CA2-4F20-A28D-73399079BE17}" dt="2025-01-19T17:56:31.397" v="1884" actId="255"/>
           <ac:spMkLst>
@@ -941,94 +640,6 @@
             <ac:spMk id="61" creationId="{5992CF37-B9AC-421B-8451-23C39C313C86}"/>
           </ac:spMkLst>
         </pc:spChg>
-        <pc:spChg chg="mod">
-          <ac:chgData name="Daniela Meneghello" userId="73bf1f0a2ad2b6aa" providerId="LiveId" clId="{CA9998E5-5CA2-4F20-A28D-73399079BE17}" dt="2025-01-19T17:57:10.797" v="1888" actId="571"/>
-          <ac:spMkLst>
-            <pc:docMk/>
-            <pc:sldMk cId="3077559420" sldId="282"/>
-            <ac:spMk id="63" creationId="{9300B0EC-D09D-B7CB-09AD-2CC3090D6D8D}"/>
-          </ac:spMkLst>
-        </pc:spChg>
-        <pc:spChg chg="mod">
-          <ac:chgData name="Daniela Meneghello" userId="73bf1f0a2ad2b6aa" providerId="LiveId" clId="{CA9998E5-5CA2-4F20-A28D-73399079BE17}" dt="2025-01-19T17:57:10.797" v="1888" actId="571"/>
-          <ac:spMkLst>
-            <pc:docMk/>
-            <pc:sldMk cId="3077559420" sldId="282"/>
-            <ac:spMk id="64" creationId="{449442F6-0BA7-F4F0-E2C2-B012E7A0BDFD}"/>
-          </ac:spMkLst>
-        </pc:spChg>
-        <pc:spChg chg="mod">
-          <ac:chgData name="Daniela Meneghello" userId="73bf1f0a2ad2b6aa" providerId="LiveId" clId="{CA9998E5-5CA2-4F20-A28D-73399079BE17}" dt="2025-01-19T17:57:10.797" v="1888" actId="571"/>
-          <ac:spMkLst>
-            <pc:docMk/>
-            <pc:sldMk cId="3077559420" sldId="282"/>
-            <ac:spMk id="66" creationId="{1E3DF8FC-4EBF-77FE-F3E8-F74F53152585}"/>
-          </ac:spMkLst>
-        </pc:spChg>
-        <pc:spChg chg="mod">
-          <ac:chgData name="Daniela Meneghello" userId="73bf1f0a2ad2b6aa" providerId="LiveId" clId="{CA9998E5-5CA2-4F20-A28D-73399079BE17}" dt="2025-01-19T17:57:10.797" v="1888" actId="571"/>
-          <ac:spMkLst>
-            <pc:docMk/>
-            <pc:sldMk cId="3077559420" sldId="282"/>
-            <ac:spMk id="67" creationId="{71FF59B9-CB5E-CBE7-F342-0A051ACEA440}"/>
-          </ac:spMkLst>
-        </pc:spChg>
-        <pc:spChg chg="mod">
-          <ac:chgData name="Daniela Meneghello" userId="73bf1f0a2ad2b6aa" providerId="LiveId" clId="{CA9998E5-5CA2-4F20-A28D-73399079BE17}" dt="2025-01-19T17:57:10.797" v="1888" actId="571"/>
-          <ac:spMkLst>
-            <pc:docMk/>
-            <pc:sldMk cId="3077559420" sldId="282"/>
-            <ac:spMk id="69" creationId="{FE47B462-F3C2-D057-159E-840708E66A9B}"/>
-          </ac:spMkLst>
-        </pc:spChg>
-        <pc:spChg chg="mod">
-          <ac:chgData name="Daniela Meneghello" userId="73bf1f0a2ad2b6aa" providerId="LiveId" clId="{CA9998E5-5CA2-4F20-A28D-73399079BE17}" dt="2025-01-19T17:57:10.797" v="1888" actId="571"/>
-          <ac:spMkLst>
-            <pc:docMk/>
-            <pc:sldMk cId="3077559420" sldId="282"/>
-            <ac:spMk id="70" creationId="{56F608F3-65E3-FFC3-E7E2-914ABF7E0651}"/>
-          </ac:spMkLst>
-        </pc:spChg>
-        <pc:spChg chg="mod">
-          <ac:chgData name="Daniela Meneghello" userId="73bf1f0a2ad2b6aa" providerId="LiveId" clId="{CA9998E5-5CA2-4F20-A28D-73399079BE17}" dt="2025-01-19T17:57:10.797" v="1888" actId="571"/>
-          <ac:spMkLst>
-            <pc:docMk/>
-            <pc:sldMk cId="3077559420" sldId="282"/>
-            <ac:spMk id="73" creationId="{B0BE9C7C-8833-FEAF-403E-CEE96A163118}"/>
-          </ac:spMkLst>
-        </pc:spChg>
-        <pc:spChg chg="mod">
-          <ac:chgData name="Daniela Meneghello" userId="73bf1f0a2ad2b6aa" providerId="LiveId" clId="{CA9998E5-5CA2-4F20-A28D-73399079BE17}" dt="2025-01-19T17:57:10.797" v="1888" actId="571"/>
-          <ac:spMkLst>
-            <pc:docMk/>
-            <pc:sldMk cId="3077559420" sldId="282"/>
-            <ac:spMk id="76" creationId="{E7895EAD-AE14-66EA-C41E-B1E593B93C85}"/>
-          </ac:spMkLst>
-        </pc:spChg>
-        <pc:spChg chg="mod">
-          <ac:chgData name="Daniela Meneghello" userId="73bf1f0a2ad2b6aa" providerId="LiveId" clId="{CA9998E5-5CA2-4F20-A28D-73399079BE17}" dt="2025-01-19T17:57:10.797" v="1888" actId="571"/>
-          <ac:spMkLst>
-            <pc:docMk/>
-            <pc:sldMk cId="3077559420" sldId="282"/>
-            <ac:spMk id="78" creationId="{6826BCE7-118B-CBED-6D97-0BBEEB26B1A1}"/>
-          </ac:spMkLst>
-        </pc:spChg>
-        <pc:spChg chg="mod">
-          <ac:chgData name="Daniela Meneghello" userId="73bf1f0a2ad2b6aa" providerId="LiveId" clId="{CA9998E5-5CA2-4F20-A28D-73399079BE17}" dt="2025-01-19T17:57:10.797" v="1888" actId="571"/>
-          <ac:spMkLst>
-            <pc:docMk/>
-            <pc:sldMk cId="3077559420" sldId="282"/>
-            <ac:spMk id="79" creationId="{618D1E4F-97C6-974A-281E-F8BC1BE72086}"/>
-          </ac:spMkLst>
-        </pc:spChg>
-        <pc:spChg chg="add del mod">
-          <ac:chgData name="Daniela Meneghello" userId="73bf1f0a2ad2b6aa" providerId="LiveId" clId="{CA9998E5-5CA2-4F20-A28D-73399079BE17}" dt="2025-01-19T18:03:44.547" v="1941"/>
-          <ac:spMkLst>
-            <pc:docMk/>
-            <pc:sldMk cId="3077559420" sldId="282"/>
-            <ac:spMk id="80" creationId="{42B42EAC-1578-0EE4-CCB3-92C3F48D35FA}"/>
-          </ac:spMkLst>
-        </pc:spChg>
         <pc:spChg chg="add mod">
           <ac:chgData name="Daniela Meneghello" userId="73bf1f0a2ad2b6aa" providerId="LiveId" clId="{CA9998E5-5CA2-4F20-A28D-73399079BE17}" dt="2025-01-19T18:41:45.107" v="2179" actId="1038"/>
           <ac:spMkLst>
@@ -1054,27 +665,11 @@
           </ac:spMkLst>
         </pc:spChg>
         <pc:spChg chg="add mod">
-          <ac:chgData name="Daniela Meneghello" userId="73bf1f0a2ad2b6aa" providerId="LiveId" clId="{CA9998E5-5CA2-4F20-A28D-73399079BE17}" dt="2025-01-19T18:15:30.365" v="1991"/>
-          <ac:spMkLst>
-            <pc:docMk/>
-            <pc:sldMk cId="3077559420" sldId="282"/>
-            <ac:spMk id="93" creationId="{9F6F9D89-E4A0-B05F-8399-81190CD289DA}"/>
-          </ac:spMkLst>
-        </pc:spChg>
-        <pc:spChg chg="add mod">
           <ac:chgData name="Daniela Meneghello" userId="73bf1f0a2ad2b6aa" providerId="LiveId" clId="{CA9998E5-5CA2-4F20-A28D-73399079BE17}" dt="2025-01-19T18:41:45.107" v="2179" actId="1038"/>
           <ac:spMkLst>
             <pc:docMk/>
             <pc:sldMk cId="3077559420" sldId="282"/>
             <ac:spMk id="94" creationId="{BA8E6A9E-AEEF-A78C-7A07-643B0D5AA152}"/>
-          </ac:spMkLst>
-        </pc:spChg>
-        <pc:spChg chg="add mod">
-          <ac:chgData name="Daniela Meneghello" userId="73bf1f0a2ad2b6aa" providerId="LiveId" clId="{CA9998E5-5CA2-4F20-A28D-73399079BE17}" dt="2025-01-19T18:19:52.136" v="2040"/>
-          <ac:spMkLst>
-            <pc:docMk/>
-            <pc:sldMk cId="3077559420" sldId="282"/>
-            <ac:spMk id="95" creationId="{B76063C6-5378-D39D-C966-D1458B781797}"/>
           </ac:spMkLst>
         </pc:spChg>
         <pc:spChg chg="add mod">
@@ -1125,36 +720,12 @@
             <ac:spMk id="102" creationId="{D09AA980-9E15-6171-65F9-3C7B09045AD7}"/>
           </ac:spMkLst>
         </pc:spChg>
-        <pc:grpChg chg="mod">
-          <ac:chgData name="Daniela Meneghello" userId="73bf1f0a2ad2b6aa" providerId="LiveId" clId="{CA9998E5-5CA2-4F20-A28D-73399079BE17}" dt="2025-01-19T17:41:34.004" v="1317" actId="1076"/>
-          <ac:grpSpMkLst>
-            <pc:docMk/>
-            <pc:sldMk cId="3077559420" sldId="282"/>
-            <ac:grpSpMk id="2" creationId="{8EFC0FD7-1737-4A0D-D5A9-34B2A8E1CC42}"/>
-          </ac:grpSpMkLst>
-        </pc:grpChg>
         <pc:grpChg chg="add mod">
           <ac:chgData name="Daniela Meneghello" userId="73bf1f0a2ad2b6aa" providerId="LiveId" clId="{CA9998E5-5CA2-4F20-A28D-73399079BE17}" dt="2025-01-19T18:41:45.107" v="2179" actId="1038"/>
           <ac:grpSpMkLst>
             <pc:docMk/>
             <pc:sldMk cId="3077559420" sldId="282"/>
             <ac:grpSpMk id="28" creationId="{EFED6FA5-6FD0-9E39-EB0B-F8D05F614B7B}"/>
-          </ac:grpSpMkLst>
-        </pc:grpChg>
-        <pc:grpChg chg="add del mod">
-          <ac:chgData name="Daniela Meneghello" userId="73bf1f0a2ad2b6aa" providerId="LiveId" clId="{CA9998E5-5CA2-4F20-A28D-73399079BE17}" dt="2025-01-19T17:58:51.593" v="1901" actId="478"/>
-          <ac:grpSpMkLst>
-            <pc:docMk/>
-            <pc:sldMk cId="3077559420" sldId="282"/>
-            <ac:grpSpMk id="31" creationId="{9831F8F8-DB6A-2229-8712-1340D235236E}"/>
-          </ac:grpSpMkLst>
-        </pc:grpChg>
-        <pc:grpChg chg="add del mod">
-          <ac:chgData name="Daniela Meneghello" userId="73bf1f0a2ad2b6aa" providerId="LiveId" clId="{CA9998E5-5CA2-4F20-A28D-73399079BE17}" dt="2025-01-19T17:59:32.961" v="1908" actId="478"/>
-          <ac:grpSpMkLst>
-            <pc:docMk/>
-            <pc:sldMk cId="3077559420" sldId="282"/>
-            <ac:grpSpMk id="34" creationId="{19EAF4B1-550C-0182-AB7D-EF07B6ED18B3}"/>
           </ac:grpSpMkLst>
         </pc:grpChg>
         <pc:grpChg chg="add mod">
@@ -1189,14 +760,6 @@
             <ac:grpSpMk id="46" creationId="{E3A25F27-B5F6-8C43-8BFA-92A4991503C8}"/>
           </ac:grpSpMkLst>
         </pc:grpChg>
-        <pc:grpChg chg="add del mod">
-          <ac:chgData name="Daniela Meneghello" userId="73bf1f0a2ad2b6aa" providerId="LiveId" clId="{CA9998E5-5CA2-4F20-A28D-73399079BE17}" dt="2025-01-19T17:57:39.432" v="1890" actId="478"/>
-          <ac:grpSpMkLst>
-            <pc:docMk/>
-            <pc:sldMk cId="3077559420" sldId="282"/>
-            <ac:grpSpMk id="53" creationId="{4449D4EE-5AAD-B609-D381-1E3477E24794}"/>
-          </ac:grpSpMkLst>
-        </pc:grpChg>
         <pc:grpChg chg="add mod">
           <ac:chgData name="Daniela Meneghello" userId="73bf1f0a2ad2b6aa" providerId="LiveId" clId="{CA9998E5-5CA2-4F20-A28D-73399079BE17}" dt="2025-01-19T18:32:12.945" v="2131" actId="12789"/>
           <ac:grpSpMkLst>
@@ -1229,28 +792,12 @@
             <ac:cxnSpMk id="15" creationId="{9A0DEF94-1540-A337-0219-3BDF915189D9}"/>
           </ac:cxnSpMkLst>
         </pc:cxnChg>
-        <pc:cxnChg chg="add del mod">
-          <ac:chgData name="Daniela Meneghello" userId="73bf1f0a2ad2b6aa" providerId="LiveId" clId="{CA9998E5-5CA2-4F20-A28D-73399079BE17}" dt="2025-01-19T18:14:46.940" v="1987" actId="478"/>
-          <ac:cxnSpMkLst>
-            <pc:docMk/>
-            <pc:sldMk cId="3077559420" sldId="282"/>
-            <ac:cxnSpMk id="50" creationId="{242CBC98-9286-9A6B-54D0-D5176C1B5CE3}"/>
-          </ac:cxnSpMkLst>
-        </pc:cxnChg>
         <pc:cxnChg chg="add mod">
           <ac:chgData name="Daniela Meneghello" userId="73bf1f0a2ad2b6aa" providerId="LiveId" clId="{CA9998E5-5CA2-4F20-A28D-73399079BE17}" dt="2025-01-19T18:29:29.696" v="2103" actId="1076"/>
           <ac:cxnSpMkLst>
             <pc:docMk/>
             <pc:sldMk cId="3077559420" sldId="282"/>
             <ac:cxnSpMk id="51" creationId="{4BA72234-2238-580C-53F8-58761CD82FD1}"/>
-          </ac:cxnSpMkLst>
-        </pc:cxnChg>
-        <pc:cxnChg chg="add del mod">
-          <ac:chgData name="Daniela Meneghello" userId="73bf1f0a2ad2b6aa" providerId="LiveId" clId="{CA9998E5-5CA2-4F20-A28D-73399079BE17}" dt="2025-01-19T18:10:17.288" v="1962" actId="478"/>
-          <ac:cxnSpMkLst>
-            <pc:docMk/>
-            <pc:sldMk cId="3077559420" sldId="282"/>
-            <ac:cxnSpMk id="82" creationId="{9D71FDD7-2B8A-2A24-8976-CD1D014134AD}"/>
           </ac:cxnSpMkLst>
         </pc:cxnChg>
         <pc:cxnChg chg="add mod">
@@ -1351,22 +898,6 @@
           <pc:docMk/>
           <pc:sldMk cId="2855566339" sldId="288"/>
         </pc:sldMkLst>
-        <pc:spChg chg="mod">
-          <ac:chgData name="Daniela Meneghello" userId="73bf1f0a2ad2b6aa" providerId="LiveId" clId="{CA9998E5-5CA2-4F20-A28D-73399079BE17}" dt="2025-01-19T18:47:53.112" v="2203" actId="6549"/>
-          <ac:spMkLst>
-            <pc:docMk/>
-            <pc:sldMk cId="2855566339" sldId="288"/>
-            <ac:spMk id="4" creationId="{1593B1C1-CC92-0E8E-6995-08828B28155E}"/>
-          </ac:spMkLst>
-        </pc:spChg>
-        <pc:spChg chg="mod">
-          <ac:chgData name="Daniela Meneghello" userId="73bf1f0a2ad2b6aa" providerId="LiveId" clId="{CA9998E5-5CA2-4F20-A28D-73399079BE17}" dt="2025-01-19T18:48:06.526" v="2205" actId="20577"/>
-          <ac:spMkLst>
-            <pc:docMk/>
-            <pc:sldMk cId="2855566339" sldId="288"/>
-            <ac:spMk id="5" creationId="{7FEFF699-2B6F-5F1D-97C2-950ECE43D606}"/>
-          </ac:spMkLst>
-        </pc:spChg>
       </pc:sldChg>
       <pc:sldChg chg="addSp modSp mod">
         <pc:chgData name="Daniela Meneghello" userId="73bf1f0a2ad2b6aa" providerId="LiveId" clId="{CA9998E5-5CA2-4F20-A28D-73399079BE17}" dt="2025-01-19T19:57:22.194" v="3640" actId="255"/>
@@ -1407,76 +938,41 @@
           </ac:picMkLst>
         </pc:picChg>
       </pc:sldChg>
+      <pc:sldChg chg="del">
+        <pc:chgData name="Daniela Meneghello" userId="73bf1f0a2ad2b6aa" providerId="LiveId" clId="{CA9998E5-5CA2-4F20-A28D-73399079BE17}" dt="2025-01-21T00:06:39.065" v="4113" actId="47"/>
+        <pc:sldMkLst>
+          <pc:docMk/>
+          <pc:sldMk cId="348153174" sldId="290"/>
+        </pc:sldMkLst>
+      </pc:sldChg>
+      <pc:sldChg chg="del">
+        <pc:chgData name="Daniela Meneghello" userId="73bf1f0a2ad2b6aa" providerId="LiveId" clId="{CA9998E5-5CA2-4F20-A28D-73399079BE17}" dt="2025-01-21T00:16:21.893" v="4123" actId="47"/>
+        <pc:sldMkLst>
+          <pc:docMk/>
+          <pc:sldMk cId="673627097" sldId="291"/>
+        </pc:sldMkLst>
+      </pc:sldChg>
+      <pc:sldChg chg="modSp del mod">
+        <pc:chgData name="Daniela Meneghello" userId="73bf1f0a2ad2b6aa" providerId="LiveId" clId="{CA9998E5-5CA2-4F20-A28D-73399079BE17}" dt="2025-01-21T00:33:09.356" v="4695" actId="47"/>
+        <pc:sldMkLst>
+          <pc:docMk/>
+          <pc:sldMk cId="1407816696" sldId="292"/>
+        </pc:sldMkLst>
+        <pc:spChg chg="mod">
+          <ac:chgData name="Daniela Meneghello" userId="73bf1f0a2ad2b6aa" providerId="LiveId" clId="{CA9998E5-5CA2-4F20-A28D-73399079BE17}" dt="2025-01-21T00:22:28.749" v="4423" actId="20577"/>
+          <ac:spMkLst>
+            <pc:docMk/>
+            <pc:sldMk cId="1407816696" sldId="292"/>
+            <ac:spMk id="5" creationId="{754E1015-546B-BFDE-4B7C-0B65FFE765DD}"/>
+          </ac:spMkLst>
+        </pc:spChg>
+      </pc:sldChg>
       <pc:sldChg chg="addSp delSp modSp add del mod ord">
         <pc:chgData name="Daniela Meneghello" userId="73bf1f0a2ad2b6aa" providerId="LiveId" clId="{CA9998E5-5CA2-4F20-A28D-73399079BE17}" dt="2025-01-19T17:37:49.496" v="1161" actId="47"/>
         <pc:sldMkLst>
           <pc:docMk/>
           <pc:sldMk cId="1945438211" sldId="294"/>
         </pc:sldMkLst>
-        <pc:spChg chg="mod">
-          <ac:chgData name="Daniela Meneghello" userId="73bf1f0a2ad2b6aa" providerId="LiveId" clId="{CA9998E5-5CA2-4F20-A28D-73399079BE17}" dt="2025-01-19T17:31:25.604" v="1053"/>
-          <ac:spMkLst>
-            <pc:docMk/>
-            <pc:sldMk cId="1945438211" sldId="294"/>
-            <ac:spMk id="5" creationId="{E00DEFC8-1077-1246-6BE2-7C8BEB823453}"/>
-          </ac:spMkLst>
-        </pc:spChg>
-        <pc:picChg chg="add del">
-          <ac:chgData name="Daniela Meneghello" userId="73bf1f0a2ad2b6aa" providerId="LiveId" clId="{CA9998E5-5CA2-4F20-A28D-73399079BE17}" dt="2025-01-19T17:10:57.826" v="393" actId="478"/>
-          <ac:picMkLst>
-            <pc:docMk/>
-            <pc:sldMk cId="1945438211" sldId="294"/>
-            <ac:picMk id="3" creationId="{95C56EF9-A87D-6642-78BA-BFD65103F29F}"/>
-          </ac:picMkLst>
-        </pc:picChg>
-        <pc:picChg chg="add del mod">
-          <ac:chgData name="Daniela Meneghello" userId="73bf1f0a2ad2b6aa" providerId="LiveId" clId="{CA9998E5-5CA2-4F20-A28D-73399079BE17}" dt="2025-01-19T17:27:31.354" v="1024" actId="478"/>
-          <ac:picMkLst>
-            <pc:docMk/>
-            <pc:sldMk cId="1945438211" sldId="294"/>
-            <ac:picMk id="6" creationId="{26B59E32-4041-BB60-097F-1C33A88AF2A8}"/>
-          </ac:picMkLst>
-        </pc:picChg>
-        <pc:picChg chg="add del mod">
-          <ac:chgData name="Daniela Meneghello" userId="73bf1f0a2ad2b6aa" providerId="LiveId" clId="{CA9998E5-5CA2-4F20-A28D-73399079BE17}" dt="2025-01-19T17:27:31.354" v="1024" actId="478"/>
-          <ac:picMkLst>
-            <pc:docMk/>
-            <pc:sldMk cId="1945438211" sldId="294"/>
-            <ac:picMk id="8" creationId="{6E2C8B53-9DBC-2770-7F57-DFEA5C8D187C}"/>
-          </ac:picMkLst>
-        </pc:picChg>
-        <pc:picChg chg="add del mod">
-          <ac:chgData name="Daniela Meneghello" userId="73bf1f0a2ad2b6aa" providerId="LiveId" clId="{CA9998E5-5CA2-4F20-A28D-73399079BE17}" dt="2025-01-19T17:28:14.037" v="1028" actId="478"/>
-          <ac:picMkLst>
-            <pc:docMk/>
-            <pc:sldMk cId="1945438211" sldId="294"/>
-            <ac:picMk id="10" creationId="{266D983D-2FD3-ED85-D4F8-6B86A77FD9B9}"/>
-          </ac:picMkLst>
-        </pc:picChg>
-        <pc:picChg chg="add mod">
-          <ac:chgData name="Daniela Meneghello" userId="73bf1f0a2ad2b6aa" providerId="LiveId" clId="{CA9998E5-5CA2-4F20-A28D-73399079BE17}" dt="2025-01-19T17:28:54.142" v="1033" actId="14100"/>
-          <ac:picMkLst>
-            <pc:docMk/>
-            <pc:sldMk cId="1945438211" sldId="294"/>
-            <ac:picMk id="12" creationId="{B634DB55-C801-A8BD-A44A-EDB6EE8E31AF}"/>
-          </ac:picMkLst>
-        </pc:picChg>
-        <pc:picChg chg="add mod">
-          <ac:chgData name="Daniela Meneghello" userId="73bf1f0a2ad2b6aa" providerId="LiveId" clId="{CA9998E5-5CA2-4F20-A28D-73399079BE17}" dt="2025-01-19T17:28:50.434" v="1032" actId="1076"/>
-          <ac:picMkLst>
-            <pc:docMk/>
-            <pc:sldMk cId="1945438211" sldId="294"/>
-            <ac:picMk id="14" creationId="{BD9A4475-D423-028E-70CC-A38B80509F5C}"/>
-          </ac:picMkLst>
-        </pc:picChg>
-        <pc:picChg chg="add mod">
-          <ac:chgData name="Daniela Meneghello" userId="73bf1f0a2ad2b6aa" providerId="LiveId" clId="{CA9998E5-5CA2-4F20-A28D-73399079BE17}" dt="2025-01-19T17:31:28.582" v="1054" actId="1076"/>
-          <ac:picMkLst>
-            <pc:docMk/>
-            <pc:sldMk cId="1945438211" sldId="294"/>
-            <ac:picMk id="16" creationId="{436E799D-1E46-462F-4904-6997A6BC5AD5}"/>
-          </ac:picMkLst>
-        </pc:picChg>
       </pc:sldChg>
       <pc:sldChg chg="add del setBg">
         <pc:chgData name="Daniela Meneghello" userId="73bf1f0a2ad2b6aa" providerId="LiveId" clId="{CA9998E5-5CA2-4F20-A28D-73399079BE17}" dt="2025-01-19T15:55:51.167" v="266"/>
@@ -1491,14 +987,6 @@
           <pc:docMk/>
           <pc:sldMk cId="1531945353" sldId="295"/>
         </pc:sldMkLst>
-        <pc:spChg chg="mod">
-          <ac:chgData name="Daniela Meneghello" userId="73bf1f0a2ad2b6aa" providerId="LiveId" clId="{CA9998E5-5CA2-4F20-A28D-73399079BE17}" dt="2025-01-19T17:38:51.050" v="1259" actId="6549"/>
-          <ac:spMkLst>
-            <pc:docMk/>
-            <pc:sldMk cId="1531945353" sldId="295"/>
-            <ac:spMk id="5" creationId="{DAE25980-E370-1B5F-DFA4-61A5641ACBBD}"/>
-          </ac:spMkLst>
-        </pc:spChg>
       </pc:sldChg>
       <pc:sldChg chg="addSp delSp modSp add del mod ord">
         <pc:chgData name="Daniela Meneghello" userId="73bf1f0a2ad2b6aa" providerId="LiveId" clId="{CA9998E5-5CA2-4F20-A28D-73399079BE17}" dt="2025-01-19T18:36:00.559" v="2144" actId="47"/>
@@ -1506,38 +994,6 @@
           <pc:docMk/>
           <pc:sldMk cId="1660188446" sldId="296"/>
         </pc:sldMkLst>
-        <pc:spChg chg="mod">
-          <ac:chgData name="Daniela Meneghello" userId="73bf1f0a2ad2b6aa" providerId="LiveId" clId="{CA9998E5-5CA2-4F20-A28D-73399079BE17}" dt="2025-01-19T17:38:38.726" v="1256" actId="6549"/>
-          <ac:spMkLst>
-            <pc:docMk/>
-            <pc:sldMk cId="1660188446" sldId="296"/>
-            <ac:spMk id="5" creationId="{4939F33D-7D12-A7A1-7A74-EB442DF0102E}"/>
-          </ac:spMkLst>
-        </pc:spChg>
-        <pc:picChg chg="add del mod">
-          <ac:chgData name="Daniela Meneghello" userId="73bf1f0a2ad2b6aa" providerId="LiveId" clId="{CA9998E5-5CA2-4F20-A28D-73399079BE17}" dt="2025-01-19T17:38:40.986" v="1257" actId="478"/>
-          <ac:picMkLst>
-            <pc:docMk/>
-            <pc:sldMk cId="1660188446" sldId="296"/>
-            <ac:picMk id="3" creationId="{43CC6AC2-BED6-F1C2-EC7E-11940B6F6E8B}"/>
-          </ac:picMkLst>
-        </pc:picChg>
-        <pc:picChg chg="del">
-          <ac:chgData name="Daniela Meneghello" userId="73bf1f0a2ad2b6aa" providerId="LiveId" clId="{CA9998E5-5CA2-4F20-A28D-73399079BE17}" dt="2025-01-19T17:18:25.637" v="870" actId="478"/>
-          <ac:picMkLst>
-            <pc:docMk/>
-            <pc:sldMk cId="1660188446" sldId="296"/>
-            <ac:picMk id="6" creationId="{27A3889D-6323-D8AB-3A96-C0BD0F8855A6}"/>
-          </ac:picMkLst>
-        </pc:picChg>
-        <pc:picChg chg="del">
-          <ac:chgData name="Daniela Meneghello" userId="73bf1f0a2ad2b6aa" providerId="LiveId" clId="{CA9998E5-5CA2-4F20-A28D-73399079BE17}" dt="2025-01-19T17:18:27.357" v="871" actId="478"/>
-          <ac:picMkLst>
-            <pc:docMk/>
-            <pc:sldMk cId="1660188446" sldId="296"/>
-            <ac:picMk id="8" creationId="{99563803-0ADC-FE46-6AC7-A4093814C5BF}"/>
-          </ac:picMkLst>
-        </pc:picChg>
       </pc:sldChg>
       <pc:sldChg chg="add del setBg">
         <pc:chgData name="Daniela Meneghello" userId="73bf1f0a2ad2b6aa" providerId="LiveId" clId="{CA9998E5-5CA2-4F20-A28D-73399079BE17}" dt="2025-01-19T15:56:35.928" v="368"/>
@@ -1560,22 +1016,6 @@
             <ac:spMk id="5" creationId="{F398E84D-7B62-85F7-35A8-982AB552F04E}"/>
           </ac:spMkLst>
         </pc:spChg>
-        <pc:picChg chg="add del mod modCrop">
-          <ac:chgData name="Daniela Meneghello" userId="73bf1f0a2ad2b6aa" providerId="LiveId" clId="{CA9998E5-5CA2-4F20-A28D-73399079BE17}" dt="2025-01-19T17:34:44.682" v="1134" actId="478"/>
-          <ac:picMkLst>
-            <pc:docMk/>
-            <pc:sldMk cId="2244066575" sldId="297"/>
-            <ac:picMk id="2" creationId="{5DE0BEC7-22E8-99F0-4168-4035E96D3BA7}"/>
-          </ac:picMkLst>
-        </pc:picChg>
-        <pc:picChg chg="add del mod">
-          <ac:chgData name="Daniela Meneghello" userId="73bf1f0a2ad2b6aa" providerId="LiveId" clId="{CA9998E5-5CA2-4F20-A28D-73399079BE17}" dt="2025-01-19T17:34:53.114" v="1136" actId="478"/>
-          <ac:picMkLst>
-            <pc:docMk/>
-            <pc:sldMk cId="2244066575" sldId="297"/>
-            <ac:picMk id="3" creationId="{DF57E3B7-696E-3354-AAA1-900E7A8D665E}"/>
-          </ac:picMkLst>
-        </pc:picChg>
         <pc:picChg chg="mod">
           <ac:chgData name="Daniela Meneghello" userId="73bf1f0a2ad2b6aa" providerId="LiveId" clId="{CA9998E5-5CA2-4F20-A28D-73399079BE17}" dt="2025-01-19T17:35:02.843" v="1141" actId="1076"/>
           <ac:picMkLst>
@@ -1607,38 +1047,6 @@
             <ac:spMk id="5" creationId="{EDE3104D-8845-29C6-146E-A58D7EB54F1F}"/>
           </ac:spMkLst>
         </pc:spChg>
-        <pc:picChg chg="del">
-          <ac:chgData name="Daniela Meneghello" userId="73bf1f0a2ad2b6aa" providerId="LiveId" clId="{CA9998E5-5CA2-4F20-A28D-73399079BE17}" dt="2025-01-19T17:37:04.202" v="1153" actId="478"/>
-          <ac:picMkLst>
-            <pc:docMk/>
-            <pc:sldMk cId="1964979223" sldId="298"/>
-            <ac:picMk id="2" creationId="{6404985D-BC13-062E-5DAE-FA5EBF3189F0}"/>
-          </ac:picMkLst>
-        </pc:picChg>
-        <pc:picChg chg="del">
-          <ac:chgData name="Daniela Meneghello" userId="73bf1f0a2ad2b6aa" providerId="LiveId" clId="{CA9998E5-5CA2-4F20-A28D-73399079BE17}" dt="2025-01-19T17:37:06.091" v="1154" actId="478"/>
-          <ac:picMkLst>
-            <pc:docMk/>
-            <pc:sldMk cId="1964979223" sldId="298"/>
-            <ac:picMk id="3" creationId="{E58E6594-008B-AA83-54A0-BB66B15EDE9A}"/>
-          </ac:picMkLst>
-        </pc:picChg>
-        <pc:picChg chg="del">
-          <ac:chgData name="Daniela Meneghello" userId="73bf1f0a2ad2b6aa" providerId="LiveId" clId="{CA9998E5-5CA2-4F20-A28D-73399079BE17}" dt="2025-01-19T17:37:04.202" v="1153" actId="478"/>
-          <ac:picMkLst>
-            <pc:docMk/>
-            <pc:sldMk cId="1964979223" sldId="298"/>
-            <ac:picMk id="6" creationId="{26743CFA-98B2-88BE-6FBA-552B4863502E}"/>
-          </ac:picMkLst>
-        </pc:picChg>
-        <pc:picChg chg="del">
-          <ac:chgData name="Daniela Meneghello" userId="73bf1f0a2ad2b6aa" providerId="LiveId" clId="{CA9998E5-5CA2-4F20-A28D-73399079BE17}" dt="2025-01-19T17:37:04.202" v="1153" actId="478"/>
-          <ac:picMkLst>
-            <pc:docMk/>
-            <pc:sldMk cId="1964979223" sldId="298"/>
-            <ac:picMk id="8" creationId="{67F3AD93-6DEF-D3AF-5FEB-C44652076A2D}"/>
-          </ac:picMkLst>
-        </pc:picChg>
         <pc:picChg chg="add mod">
           <ac:chgData name="Daniela Meneghello" userId="73bf1f0a2ad2b6aa" providerId="LiveId" clId="{CA9998E5-5CA2-4F20-A28D-73399079BE17}" dt="2025-01-19T17:37:23.443" v="1160" actId="14100"/>
           <ac:picMkLst>
@@ -1678,22 +1086,6 @@
             <ac:picMk id="3" creationId="{B300494C-ECF4-694A-6240-7FDDB46749CA}"/>
           </ac:picMkLst>
         </pc:picChg>
-        <pc:picChg chg="del">
-          <ac:chgData name="Daniela Meneghello" userId="73bf1f0a2ad2b6aa" providerId="LiveId" clId="{CA9998E5-5CA2-4F20-A28D-73399079BE17}" dt="2025-01-19T17:34:18.482" v="1131" actId="478"/>
-          <ac:picMkLst>
-            <pc:docMk/>
-            <pc:sldMk cId="593957852" sldId="299"/>
-            <ac:picMk id="6" creationId="{3BBAC092-17E2-732B-B2AD-ED373CC32DFB}"/>
-          </ac:picMkLst>
-        </pc:picChg>
-        <pc:picChg chg="del">
-          <ac:chgData name="Daniela Meneghello" userId="73bf1f0a2ad2b6aa" providerId="LiveId" clId="{CA9998E5-5CA2-4F20-A28D-73399079BE17}" dt="2025-01-19T17:34:18.482" v="1131" actId="478"/>
-          <ac:picMkLst>
-            <pc:docMk/>
-            <pc:sldMk cId="593957852" sldId="299"/>
-            <ac:picMk id="8" creationId="{47746979-A776-58C7-BAC9-D0E7A6BBA0D2}"/>
-          </ac:picMkLst>
-        </pc:picChg>
         <pc:picChg chg="add mod modCrop">
           <ac:chgData name="Daniela Meneghello" userId="73bf1f0a2ad2b6aa" providerId="LiveId" clId="{CA9998E5-5CA2-4F20-A28D-73399079BE17}" dt="2025-01-19T17:36:02.660" v="1148" actId="1076"/>
           <ac:picMkLst>
@@ -1717,38 +1109,6 @@
             <ac:spMk id="4" creationId="{F700B897-65FE-9999-60E0-D09CC9C40A3F}"/>
           </ac:spMkLst>
         </pc:spChg>
-        <pc:spChg chg="del mod">
-          <ac:chgData name="Daniela Meneghello" userId="73bf1f0a2ad2b6aa" providerId="LiveId" clId="{CA9998E5-5CA2-4F20-A28D-73399079BE17}" dt="2025-01-19T18:48:47.399" v="2208" actId="22"/>
-          <ac:spMkLst>
-            <pc:docMk/>
-            <pc:sldMk cId="2149395056" sldId="300"/>
-            <ac:spMk id="5" creationId="{8B38BC2E-3983-2ED8-999B-F0A74DD40E29}"/>
-          </ac:spMkLst>
-        </pc:spChg>
-        <pc:spChg chg="add del mod">
-          <ac:chgData name="Daniela Meneghello" userId="73bf1f0a2ad2b6aa" providerId="LiveId" clId="{CA9998E5-5CA2-4F20-A28D-73399079BE17}" dt="2025-01-19T18:50:53.191" v="2268" actId="22"/>
-          <ac:spMkLst>
-            <pc:docMk/>
-            <pc:sldMk cId="2149395056" sldId="300"/>
-            <ac:spMk id="7" creationId="{54AAB7D9-6FAC-3334-3EC3-E5714FB7BE85}"/>
-          </ac:spMkLst>
-        </pc:spChg>
-        <pc:picChg chg="add del mod ord">
-          <ac:chgData name="Daniela Meneghello" userId="73bf1f0a2ad2b6aa" providerId="LiveId" clId="{CA9998E5-5CA2-4F20-A28D-73399079BE17}" dt="2025-01-19T18:49:27.278" v="2216" actId="478"/>
-          <ac:picMkLst>
-            <pc:docMk/>
-            <pc:sldMk cId="2149395056" sldId="300"/>
-            <ac:picMk id="3" creationId="{CC126123-35E1-D847-29E9-C74E67B58227}"/>
-          </ac:picMkLst>
-        </pc:picChg>
-        <pc:picChg chg="add del mod">
-          <ac:chgData name="Daniela Meneghello" userId="73bf1f0a2ad2b6aa" providerId="LiveId" clId="{CA9998E5-5CA2-4F20-A28D-73399079BE17}" dt="2025-01-19T18:50:29.241" v="2265" actId="478"/>
-          <ac:picMkLst>
-            <pc:docMk/>
-            <pc:sldMk cId="2149395056" sldId="300"/>
-            <ac:picMk id="9" creationId="{314799C6-B2EC-9ED3-FE53-37D9CED00293}"/>
-          </ac:picMkLst>
-        </pc:picChg>
         <pc:picChg chg="add mod ord">
           <ac:chgData name="Daniela Meneghello" userId="73bf1f0a2ad2b6aa" providerId="LiveId" clId="{CA9998E5-5CA2-4F20-A28D-73399079BE17}" dt="2025-01-19T18:52:16.675" v="2277" actId="14100"/>
           <ac:picMkLst>
@@ -1757,48 +1117,16 @@
             <ac:picMk id="11" creationId="{F18CEC46-A495-4905-D269-6C49DBAC3125}"/>
           </ac:picMkLst>
         </pc:picChg>
-        <pc:picChg chg="add del mod">
-          <ac:chgData name="Daniela Meneghello" userId="73bf1f0a2ad2b6aa" providerId="LiveId" clId="{CA9998E5-5CA2-4F20-A28D-73399079BE17}" dt="2025-01-19T18:52:00.344" v="2275" actId="478"/>
-          <ac:picMkLst>
-            <pc:docMk/>
-            <pc:sldMk cId="2149395056" sldId="300"/>
-            <ac:picMk id="13" creationId="{73C2F205-F345-E149-13A6-5EF604CEDD32}"/>
-          </ac:picMkLst>
-        </pc:picChg>
       </pc:sldChg>
-      <pc:sldChg chg="delSp modSp add mod">
-        <pc:chgData name="Daniela Meneghello" userId="73bf1f0a2ad2b6aa" providerId="LiveId" clId="{CA9998E5-5CA2-4F20-A28D-73399079BE17}" dt="2025-01-19T19:26:48.463" v="2514" actId="6549"/>
+      <pc:sldChg chg="delSp modSp add del mod">
+        <pc:chgData name="Daniela Meneghello" userId="73bf1f0a2ad2b6aa" providerId="LiveId" clId="{CA9998E5-5CA2-4F20-A28D-73399079BE17}" dt="2025-01-21T00:16:19.557" v="4122" actId="47"/>
         <pc:sldMkLst>
           <pc:docMk/>
           <pc:sldMk cId="233293254" sldId="301"/>
         </pc:sldMkLst>
-        <pc:spChg chg="mod">
-          <ac:chgData name="Daniela Meneghello" userId="73bf1f0a2ad2b6aa" providerId="LiveId" clId="{CA9998E5-5CA2-4F20-A28D-73399079BE17}" dt="2025-01-19T19:26:48.463" v="2514" actId="6549"/>
-          <ac:spMkLst>
-            <pc:docMk/>
-            <pc:sldMk cId="233293254" sldId="301"/>
-            <ac:spMk id="5" creationId="{3274C8AC-F76A-E491-AA04-6A58272FAD08}"/>
-          </ac:spMkLst>
-        </pc:spChg>
-        <pc:picChg chg="del">
-          <ac:chgData name="Daniela Meneghello" userId="73bf1f0a2ad2b6aa" providerId="LiveId" clId="{CA9998E5-5CA2-4F20-A28D-73399079BE17}" dt="2025-01-19T19:26:46.044" v="2512" actId="478"/>
-          <ac:picMkLst>
-            <pc:docMk/>
-            <pc:sldMk cId="233293254" sldId="301"/>
-            <ac:picMk id="3" creationId="{0C091E68-FDBF-7DFD-F223-2E8CAC3CBB68}"/>
-          </ac:picMkLst>
-        </pc:picChg>
-        <pc:picChg chg="del">
-          <ac:chgData name="Daniela Meneghello" userId="73bf1f0a2ad2b6aa" providerId="LiveId" clId="{CA9998E5-5CA2-4F20-A28D-73399079BE17}" dt="2025-01-19T19:26:46.642" v="2513" actId="478"/>
-          <ac:picMkLst>
-            <pc:docMk/>
-            <pc:sldMk cId="233293254" sldId="301"/>
-            <ac:picMk id="7" creationId="{8CDB39E7-0BCA-7AB0-985D-783FC584643D}"/>
-          </ac:picMkLst>
-        </pc:picChg>
       </pc:sldChg>
       <pc:sldChg chg="addSp delSp modSp add mod ord">
-        <pc:chgData name="Daniela Meneghello" userId="73bf1f0a2ad2b6aa" providerId="LiveId" clId="{CA9998E5-5CA2-4F20-A28D-73399079BE17}" dt="2025-01-19T20:17:20.294" v="3798" actId="478"/>
+        <pc:chgData name="Daniela Meneghello" userId="73bf1f0a2ad2b6aa" providerId="LiveId" clId="{CA9998E5-5CA2-4F20-A28D-73399079BE17}" dt="2025-01-21T00:04:23.422" v="4109" actId="20577"/>
         <pc:sldMkLst>
           <pc:docMk/>
           <pc:sldMk cId="3152614904" sldId="302"/>
@@ -1812,7 +1140,7 @@
           </ac:spMkLst>
         </pc:spChg>
         <pc:spChg chg="mod">
-          <ac:chgData name="Daniela Meneghello" userId="73bf1f0a2ad2b6aa" providerId="LiveId" clId="{CA9998E5-5CA2-4F20-A28D-73399079BE17}" dt="2025-01-19T19:57:30.569" v="3641" actId="255"/>
+          <ac:chgData name="Daniela Meneghello" userId="73bf1f0a2ad2b6aa" providerId="LiveId" clId="{CA9998E5-5CA2-4F20-A28D-73399079BE17}" dt="2025-01-21T00:04:23.422" v="4109" actId="20577"/>
           <ac:spMkLst>
             <pc:docMk/>
             <pc:sldMk cId="3152614904" sldId="302"/>
@@ -1820,45 +1148,13 @@
           </ac:spMkLst>
         </pc:spChg>
         <pc:spChg chg="add mod">
-          <ac:chgData name="Daniela Meneghello" userId="73bf1f0a2ad2b6aa" providerId="LiveId" clId="{CA9998E5-5CA2-4F20-A28D-73399079BE17}" dt="2025-01-19T20:16:54.058" v="3790" actId="1076"/>
+          <ac:chgData name="Daniela Meneghello" userId="73bf1f0a2ad2b6aa" providerId="LiveId" clId="{CA9998E5-5CA2-4F20-A28D-73399079BE17}" dt="2025-01-20T23:56:36.990" v="3823" actId="20577"/>
           <ac:spMkLst>
             <pc:docMk/>
             <pc:sldMk cId="3152614904" sldId="302"/>
             <ac:spMk id="12" creationId="{2D7A1AAE-188F-D259-139C-9DB6C41A3935}"/>
           </ac:spMkLst>
         </pc:spChg>
-        <pc:spChg chg="add del mod">
-          <ac:chgData name="Daniela Meneghello" userId="73bf1f0a2ad2b6aa" providerId="LiveId" clId="{CA9998E5-5CA2-4F20-A28D-73399079BE17}" dt="2025-01-19T20:17:20.294" v="3798" actId="478"/>
-          <ac:spMkLst>
-            <pc:docMk/>
-            <pc:sldMk cId="3152614904" sldId="302"/>
-            <ac:spMk id="13" creationId="{9030E18D-7E8C-DBED-7F7A-3B1281724910}"/>
-          </ac:spMkLst>
-        </pc:spChg>
-        <pc:spChg chg="add del mod">
-          <ac:chgData name="Daniela Meneghello" userId="73bf1f0a2ad2b6aa" providerId="LiveId" clId="{CA9998E5-5CA2-4F20-A28D-73399079BE17}" dt="2025-01-19T20:17:18.037" v="3796" actId="478"/>
-          <ac:spMkLst>
-            <pc:docMk/>
-            <pc:sldMk cId="3152614904" sldId="302"/>
-            <ac:spMk id="14" creationId="{A7B0E0A3-BD5A-2A9A-E8E6-68EE325A292D}"/>
-          </ac:spMkLst>
-        </pc:spChg>
-        <pc:spChg chg="add del mod">
-          <ac:chgData name="Daniela Meneghello" userId="73bf1f0a2ad2b6aa" providerId="LiveId" clId="{CA9998E5-5CA2-4F20-A28D-73399079BE17}" dt="2025-01-19T20:17:15.549" v="3794" actId="478"/>
-          <ac:spMkLst>
-            <pc:docMk/>
-            <pc:sldMk cId="3152614904" sldId="302"/>
-            <ac:spMk id="15" creationId="{CBAF3FB7-97D9-54D2-9403-F6D1F07D14CB}"/>
-          </ac:spMkLst>
-        </pc:spChg>
-        <pc:picChg chg="del">
-          <ac:chgData name="Daniela Meneghello" userId="73bf1f0a2ad2b6aa" providerId="LiveId" clId="{CA9998E5-5CA2-4F20-A28D-73399079BE17}" dt="2025-01-19T19:26:34.106" v="2509" actId="478"/>
-          <ac:picMkLst>
-            <pc:docMk/>
-            <pc:sldMk cId="3152614904" sldId="302"/>
-            <ac:picMk id="3" creationId="{CEBDA643-C148-B37D-CAC7-0C8AFECF779C}"/>
-          </ac:picMkLst>
-        </pc:picChg>
         <pc:picChg chg="add mod">
           <ac:chgData name="Daniela Meneghello" userId="73bf1f0a2ad2b6aa" providerId="LiveId" clId="{CA9998E5-5CA2-4F20-A28D-73399079BE17}" dt="2025-01-19T19:30:17.917" v="2656" actId="1076"/>
           <ac:picMkLst>
@@ -1867,28 +1163,12 @@
             <ac:picMk id="6" creationId="{723AF591-D724-5AFA-85A7-8F38616BFF05}"/>
           </ac:picMkLst>
         </pc:picChg>
-        <pc:picChg chg="del">
-          <ac:chgData name="Daniela Meneghello" userId="73bf1f0a2ad2b6aa" providerId="LiveId" clId="{CA9998E5-5CA2-4F20-A28D-73399079BE17}" dt="2025-01-19T19:26:33.475" v="2508" actId="478"/>
-          <ac:picMkLst>
-            <pc:docMk/>
-            <pc:sldMk cId="3152614904" sldId="302"/>
-            <ac:picMk id="7" creationId="{09AA7218-0508-8589-A813-1A2A4DB06949}"/>
-          </ac:picMkLst>
-        </pc:picChg>
         <pc:picChg chg="add mod">
           <ac:chgData name="Daniela Meneghello" userId="73bf1f0a2ad2b6aa" providerId="LiveId" clId="{CA9998E5-5CA2-4F20-A28D-73399079BE17}" dt="2025-01-19T20:12:41.420" v="3749" actId="1076"/>
           <ac:picMkLst>
             <pc:docMk/>
             <pc:sldMk cId="3152614904" sldId="302"/>
             <ac:picMk id="9" creationId="{79BE5C6D-5B41-CDA9-603C-31E2D472F29B}"/>
-          </ac:picMkLst>
-        </pc:picChg>
-        <pc:picChg chg="add del">
-          <ac:chgData name="Daniela Meneghello" userId="73bf1f0a2ad2b6aa" providerId="LiveId" clId="{CA9998E5-5CA2-4F20-A28D-73399079BE17}" dt="2025-01-19T19:30:59.461" v="2661" actId="21"/>
-          <ac:picMkLst>
-            <pc:docMk/>
-            <pc:sldMk cId="3152614904" sldId="302"/>
-            <ac:picMk id="11" creationId="{E2196035-C8A5-D322-148D-4780E4286543}"/>
           </ac:picMkLst>
         </pc:picChg>
       </pc:sldChg>
@@ -1900,7 +1180,7 @@
         </pc:sldMkLst>
       </pc:sldChg>
       <pc:sldChg chg="addSp delSp modSp add mod">
-        <pc:chgData name="Daniela Meneghello" userId="73bf1f0a2ad2b6aa" providerId="LiveId" clId="{CA9998E5-5CA2-4F20-A28D-73399079BE17}" dt="2025-01-19T20:22:33.129" v="3818" actId="1076"/>
+        <pc:chgData name="Daniela Meneghello" userId="73bf1f0a2ad2b6aa" providerId="LiveId" clId="{CA9998E5-5CA2-4F20-A28D-73399079BE17}" dt="2025-01-21T00:04:55.499" v="4110"/>
         <pc:sldMkLst>
           <pc:docMk/>
           <pc:sldMk cId="326144018" sldId="304"/>
@@ -1914,43 +1194,11 @@
           </ac:spMkLst>
         </pc:spChg>
         <pc:spChg chg="mod">
-          <ac:chgData name="Daniela Meneghello" userId="73bf1f0a2ad2b6aa" providerId="LiveId" clId="{CA9998E5-5CA2-4F20-A28D-73399079BE17}" dt="2025-01-19T19:57:38.090" v="3642" actId="255"/>
+          <ac:chgData name="Daniela Meneghello" userId="73bf1f0a2ad2b6aa" providerId="LiveId" clId="{CA9998E5-5CA2-4F20-A28D-73399079BE17}" dt="2025-01-21T00:04:55.499" v="4110"/>
           <ac:spMkLst>
             <pc:docMk/>
             <pc:sldMk cId="326144018" sldId="304"/>
             <ac:spMk id="5" creationId="{BB70894E-65B6-A98C-CDA5-E2F17047D9E0}"/>
-          </ac:spMkLst>
-        </pc:spChg>
-        <pc:spChg chg="add">
-          <ac:chgData name="Daniela Meneghello" userId="73bf1f0a2ad2b6aa" providerId="LiveId" clId="{CA9998E5-5CA2-4F20-A28D-73399079BE17}" dt="2025-01-19T20:19:45.935" v="3800"/>
-          <ac:spMkLst>
-            <pc:docMk/>
-            <pc:sldMk cId="326144018" sldId="304"/>
-            <ac:spMk id="10" creationId="{E4990767-60C5-21F8-ED09-5E57BB5FC016}"/>
-          </ac:spMkLst>
-        </pc:spChg>
-        <pc:spChg chg="add del mod">
-          <ac:chgData name="Daniela Meneghello" userId="73bf1f0a2ad2b6aa" providerId="LiveId" clId="{CA9998E5-5CA2-4F20-A28D-73399079BE17}" dt="2025-01-19T20:20:15.908" v="3805"/>
-          <ac:spMkLst>
-            <pc:docMk/>
-            <pc:sldMk cId="326144018" sldId="304"/>
-            <ac:spMk id="11" creationId="{3CB6B29B-4082-DB9C-9767-76955F154807}"/>
-          </ac:spMkLst>
-        </pc:spChg>
-        <pc:spChg chg="add">
-          <ac:chgData name="Daniela Meneghello" userId="73bf1f0a2ad2b6aa" providerId="LiveId" clId="{CA9998E5-5CA2-4F20-A28D-73399079BE17}" dt="2025-01-19T20:20:07.743" v="3802"/>
-          <ac:spMkLst>
-            <pc:docMk/>
-            <pc:sldMk cId="326144018" sldId="304"/>
-            <ac:spMk id="12" creationId="{BB559837-01BA-B09B-630C-D30179E975E4}"/>
-          </ac:spMkLst>
-        </pc:spChg>
-        <pc:spChg chg="add">
-          <ac:chgData name="Daniela Meneghello" userId="73bf1f0a2ad2b6aa" providerId="LiveId" clId="{CA9998E5-5CA2-4F20-A28D-73399079BE17}" dt="2025-01-19T20:20:11.175" v="3803"/>
-          <ac:spMkLst>
-            <pc:docMk/>
-            <pc:sldMk cId="326144018" sldId="304"/>
-            <ac:spMk id="13" creationId="{60B61D63-9AAB-9792-42F8-540F34E7B003}"/>
           </ac:spMkLst>
         </pc:spChg>
         <pc:spChg chg="add mod">
@@ -1969,14 +1217,6 @@
             <ac:picMk id="3" creationId="{9A5A56A8-A43D-2E25-FB08-34C780708D7B}"/>
           </ac:picMkLst>
         </pc:picChg>
-        <pc:picChg chg="del">
-          <ac:chgData name="Daniela Meneghello" userId="73bf1f0a2ad2b6aa" providerId="LiveId" clId="{CA9998E5-5CA2-4F20-A28D-73399079BE17}" dt="2025-01-19T19:33:15.209" v="2731" actId="478"/>
-          <ac:picMkLst>
-            <pc:docMk/>
-            <pc:sldMk cId="326144018" sldId="304"/>
-            <ac:picMk id="6" creationId="{5C7D3273-C2D6-DFE1-A786-CB54F9DDB85B}"/>
-          </ac:picMkLst>
-        </pc:picChg>
         <pc:picChg chg="add mod">
           <ac:chgData name="Daniela Meneghello" userId="73bf1f0a2ad2b6aa" providerId="LiveId" clId="{CA9998E5-5CA2-4F20-A28D-73399079BE17}" dt="2025-01-19T20:22:33.129" v="3818" actId="1076"/>
           <ac:picMkLst>
@@ -1985,23 +1225,15 @@
             <ac:picMk id="8" creationId="{6FBBA17E-BCEF-A6C7-B138-A7C008429897}"/>
           </ac:picMkLst>
         </pc:picChg>
-        <pc:picChg chg="del">
-          <ac:chgData name="Daniela Meneghello" userId="73bf1f0a2ad2b6aa" providerId="LiveId" clId="{CA9998E5-5CA2-4F20-A28D-73399079BE17}" dt="2025-01-19T19:33:17.489" v="2732" actId="478"/>
-          <ac:picMkLst>
-            <pc:docMk/>
-            <pc:sldMk cId="326144018" sldId="304"/>
-            <ac:picMk id="9" creationId="{D776256C-BC4C-1CCC-A6E3-23F2C9DB6341}"/>
-          </ac:picMkLst>
-        </pc:picChg>
       </pc:sldChg>
-      <pc:sldChg chg="delSp modSp add mod">
-        <pc:chgData name="Daniela Meneghello" userId="73bf1f0a2ad2b6aa" providerId="LiveId" clId="{CA9998E5-5CA2-4F20-A28D-73399079BE17}" dt="2025-01-19T19:58:48.361" v="3652" actId="255"/>
+      <pc:sldChg chg="addSp delSp modSp add mod">
+        <pc:chgData name="Daniela Meneghello" userId="73bf1f0a2ad2b6aa" providerId="LiveId" clId="{CA9998E5-5CA2-4F20-A28D-73399079BE17}" dt="2025-01-21T00:15:55.362" v="4121" actId="1076"/>
         <pc:sldMkLst>
           <pc:docMk/>
           <pc:sldMk cId="830217502" sldId="305"/>
         </pc:sldMkLst>
         <pc:spChg chg="mod">
-          <ac:chgData name="Daniela Meneghello" userId="73bf1f0a2ad2b6aa" providerId="LiveId" clId="{CA9998E5-5CA2-4F20-A28D-73399079BE17}" dt="2025-01-19T19:35:21.220" v="2762" actId="13926"/>
+          <ac:chgData name="Daniela Meneghello" userId="73bf1f0a2ad2b6aa" providerId="LiveId" clId="{CA9998E5-5CA2-4F20-A28D-73399079BE17}" dt="2025-01-21T00:01:42.972" v="3955" actId="13926"/>
           <ac:spMkLst>
             <pc:docMk/>
             <pc:sldMk cId="830217502" sldId="305"/>
@@ -2009,27 +1241,27 @@
           </ac:spMkLst>
         </pc:spChg>
         <pc:spChg chg="mod">
-          <ac:chgData name="Daniela Meneghello" userId="73bf1f0a2ad2b6aa" providerId="LiveId" clId="{CA9998E5-5CA2-4F20-A28D-73399079BE17}" dt="2025-01-19T19:58:48.361" v="3652" actId="255"/>
+          <ac:chgData name="Daniela Meneghello" userId="73bf1f0a2ad2b6aa" providerId="LiveId" clId="{CA9998E5-5CA2-4F20-A28D-73399079BE17}" dt="2025-01-21T00:03:26.995" v="4076" actId="20577"/>
           <ac:spMkLst>
             <pc:docMk/>
             <pc:sldMk cId="830217502" sldId="305"/>
             <ac:spMk id="5" creationId="{ADFB1496-0F07-BE31-7327-FD1A09ADE495}"/>
           </ac:spMkLst>
         </pc:spChg>
-        <pc:picChg chg="del">
-          <ac:chgData name="Daniela Meneghello" userId="73bf1f0a2ad2b6aa" providerId="LiveId" clId="{CA9998E5-5CA2-4F20-A28D-73399079BE17}" dt="2025-01-19T19:35:06.283" v="2753" actId="478"/>
+        <pc:picChg chg="add mod">
+          <ac:chgData name="Daniela Meneghello" userId="73bf1f0a2ad2b6aa" providerId="LiveId" clId="{CA9998E5-5CA2-4F20-A28D-73399079BE17}" dt="2025-01-21T00:14:56.610" v="4117" actId="1076"/>
           <ac:picMkLst>
             <pc:docMk/>
             <pc:sldMk cId="830217502" sldId="305"/>
-            <ac:picMk id="3" creationId="{4B999AF8-1B3B-0855-AD07-C513FC812B80}"/>
+            <ac:picMk id="3" creationId="{57517C44-8181-3C6A-9B63-050841A4F4AC}"/>
           </ac:picMkLst>
         </pc:picChg>
-        <pc:picChg chg="del">
-          <ac:chgData name="Daniela Meneghello" userId="73bf1f0a2ad2b6aa" providerId="LiveId" clId="{CA9998E5-5CA2-4F20-A28D-73399079BE17}" dt="2025-01-19T19:35:08.242" v="2754" actId="478"/>
+        <pc:picChg chg="add mod">
+          <ac:chgData name="Daniela Meneghello" userId="73bf1f0a2ad2b6aa" providerId="LiveId" clId="{CA9998E5-5CA2-4F20-A28D-73399079BE17}" dt="2025-01-21T00:15:55.362" v="4121" actId="1076"/>
           <ac:picMkLst>
             <pc:docMk/>
             <pc:sldMk cId="830217502" sldId="305"/>
-            <ac:picMk id="8" creationId="{9A911CA8-03BB-0307-AD5F-5C73A28B788B}"/>
+            <ac:picMk id="7" creationId="{A14EFA29-82CE-E1DF-0E1B-31F69DB560D5}"/>
           </ac:picMkLst>
         </pc:picChg>
       </pc:sldChg>
@@ -2055,28 +1287,12 @@
             <ac:spMk id="5" creationId="{4B17C1D1-3847-927F-E3B2-A8F214135B38}"/>
           </ac:spMkLst>
         </pc:spChg>
-        <pc:picChg chg="del">
-          <ac:chgData name="Daniela Meneghello" userId="73bf1f0a2ad2b6aa" providerId="LiveId" clId="{CA9998E5-5CA2-4F20-A28D-73399079BE17}" dt="2025-01-19T19:36:46.363" v="2771" actId="478"/>
-          <ac:picMkLst>
-            <pc:docMk/>
-            <pc:sldMk cId="347127278" sldId="306"/>
-            <ac:picMk id="3" creationId="{50C4E6E5-6016-4299-427E-513C93AFAD60}"/>
-          </ac:picMkLst>
-        </pc:picChg>
         <pc:picChg chg="add mod">
           <ac:chgData name="Daniela Meneghello" userId="73bf1f0a2ad2b6aa" providerId="LiveId" clId="{CA9998E5-5CA2-4F20-A28D-73399079BE17}" dt="2025-01-19T19:40:43.923" v="3078" actId="1076"/>
           <ac:picMkLst>
             <pc:docMk/>
             <pc:sldMk cId="347127278" sldId="306"/>
             <ac:picMk id="6" creationId="{A78B7B52-A3D7-2D88-5214-93D8D584CD4C}"/>
-          </ac:picMkLst>
-        </pc:picChg>
-        <pc:picChg chg="del">
-          <ac:chgData name="Daniela Meneghello" userId="73bf1f0a2ad2b6aa" providerId="LiveId" clId="{CA9998E5-5CA2-4F20-A28D-73399079BE17}" dt="2025-01-19T19:36:48.331" v="2772" actId="478"/>
-          <ac:picMkLst>
-            <pc:docMk/>
-            <pc:sldMk cId="347127278" sldId="306"/>
-            <ac:picMk id="8" creationId="{35614250-5B01-1F76-7716-0B25BF1C9CDF}"/>
           </ac:picMkLst>
         </pc:picChg>
         <pc:picChg chg="add mod">
@@ -2088,20 +1304,28 @@
           </ac:picMkLst>
         </pc:picChg>
       </pc:sldChg>
-      <pc:sldChg chg="modSp add mod">
-        <pc:chgData name="Daniela Meneghello" userId="73bf1f0a2ad2b6aa" providerId="LiveId" clId="{CA9998E5-5CA2-4F20-A28D-73399079BE17}" dt="2025-01-19T19:58:39.746" v="3651" actId="255"/>
+      <pc:sldChg chg="delSp modSp add del mod">
+        <pc:chgData name="Daniela Meneghello" userId="73bf1f0a2ad2b6aa" providerId="LiveId" clId="{CA9998E5-5CA2-4F20-A28D-73399079BE17}" dt="2025-01-21T00:01:35.729" v="3954" actId="47"/>
         <pc:sldMkLst>
           <pc:docMk/>
           <pc:sldMk cId="2202950571" sldId="307"/>
         </pc:sldMkLst>
         <pc:spChg chg="mod">
-          <ac:chgData name="Daniela Meneghello" userId="73bf1f0a2ad2b6aa" providerId="LiveId" clId="{CA9998E5-5CA2-4F20-A28D-73399079BE17}" dt="2025-01-19T19:58:39.746" v="3651" actId="255"/>
+          <ac:chgData name="Daniela Meneghello" userId="73bf1f0a2ad2b6aa" providerId="LiveId" clId="{CA9998E5-5CA2-4F20-A28D-73399079BE17}" dt="2025-01-21T00:01:27.681" v="3952" actId="6549"/>
           <ac:spMkLst>
             <pc:docMk/>
             <pc:sldMk cId="2202950571" sldId="307"/>
             <ac:spMk id="5" creationId="{2274D9FD-6E6E-57A2-04D7-B309FC074D4C}"/>
           </ac:spMkLst>
         </pc:spChg>
+        <pc:picChg chg="del">
+          <ac:chgData name="Daniela Meneghello" userId="73bf1f0a2ad2b6aa" providerId="LiveId" clId="{CA9998E5-5CA2-4F20-A28D-73399079BE17}" dt="2025-01-21T00:01:30.018" v="3953" actId="478"/>
+          <ac:picMkLst>
+            <pc:docMk/>
+            <pc:sldMk cId="2202950571" sldId="307"/>
+            <ac:picMk id="3" creationId="{BB1B86C5-7932-3250-EC23-EA886853C69A}"/>
+          </ac:picMkLst>
+        </pc:picChg>
       </pc:sldChg>
       <pc:sldChg chg="addSp delSp modSp add mod">
         <pc:chgData name="Daniela Meneghello" userId="73bf1f0a2ad2b6aa" providerId="LiveId" clId="{CA9998E5-5CA2-4F20-A28D-73399079BE17}" dt="2025-01-19T19:57:54.112" v="3644" actId="255"/>
@@ -2123,14 +1347,6 @@
             <pc:docMk/>
             <pc:sldMk cId="511162897" sldId="308"/>
             <ac:picMk id="3" creationId="{BD9E4922-0241-5877-E6D3-9AD5FE2BEC65}"/>
-          </ac:picMkLst>
-        </pc:picChg>
-        <pc:picChg chg="del">
-          <ac:chgData name="Daniela Meneghello" userId="73bf1f0a2ad2b6aa" providerId="LiveId" clId="{CA9998E5-5CA2-4F20-A28D-73399079BE17}" dt="2025-01-19T19:41:15.169" v="3081" actId="478"/>
-          <ac:picMkLst>
-            <pc:docMk/>
-            <pc:sldMk cId="511162897" sldId="308"/>
-            <ac:picMk id="6" creationId="{AF055F56-3713-C563-23D7-DA284307FF83}"/>
           </ac:picMkLst>
         </pc:picChg>
         <pc:picChg chg="add mod">
@@ -2156,38 +1372,6 @@
             <ac:spMk id="5" creationId="{50A37D22-7427-4424-A668-892B6668EBA8}"/>
           </ac:spMkLst>
         </pc:spChg>
-        <pc:picChg chg="del">
-          <ac:chgData name="Daniela Meneghello" userId="73bf1f0a2ad2b6aa" providerId="LiveId" clId="{CA9998E5-5CA2-4F20-A28D-73399079BE17}" dt="2025-01-19T19:46:32.536" v="3351" actId="478"/>
-          <ac:picMkLst>
-            <pc:docMk/>
-            <pc:sldMk cId="3479717841" sldId="309"/>
-            <ac:picMk id="3" creationId="{77C87DDE-1CFD-4CFA-4588-D10D4E65DBEE}"/>
-          </ac:picMkLst>
-        </pc:picChg>
-        <pc:picChg chg="add del mod">
-          <ac:chgData name="Daniela Meneghello" userId="73bf1f0a2ad2b6aa" providerId="LiveId" clId="{CA9998E5-5CA2-4F20-A28D-73399079BE17}" dt="2025-01-19T20:05:04.224" v="3687" actId="478"/>
-          <ac:picMkLst>
-            <pc:docMk/>
-            <pc:sldMk cId="3479717841" sldId="309"/>
-            <ac:picMk id="6" creationId="{D0948ED1-57B2-AC7F-3B01-3E07BB441871}"/>
-          </ac:picMkLst>
-        </pc:picChg>
-        <pc:picChg chg="del">
-          <ac:chgData name="Daniela Meneghello" userId="73bf1f0a2ad2b6aa" providerId="LiveId" clId="{CA9998E5-5CA2-4F20-A28D-73399079BE17}" dt="2025-01-19T19:46:33.905" v="3352" actId="478"/>
-          <ac:picMkLst>
-            <pc:docMk/>
-            <pc:sldMk cId="3479717841" sldId="309"/>
-            <ac:picMk id="8" creationId="{2FED3643-E4AF-4FCF-525B-00244C075832}"/>
-          </ac:picMkLst>
-        </pc:picChg>
-        <pc:picChg chg="add del mod">
-          <ac:chgData name="Daniela Meneghello" userId="73bf1f0a2ad2b6aa" providerId="LiveId" clId="{CA9998E5-5CA2-4F20-A28D-73399079BE17}" dt="2025-01-19T20:05:06.511" v="3688" actId="478"/>
-          <ac:picMkLst>
-            <pc:docMk/>
-            <pc:sldMk cId="3479717841" sldId="309"/>
-            <ac:picMk id="9" creationId="{D9AAFE5F-0508-E8F8-DC48-E148A0FC86A5}"/>
-          </ac:picMkLst>
-        </pc:picChg>
       </pc:sldChg>
       <pc:sldChg chg="addSp delSp modSp add mod">
         <pc:chgData name="Daniela Meneghello" userId="73bf1f0a2ad2b6aa" providerId="LiveId" clId="{CA9998E5-5CA2-4F20-A28D-73399079BE17}" dt="2025-01-19T19:58:21.986" v="3649" actId="255"/>
@@ -2211,55 +1395,31 @@
             <ac:picMk id="3" creationId="{32886470-5F04-C8E1-2ABE-16A956FAFB86}"/>
           </ac:picMkLst>
         </pc:picChg>
-        <pc:picChg chg="del mod">
-          <ac:chgData name="Daniela Meneghello" userId="73bf1f0a2ad2b6aa" providerId="LiveId" clId="{CA9998E5-5CA2-4F20-A28D-73399079BE17}" dt="2025-01-19T19:48:04.523" v="3367" actId="478"/>
-          <ac:picMkLst>
-            <pc:docMk/>
-            <pc:sldMk cId="1735721545" sldId="310"/>
-            <ac:picMk id="6" creationId="{2246FE24-87FE-93B2-E08A-B0B6615965AD}"/>
-          </ac:picMkLst>
-        </pc:picChg>
-        <pc:picChg chg="del mod">
-          <ac:chgData name="Daniela Meneghello" userId="73bf1f0a2ad2b6aa" providerId="LiveId" clId="{CA9998E5-5CA2-4F20-A28D-73399079BE17}" dt="2025-01-19T19:48:04.523" v="3367" actId="478"/>
-          <ac:picMkLst>
-            <pc:docMk/>
-            <pc:sldMk cId="1735721545" sldId="310"/>
-            <ac:picMk id="9" creationId="{40AFF101-B763-8F45-0F12-AFC4DC140E9B}"/>
-          </ac:picMkLst>
-        </pc:picChg>
       </pc:sldChg>
       <pc:sldChg chg="addSp delSp modSp add mod">
-        <pc:chgData name="Daniela Meneghello" userId="73bf1f0a2ad2b6aa" providerId="LiveId" clId="{CA9998E5-5CA2-4F20-A28D-73399079BE17}" dt="2025-01-19T19:58:32.801" v="3650" actId="255"/>
+        <pc:chgData name="Daniela Meneghello" userId="73bf1f0a2ad2b6aa" providerId="LiveId" clId="{CA9998E5-5CA2-4F20-A28D-73399079BE17}" dt="2025-01-21T00:06:05.356" v="4111"/>
         <pc:sldMkLst>
           <pc:docMk/>
           <pc:sldMk cId="465831727" sldId="311"/>
         </pc:sldMkLst>
         <pc:spChg chg="mod">
-          <ac:chgData name="Daniela Meneghello" userId="73bf1f0a2ad2b6aa" providerId="LiveId" clId="{CA9998E5-5CA2-4F20-A28D-73399079BE17}" dt="2025-01-19T19:58:32.801" v="3650" actId="255"/>
+          <ac:chgData name="Daniela Meneghello" userId="73bf1f0a2ad2b6aa" providerId="LiveId" clId="{CA9998E5-5CA2-4F20-A28D-73399079BE17}" dt="2025-01-21T00:06:05.356" v="4111"/>
           <ac:spMkLst>
             <pc:docMk/>
             <pc:sldMk cId="465831727" sldId="311"/>
             <ac:spMk id="5" creationId="{39EFCDF6-AA52-6533-7345-C55D271474FA}"/>
           </ac:spMkLst>
         </pc:spChg>
-        <pc:picChg chg="del">
-          <ac:chgData name="Daniela Meneghello" userId="73bf1f0a2ad2b6aa" providerId="LiveId" clId="{CA9998E5-5CA2-4F20-A28D-73399079BE17}" dt="2025-01-19T19:51:55.703" v="3573" actId="478"/>
-          <ac:picMkLst>
-            <pc:docMk/>
-            <pc:sldMk cId="465831727" sldId="311"/>
-            <ac:picMk id="3" creationId="{1691F4C2-C3F9-5B8D-FE81-0E3DE2795B19}"/>
-          </ac:picMkLst>
-        </pc:picChg>
         <pc:picChg chg="add mod">
-          <ac:chgData name="Daniela Meneghello" userId="73bf1f0a2ad2b6aa" providerId="LiveId" clId="{CA9998E5-5CA2-4F20-A28D-73399079BE17}" dt="2025-01-19T19:54:15.634" v="3630" actId="1035"/>
+          <ac:chgData name="Daniela Meneghello" userId="73bf1f0a2ad2b6aa" providerId="LiveId" clId="{CA9998E5-5CA2-4F20-A28D-73399079BE17}" dt="2025-01-21T00:01:06.236" v="3950" actId="1076"/>
           <ac:picMkLst>
             <pc:docMk/>
             <pc:sldMk cId="465831727" sldId="311"/>
             <ac:picMk id="6" creationId="{66B4685F-7FB0-F5AC-71DA-E5603D29F815}"/>
           </ac:picMkLst>
         </pc:picChg>
-        <pc:picChg chg="add mod">
-          <ac:chgData name="Daniela Meneghello" userId="73bf1f0a2ad2b6aa" providerId="LiveId" clId="{CA9998E5-5CA2-4F20-A28D-73399079BE17}" dt="2025-01-19T19:54:15.634" v="3630" actId="1035"/>
+        <pc:picChg chg="add del mod">
+          <ac:chgData name="Daniela Meneghello" userId="73bf1f0a2ad2b6aa" providerId="LiveId" clId="{CA9998E5-5CA2-4F20-A28D-73399079BE17}" dt="2025-01-21T00:00:49.984" v="3945" actId="478"/>
           <ac:picMkLst>
             <pc:docMk/>
             <pc:sldMk cId="465831727" sldId="311"/>
@@ -2267,7 +1427,7 @@
           </ac:picMkLst>
         </pc:picChg>
         <pc:picChg chg="add del mod">
-          <ac:chgData name="Daniela Meneghello" userId="73bf1f0a2ad2b6aa" providerId="LiveId" clId="{CA9998E5-5CA2-4F20-A28D-73399079BE17}" dt="2025-01-19T19:54:53.041" v="3634" actId="478"/>
+          <ac:chgData name="Daniela Meneghello" userId="73bf1f0a2ad2b6aa" providerId="LiveId" clId="{CA9998E5-5CA2-4F20-A28D-73399079BE17}" dt="2025-01-21T00:01:08.178" v="3951" actId="1076"/>
           <ac:picMkLst>
             <pc:docMk/>
             <pc:sldMk cId="465831727" sldId="311"/>
@@ -2312,22 +1472,67 @@
           <pc:docMk/>
           <pc:sldMk cId="2092737553" sldId="312"/>
         </pc:sldMkLst>
-        <pc:picChg chg="mod">
-          <ac:chgData name="Daniela Meneghello" userId="73bf1f0a2ad2b6aa" providerId="LiveId" clId="{CA9998E5-5CA2-4F20-A28D-73399079BE17}" dt="2025-01-19T19:54:09.265" v="3615" actId="1035"/>
-          <ac:picMkLst>
+      </pc:sldChg>
+      <pc:sldChg chg="addSp modSp add mod">
+        <pc:chgData name="Daniela Meneghello" userId="73bf1f0a2ad2b6aa" providerId="LiveId" clId="{CA9998E5-5CA2-4F20-A28D-73399079BE17}" dt="2025-01-21T00:33:22.915" v="4697" actId="1076"/>
+        <pc:sldMkLst>
+          <pc:docMk/>
+          <pc:sldMk cId="2528375167" sldId="313"/>
+        </pc:sldMkLst>
+        <pc:spChg chg="mod">
+          <ac:chgData name="Daniela Meneghello" userId="73bf1f0a2ad2b6aa" providerId="LiveId" clId="{CA9998E5-5CA2-4F20-A28D-73399079BE17}" dt="2025-01-21T00:33:16.385" v="4696" actId="255"/>
+          <ac:spMkLst>
             <pc:docMk/>
-            <pc:sldMk cId="2092737553" sldId="312"/>
-            <ac:picMk id="6" creationId="{ECB87920-BB85-F2FF-AAC4-6DAA47B4716A}"/>
-          </ac:picMkLst>
-        </pc:picChg>
-        <pc:picChg chg="mod">
-          <ac:chgData name="Daniela Meneghello" userId="73bf1f0a2ad2b6aa" providerId="LiveId" clId="{CA9998E5-5CA2-4F20-A28D-73399079BE17}" dt="2025-01-19T19:54:09.265" v="3615" actId="1035"/>
-          <ac:picMkLst>
+            <pc:sldMk cId="2528375167" sldId="313"/>
+            <ac:spMk id="5" creationId="{6BA52494-D67E-527A-B485-AA7465F947EE}"/>
+          </ac:spMkLst>
+        </pc:spChg>
+        <pc:graphicFrameChg chg="add mod modGraphic">
+          <ac:chgData name="Daniela Meneghello" userId="73bf1f0a2ad2b6aa" providerId="LiveId" clId="{CA9998E5-5CA2-4F20-A28D-73399079BE17}" dt="2025-01-21T00:33:22.915" v="4697" actId="1076"/>
+          <ac:graphicFrameMkLst>
             <pc:docMk/>
-            <pc:sldMk cId="2092737553" sldId="312"/>
-            <ac:picMk id="8" creationId="{62337172-85E1-CC3F-E8B0-729E0ED51F4C}"/>
-          </ac:picMkLst>
-        </pc:picChg>
+            <pc:sldMk cId="2528375167" sldId="313"/>
+            <ac:graphicFrameMk id="2" creationId="{A52D68F0-86D5-0C89-9FDE-160974E68798}"/>
+          </ac:graphicFrameMkLst>
+        </pc:graphicFrameChg>
+      </pc:sldChg>
+      <pc:sldChg chg="delSp modSp add mod">
+        <pc:chgData name="Daniela Meneghello" userId="73bf1f0a2ad2b6aa" providerId="LiveId" clId="{CA9998E5-5CA2-4F20-A28D-73399079BE17}" dt="2025-01-21T00:41:32.034" v="4874" actId="6549"/>
+        <pc:sldMkLst>
+          <pc:docMk/>
+          <pc:sldMk cId="3214034833" sldId="314"/>
+        </pc:sldMkLst>
+        <pc:spChg chg="mod">
+          <ac:chgData name="Daniela Meneghello" userId="73bf1f0a2ad2b6aa" providerId="LiveId" clId="{CA9998E5-5CA2-4F20-A28D-73399079BE17}" dt="2025-01-21T00:41:32.034" v="4874" actId="6549"/>
+          <ac:spMkLst>
+            <pc:docMk/>
+            <pc:sldMk cId="3214034833" sldId="314"/>
+            <ac:spMk id="5" creationId="{12FA060A-E2ED-E36F-5CFB-8522F057B6D6}"/>
+          </ac:spMkLst>
+        </pc:spChg>
+        <pc:graphicFrameChg chg="del">
+          <ac:chgData name="Daniela Meneghello" userId="73bf1f0a2ad2b6aa" providerId="LiveId" clId="{CA9998E5-5CA2-4F20-A28D-73399079BE17}" dt="2025-01-21T00:31:25.249" v="4657" actId="478"/>
+          <ac:graphicFrameMkLst>
+            <pc:docMk/>
+            <pc:sldMk cId="3214034833" sldId="314"/>
+            <ac:graphicFrameMk id="2" creationId="{ACC2024C-DFEE-78C2-1E16-6072D468AA6E}"/>
+          </ac:graphicFrameMkLst>
+        </pc:graphicFrameChg>
+      </pc:sldChg>
+      <pc:sldChg chg="modSp add mod">
+        <pc:chgData name="Daniela Meneghello" userId="73bf1f0a2ad2b6aa" providerId="LiveId" clId="{CA9998E5-5CA2-4F20-A28D-73399079BE17}" dt="2025-01-21T00:46:11.116" v="5258" actId="113"/>
+        <pc:sldMkLst>
+          <pc:docMk/>
+          <pc:sldMk cId="2473973159" sldId="315"/>
+        </pc:sldMkLst>
+        <pc:spChg chg="mod">
+          <ac:chgData name="Daniela Meneghello" userId="73bf1f0a2ad2b6aa" providerId="LiveId" clId="{CA9998E5-5CA2-4F20-A28D-73399079BE17}" dt="2025-01-21T00:46:11.116" v="5258" actId="113"/>
+          <ac:spMkLst>
+            <pc:docMk/>
+            <pc:sldMk cId="2473973159" sldId="315"/>
+            <ac:spMk id="5" creationId="{E8C424AA-A948-D993-3BE1-95D7FA852D87}"/>
+          </ac:spMkLst>
+        </pc:spChg>
       </pc:sldChg>
     </pc:docChg>
   </pc:docChgLst>
@@ -2416,7 +1621,7 @@
           <a:p>
             <a:fld id="{AC850299-B4C0-4C6B-8A04-7B521BF48FD3}" type="datetimeFigureOut">
               <a:rPr lang="pt-BR" smtClean="0"/>
-              <a:t>19/01/2025</a:t>
+              <a:t>20/01/2025</a:t>
             </a:fld>
             <a:endParaRPr lang="pt-BR"/>
           </a:p>
@@ -2883,114 +2088,6 @@
         <p:cNvPr id="1" name="">
           <a:extLst>
             <a:ext uri="{FF2B5EF4-FFF2-40B4-BE49-F238E27FC236}">
-              <a16:creationId xmlns:a16="http://schemas.microsoft.com/office/drawing/2014/main" id="{4CF606DB-A835-ED9E-EF92-684C669F5104}"/>
-            </a:ext>
-          </a:extLst>
-        </p:cNvPr>
-        <p:cNvGrpSpPr/>
-        <p:nvPr/>
-      </p:nvGrpSpPr>
-      <p:grpSpPr>
-        <a:xfrm>
-          <a:off x="0" y="0"/>
-          <a:ext cx="0" cy="0"/>
-          <a:chOff x="0" y="0"/>
-          <a:chExt cx="0" cy="0"/>
-        </a:xfrm>
-      </p:grpSpPr>
-      <p:sp>
-        <p:nvSpPr>
-          <p:cNvPr id="2" name="Espaço Reservado para Imagem de Slide 1">
-            <a:extLst>
-              <a:ext uri="{FF2B5EF4-FFF2-40B4-BE49-F238E27FC236}">
-                <a16:creationId xmlns:a16="http://schemas.microsoft.com/office/drawing/2014/main" id="{D2D01075-3A9C-8356-6BB4-0E738D3B9244}"/>
-              </a:ext>
-            </a:extLst>
-          </p:cNvPr>
-          <p:cNvSpPr>
-            <a:spLocks noGrp="1" noRot="1" noChangeAspect="1"/>
-          </p:cNvSpPr>
-          <p:nvPr>
-            <p:ph type="sldImg"/>
-          </p:nvPr>
-        </p:nvSpPr>
-        <p:spPr/>
-      </p:sp>
-      <p:sp>
-        <p:nvSpPr>
-          <p:cNvPr id="3" name="Espaço Reservado para Anotações 2">
-            <a:extLst>
-              <a:ext uri="{FF2B5EF4-FFF2-40B4-BE49-F238E27FC236}">
-                <a16:creationId xmlns:a16="http://schemas.microsoft.com/office/drawing/2014/main" id="{8FBB3072-84BC-16DE-6327-E1954149EDC6}"/>
-              </a:ext>
-            </a:extLst>
-          </p:cNvPr>
-          <p:cNvSpPr>
-            <a:spLocks noGrp="1"/>
-          </p:cNvSpPr>
-          <p:nvPr>
-            <p:ph type="body" idx="1"/>
-          </p:nvPr>
-        </p:nvSpPr>
-        <p:spPr/>
-        <p:txBody>
-          <a:bodyPr/>
-          <a:lstStyle/>
-          <a:p>
-            <a:endParaRPr lang="pt-BR" dirty="0"/>
-          </a:p>
-        </p:txBody>
-      </p:sp>
-      <p:sp>
-        <p:nvSpPr>
-          <p:cNvPr id="4" name="Espaço Reservado para Número de Slide 3">
-            <a:extLst>
-              <a:ext uri="{FF2B5EF4-FFF2-40B4-BE49-F238E27FC236}">
-                <a16:creationId xmlns:a16="http://schemas.microsoft.com/office/drawing/2014/main" id="{41AF1B06-4CFB-D0FB-6584-535B98850A5A}"/>
-              </a:ext>
-            </a:extLst>
-          </p:cNvPr>
-          <p:cNvSpPr>
-            <a:spLocks noGrp="1"/>
-          </p:cNvSpPr>
-          <p:nvPr>
-            <p:ph type="sldNum" sz="quarter" idx="5"/>
-          </p:nvPr>
-        </p:nvSpPr>
-        <p:spPr/>
-        <p:txBody>
-          <a:bodyPr/>
-          <a:lstStyle/>
-          <a:p>
-            <a:fld id="{161740C3-5492-4B0E-AD92-DA94FEA36343}" type="slidenum">
-              <a:rPr lang="pt-BR" smtClean="0"/>
-              <a:t>17</a:t>
-            </a:fld>
-            <a:endParaRPr lang="pt-BR"/>
-          </a:p>
-        </p:txBody>
-      </p:sp>
-    </p:spTree>
-    <p:extLst>
-      <p:ext uri="{BB962C8B-B14F-4D97-AF65-F5344CB8AC3E}">
-        <p14:creationId xmlns:p14="http://schemas.microsoft.com/office/powerpoint/2010/main" val="3862098966"/>
-      </p:ext>
-    </p:extLst>
-  </p:cSld>
-  <p:clrMapOvr>
-    <a:masterClrMapping/>
-  </p:clrMapOvr>
-</p:notes>
-</file>
-
-<file path=ppt/notesSlides/notesSlide12.xml><?xml version="1.0" encoding="utf-8"?>
-<p:notes xmlns:a="http://schemas.openxmlformats.org/drawingml/2006/main" xmlns:r="http://schemas.openxmlformats.org/officeDocument/2006/relationships" xmlns:p="http://schemas.openxmlformats.org/presentationml/2006/main">
-  <p:cSld>
-    <p:spTree>
-      <p:nvGrpSpPr>
-        <p:cNvPr id="1" name="">
-          <a:extLst>
-            <a:ext uri="{FF2B5EF4-FFF2-40B4-BE49-F238E27FC236}">
               <a16:creationId xmlns:a16="http://schemas.microsoft.com/office/drawing/2014/main" id="{82E22591-BA77-9364-EDF0-06B9D45258C4}"/>
             </a:ext>
           </a:extLst>
@@ -3072,7 +2169,7 @@
           <a:p>
             <a:fld id="{161740C3-5492-4B0E-AD92-DA94FEA36343}" type="slidenum">
               <a:rPr lang="pt-BR" smtClean="0"/>
-              <a:t>18</a:t>
+              <a:t>17</a:t>
             </a:fld>
             <a:endParaRPr lang="pt-BR"/>
           </a:p>
@@ -3082,114 +2179,6 @@
     <p:extLst>
       <p:ext uri="{BB962C8B-B14F-4D97-AF65-F5344CB8AC3E}">
         <p14:creationId xmlns:p14="http://schemas.microsoft.com/office/powerpoint/2010/main" val="2275402996"/>
-      </p:ext>
-    </p:extLst>
-  </p:cSld>
-  <p:clrMapOvr>
-    <a:masterClrMapping/>
-  </p:clrMapOvr>
-</p:notes>
-</file>
-
-<file path=ppt/notesSlides/notesSlide13.xml><?xml version="1.0" encoding="utf-8"?>
-<p:notes xmlns:a="http://schemas.openxmlformats.org/drawingml/2006/main" xmlns:r="http://schemas.openxmlformats.org/officeDocument/2006/relationships" xmlns:p="http://schemas.openxmlformats.org/presentationml/2006/main">
-  <p:cSld>
-    <p:spTree>
-      <p:nvGrpSpPr>
-        <p:cNvPr id="1" name="">
-          <a:extLst>
-            <a:ext uri="{FF2B5EF4-FFF2-40B4-BE49-F238E27FC236}">
-              <a16:creationId xmlns:a16="http://schemas.microsoft.com/office/drawing/2014/main" id="{56985961-DC9E-C8DE-9F4A-FF7C58DF8240}"/>
-            </a:ext>
-          </a:extLst>
-        </p:cNvPr>
-        <p:cNvGrpSpPr/>
-        <p:nvPr/>
-      </p:nvGrpSpPr>
-      <p:grpSpPr>
-        <a:xfrm>
-          <a:off x="0" y="0"/>
-          <a:ext cx="0" cy="0"/>
-          <a:chOff x="0" y="0"/>
-          <a:chExt cx="0" cy="0"/>
-        </a:xfrm>
-      </p:grpSpPr>
-      <p:sp>
-        <p:nvSpPr>
-          <p:cNvPr id="2" name="Espaço Reservado para Imagem de Slide 1">
-            <a:extLst>
-              <a:ext uri="{FF2B5EF4-FFF2-40B4-BE49-F238E27FC236}">
-                <a16:creationId xmlns:a16="http://schemas.microsoft.com/office/drawing/2014/main" id="{40DC109F-BA72-FBA4-A814-53E3B3DE673D}"/>
-              </a:ext>
-            </a:extLst>
-          </p:cNvPr>
-          <p:cNvSpPr>
-            <a:spLocks noGrp="1" noRot="1" noChangeAspect="1"/>
-          </p:cNvSpPr>
-          <p:nvPr>
-            <p:ph type="sldImg"/>
-          </p:nvPr>
-        </p:nvSpPr>
-        <p:spPr/>
-      </p:sp>
-      <p:sp>
-        <p:nvSpPr>
-          <p:cNvPr id="3" name="Espaço Reservado para Anotações 2">
-            <a:extLst>
-              <a:ext uri="{FF2B5EF4-FFF2-40B4-BE49-F238E27FC236}">
-                <a16:creationId xmlns:a16="http://schemas.microsoft.com/office/drawing/2014/main" id="{15663121-AB84-E269-86B5-49BF426F5D5A}"/>
-              </a:ext>
-            </a:extLst>
-          </p:cNvPr>
-          <p:cNvSpPr>
-            <a:spLocks noGrp="1"/>
-          </p:cNvSpPr>
-          <p:nvPr>
-            <p:ph type="body" idx="1"/>
-          </p:nvPr>
-        </p:nvSpPr>
-        <p:spPr/>
-        <p:txBody>
-          <a:bodyPr/>
-          <a:lstStyle/>
-          <a:p>
-            <a:endParaRPr lang="pt-BR" dirty="0"/>
-          </a:p>
-        </p:txBody>
-      </p:sp>
-      <p:sp>
-        <p:nvSpPr>
-          <p:cNvPr id="4" name="Espaço Reservado para Número de Slide 3">
-            <a:extLst>
-              <a:ext uri="{FF2B5EF4-FFF2-40B4-BE49-F238E27FC236}">
-                <a16:creationId xmlns:a16="http://schemas.microsoft.com/office/drawing/2014/main" id="{45907C96-D73D-1900-13C2-A137F48594D8}"/>
-              </a:ext>
-            </a:extLst>
-          </p:cNvPr>
-          <p:cNvSpPr>
-            <a:spLocks noGrp="1"/>
-          </p:cNvSpPr>
-          <p:nvPr>
-            <p:ph type="sldNum" sz="quarter" idx="5"/>
-          </p:nvPr>
-        </p:nvSpPr>
-        <p:spPr/>
-        <p:txBody>
-          <a:bodyPr/>
-          <a:lstStyle/>
-          <a:p>
-            <a:fld id="{161740C3-5492-4B0E-AD92-DA94FEA36343}" type="slidenum">
-              <a:rPr lang="pt-BR" smtClean="0"/>
-              <a:t>19</a:t>
-            </a:fld>
-            <a:endParaRPr lang="pt-BR"/>
-          </a:p>
-        </p:txBody>
-      </p:sp>
-    </p:spTree>
-    <p:extLst>
-      <p:ext uri="{BB962C8B-B14F-4D97-AF65-F5344CB8AC3E}">
-        <p14:creationId xmlns:p14="http://schemas.microsoft.com/office/powerpoint/2010/main" val="1379995158"/>
       </p:ext>
     </p:extLst>
   </p:cSld>
@@ -4186,7 +3175,7 @@
           <a:p>
             <a:fld id="{EFE62247-E43E-4986-AB07-454F481901DA}" type="datetimeFigureOut">
               <a:rPr lang="pt-BR" smtClean="0"/>
-              <a:t>19/01/2025</a:t>
+              <a:t>20/01/2025</a:t>
             </a:fld>
             <a:endParaRPr lang="pt-BR"/>
           </a:p>
@@ -4384,7 +3373,7 @@
           <a:p>
             <a:fld id="{EFE62247-E43E-4986-AB07-454F481901DA}" type="datetimeFigureOut">
               <a:rPr lang="pt-BR" smtClean="0"/>
-              <a:t>19/01/2025</a:t>
+              <a:t>20/01/2025</a:t>
             </a:fld>
             <a:endParaRPr lang="pt-BR"/>
           </a:p>
@@ -4592,7 +3581,7 @@
           <a:p>
             <a:fld id="{EFE62247-E43E-4986-AB07-454F481901DA}" type="datetimeFigureOut">
               <a:rPr lang="pt-BR" smtClean="0"/>
-              <a:t>19/01/2025</a:t>
+              <a:t>20/01/2025</a:t>
             </a:fld>
             <a:endParaRPr lang="pt-BR"/>
           </a:p>
@@ -4790,7 +3779,7 @@
           <a:p>
             <a:fld id="{EFE62247-E43E-4986-AB07-454F481901DA}" type="datetimeFigureOut">
               <a:rPr lang="pt-BR" smtClean="0"/>
-              <a:t>19/01/2025</a:t>
+              <a:t>20/01/2025</a:t>
             </a:fld>
             <a:endParaRPr lang="pt-BR"/>
           </a:p>
@@ -5065,7 +4054,7 @@
           <a:p>
             <a:fld id="{EFE62247-E43E-4986-AB07-454F481901DA}" type="datetimeFigureOut">
               <a:rPr lang="pt-BR" smtClean="0"/>
-              <a:t>19/01/2025</a:t>
+              <a:t>20/01/2025</a:t>
             </a:fld>
             <a:endParaRPr lang="pt-BR"/>
           </a:p>
@@ -5330,7 +4319,7 @@
           <a:p>
             <a:fld id="{EFE62247-E43E-4986-AB07-454F481901DA}" type="datetimeFigureOut">
               <a:rPr lang="pt-BR" smtClean="0"/>
-              <a:t>19/01/2025</a:t>
+              <a:t>20/01/2025</a:t>
             </a:fld>
             <a:endParaRPr lang="pt-BR"/>
           </a:p>
@@ -5742,7 +4731,7 @@
           <a:p>
             <a:fld id="{EFE62247-E43E-4986-AB07-454F481901DA}" type="datetimeFigureOut">
               <a:rPr lang="pt-BR" smtClean="0"/>
-              <a:t>19/01/2025</a:t>
+              <a:t>20/01/2025</a:t>
             </a:fld>
             <a:endParaRPr lang="pt-BR"/>
           </a:p>
@@ -5883,7 +4872,7 @@
           <a:p>
             <a:fld id="{EFE62247-E43E-4986-AB07-454F481901DA}" type="datetimeFigureOut">
               <a:rPr lang="pt-BR" smtClean="0"/>
-              <a:t>19/01/2025</a:t>
+              <a:t>20/01/2025</a:t>
             </a:fld>
             <a:endParaRPr lang="pt-BR"/>
           </a:p>
@@ -5996,7 +4985,7 @@
           <a:p>
             <a:fld id="{EFE62247-E43E-4986-AB07-454F481901DA}" type="datetimeFigureOut">
               <a:rPr lang="pt-BR" smtClean="0"/>
-              <a:t>19/01/2025</a:t>
+              <a:t>20/01/2025</a:t>
             </a:fld>
             <a:endParaRPr lang="pt-BR"/>
           </a:p>
@@ -6307,7 +5296,7 @@
           <a:p>
             <a:fld id="{EFE62247-E43E-4986-AB07-454F481901DA}" type="datetimeFigureOut">
               <a:rPr lang="pt-BR" smtClean="0"/>
-              <a:t>19/01/2025</a:t>
+              <a:t>20/01/2025</a:t>
             </a:fld>
             <a:endParaRPr lang="pt-BR"/>
           </a:p>
@@ -6595,7 +5584,7 @@
           <a:p>
             <a:fld id="{EFE62247-E43E-4986-AB07-454F481901DA}" type="datetimeFigureOut">
               <a:rPr lang="pt-BR" smtClean="0"/>
-              <a:t>19/01/2025</a:t>
+              <a:t>20/01/2025</a:t>
             </a:fld>
             <a:endParaRPr lang="pt-BR"/>
           </a:p>
@@ -6836,7 +5825,7 @@
           <a:p>
             <a:fld id="{EFE62247-E43E-4986-AB07-454F481901DA}" type="datetimeFigureOut">
               <a:rPr lang="pt-BR" smtClean="0"/>
-              <a:t>19/01/2025</a:t>
+              <a:t>20/01/2025</a:t>
             </a:fld>
             <a:endParaRPr lang="pt-BR"/>
           </a:p>
@@ -7667,79 +6656,6 @@
               <a:buNone/>
             </a:pPr>
             <a:r>
-              <a:rPr lang="pt-BR" sz="1600" b="1" kern="100" dirty="0" err="1">
-                <a:solidFill>
-                  <a:schemeClr val="bg1">
-                    <a:lumMod val="75000"/>
-                  </a:schemeClr>
-                </a:solidFill>
-                <a:latin typeface="Aptos" panose="020B0004020202020204" pitchFamily="34" charset="0"/>
-                <a:ea typeface="Aptos" panose="020B0004020202020204" pitchFamily="34" charset="0"/>
-                <a:cs typeface="Times New Roman" panose="02020603050405020304" pitchFamily="18" charset="0"/>
-              </a:rPr>
-              <a:t>Anniele</a:t>
-            </a:r>
-            <a:r>
-              <a:rPr lang="pt-BR" sz="1600" b="1" kern="100" dirty="0">
-                <a:solidFill>
-                  <a:schemeClr val="bg1">
-                    <a:lumMod val="75000"/>
-                  </a:schemeClr>
-                </a:solidFill>
-                <a:latin typeface="Aptos" panose="020B0004020202020204" pitchFamily="34" charset="0"/>
-                <a:ea typeface="Aptos" panose="020B0004020202020204" pitchFamily="34" charset="0"/>
-                <a:cs typeface="Times New Roman" panose="02020603050405020304" pitchFamily="18" charset="0"/>
-              </a:rPr>
-              <a:t> </a:t>
-            </a:r>
-            <a:r>
-              <a:rPr lang="pt-BR" sz="1600" b="1" kern="100" dirty="0" err="1">
-                <a:solidFill>
-                  <a:schemeClr val="bg1">
-                    <a:lumMod val="75000"/>
-                  </a:schemeClr>
-                </a:solidFill>
-                <a:latin typeface="Aptos" panose="020B0004020202020204" pitchFamily="34" charset="0"/>
-                <a:ea typeface="Aptos" panose="020B0004020202020204" pitchFamily="34" charset="0"/>
-                <a:cs typeface="Times New Roman" panose="02020603050405020304" pitchFamily="18" charset="0"/>
-              </a:rPr>
-              <a:t>Dellavanzi</a:t>
-            </a:r>
-            <a:r>
-              <a:rPr lang="pt-BR" sz="1600" b="1" kern="100" dirty="0">
-                <a:solidFill>
-                  <a:schemeClr val="bg1">
-                    <a:lumMod val="75000"/>
-                  </a:schemeClr>
-                </a:solidFill>
-                <a:latin typeface="Aptos" panose="020B0004020202020204" pitchFamily="34" charset="0"/>
-                <a:ea typeface="Aptos" panose="020B0004020202020204" pitchFamily="34" charset="0"/>
-                <a:cs typeface="Times New Roman" panose="02020603050405020304" pitchFamily="18" charset="0"/>
-              </a:rPr>
-              <a:t> Honrado - RM:358971</a:t>
-            </a:r>
-            <a:endParaRPr lang="pt-BR" sz="1600" kern="100" dirty="0">
-              <a:solidFill>
-                <a:schemeClr val="bg1">
-                  <a:lumMod val="75000"/>
-                </a:schemeClr>
-              </a:solidFill>
-              <a:latin typeface="Aptos" panose="020B0004020202020204" pitchFamily="34" charset="0"/>
-              <a:ea typeface="Aptos" panose="020B0004020202020204" pitchFamily="34" charset="0"/>
-              <a:cs typeface="Times New Roman" panose="02020603050405020304" pitchFamily="18" charset="0"/>
-            </a:endParaRPr>
-          </a:p>
-          <a:p>
-            <a:pPr marL="0" indent="0" algn="r">
-              <a:lnSpc>
-                <a:spcPct val="115000"/>
-              </a:lnSpc>
-              <a:spcAft>
-                <a:spcPts val="800"/>
-              </a:spcAft>
-              <a:buNone/>
-            </a:pPr>
-            <a:r>
               <a:rPr lang="pt-BR" sz="1600" b="1" kern="100" dirty="0">
                 <a:solidFill>
                   <a:schemeClr val="bg1">
@@ -8002,55 +6918,7 @@
           <a:p>
             <a:r>
               <a:rPr lang="pt-BR" sz="2200" dirty="0"/>
-              <a:t>Realizamos a previsão dos próximos</a:t>
-            </a:r>
-            <a:r>
-              <a:rPr lang="pt-BR" sz="2200" dirty="0">
-                <a:highlight>
-                  <a:srgbClr val="FFFF00"/>
-                </a:highlight>
-              </a:rPr>
-              <a:t> XX </a:t>
-            </a:r>
-            <a:r>
-              <a:rPr lang="pt-BR" sz="2200" dirty="0"/>
-              <a:t>dias, com o histórico de </a:t>
-            </a:r>
-            <a:r>
-              <a:rPr lang="pt-BR" sz="2200" dirty="0">
-                <a:highlight>
-                  <a:srgbClr val="FFFF00"/>
-                </a:highlight>
-              </a:rPr>
-              <a:t>XX</a:t>
-            </a:r>
-            <a:r>
-              <a:rPr lang="pt-BR" sz="2200" dirty="0"/>
-              <a:t> dias utilizando o Modelo </a:t>
-            </a:r>
-            <a:r>
-              <a:rPr lang="pt-BR" sz="2200" dirty="0" err="1"/>
-              <a:t>Seasonal</a:t>
-            </a:r>
-            <a:r>
-              <a:rPr lang="pt-BR" sz="2200" dirty="0"/>
-              <a:t> </a:t>
-            </a:r>
-            <a:r>
-              <a:rPr lang="pt-BR" sz="2200" dirty="0" err="1"/>
-              <a:t>Window</a:t>
-            </a:r>
-            <a:r>
-              <a:rPr lang="pt-BR" sz="2200" dirty="0"/>
-              <a:t> </a:t>
-            </a:r>
-            <a:r>
-              <a:rPr lang="pt-BR" sz="2200" dirty="0" err="1"/>
-              <a:t>Average</a:t>
-            </a:r>
-            <a:r>
-              <a:rPr lang="pt-BR" sz="2200" dirty="0"/>
-              <a:t>:</a:t>
+              <a:t>Realizamos a previsão dos 15 primeiros dias de 2024,  utilizando o período de treino para o modelo:</a:t>
             </a:r>
           </a:p>
         </p:txBody>
@@ -9250,7 +8118,7 @@
           <a:p>
             <a:r>
               <a:rPr lang="pt-BR" sz="2200" dirty="0"/>
-              <a:t>Realizamos a previsão dos próximos 15 dias: </a:t>
+              <a:t>Realizamos a previsão dos 15 primeiros dias de 2024 : </a:t>
             </a:r>
           </a:p>
         </p:txBody>
@@ -9277,8 +8145,8 @@
         </p:blipFill>
         <p:spPr>
           <a:xfrm>
-            <a:off x="161365" y="2312895"/>
-            <a:ext cx="5944242" cy="3214218"/>
+            <a:off x="660400" y="2303856"/>
+            <a:ext cx="7747000" cy="4189019"/>
           </a:xfrm>
           <a:prstGeom prst="rect">
             <a:avLst/>
@@ -9287,10 +8155,10 @@
       </p:pic>
       <p:pic>
         <p:nvPicPr>
-          <p:cNvPr id="8" name="Imagem 7">
-            <a:extLst>
-              <a:ext uri="{FF2B5EF4-FFF2-40B4-BE49-F238E27FC236}">
-                <a16:creationId xmlns:a16="http://schemas.microsoft.com/office/drawing/2014/main" id="{9031913B-570A-6C5D-D659-BD8455E301E0}"/>
+          <p:cNvPr id="10" name="Imagem 9">
+            <a:extLst>
+              <a:ext uri="{FF2B5EF4-FFF2-40B4-BE49-F238E27FC236}">
+                <a16:creationId xmlns:a16="http://schemas.microsoft.com/office/drawing/2014/main" id="{CC466F88-EBBE-9122-F29E-721CB586C6DA}"/>
               </a:ext>
             </a:extLst>
           </p:cNvPr>
@@ -9307,37 +8175,7 @@
         </p:blipFill>
         <p:spPr>
           <a:xfrm>
-            <a:off x="6140182" y="2312896"/>
-            <a:ext cx="5944242" cy="3214217"/>
-          </a:xfrm>
-          <a:prstGeom prst="rect">
-            <a:avLst/>
-          </a:prstGeom>
-        </p:spPr>
-      </p:pic>
-      <p:pic>
-        <p:nvPicPr>
-          <p:cNvPr id="10" name="Imagem 9">
-            <a:extLst>
-              <a:ext uri="{FF2B5EF4-FFF2-40B4-BE49-F238E27FC236}">
-                <a16:creationId xmlns:a16="http://schemas.microsoft.com/office/drawing/2014/main" id="{CC466F88-EBBE-9122-F29E-721CB586C6DA}"/>
-              </a:ext>
-            </a:extLst>
-          </p:cNvPr>
-          <p:cNvPicPr>
-            <a:picLocks noChangeAspect="1"/>
-          </p:cNvPicPr>
-          <p:nvPr/>
-        </p:nvPicPr>
-        <p:blipFill>
-          <a:blip r:embed="rId6"/>
-          <a:stretch>
-            <a:fillRect/>
-          </a:stretch>
-        </p:blipFill>
-        <p:spPr>
-          <a:xfrm>
-            <a:off x="4495240" y="5634970"/>
+            <a:off x="8743950" y="3652044"/>
             <a:ext cx="2609850" cy="1028700"/>
           </a:xfrm>
           <a:prstGeom prst="rect">
@@ -9380,7 +8218,7 @@
         <p:cNvPr id="1" name="">
           <a:extLst>
             <a:ext uri="{FF2B5EF4-FFF2-40B4-BE49-F238E27FC236}">
-              <a16:creationId xmlns:a16="http://schemas.microsoft.com/office/drawing/2014/main" id="{FF17A058-E46B-2D73-76CE-37ADB4215B30}"/>
+              <a16:creationId xmlns:a16="http://schemas.microsoft.com/office/drawing/2014/main" id="{F5912CDE-F13E-B486-FB65-0434869B4C8E}"/>
             </a:ext>
           </a:extLst>
         </p:cNvPr>
@@ -9400,7 +8238,7 @@
           <p:cNvPr id="4" name="Título 3">
             <a:extLst>
               <a:ext uri="{FF2B5EF4-FFF2-40B4-BE49-F238E27FC236}">
-                <a16:creationId xmlns:a16="http://schemas.microsoft.com/office/drawing/2014/main" id="{8CB050E2-42BF-77C6-DA62-C642666FD058}"/>
+                <a16:creationId xmlns:a16="http://schemas.microsoft.com/office/drawing/2014/main" id="{B022DCE3-97BF-3BD5-DD5C-A63BC5E9BDD6}"/>
               </a:ext>
             </a:extLst>
           </p:cNvPr>
@@ -9429,23 +8267,7 @@
             </a:br>
             <a:r>
               <a:rPr lang="pt-BR" sz="2400" dirty="0" err="1"/>
-              <a:t>Seasonal</a:t>
-            </a:r>
-            <a:r>
-              <a:rPr lang="pt-BR" sz="2400" dirty="0"/>
-              <a:t> </a:t>
-            </a:r>
-            <a:r>
-              <a:rPr lang="pt-BR" sz="2400" dirty="0" err="1"/>
-              <a:t>Window</a:t>
-            </a:r>
-            <a:r>
-              <a:rPr lang="pt-BR" sz="2400" dirty="0"/>
-              <a:t> </a:t>
-            </a:r>
-            <a:r>
-              <a:rPr lang="pt-BR" sz="2400" dirty="0" err="1"/>
-              <a:t>Average</a:t>
+              <a:t>Prophet</a:t>
             </a:r>
             <a:endParaRPr lang="pt-BR" sz="2400" dirty="0"/>
           </a:p>
@@ -9456,7 +8278,7 @@
           <p:cNvPr id="5" name="Espaço Reservado para Conteúdo 4">
             <a:extLst>
               <a:ext uri="{FF2B5EF4-FFF2-40B4-BE49-F238E27FC236}">
-                <a16:creationId xmlns:a16="http://schemas.microsoft.com/office/drawing/2014/main" id="{2274D9FD-6E6E-57A2-04D7-B309FC074D4C}"/>
+                <a16:creationId xmlns:a16="http://schemas.microsoft.com/office/drawing/2014/main" id="{ADFB1496-0F07-BE31-7327-FD1A09ADE495}"/>
               </a:ext>
             </a:extLst>
           </p:cNvPr>
@@ -9476,55 +8298,7 @@
           <a:p>
             <a:r>
               <a:rPr lang="pt-BR" sz="2200" dirty="0"/>
-              <a:t>Realizamos a previsão dos próximos</a:t>
-            </a:r>
-            <a:r>
-              <a:rPr lang="pt-BR" sz="2200" dirty="0">
-                <a:highlight>
-                  <a:srgbClr val="FFFF00"/>
-                </a:highlight>
-              </a:rPr>
-              <a:t> XX </a:t>
-            </a:r>
-            <a:r>
-              <a:rPr lang="pt-BR" sz="2200" dirty="0"/>
-              <a:t>dias, com o histórico de </a:t>
-            </a:r>
-            <a:r>
-              <a:rPr lang="pt-BR" sz="2200" dirty="0">
-                <a:highlight>
-                  <a:srgbClr val="FFFF00"/>
-                </a:highlight>
-              </a:rPr>
-              <a:t>XX</a:t>
-            </a:r>
-            <a:r>
-              <a:rPr lang="pt-BR" sz="2200" dirty="0"/>
-              <a:t> dias utilizando o Modelo </a:t>
-            </a:r>
-            <a:r>
-              <a:rPr lang="pt-BR" sz="2200" dirty="0" err="1"/>
-              <a:t>Seasonal</a:t>
-            </a:r>
-            <a:r>
-              <a:rPr lang="pt-BR" sz="2200" dirty="0"/>
-              <a:t> </a:t>
-            </a:r>
-            <a:r>
-              <a:rPr lang="pt-BR" sz="2200" dirty="0" err="1"/>
-              <a:t>Window</a:t>
-            </a:r>
-            <a:r>
-              <a:rPr lang="pt-BR" sz="2200" dirty="0"/>
-              <a:t> </a:t>
-            </a:r>
-            <a:r>
-              <a:rPr lang="pt-BR" sz="2200" dirty="0" err="1"/>
-              <a:t>Average</a:t>
-            </a:r>
-            <a:r>
-              <a:rPr lang="pt-BR" sz="2200" dirty="0"/>
-              <a:t>:</a:t>
+              <a:t>Realizamos a previsão dos próximos 15 dias, utilizando o período de treino de entre 17 e 31 de dezembro de 2024 dias para o modelo:</a:t>
             </a:r>
           </a:p>
         </p:txBody>
@@ -9534,7 +8308,7 @@
           <p:cNvPr id="3" name="Imagem 2">
             <a:extLst>
               <a:ext uri="{FF2B5EF4-FFF2-40B4-BE49-F238E27FC236}">
-                <a16:creationId xmlns:a16="http://schemas.microsoft.com/office/drawing/2014/main" id="{BB1B86C5-7932-3250-EC23-EA886853C69A}"/>
+                <a16:creationId xmlns:a16="http://schemas.microsoft.com/office/drawing/2014/main" id="{57517C44-8181-3C6A-9B63-050841A4F4AC}"/>
               </a:ext>
             </a:extLst>
           </p:cNvPr>
@@ -9551,8 +8325,8 @@
         </p:blipFill>
         <p:spPr>
           <a:xfrm>
-            <a:off x="550477" y="2735502"/>
-            <a:ext cx="11091046" cy="2034791"/>
+            <a:off x="1058333" y="2607043"/>
+            <a:ext cx="7535333" cy="3885832"/>
           </a:xfrm>
           <a:prstGeom prst="rect">
             <a:avLst/>
@@ -9561,10 +8335,10 @@
       </p:pic>
       <p:pic>
         <p:nvPicPr>
-          <p:cNvPr id="8" name="Imagem 7">
-            <a:extLst>
-              <a:ext uri="{FF2B5EF4-FFF2-40B4-BE49-F238E27FC236}">
-                <a16:creationId xmlns:a16="http://schemas.microsoft.com/office/drawing/2014/main" id="{123EE70E-6C7E-ABC8-AC53-60D5FAC91C42}"/>
+          <p:cNvPr id="7" name="Imagem 6">
+            <a:extLst>
+              <a:ext uri="{FF2B5EF4-FFF2-40B4-BE49-F238E27FC236}">
+                <a16:creationId xmlns:a16="http://schemas.microsoft.com/office/drawing/2014/main" id="{A14EFA29-82CE-E1DF-0E1B-31F69DB560D5}"/>
               </a:ext>
             </a:extLst>
           </p:cNvPr>
@@ -9581,8 +8355,8 @@
         </p:blipFill>
         <p:spPr>
           <a:xfrm>
-            <a:off x="4720106" y="5158171"/>
-            <a:ext cx="2751788" cy="1018792"/>
+            <a:off x="8813799" y="3798461"/>
+            <a:ext cx="3105679" cy="751498"/>
           </a:xfrm>
           <a:prstGeom prst="rect">
             <a:avLst/>
@@ -9592,7 +8366,7 @@
     </p:spTree>
     <p:extLst>
       <p:ext uri="{BB962C8B-B14F-4D97-AF65-F5344CB8AC3E}">
-        <p14:creationId xmlns:p14="http://schemas.microsoft.com/office/powerpoint/2010/main" val="2202950571"/>
+        <p14:creationId xmlns:p14="http://schemas.microsoft.com/office/powerpoint/2010/main" val="830217502"/>
       </p:ext>
     </p:extLst>
   </p:cSld>
@@ -9608,7 +8382,7 @@
     <p:bg>
       <p:bgPr>
         <a:blipFill dpi="0" rotWithShape="1">
-          <a:blip r:embed="rId3">
+          <a:blip r:embed="rId2">
             <a:lum/>
           </a:blip>
           <a:srcRect/>
@@ -9624,7 +8398,7 @@
         <p:cNvPr id="1" name="">
           <a:extLst>
             <a:ext uri="{FF2B5EF4-FFF2-40B4-BE49-F238E27FC236}">
-              <a16:creationId xmlns:a16="http://schemas.microsoft.com/office/drawing/2014/main" id="{F5912CDE-F13E-B486-FB65-0434869B4C8E}"/>
+              <a16:creationId xmlns:a16="http://schemas.microsoft.com/office/drawing/2014/main" id="{D6E1B0D3-096A-BC2C-C9FB-7DDB4BD8C684}"/>
             </a:ext>
           </a:extLst>
         </p:cNvPr>
@@ -9644,7 +8418,7 @@
           <p:cNvPr id="4" name="Título 3">
             <a:extLst>
               <a:ext uri="{FF2B5EF4-FFF2-40B4-BE49-F238E27FC236}">
-                <a16:creationId xmlns:a16="http://schemas.microsoft.com/office/drawing/2014/main" id="{B022DCE3-97BF-3BD5-DD5C-A63BC5E9BDD6}"/>
+                <a16:creationId xmlns:a16="http://schemas.microsoft.com/office/drawing/2014/main" id="{999F83BC-C698-2C0B-6DCE-31FE0CD4AFFB}"/>
               </a:ext>
             </a:extLst>
           </p:cNvPr>
@@ -9662,28 +8436,12 @@
           <a:p>
             <a:pPr marL="742950" indent="-742950">
               <a:buFont typeface="+mj-lt"/>
-              <a:buAutoNum type="arabicPeriod" startAt="4"/>
+              <a:buAutoNum type="arabicPeriod" startAt="8"/>
             </a:pPr>
             <a:r>
               <a:rPr lang="pt-BR" dirty="0"/>
-              <a:t>Modelos  </a:t>
-            </a:r>
-            <a:br>
-              <a:rPr lang="pt-BR" dirty="0"/>
-            </a:br>
-            <a:r>
-              <a:rPr lang="pt-BR" sz="2400" dirty="0" err="1">
-                <a:highlight>
-                  <a:srgbClr val="FFFF00"/>
-                </a:highlight>
-              </a:rPr>
-              <a:t>Prophet</a:t>
-            </a:r>
-            <a:endParaRPr lang="pt-BR" sz="2400" dirty="0">
-              <a:highlight>
-                <a:srgbClr val="FFFF00"/>
-              </a:highlight>
-            </a:endParaRPr>
+              <a:t>Conclusão</a:t>
+            </a:r>
           </a:p>
         </p:txBody>
       </p:sp>
@@ -9692,7 +8450,7 @@
           <p:cNvPr id="5" name="Espaço Reservado para Conteúdo 4">
             <a:extLst>
               <a:ext uri="{FF2B5EF4-FFF2-40B4-BE49-F238E27FC236}">
-                <a16:creationId xmlns:a16="http://schemas.microsoft.com/office/drawing/2014/main" id="{ADFB1496-0F07-BE31-7327-FD1A09ADE495}"/>
+                <a16:creationId xmlns:a16="http://schemas.microsoft.com/office/drawing/2014/main" id="{6BA52494-D67E-527A-B485-AA7465F947EE}"/>
               </a:ext>
             </a:extLst>
           </p:cNvPr>
@@ -9705,58 +8463,796 @@
         </p:nvSpPr>
         <p:spPr/>
         <p:txBody>
-          <a:bodyPr>
-            <a:normAutofit/>
-          </a:bodyPr>
+          <a:bodyPr/>
           <a:lstStyle/>
           <a:p>
             <a:r>
               <a:rPr lang="pt-BR" sz="2200" dirty="0"/>
-              <a:t>Realizamos a previsão dos próximos</a:t>
-            </a:r>
-            <a:r>
-              <a:rPr lang="pt-BR" sz="2200" dirty="0">
-                <a:highlight>
-                  <a:srgbClr val="FFFF00"/>
-                </a:highlight>
-              </a:rPr>
-              <a:t> XX </a:t>
+              <a:t>Durante a execução do Tech Challenge, realizamos treinos e testes com os modelos </a:t>
+            </a:r>
+            <a:r>
+              <a:rPr lang="pt-BR" sz="2200" dirty="0" err="1"/>
+              <a:t>Naive</a:t>
             </a:r>
             <a:r>
               <a:rPr lang="pt-BR" sz="2200" dirty="0"/>
-              <a:t>dias, com o histórico de </a:t>
-            </a:r>
-            <a:r>
-              <a:rPr lang="pt-BR" sz="2200" dirty="0">
-                <a:highlight>
-                  <a:srgbClr val="FFFF00"/>
-                </a:highlight>
-              </a:rPr>
-              <a:t>XX</a:t>
+              <a:t>, </a:t>
+            </a:r>
+            <a:r>
+              <a:rPr lang="pt-BR" sz="2200" dirty="0" err="1"/>
+              <a:t>Seasonal</a:t>
             </a:r>
             <a:r>
               <a:rPr lang="pt-BR" sz="2200" dirty="0"/>
-              <a:t> dias utilizando o Modelo </a:t>
-            </a:r>
-            <a:r>
-              <a:rPr lang="pt-BR" sz="2200" dirty="0">
-                <a:highlight>
-                  <a:srgbClr val="FFFF00"/>
-                </a:highlight>
-              </a:rPr>
-              <a:t>XXXXX</a:t>
+              <a:t> </a:t>
+            </a:r>
+            <a:r>
+              <a:rPr lang="pt-BR" sz="2200" dirty="0" err="1"/>
+              <a:t>Window</a:t>
             </a:r>
             <a:r>
               <a:rPr lang="pt-BR" sz="2200" dirty="0"/>
-              <a:t>:</a:t>
-            </a:r>
-          </a:p>
-        </p:txBody>
-      </p:sp>
+              <a:t> </a:t>
+            </a:r>
+            <a:r>
+              <a:rPr lang="pt-BR" sz="2200" dirty="0" err="1"/>
+              <a:t>Average</a:t>
+            </a:r>
+            <a:r>
+              <a:rPr lang="pt-BR" sz="2200" dirty="0"/>
+              <a:t>, </a:t>
+            </a:r>
+            <a:r>
+              <a:rPr lang="pt-BR" sz="2200" dirty="0" err="1"/>
+              <a:t>Sarima</a:t>
+            </a:r>
+            <a:r>
+              <a:rPr lang="pt-BR" sz="2200" dirty="0"/>
+              <a:t> e </a:t>
+            </a:r>
+            <a:r>
+              <a:rPr lang="pt-BR" sz="2200" dirty="0" err="1"/>
+              <a:t>Prophet</a:t>
+            </a:r>
+            <a:r>
+              <a:rPr lang="pt-BR" sz="2200" dirty="0"/>
+              <a:t>;</a:t>
+            </a:r>
+          </a:p>
+          <a:p>
+            <a:r>
+              <a:rPr lang="pt-BR" sz="2200" dirty="0"/>
+              <a:t> Realizando uma comparação entre os modelos, temos os seguintes resultados:</a:t>
+            </a:r>
+          </a:p>
+          <a:p>
+            <a:endParaRPr lang="pt-BR" dirty="0"/>
+          </a:p>
+        </p:txBody>
+      </p:sp>
+      <p:graphicFrame>
+        <p:nvGraphicFramePr>
+          <p:cNvPr id="2" name="Tabela 1">
+            <a:extLst>
+              <a:ext uri="{FF2B5EF4-FFF2-40B4-BE49-F238E27FC236}">
+                <a16:creationId xmlns:a16="http://schemas.microsoft.com/office/drawing/2014/main" id="{A52D68F0-86D5-0C89-9FDE-160974E68798}"/>
+              </a:ext>
+            </a:extLst>
+          </p:cNvPr>
+          <p:cNvGraphicFramePr>
+            <a:graphicFrameLocks noGrp="1"/>
+          </p:cNvGraphicFramePr>
+          <p:nvPr>
+            <p:extLst>
+              <p:ext uri="{D42A27DB-BD31-4B8C-83A1-F6EECF244321}">
+                <p14:modId xmlns:p14="http://schemas.microsoft.com/office/powerpoint/2010/main" val="1439703915"/>
+              </p:ext>
+            </p:extLst>
+          </p:nvPr>
+        </p:nvGraphicFramePr>
+        <p:xfrm>
+          <a:off x="2186820" y="3294742"/>
+          <a:ext cx="7818360" cy="2591232"/>
+        </p:xfrm>
+        <a:graphic>
+          <a:graphicData uri="http://schemas.openxmlformats.org/drawingml/2006/table">
+            <a:tbl>
+              <a:tblPr firstRow="1" bandRow="1">
+                <a:tableStyleId>{9D7B26C5-4107-4FEC-AEDC-1716B250A1EF}</a:tableStyleId>
+              </a:tblPr>
+              <a:tblGrid>
+                <a:gridCol w="1563672">
+                  <a:extLst>
+                    <a:ext uri="{9D8B030D-6E8A-4147-A177-3AD203B41FA5}">
+                      <a16:colId xmlns:a16="http://schemas.microsoft.com/office/drawing/2014/main" val="2020463899"/>
+                    </a:ext>
+                  </a:extLst>
+                </a:gridCol>
+                <a:gridCol w="1563672">
+                  <a:extLst>
+                    <a:ext uri="{9D8B030D-6E8A-4147-A177-3AD203B41FA5}">
+                      <a16:colId xmlns:a16="http://schemas.microsoft.com/office/drawing/2014/main" val="359918457"/>
+                    </a:ext>
+                  </a:extLst>
+                </a:gridCol>
+                <a:gridCol w="1563672">
+                  <a:extLst>
+                    <a:ext uri="{9D8B030D-6E8A-4147-A177-3AD203B41FA5}">
+                      <a16:colId xmlns:a16="http://schemas.microsoft.com/office/drawing/2014/main" val="2677100819"/>
+                    </a:ext>
+                  </a:extLst>
+                </a:gridCol>
+                <a:gridCol w="1563672">
+                  <a:extLst>
+                    <a:ext uri="{9D8B030D-6E8A-4147-A177-3AD203B41FA5}">
+                      <a16:colId xmlns:a16="http://schemas.microsoft.com/office/drawing/2014/main" val="3500480807"/>
+                    </a:ext>
+                  </a:extLst>
+                </a:gridCol>
+                <a:gridCol w="1563672">
+                  <a:extLst>
+                    <a:ext uri="{9D8B030D-6E8A-4147-A177-3AD203B41FA5}">
+                      <a16:colId xmlns:a16="http://schemas.microsoft.com/office/drawing/2014/main" val="1004849973"/>
+                    </a:ext>
+                  </a:extLst>
+                </a:gridCol>
+              </a:tblGrid>
+              <a:tr h="370176">
+                <a:tc>
+                  <a:txBody>
+                    <a:bodyPr/>
+                    <a:lstStyle/>
+                    <a:p>
+                      <a:pPr algn="ctr"/>
+                      <a:r>
+                        <a:rPr lang="pt-BR" dirty="0"/>
+                        <a:t>Métrica</a:t>
+                      </a:r>
+                      <a:endParaRPr lang="pt-BR" dirty="0">
+                        <a:latin typeface="+mn-lt"/>
+                      </a:endParaRPr>
+                    </a:p>
+                  </a:txBody>
+                  <a:tcPr/>
+                </a:tc>
+                <a:tc>
+                  <a:txBody>
+                    <a:bodyPr/>
+                    <a:lstStyle/>
+                    <a:p>
+                      <a:pPr algn="ctr"/>
+                      <a:r>
+                        <a:rPr lang="pt-BR" dirty="0" err="1"/>
+                        <a:t>Naive</a:t>
+                      </a:r>
+                      <a:endParaRPr lang="pt-BR" dirty="0">
+                        <a:latin typeface="+mn-lt"/>
+                      </a:endParaRPr>
+                    </a:p>
+                  </a:txBody>
+                  <a:tcPr/>
+                </a:tc>
+                <a:tc>
+                  <a:txBody>
+                    <a:bodyPr/>
+                    <a:lstStyle/>
+                    <a:p>
+                      <a:pPr algn="ctr"/>
+                      <a:r>
+                        <a:rPr lang="pt-BR" dirty="0"/>
+                        <a:t>SWA</a:t>
+                      </a:r>
+                      <a:endParaRPr lang="pt-BR" dirty="0">
+                        <a:latin typeface="+mn-lt"/>
+                      </a:endParaRPr>
+                    </a:p>
+                  </a:txBody>
+                  <a:tcPr/>
+                </a:tc>
+                <a:tc>
+                  <a:txBody>
+                    <a:bodyPr/>
+                    <a:lstStyle/>
+                    <a:p>
+                      <a:pPr algn="ctr"/>
+                      <a:r>
+                        <a:rPr lang="pt-BR" dirty="0"/>
+                        <a:t>SARIMA</a:t>
+                      </a:r>
+                      <a:endParaRPr lang="pt-BR" dirty="0">
+                        <a:latin typeface="+mn-lt"/>
+                      </a:endParaRPr>
+                    </a:p>
+                  </a:txBody>
+                  <a:tcPr/>
+                </a:tc>
+                <a:tc>
+                  <a:txBody>
+                    <a:bodyPr/>
+                    <a:lstStyle/>
+                    <a:p>
+                      <a:pPr algn="ctr"/>
+                      <a:r>
+                        <a:rPr lang="pt-BR" dirty="0" err="1"/>
+                        <a:t>Prophet</a:t>
+                      </a:r>
+                      <a:endParaRPr lang="pt-BR" dirty="0">
+                        <a:latin typeface="+mn-lt"/>
+                      </a:endParaRPr>
+                    </a:p>
+                  </a:txBody>
+                  <a:tcPr/>
+                </a:tc>
+                <a:extLst>
+                  <a:ext uri="{0D108BD9-81ED-4DB2-BD59-A6C34878D82A}">
+                    <a16:rowId xmlns:a16="http://schemas.microsoft.com/office/drawing/2014/main" val="2845423655"/>
+                  </a:ext>
+                </a:extLst>
+              </a:tr>
+              <a:tr h="370176">
+                <a:tc>
+                  <a:txBody>
+                    <a:bodyPr/>
+                    <a:lstStyle/>
+                    <a:p>
+                      <a:pPr algn="ctr"/>
+                      <a:r>
+                        <a:rPr lang="pt-BR" dirty="0"/>
+                        <a:t>MAE</a:t>
+                      </a:r>
+                      <a:endParaRPr lang="pt-BR" dirty="0">
+                        <a:latin typeface="+mn-lt"/>
+                      </a:endParaRPr>
+                    </a:p>
+                  </a:txBody>
+                  <a:tcPr/>
+                </a:tc>
+                <a:tc>
+                  <a:txBody>
+                    <a:bodyPr/>
+                    <a:lstStyle/>
+                    <a:p>
+                      <a:pPr algn="ctr"/>
+                      <a:r>
+                        <a:rPr lang="pt-BR" dirty="0"/>
+                        <a:t>23.943</a:t>
+                      </a:r>
+                      <a:endParaRPr lang="pt-BR" dirty="0">
+                        <a:latin typeface="+mn-lt"/>
+                      </a:endParaRPr>
+                    </a:p>
+                  </a:txBody>
+                  <a:tcPr/>
+                </a:tc>
+                <a:tc>
+                  <a:txBody>
+                    <a:bodyPr/>
+                    <a:lstStyle/>
+                    <a:p>
+                      <a:pPr algn="ctr"/>
+                      <a:r>
+                        <a:rPr lang="pt-BR" dirty="0"/>
+                        <a:t>15.126</a:t>
+                      </a:r>
+                      <a:endParaRPr lang="pt-BR" dirty="0">
+                        <a:latin typeface="+mn-lt"/>
+                      </a:endParaRPr>
+                    </a:p>
+                  </a:txBody>
+                  <a:tcPr/>
+                </a:tc>
+                <a:tc>
+                  <a:txBody>
+                    <a:bodyPr/>
+                    <a:lstStyle/>
+                    <a:p>
+                      <a:pPr algn="ctr"/>
+                      <a:r>
+                        <a:rPr lang="pt-BR" dirty="0"/>
+                        <a:t>1.317.124</a:t>
+                      </a:r>
+                      <a:endParaRPr lang="pt-BR" dirty="0">
+                        <a:latin typeface="+mn-lt"/>
+                      </a:endParaRPr>
+                    </a:p>
+                  </a:txBody>
+                  <a:tcPr/>
+                </a:tc>
+                <a:tc>
+                  <a:txBody>
+                    <a:bodyPr/>
+                    <a:lstStyle/>
+                    <a:p>
+                      <a:pPr algn="ctr"/>
+                      <a:r>
+                        <a:rPr lang="pt-BR" dirty="0"/>
+                        <a:t>21.593</a:t>
+                      </a:r>
+                      <a:endParaRPr lang="pt-BR" dirty="0">
+                        <a:latin typeface="+mn-lt"/>
+                      </a:endParaRPr>
+                    </a:p>
+                  </a:txBody>
+                  <a:tcPr/>
+                </a:tc>
+                <a:extLst>
+                  <a:ext uri="{0D108BD9-81ED-4DB2-BD59-A6C34878D82A}">
+                    <a16:rowId xmlns:a16="http://schemas.microsoft.com/office/drawing/2014/main" val="3777945172"/>
+                  </a:ext>
+                </a:extLst>
+              </a:tr>
+              <a:tr h="370176">
+                <a:tc>
+                  <a:txBody>
+                    <a:bodyPr/>
+                    <a:lstStyle/>
+                    <a:p>
+                      <a:pPr algn="ctr"/>
+                      <a:r>
+                        <a:rPr lang="pt-BR" dirty="0"/>
+                        <a:t>RMSE</a:t>
+                      </a:r>
+                      <a:endParaRPr lang="pt-BR" dirty="0">
+                        <a:latin typeface="+mn-lt"/>
+                      </a:endParaRPr>
+                    </a:p>
+                  </a:txBody>
+                  <a:tcPr/>
+                </a:tc>
+                <a:tc>
+                  <a:txBody>
+                    <a:bodyPr/>
+                    <a:lstStyle/>
+                    <a:p>
+                      <a:pPr algn="ctr"/>
+                      <a:r>
+                        <a:rPr lang="pt-BR" dirty="0"/>
+                        <a:t>25.671</a:t>
+                      </a:r>
+                      <a:endParaRPr lang="pt-BR" dirty="0">
+                        <a:latin typeface="+mn-lt"/>
+                      </a:endParaRPr>
+                    </a:p>
+                  </a:txBody>
+                  <a:tcPr/>
+                </a:tc>
+                <a:tc>
+                  <a:txBody>
+                    <a:bodyPr/>
+                    <a:lstStyle/>
+                    <a:p>
+                      <a:pPr algn="ctr"/>
+                      <a:r>
+                        <a:rPr lang="pt-BR" dirty="0"/>
+                        <a:t>17.313</a:t>
+                      </a:r>
+                      <a:endParaRPr lang="pt-BR" dirty="0">
+                        <a:latin typeface="+mn-lt"/>
+                      </a:endParaRPr>
+                    </a:p>
+                  </a:txBody>
+                  <a:tcPr/>
+                </a:tc>
+                <a:tc>
+                  <a:txBody>
+                    <a:bodyPr/>
+                    <a:lstStyle/>
+                    <a:p>
+                      <a:pPr algn="ctr"/>
+                      <a:r>
+                        <a:rPr lang="pt-BR" dirty="0"/>
+                        <a:t>1.315.155</a:t>
+                      </a:r>
+                      <a:endParaRPr lang="pt-BR" dirty="0">
+                        <a:latin typeface="+mn-lt"/>
+                      </a:endParaRPr>
+                    </a:p>
+                  </a:txBody>
+                  <a:tcPr/>
+                </a:tc>
+                <a:tc>
+                  <a:txBody>
+                    <a:bodyPr/>
+                    <a:lstStyle/>
+                    <a:p>
+                      <a:pPr algn="ctr"/>
+                      <a:r>
+                        <a:rPr lang="pt-BR" dirty="0"/>
+                        <a:t>23.195</a:t>
+                      </a:r>
+                      <a:endParaRPr lang="pt-BR" dirty="0">
+                        <a:latin typeface="+mn-lt"/>
+                      </a:endParaRPr>
+                    </a:p>
+                  </a:txBody>
+                  <a:tcPr/>
+                </a:tc>
+                <a:extLst>
+                  <a:ext uri="{0D108BD9-81ED-4DB2-BD59-A6C34878D82A}">
+                    <a16:rowId xmlns:a16="http://schemas.microsoft.com/office/drawing/2014/main" val="601066957"/>
+                  </a:ext>
+                </a:extLst>
+              </a:tr>
+              <a:tr h="370176">
+                <a:tc>
+                  <a:txBody>
+                    <a:bodyPr/>
+                    <a:lstStyle/>
+                    <a:p>
+                      <a:pPr algn="ctr"/>
+                      <a:r>
+                        <a:rPr lang="pt-BR" dirty="0"/>
+                        <a:t>MAPE</a:t>
+                      </a:r>
+                      <a:endParaRPr lang="pt-BR" dirty="0">
+                        <a:latin typeface="+mn-lt"/>
+                      </a:endParaRPr>
+                    </a:p>
+                  </a:txBody>
+                  <a:tcPr/>
+                </a:tc>
+                <a:tc>
+                  <a:txBody>
+                    <a:bodyPr/>
+                    <a:lstStyle/>
+                    <a:p>
+                      <a:pPr algn="ctr"/>
+                      <a:r>
+                        <a:rPr lang="pt-BR" dirty="0"/>
+                        <a:t>1.82%</a:t>
+                      </a:r>
+                      <a:endParaRPr lang="pt-BR" dirty="0">
+                        <a:latin typeface="+mn-lt"/>
+                      </a:endParaRPr>
+                    </a:p>
+                  </a:txBody>
+                  <a:tcPr/>
+                </a:tc>
+                <a:tc>
+                  <a:txBody>
+                    <a:bodyPr/>
+                    <a:lstStyle/>
+                    <a:p>
+                      <a:pPr algn="ctr"/>
+                      <a:r>
+                        <a:rPr lang="pt-BR" dirty="0"/>
+                        <a:t>1.15%</a:t>
+                      </a:r>
+                      <a:endParaRPr lang="pt-BR" dirty="0">
+                        <a:latin typeface="+mn-lt"/>
+                      </a:endParaRPr>
+                    </a:p>
+                  </a:txBody>
+                  <a:tcPr/>
+                </a:tc>
+                <a:tc>
+                  <a:txBody>
+                    <a:bodyPr/>
+                    <a:lstStyle/>
+                    <a:p>
+                      <a:pPr algn="ctr"/>
+                      <a:r>
+                        <a:rPr lang="pt-BR" dirty="0"/>
+                        <a:t>99.94%</a:t>
+                      </a:r>
+                      <a:endParaRPr lang="pt-BR" dirty="0">
+                        <a:latin typeface="+mn-lt"/>
+                      </a:endParaRPr>
+                    </a:p>
+                  </a:txBody>
+                  <a:tcPr/>
+                </a:tc>
+                <a:tc>
+                  <a:txBody>
+                    <a:bodyPr/>
+                    <a:lstStyle/>
+                    <a:p>
+                      <a:pPr algn="ctr"/>
+                      <a:r>
+                        <a:rPr lang="pt-BR" dirty="0"/>
+                        <a:t>0.02%</a:t>
+                      </a:r>
+                      <a:endParaRPr lang="pt-BR" dirty="0">
+                        <a:latin typeface="+mn-lt"/>
+                      </a:endParaRPr>
+                    </a:p>
+                  </a:txBody>
+                  <a:tcPr/>
+                </a:tc>
+                <a:extLst>
+                  <a:ext uri="{0D108BD9-81ED-4DB2-BD59-A6C34878D82A}">
+                    <a16:rowId xmlns:a16="http://schemas.microsoft.com/office/drawing/2014/main" val="2290815239"/>
+                  </a:ext>
+                </a:extLst>
+              </a:tr>
+              <a:tr h="370176">
+                <a:tc>
+                  <a:txBody>
+                    <a:bodyPr/>
+                    <a:lstStyle/>
+                    <a:p>
+                      <a:pPr algn="ctr"/>
+                      <a:r>
+                        <a:rPr lang="pt-BR" dirty="0"/>
+                        <a:t>WMAPE</a:t>
+                      </a:r>
+                      <a:endParaRPr lang="pt-BR" dirty="0">
+                        <a:latin typeface="+mn-lt"/>
+                      </a:endParaRPr>
+                    </a:p>
+                  </a:txBody>
+                  <a:tcPr/>
+                </a:tc>
+                <a:tc>
+                  <a:txBody>
+                    <a:bodyPr/>
+                    <a:lstStyle/>
+                    <a:p>
+                      <a:pPr algn="ctr"/>
+                      <a:r>
+                        <a:rPr lang="pt-BR" dirty="0"/>
+                        <a:t>1.82%</a:t>
+                      </a:r>
+                      <a:endParaRPr lang="pt-BR" dirty="0">
+                        <a:latin typeface="+mn-lt"/>
+                      </a:endParaRPr>
+                    </a:p>
+                  </a:txBody>
+                  <a:tcPr/>
+                </a:tc>
+                <a:tc>
+                  <a:txBody>
+                    <a:bodyPr/>
+                    <a:lstStyle/>
+                    <a:p>
+                      <a:pPr algn="ctr"/>
+                      <a:r>
+                        <a:rPr lang="pt-BR" dirty="0"/>
+                        <a:t>1.15%</a:t>
+                      </a:r>
+                      <a:endParaRPr lang="pt-BR" dirty="0">
+                        <a:latin typeface="+mn-lt"/>
+                      </a:endParaRPr>
+                    </a:p>
+                  </a:txBody>
+                  <a:tcPr/>
+                </a:tc>
+                <a:tc>
+                  <a:txBody>
+                    <a:bodyPr/>
+                    <a:lstStyle/>
+                    <a:p>
+                      <a:pPr algn="ctr"/>
+                      <a:r>
+                        <a:rPr lang="pt-BR" dirty="0"/>
+                        <a:t>-</a:t>
+                      </a:r>
+                      <a:endParaRPr lang="pt-BR" dirty="0">
+                        <a:latin typeface="+mn-lt"/>
+                      </a:endParaRPr>
+                    </a:p>
+                  </a:txBody>
+                  <a:tcPr/>
+                </a:tc>
+                <a:tc>
+                  <a:txBody>
+                    <a:bodyPr/>
+                    <a:lstStyle/>
+                    <a:p>
+                      <a:pPr algn="ctr"/>
+                      <a:r>
+                        <a:rPr lang="pt-BR" dirty="0"/>
+                        <a:t>1.78%</a:t>
+                      </a:r>
+                      <a:endParaRPr lang="pt-BR" dirty="0">
+                        <a:latin typeface="+mn-lt"/>
+                      </a:endParaRPr>
+                    </a:p>
+                  </a:txBody>
+                  <a:tcPr/>
+                </a:tc>
+                <a:extLst>
+                  <a:ext uri="{0D108BD9-81ED-4DB2-BD59-A6C34878D82A}">
+                    <a16:rowId xmlns:a16="http://schemas.microsoft.com/office/drawing/2014/main" val="2752747351"/>
+                  </a:ext>
+                </a:extLst>
+              </a:tr>
+              <a:tr h="370176">
+                <a:tc>
+                  <a:txBody>
+                    <a:bodyPr/>
+                    <a:lstStyle/>
+                    <a:p>
+                      <a:pPr algn="ctr"/>
+                      <a:r>
+                        <a:rPr lang="pt-BR" dirty="0"/>
+                        <a:t>MSE</a:t>
+                      </a:r>
+                      <a:endParaRPr lang="pt-BR" dirty="0">
+                        <a:latin typeface="+mn-lt"/>
+                      </a:endParaRPr>
+                    </a:p>
+                  </a:txBody>
+                  <a:tcPr/>
+                </a:tc>
+                <a:tc>
+                  <a:txBody>
+                    <a:bodyPr/>
+                    <a:lstStyle/>
+                    <a:p>
+                      <a:pPr algn="ctr"/>
+                      <a:r>
+                        <a:rPr lang="pt-BR" dirty="0"/>
+                        <a:t>65.899</a:t>
+                      </a:r>
+                      <a:endParaRPr lang="pt-BR" dirty="0">
+                        <a:latin typeface="+mn-lt"/>
+                      </a:endParaRPr>
+                    </a:p>
+                  </a:txBody>
+                  <a:tcPr/>
+                </a:tc>
+                <a:tc>
+                  <a:txBody>
+                    <a:bodyPr/>
+                    <a:lstStyle/>
+                    <a:p>
+                      <a:pPr algn="ctr"/>
+                      <a:r>
+                        <a:rPr lang="pt-BR" dirty="0"/>
+                        <a:t>29.973</a:t>
+                      </a:r>
+                      <a:endParaRPr lang="pt-BR" dirty="0">
+                        <a:latin typeface="+mn-lt"/>
+                      </a:endParaRPr>
+                    </a:p>
+                  </a:txBody>
+                  <a:tcPr/>
+                </a:tc>
+                <a:tc>
+                  <a:txBody>
+                    <a:bodyPr/>
+                    <a:lstStyle/>
+                    <a:p>
+                      <a:pPr algn="ctr"/>
+                      <a:r>
+                        <a:rPr lang="pt-BR" dirty="0"/>
+                        <a:t>173.489.789</a:t>
+                      </a:r>
+                      <a:endParaRPr lang="pt-BR" dirty="0">
+                        <a:latin typeface="+mn-lt"/>
+                      </a:endParaRPr>
+                    </a:p>
+                  </a:txBody>
+                  <a:tcPr/>
+                </a:tc>
+                <a:tc>
+                  <a:txBody>
+                    <a:bodyPr/>
+                    <a:lstStyle/>
+                    <a:p>
+                      <a:pPr algn="ctr"/>
+                      <a:r>
+                        <a:rPr lang="pt-BR" dirty="0"/>
+                        <a:t>53.802</a:t>
+                      </a:r>
+                      <a:endParaRPr lang="pt-BR" dirty="0">
+                        <a:latin typeface="+mn-lt"/>
+                      </a:endParaRPr>
+                    </a:p>
+                  </a:txBody>
+                  <a:tcPr/>
+                </a:tc>
+                <a:extLst>
+                  <a:ext uri="{0D108BD9-81ED-4DB2-BD59-A6C34878D82A}">
+                    <a16:rowId xmlns:a16="http://schemas.microsoft.com/office/drawing/2014/main" val="2593038353"/>
+                  </a:ext>
+                </a:extLst>
+              </a:tr>
+              <a:tr h="370176">
+                <a:tc>
+                  <a:txBody>
+                    <a:bodyPr/>
+                    <a:lstStyle/>
+                    <a:p>
+                      <a:pPr algn="ctr"/>
+                      <a:r>
+                        <a:rPr lang="pt-BR" dirty="0"/>
+                        <a:t>R</a:t>
+                      </a:r>
+                      <a:r>
+                        <a:rPr lang="pt-BR" baseline="30000" dirty="0"/>
+                        <a:t>2</a:t>
+                      </a:r>
+                      <a:endParaRPr lang="pt-BR" baseline="30000" dirty="0">
+                        <a:latin typeface="+mn-lt"/>
+                      </a:endParaRPr>
+                    </a:p>
+                  </a:txBody>
+                  <a:tcPr/>
+                </a:tc>
+                <a:tc>
+                  <a:txBody>
+                    <a:bodyPr/>
+                    <a:lstStyle/>
+                    <a:p>
+                      <a:pPr algn="ctr"/>
+                      <a:r>
+                        <a:rPr lang="pt-BR" dirty="0"/>
+                        <a:t>-66.881</a:t>
+                      </a:r>
+                      <a:endParaRPr lang="pt-BR" dirty="0">
+                        <a:latin typeface="+mn-lt"/>
+                      </a:endParaRPr>
+                    </a:p>
+                  </a:txBody>
+                  <a:tcPr/>
+                </a:tc>
+                <a:tc>
+                  <a:txBody>
+                    <a:bodyPr/>
+                    <a:lstStyle/>
+                    <a:p>
+                      <a:pPr algn="ctr"/>
+                      <a:r>
+                        <a:rPr lang="pt-BR" dirty="0"/>
+                        <a:t>-24.967</a:t>
+                      </a:r>
+                      <a:endParaRPr lang="pt-BR" dirty="0">
+                        <a:latin typeface="+mn-lt"/>
+                      </a:endParaRPr>
+                    </a:p>
+                  </a:txBody>
+                  <a:tcPr/>
+                </a:tc>
+                <a:tc>
+                  <a:txBody>
+                    <a:bodyPr/>
+                    <a:lstStyle/>
+                    <a:p>
+                      <a:pPr algn="ctr"/>
+                      <a:r>
+                        <a:rPr lang="pt-BR" dirty="0"/>
+                        <a:t>-202.390.086</a:t>
+                      </a:r>
+                      <a:endParaRPr lang="pt-BR" dirty="0">
+                        <a:latin typeface="+mn-lt"/>
+                      </a:endParaRPr>
+                    </a:p>
+                  </a:txBody>
+                  <a:tcPr/>
+                </a:tc>
+                <a:tc>
+                  <a:txBody>
+                    <a:bodyPr/>
+                    <a:lstStyle/>
+                    <a:p>
+                      <a:pPr algn="ctr"/>
+                      <a:r>
+                        <a:rPr lang="pt-BR" dirty="0"/>
+                        <a:t>-23.836</a:t>
+                      </a:r>
+                      <a:endParaRPr lang="pt-BR" dirty="0">
+                        <a:latin typeface="+mn-lt"/>
+                      </a:endParaRPr>
+                    </a:p>
+                  </a:txBody>
+                  <a:tcPr/>
+                </a:tc>
+                <a:extLst>
+                  <a:ext uri="{0D108BD9-81ED-4DB2-BD59-A6C34878D82A}">
+                    <a16:rowId xmlns:a16="http://schemas.microsoft.com/office/drawing/2014/main" val="2015986597"/>
+                  </a:ext>
+                </a:extLst>
+              </a:tr>
+            </a:tbl>
+          </a:graphicData>
+        </a:graphic>
+      </p:graphicFrame>
     </p:spTree>
     <p:extLst>
       <p:ext uri="{BB962C8B-B14F-4D97-AF65-F5344CB8AC3E}">
-        <p14:creationId xmlns:p14="http://schemas.microsoft.com/office/powerpoint/2010/main" val="830217502"/>
+        <p14:creationId xmlns:p14="http://schemas.microsoft.com/office/powerpoint/2010/main" val="2528375167"/>
       </p:ext>
     </p:extLst>
   </p:cSld>
@@ -9772,7 +9268,7 @@
     <p:bg>
       <p:bgPr>
         <a:blipFill dpi="0" rotWithShape="1">
-          <a:blip r:embed="rId3">
+          <a:blip r:embed="rId2">
             <a:lum/>
           </a:blip>
           <a:srcRect/>
@@ -9788,7 +9284,7 @@
         <p:cNvPr id="1" name="">
           <a:extLst>
             <a:ext uri="{FF2B5EF4-FFF2-40B4-BE49-F238E27FC236}">
-              <a16:creationId xmlns:a16="http://schemas.microsoft.com/office/drawing/2014/main" id="{1D74AA12-9498-8074-F368-010F76E1BFA3}"/>
+              <a16:creationId xmlns:a16="http://schemas.microsoft.com/office/drawing/2014/main" id="{E7F0C5D5-4F17-E65E-4E11-7C21345AF4A3}"/>
             </a:ext>
           </a:extLst>
         </p:cNvPr>
@@ -9808,7 +9304,7 @@
           <p:cNvPr id="4" name="Título 3">
             <a:extLst>
               <a:ext uri="{FF2B5EF4-FFF2-40B4-BE49-F238E27FC236}">
-                <a16:creationId xmlns:a16="http://schemas.microsoft.com/office/drawing/2014/main" id="{913AD0DF-0EAC-C837-9CE2-B075EDCAC10F}"/>
+                <a16:creationId xmlns:a16="http://schemas.microsoft.com/office/drawing/2014/main" id="{73DCFEB2-23A8-D0C2-6D5C-66C368A61176}"/>
               </a:ext>
             </a:extLst>
           </p:cNvPr>
@@ -9826,11 +9322,11 @@
           <a:p>
             <a:pPr marL="742950" indent="-742950">
               <a:buFont typeface="+mj-lt"/>
-              <a:buAutoNum type="arabicPeriod" startAt="4"/>
+              <a:buAutoNum type="arabicPeriod" startAt="8"/>
             </a:pPr>
             <a:r>
               <a:rPr lang="pt-BR" dirty="0"/>
-              <a:t>Modelos</a:t>
+              <a:t>Conclusão</a:t>
             </a:r>
           </a:p>
         </p:txBody>
@@ -9840,7 +9336,7 @@
           <p:cNvPr id="5" name="Espaço Reservado para Conteúdo 4">
             <a:extLst>
               <a:ext uri="{FF2B5EF4-FFF2-40B4-BE49-F238E27FC236}">
-                <a16:creationId xmlns:a16="http://schemas.microsoft.com/office/drawing/2014/main" id="{3274C8AC-F76A-E491-AA04-6A58272FAD08}"/>
+                <a16:creationId xmlns:a16="http://schemas.microsoft.com/office/drawing/2014/main" id="{12FA060A-E2ED-E36F-5CFB-8522F057B6D6}"/>
               </a:ext>
             </a:extLst>
           </p:cNvPr>
@@ -9858,14 +9354,105 @@
           </a:bodyPr>
           <a:lstStyle/>
           <a:p>
-            <a:endParaRPr lang="pt-BR" sz="2400" dirty="0"/>
+            <a:r>
+              <a:rPr lang="pt-BR" sz="2200" dirty="0"/>
+              <a:t>Observações sobre os resultados:</a:t>
+            </a:r>
+          </a:p>
+          <a:p>
+            <a:pPr lvl="1"/>
+            <a:r>
+              <a:rPr lang="pt-BR" sz="1800" dirty="0"/>
+              <a:t>O </a:t>
+            </a:r>
+            <a:r>
+              <a:rPr lang="pt-BR" sz="1800" b="1" dirty="0"/>
+              <a:t>modelo </a:t>
+            </a:r>
+            <a:r>
+              <a:rPr lang="pt-BR" sz="1800" b="1" dirty="0" err="1"/>
+              <a:t>Seasonal</a:t>
+            </a:r>
+            <a:r>
+              <a:rPr lang="pt-BR" sz="1800" b="1" dirty="0"/>
+              <a:t> </a:t>
+            </a:r>
+            <a:r>
+              <a:rPr lang="pt-BR" sz="1800" b="1" dirty="0" err="1"/>
+              <a:t>Window</a:t>
+            </a:r>
+            <a:r>
+              <a:rPr lang="pt-BR" sz="1800" b="1" dirty="0"/>
+              <a:t> </a:t>
+            </a:r>
+            <a:r>
+              <a:rPr lang="pt-BR" sz="1800" b="1" dirty="0" err="1"/>
+              <a:t>Average</a:t>
+            </a:r>
+            <a:r>
+              <a:rPr lang="pt-BR" sz="1800" b="1" dirty="0"/>
+              <a:t> </a:t>
+            </a:r>
+            <a:r>
+              <a:rPr lang="pt-BR" sz="1800" dirty="0"/>
+              <a:t>se destacou como o melhor entre os analisados. Ele teve os menores valores de erro absoluto (MAE: 1.5126) e quadrático médio (RMSE: 1.7313), além de um WMAPE de 1.15%, o que demonstra consistência nos resultados. </a:t>
+            </a:r>
+            <a:br>
+              <a:rPr lang="pt-BR" sz="1800" dirty="0"/>
+            </a:br>
+            <a:r>
+              <a:rPr lang="pt-BR" sz="1800" dirty="0"/>
+              <a:t>Apesar de o R² ser negativo (-2.4967), esse modelo ainda apresenta um desempenho superior ao dos outros.</a:t>
+            </a:r>
+          </a:p>
+          <a:p>
+            <a:pPr lvl="1"/>
+            <a:r>
+              <a:rPr lang="pt-BR" sz="1800" dirty="0"/>
+              <a:t>O </a:t>
+            </a:r>
+            <a:r>
+              <a:rPr lang="pt-BR" sz="1800" b="1" dirty="0"/>
+              <a:t>Modelo </a:t>
+            </a:r>
+            <a:r>
+              <a:rPr lang="pt-BR" sz="1800" b="1" dirty="0" err="1"/>
+              <a:t>Prophet</a:t>
+            </a:r>
+            <a:r>
+              <a:rPr lang="pt-BR" sz="1800" b="1" dirty="0"/>
+              <a:t> </a:t>
+            </a:r>
+            <a:r>
+              <a:rPr lang="pt-BR" sz="1800" dirty="0"/>
+              <a:t>chamou a atenção pelo menor MAPE (0.02%), mas seu desempenho geral em outras métricas, como MAE, RMSE e R², ficou atrás, tornando-o menos confiável como uma escolha principal, tornando –o uma escolha secundária.</a:t>
+            </a:r>
+          </a:p>
+          <a:p>
+            <a:pPr lvl="1"/>
+            <a:r>
+              <a:rPr lang="pt-BR" sz="1800" dirty="0"/>
+              <a:t>Por outro lado, o </a:t>
+            </a:r>
+            <a:r>
+              <a:rPr lang="pt-BR" sz="1800" b="1" dirty="0"/>
+              <a:t>Modelo </a:t>
+            </a:r>
+            <a:r>
+              <a:rPr lang="pt-BR" sz="1800" b="1" dirty="0" err="1"/>
+              <a:t>Sarima</a:t>
+            </a:r>
+            <a:r>
+              <a:rPr lang="pt-BR" sz="1800" dirty="0"/>
+              <a:t> teve resultados ruins em todas as métricas avaliadas, sugerindo que ele não foi bem ajustado aos dados.</a:t>
+            </a:r>
           </a:p>
         </p:txBody>
       </p:sp>
     </p:spTree>
     <p:extLst>
       <p:ext uri="{BB962C8B-B14F-4D97-AF65-F5344CB8AC3E}">
-        <p14:creationId xmlns:p14="http://schemas.microsoft.com/office/powerpoint/2010/main" val="233293254"/>
+        <p14:creationId xmlns:p14="http://schemas.microsoft.com/office/powerpoint/2010/main" val="3214034833"/>
       </p:ext>
     </p:extLst>
   </p:cSld>
@@ -10107,7 +9694,7 @@
         <p:cNvPr id="1" name="">
           <a:extLst>
             <a:ext uri="{FF2B5EF4-FFF2-40B4-BE49-F238E27FC236}">
-              <a16:creationId xmlns:a16="http://schemas.microsoft.com/office/drawing/2014/main" id="{BD0CAF16-8FC9-16C8-9556-87673494CA0A}"/>
+              <a16:creationId xmlns:a16="http://schemas.microsoft.com/office/drawing/2014/main" id="{EADA3932-8EBA-35C2-88CE-A70CD597D703}"/>
             </a:ext>
           </a:extLst>
         </p:cNvPr>
@@ -10127,7 +9714,7 @@
           <p:cNvPr id="4" name="Título 3">
             <a:extLst>
               <a:ext uri="{FF2B5EF4-FFF2-40B4-BE49-F238E27FC236}">
-                <a16:creationId xmlns:a16="http://schemas.microsoft.com/office/drawing/2014/main" id="{2CD93532-EA6E-0EDB-6D12-67255C32D3A3}"/>
+                <a16:creationId xmlns:a16="http://schemas.microsoft.com/office/drawing/2014/main" id="{9C1FE61D-FE71-14BA-EB9F-26352AE0ED20}"/>
               </a:ext>
             </a:extLst>
           </p:cNvPr>
@@ -10145,11 +9732,11 @@
           <a:p>
             <a:pPr marL="742950" indent="-742950">
               <a:buFont typeface="+mj-lt"/>
-              <a:buAutoNum type="arabicPeriod" startAt="5"/>
+              <a:buAutoNum type="arabicPeriod" startAt="8"/>
             </a:pPr>
             <a:r>
               <a:rPr lang="pt-BR" dirty="0"/>
-              <a:t>ACF e PACF</a:t>
+              <a:t>Conclusão</a:t>
             </a:r>
           </a:p>
         </p:txBody>
@@ -10159,7 +9746,7 @@
           <p:cNvPr id="5" name="Espaço Reservado para Conteúdo 4">
             <a:extLst>
               <a:ext uri="{FF2B5EF4-FFF2-40B4-BE49-F238E27FC236}">
-                <a16:creationId xmlns:a16="http://schemas.microsoft.com/office/drawing/2014/main" id="{72BF9230-FB5B-F151-0B41-E6F5E568A779}"/>
+                <a16:creationId xmlns:a16="http://schemas.microsoft.com/office/drawing/2014/main" id="{E8C424AA-A948-D993-3BE1-95D7FA852D87}"/>
               </a:ext>
             </a:extLst>
           </p:cNvPr>
@@ -10172,19 +9759,61 @@
         </p:nvSpPr>
         <p:spPr/>
         <p:txBody>
-          <a:bodyPr/>
+          <a:bodyPr>
+            <a:normAutofit/>
+          </a:bodyPr>
           <a:lstStyle/>
           <a:p>
             <a:r>
-              <a:rPr lang="pt-BR" dirty="0"/>
-              <a:t>Breve explicação de significado</a:t>
-            </a:r>
-          </a:p>
-          <a:p>
-            <a:pPr lvl="1"/>
-            <a:r>
-              <a:rPr lang="pt-BR" dirty="0"/>
-              <a:t>Prints, gráficos, comparação e explicação do resultado</a:t>
+              <a:rPr lang="pt-BR" sz="2400" dirty="0"/>
+              <a:t>Conclusão final: o </a:t>
+            </a:r>
+            <a:r>
+              <a:rPr lang="pt-BR" sz="2400" b="1" dirty="0"/>
+              <a:t>Modelo </a:t>
+            </a:r>
+            <a:r>
+              <a:rPr lang="pt-BR" sz="2400" b="1" dirty="0" err="1"/>
+              <a:t>Seasonal</a:t>
+            </a:r>
+            <a:r>
+              <a:rPr lang="pt-BR" sz="2400" b="1" dirty="0"/>
+              <a:t> </a:t>
+            </a:r>
+            <a:r>
+              <a:rPr lang="pt-BR" sz="2400" b="1" dirty="0" err="1"/>
+              <a:t>Window</a:t>
+            </a:r>
+            <a:r>
+              <a:rPr lang="pt-BR" sz="2400" b="1" dirty="0"/>
+              <a:t> </a:t>
+            </a:r>
+            <a:r>
+              <a:rPr lang="pt-BR" sz="2400" b="1" dirty="0" err="1"/>
+              <a:t>Average</a:t>
+            </a:r>
+            <a:r>
+              <a:rPr lang="pt-BR" sz="2400" b="1" dirty="0"/>
+              <a:t> </a:t>
+            </a:r>
+            <a:r>
+              <a:rPr lang="pt-BR" sz="2400" dirty="0"/>
+              <a:t>é o mais equilibrado e confiável no geral, sendo a melhor opção para a maioria dos cenários, uma vez que combina, baixos erros e maior consistência dos resultados. </a:t>
+            </a:r>
+            <a:br>
+              <a:rPr lang="pt-BR" sz="2400" dirty="0"/>
+            </a:br>
+            <a:r>
+              <a:rPr lang="pt-BR" sz="2400" dirty="0"/>
+              <a:t>O modelo </a:t>
+            </a:r>
+            <a:r>
+              <a:rPr lang="pt-BR" sz="2400" dirty="0" err="1"/>
+              <a:t>Prophet</a:t>
+            </a:r>
+            <a:r>
+              <a:rPr lang="pt-BR" sz="2400" dirty="0"/>
+              <a:t> pode ser considerado em situações mais específicas, como por exemplo, para análises mais voltadas ao WMAPE recente. </a:t>
             </a:r>
           </a:p>
         </p:txBody>
@@ -10192,7 +9821,7 @@
     </p:spTree>
     <p:extLst>
       <p:ext uri="{BB962C8B-B14F-4D97-AF65-F5344CB8AC3E}">
-        <p14:creationId xmlns:p14="http://schemas.microsoft.com/office/powerpoint/2010/main" val="348153174"/>
+        <p14:creationId xmlns:p14="http://schemas.microsoft.com/office/powerpoint/2010/main" val="2473973159"/>
       </p:ext>
     </p:extLst>
   </p:cSld>
@@ -10203,532 +9832,6 @@
 </file>
 
 <file path=ppt/slides/slide21.xml><?xml version="1.0" encoding="utf-8"?>
-<p:sld xmlns:a="http://schemas.openxmlformats.org/drawingml/2006/main" xmlns:r="http://schemas.openxmlformats.org/officeDocument/2006/relationships" xmlns:p="http://schemas.openxmlformats.org/presentationml/2006/main">
-  <p:cSld>
-    <p:bg>
-      <p:bgPr>
-        <a:blipFill dpi="0" rotWithShape="1">
-          <a:blip r:embed="rId2">
-            <a:lum/>
-          </a:blip>
-          <a:srcRect/>
-          <a:stretch>
-            <a:fillRect/>
-          </a:stretch>
-        </a:blipFill>
-        <a:effectLst/>
-      </p:bgPr>
-    </p:bg>
-    <p:spTree>
-      <p:nvGrpSpPr>
-        <p:cNvPr id="1" name="">
-          <a:extLst>
-            <a:ext uri="{FF2B5EF4-FFF2-40B4-BE49-F238E27FC236}">
-              <a16:creationId xmlns:a16="http://schemas.microsoft.com/office/drawing/2014/main" id="{EC2B7F5A-FB49-1223-E882-FC9EA8EB92D9}"/>
-            </a:ext>
-          </a:extLst>
-        </p:cNvPr>
-        <p:cNvGrpSpPr/>
-        <p:nvPr/>
-      </p:nvGrpSpPr>
-      <p:grpSpPr>
-        <a:xfrm>
-          <a:off x="0" y="0"/>
-          <a:ext cx="0" cy="0"/>
-          <a:chOff x="0" y="0"/>
-          <a:chExt cx="0" cy="0"/>
-        </a:xfrm>
-      </p:grpSpPr>
-      <p:sp>
-        <p:nvSpPr>
-          <p:cNvPr id="4" name="Título 3">
-            <a:extLst>
-              <a:ext uri="{FF2B5EF4-FFF2-40B4-BE49-F238E27FC236}">
-                <a16:creationId xmlns:a16="http://schemas.microsoft.com/office/drawing/2014/main" id="{73ECDB8C-D3EB-C0EA-BA33-D6990F5BD921}"/>
-              </a:ext>
-            </a:extLst>
-          </p:cNvPr>
-          <p:cNvSpPr>
-            <a:spLocks noGrp="1"/>
-          </p:cNvSpPr>
-          <p:nvPr>
-            <p:ph type="title"/>
-          </p:nvPr>
-        </p:nvSpPr>
-        <p:spPr/>
-        <p:txBody>
-          <a:bodyPr/>
-          <a:lstStyle/>
-          <a:p>
-            <a:pPr marL="742950" indent="-742950">
-              <a:buFont typeface="+mj-lt"/>
-              <a:buAutoNum type="arabicPeriod" startAt="6"/>
-            </a:pPr>
-            <a:r>
-              <a:rPr lang="pt-BR" dirty="0"/>
-              <a:t>Modelagem dos Dados</a:t>
-            </a:r>
-          </a:p>
-        </p:txBody>
-      </p:sp>
-      <p:sp>
-        <p:nvSpPr>
-          <p:cNvPr id="5" name="Espaço Reservado para Conteúdo 4">
-            <a:extLst>
-              <a:ext uri="{FF2B5EF4-FFF2-40B4-BE49-F238E27FC236}">
-                <a16:creationId xmlns:a16="http://schemas.microsoft.com/office/drawing/2014/main" id="{99DE1CE4-AF56-7E87-2AD8-FDF57513FA30}"/>
-              </a:ext>
-            </a:extLst>
-          </p:cNvPr>
-          <p:cNvSpPr>
-            <a:spLocks noGrp="1"/>
-          </p:cNvSpPr>
-          <p:nvPr>
-            <p:ph idx="1"/>
-          </p:nvPr>
-        </p:nvSpPr>
-        <p:spPr/>
-        <p:txBody>
-          <a:bodyPr/>
-          <a:lstStyle/>
-          <a:p>
-            <a:r>
-              <a:rPr lang="pt-BR" dirty="0"/>
-              <a:t>Definição dos parâmetros utilizados nos modelos ( escolher 3?)</a:t>
-            </a:r>
-          </a:p>
-          <a:p>
-            <a:pPr lvl="1"/>
-            <a:r>
-              <a:rPr lang="pt-BR" dirty="0" err="1"/>
-              <a:t>Naive</a:t>
-            </a:r>
-            <a:endParaRPr lang="pt-BR" dirty="0"/>
-          </a:p>
-          <a:p>
-            <a:pPr lvl="1"/>
-            <a:r>
-              <a:rPr lang="pt-BR" dirty="0" err="1"/>
-              <a:t>Seasonal</a:t>
-            </a:r>
-            <a:r>
-              <a:rPr lang="pt-BR" dirty="0"/>
-              <a:t> </a:t>
-            </a:r>
-            <a:r>
-              <a:rPr lang="pt-BR" dirty="0" err="1"/>
-              <a:t>Window</a:t>
-            </a:r>
-            <a:r>
-              <a:rPr lang="pt-BR" dirty="0"/>
-              <a:t> </a:t>
-            </a:r>
-            <a:r>
-              <a:rPr lang="pt-BR" dirty="0" err="1"/>
-              <a:t>Average</a:t>
-            </a:r>
-            <a:endParaRPr lang="pt-BR" dirty="0"/>
-          </a:p>
-          <a:p>
-            <a:pPr lvl="1"/>
-            <a:r>
-              <a:rPr lang="pt-BR" dirty="0" err="1"/>
-              <a:t>Sarima</a:t>
-            </a:r>
-            <a:endParaRPr lang="pt-BR" dirty="0"/>
-          </a:p>
-          <a:p>
-            <a:pPr lvl="1"/>
-            <a:r>
-              <a:rPr lang="pt-BR" dirty="0" err="1"/>
-              <a:t>Prophet</a:t>
-            </a:r>
-            <a:r>
-              <a:rPr lang="pt-BR"/>
-              <a:t>???</a:t>
-            </a:r>
-            <a:endParaRPr lang="pt-BR" dirty="0"/>
-          </a:p>
-          <a:p>
-            <a:r>
-              <a:rPr lang="pt-BR" dirty="0"/>
-              <a:t>Escolha do melhor modelo para o caso do nosso problema</a:t>
-            </a:r>
-          </a:p>
-        </p:txBody>
-      </p:sp>
-    </p:spTree>
-    <p:extLst>
-      <p:ext uri="{BB962C8B-B14F-4D97-AF65-F5344CB8AC3E}">
-        <p14:creationId xmlns:p14="http://schemas.microsoft.com/office/powerpoint/2010/main" val="15057690"/>
-      </p:ext>
-    </p:extLst>
-  </p:cSld>
-  <p:clrMapOvr>
-    <a:masterClrMapping/>
-  </p:clrMapOvr>
-</p:sld>
-</file>
-
-<file path=ppt/slides/slide22.xml><?xml version="1.0" encoding="utf-8"?>
-<p:sld xmlns:a="http://schemas.openxmlformats.org/drawingml/2006/main" xmlns:r="http://schemas.openxmlformats.org/officeDocument/2006/relationships" xmlns:p="http://schemas.openxmlformats.org/presentationml/2006/main">
-  <p:cSld>
-    <p:bg>
-      <p:bgPr>
-        <a:blipFill dpi="0" rotWithShape="1">
-          <a:blip r:embed="rId2">
-            <a:lum/>
-          </a:blip>
-          <a:srcRect/>
-          <a:stretch>
-            <a:fillRect/>
-          </a:stretch>
-        </a:blipFill>
-        <a:effectLst/>
-      </p:bgPr>
-    </p:bg>
-    <p:spTree>
-      <p:nvGrpSpPr>
-        <p:cNvPr id="1" name="">
-          <a:extLst>
-            <a:ext uri="{FF2B5EF4-FFF2-40B4-BE49-F238E27FC236}">
-              <a16:creationId xmlns:a16="http://schemas.microsoft.com/office/drawing/2014/main" id="{981AB564-8355-5B21-675D-7C8B7D003BAE}"/>
-            </a:ext>
-          </a:extLst>
-        </p:cNvPr>
-        <p:cNvGrpSpPr/>
-        <p:nvPr/>
-      </p:nvGrpSpPr>
-      <p:grpSpPr>
-        <a:xfrm>
-          <a:off x="0" y="0"/>
-          <a:ext cx="0" cy="0"/>
-          <a:chOff x="0" y="0"/>
-          <a:chExt cx="0" cy="0"/>
-        </a:xfrm>
-      </p:grpSpPr>
-      <p:sp>
-        <p:nvSpPr>
-          <p:cNvPr id="4" name="Título 3">
-            <a:extLst>
-              <a:ext uri="{FF2B5EF4-FFF2-40B4-BE49-F238E27FC236}">
-                <a16:creationId xmlns:a16="http://schemas.microsoft.com/office/drawing/2014/main" id="{5702B297-DF73-72B4-C4A3-5C167B70CE5B}"/>
-              </a:ext>
-            </a:extLst>
-          </p:cNvPr>
-          <p:cNvSpPr>
-            <a:spLocks noGrp="1"/>
-          </p:cNvSpPr>
-          <p:nvPr>
-            <p:ph type="title"/>
-          </p:nvPr>
-        </p:nvSpPr>
-        <p:spPr/>
-        <p:txBody>
-          <a:bodyPr/>
-          <a:lstStyle/>
-          <a:p>
-            <a:pPr marL="742950" indent="-742950">
-              <a:buFont typeface="+mj-lt"/>
-              <a:buAutoNum type="arabicPeriod" startAt="7"/>
-            </a:pPr>
-            <a:r>
-              <a:rPr lang="pt-BR" dirty="0"/>
-              <a:t>Aplicação do Modelo escolhido - previsão</a:t>
-            </a:r>
-          </a:p>
-        </p:txBody>
-      </p:sp>
-      <p:sp>
-        <p:nvSpPr>
-          <p:cNvPr id="5" name="Espaço Reservado para Conteúdo 4">
-            <a:extLst>
-              <a:ext uri="{FF2B5EF4-FFF2-40B4-BE49-F238E27FC236}">
-                <a16:creationId xmlns:a16="http://schemas.microsoft.com/office/drawing/2014/main" id="{D3D6D17A-81C5-6765-08F9-2BF5FFB63BCB}"/>
-              </a:ext>
-            </a:extLst>
-          </p:cNvPr>
-          <p:cNvSpPr>
-            <a:spLocks noGrp="1"/>
-          </p:cNvSpPr>
-          <p:nvPr>
-            <p:ph idx="1"/>
-          </p:nvPr>
-        </p:nvSpPr>
-        <p:spPr/>
-        <p:txBody>
-          <a:bodyPr/>
-          <a:lstStyle/>
-          <a:p>
-            <a:r>
-              <a:rPr lang="pt-BR" dirty="0"/>
-              <a:t>Criação da série temporal com o modelo escolhido, com previsão ( </a:t>
-            </a:r>
-            <a:r>
-              <a:rPr lang="pt-BR" dirty="0" err="1"/>
-              <a:t>próx</a:t>
-            </a:r>
-            <a:r>
-              <a:rPr lang="pt-BR" dirty="0"/>
-              <a:t> 5 dias????)</a:t>
-            </a:r>
-          </a:p>
-          <a:p>
-            <a:r>
-              <a:rPr lang="pt-BR" dirty="0"/>
-              <a:t>Mostrar ajustes, gráficos, comentários e explicações</a:t>
-            </a:r>
-          </a:p>
-          <a:p>
-            <a:r>
-              <a:rPr lang="pt-BR" dirty="0"/>
-              <a:t>Realizar o teste pra verificar a acurácia</a:t>
-            </a:r>
-          </a:p>
-        </p:txBody>
-      </p:sp>
-    </p:spTree>
-    <p:extLst>
-      <p:ext uri="{BB962C8B-B14F-4D97-AF65-F5344CB8AC3E}">
-        <p14:creationId xmlns:p14="http://schemas.microsoft.com/office/powerpoint/2010/main" val="673627097"/>
-      </p:ext>
-    </p:extLst>
-  </p:cSld>
-  <p:clrMapOvr>
-    <a:masterClrMapping/>
-  </p:clrMapOvr>
-</p:sld>
-</file>
-
-<file path=ppt/slides/slide23.xml><?xml version="1.0" encoding="utf-8"?>
-<p:sld xmlns:a="http://schemas.openxmlformats.org/drawingml/2006/main" xmlns:r="http://schemas.openxmlformats.org/officeDocument/2006/relationships" xmlns:p="http://schemas.openxmlformats.org/presentationml/2006/main">
-  <p:cSld>
-    <p:bg>
-      <p:bgPr>
-        <a:blipFill dpi="0" rotWithShape="1">
-          <a:blip r:embed="rId2">
-            <a:lum/>
-          </a:blip>
-          <a:srcRect/>
-          <a:stretch>
-            <a:fillRect/>
-          </a:stretch>
-        </a:blipFill>
-        <a:effectLst/>
-      </p:bgPr>
-    </p:bg>
-    <p:spTree>
-      <p:nvGrpSpPr>
-        <p:cNvPr id="1" name="">
-          <a:extLst>
-            <a:ext uri="{FF2B5EF4-FFF2-40B4-BE49-F238E27FC236}">
-              <a16:creationId xmlns:a16="http://schemas.microsoft.com/office/drawing/2014/main" id="{7625225D-E33D-18A3-0832-963D1A97E44E}"/>
-            </a:ext>
-          </a:extLst>
-        </p:cNvPr>
-        <p:cNvGrpSpPr/>
-        <p:nvPr/>
-      </p:nvGrpSpPr>
-      <p:grpSpPr>
-        <a:xfrm>
-          <a:off x="0" y="0"/>
-          <a:ext cx="0" cy="0"/>
-          <a:chOff x="0" y="0"/>
-          <a:chExt cx="0" cy="0"/>
-        </a:xfrm>
-      </p:grpSpPr>
-      <p:sp>
-        <p:nvSpPr>
-          <p:cNvPr id="4" name="Título 3">
-            <a:extLst>
-              <a:ext uri="{FF2B5EF4-FFF2-40B4-BE49-F238E27FC236}">
-                <a16:creationId xmlns:a16="http://schemas.microsoft.com/office/drawing/2014/main" id="{FF623CD5-00BF-A834-B999-ADB6F7AE69CB}"/>
-              </a:ext>
-            </a:extLst>
-          </p:cNvPr>
-          <p:cNvSpPr>
-            <a:spLocks noGrp="1"/>
-          </p:cNvSpPr>
-          <p:nvPr>
-            <p:ph type="title"/>
-          </p:nvPr>
-        </p:nvSpPr>
-        <p:spPr/>
-        <p:txBody>
-          <a:bodyPr/>
-          <a:lstStyle/>
-          <a:p>
-            <a:pPr marL="742950" indent="-742950">
-              <a:buFont typeface="+mj-lt"/>
-              <a:buAutoNum type="arabicPeriod" startAt="8"/>
-            </a:pPr>
-            <a:r>
-              <a:rPr lang="pt-BR" dirty="0"/>
-              <a:t>Conclusão</a:t>
-            </a:r>
-          </a:p>
-        </p:txBody>
-      </p:sp>
-      <p:sp>
-        <p:nvSpPr>
-          <p:cNvPr id="5" name="Espaço Reservado para Conteúdo 4">
-            <a:extLst>
-              <a:ext uri="{FF2B5EF4-FFF2-40B4-BE49-F238E27FC236}">
-                <a16:creationId xmlns:a16="http://schemas.microsoft.com/office/drawing/2014/main" id="{754E1015-546B-BFDE-4B7C-0B65FFE765DD}"/>
-              </a:ext>
-            </a:extLst>
-          </p:cNvPr>
-          <p:cNvSpPr>
-            <a:spLocks noGrp="1"/>
-          </p:cNvSpPr>
-          <p:nvPr>
-            <p:ph idx="1"/>
-          </p:nvPr>
-        </p:nvSpPr>
-        <p:spPr/>
-        <p:txBody>
-          <a:bodyPr/>
-          <a:lstStyle/>
-          <a:p>
-            <a:r>
-              <a:rPr lang="pt-BR" dirty="0"/>
-              <a:t>Treino e teste dos models X, Y e Z;</a:t>
-            </a:r>
-          </a:p>
-          <a:p>
-            <a:r>
-              <a:rPr lang="pt-BR" dirty="0"/>
-              <a:t>Dentre esses escolhemos o modelo X;</a:t>
-            </a:r>
-          </a:p>
-          <a:p>
-            <a:r>
-              <a:rPr lang="pt-BR" dirty="0"/>
-              <a:t>Observação do modelo aplicado teve acurácia de XXX;</a:t>
-            </a:r>
-          </a:p>
-          <a:p>
-            <a:r>
-              <a:rPr lang="pt-BR" dirty="0"/>
-              <a:t>Mais Comentários;</a:t>
-            </a:r>
-          </a:p>
-        </p:txBody>
-      </p:sp>
-    </p:spTree>
-    <p:extLst>
-      <p:ext uri="{BB962C8B-B14F-4D97-AF65-F5344CB8AC3E}">
-        <p14:creationId xmlns:p14="http://schemas.microsoft.com/office/powerpoint/2010/main" val="1407816696"/>
-      </p:ext>
-    </p:extLst>
-  </p:cSld>
-  <p:clrMapOvr>
-    <a:masterClrMapping/>
-  </p:clrMapOvr>
-</p:sld>
-</file>
-
-<file path=ppt/slides/slide24.xml><?xml version="1.0" encoding="utf-8"?>
-<p:sld xmlns:a="http://schemas.openxmlformats.org/drawingml/2006/main" xmlns:r="http://schemas.openxmlformats.org/officeDocument/2006/relationships" xmlns:p="http://schemas.openxmlformats.org/presentationml/2006/main">
-  <p:cSld>
-    <p:bg>
-      <p:bgPr>
-        <a:blipFill dpi="0" rotWithShape="1">
-          <a:blip r:embed="rId2">
-            <a:lum/>
-          </a:blip>
-          <a:srcRect/>
-          <a:stretch>
-            <a:fillRect/>
-          </a:stretch>
-        </a:blipFill>
-        <a:effectLst/>
-      </p:bgPr>
-    </p:bg>
-    <p:spTree>
-      <p:nvGrpSpPr>
-        <p:cNvPr id="1" name="">
-          <a:extLst>
-            <a:ext uri="{FF2B5EF4-FFF2-40B4-BE49-F238E27FC236}">
-              <a16:creationId xmlns:a16="http://schemas.microsoft.com/office/drawing/2014/main" id="{01F77476-BE32-FA72-A13E-100301FD8AE5}"/>
-            </a:ext>
-          </a:extLst>
-        </p:cNvPr>
-        <p:cNvGrpSpPr/>
-        <p:nvPr/>
-      </p:nvGrpSpPr>
-      <p:grpSpPr>
-        <a:xfrm>
-          <a:off x="0" y="0"/>
-          <a:ext cx="0" cy="0"/>
-          <a:chOff x="0" y="0"/>
-          <a:chExt cx="0" cy="0"/>
-        </a:xfrm>
-      </p:grpSpPr>
-      <p:sp>
-        <p:nvSpPr>
-          <p:cNvPr id="2" name="Título 1">
-            <a:extLst>
-              <a:ext uri="{FF2B5EF4-FFF2-40B4-BE49-F238E27FC236}">
-                <a16:creationId xmlns:a16="http://schemas.microsoft.com/office/drawing/2014/main" id="{FC4DB56D-AEC4-F2DD-DFD5-E5BDEF680144}"/>
-              </a:ext>
-            </a:extLst>
-          </p:cNvPr>
-          <p:cNvSpPr>
-            <a:spLocks noGrp="1"/>
-          </p:cNvSpPr>
-          <p:nvPr>
-            <p:ph type="title"/>
-          </p:nvPr>
-        </p:nvSpPr>
-        <p:spPr/>
-        <p:txBody>
-          <a:bodyPr/>
-          <a:lstStyle/>
-          <a:p>
-            <a:endParaRPr lang="pt-BR" dirty="0"/>
-          </a:p>
-        </p:txBody>
-      </p:sp>
-      <p:sp>
-        <p:nvSpPr>
-          <p:cNvPr id="3" name="Espaço Reservado para Conteúdo 2">
-            <a:extLst>
-              <a:ext uri="{FF2B5EF4-FFF2-40B4-BE49-F238E27FC236}">
-                <a16:creationId xmlns:a16="http://schemas.microsoft.com/office/drawing/2014/main" id="{0F95B50C-1DB7-B69B-BE5A-F4D2E624EEA2}"/>
-              </a:ext>
-            </a:extLst>
-          </p:cNvPr>
-          <p:cNvSpPr>
-            <a:spLocks noGrp="1"/>
-          </p:cNvSpPr>
-          <p:nvPr>
-            <p:ph idx="1"/>
-          </p:nvPr>
-        </p:nvSpPr>
-        <p:spPr/>
-        <p:txBody>
-          <a:bodyPr/>
-          <a:lstStyle/>
-          <a:p>
-            <a:endParaRPr lang="pt-BR" dirty="0"/>
-          </a:p>
-        </p:txBody>
-      </p:sp>
-    </p:spTree>
-    <p:extLst>
-      <p:ext uri="{BB962C8B-B14F-4D97-AF65-F5344CB8AC3E}">
-        <p14:creationId xmlns:p14="http://schemas.microsoft.com/office/powerpoint/2010/main" val="2772287773"/>
-      </p:ext>
-    </p:extLst>
-  </p:cSld>
-  <p:clrMapOvr>
-    <a:masterClrMapping/>
-  </p:clrMapOvr>
-</p:sld>
-</file>
-
-<file path=ppt/slides/slide25.xml><?xml version="1.0" encoding="utf-8"?>
 <p:sld xmlns:a="http://schemas.openxmlformats.org/drawingml/2006/main" xmlns:r="http://schemas.openxmlformats.org/officeDocument/2006/relationships" xmlns:p="http://schemas.openxmlformats.org/presentationml/2006/main">
   <p:cSld>
     <p:bg>
@@ -14284,15 +13387,7 @@
           <a:p>
             <a:r>
               <a:rPr lang="pt-BR" sz="2200" dirty="0"/>
-              <a:t>Realizamos a previsão dos próximos 15 dias, com o histórico de 30 dias utilizando o Modelo </a:t>
-            </a:r>
-            <a:r>
-              <a:rPr lang="pt-BR" sz="2200" dirty="0" err="1"/>
-              <a:t>Naive</a:t>
-            </a:r>
-            <a:r>
-              <a:rPr lang="pt-BR" sz="2200" dirty="0"/>
-              <a:t>:</a:t>
+              <a:t>Realizamos a previsão dos 15 primeiros dias de 2024, utilizando o período de treino para o modelo:</a:t>
             </a:r>
           </a:p>
         </p:txBody>
@@ -14405,7 +13500,7 @@
           <a:p>
             <a:r>
               <a:rPr lang="en-US" sz="1000" b="1" dirty="0"/>
-              <a:t>RMSE (Root Mean Squared Error):</a:t>
+              <a:t>RMSE (Root Mean Squared Error): </a:t>
             </a:r>
             <a:r>
               <a:rPr lang="pt-BR" sz="1000" dirty="0"/>
@@ -14488,7 +13583,7 @@
             </a:r>
             <a:r>
               <a:rPr lang="pt-BR" sz="1000" dirty="0"/>
-              <a:t>Ideal para análises que priorizam grandes desvios, mas pode ser difícil de interpretar devido à unidade ao quadrado..</a:t>
+              <a:t>Ideal para análises que priorizam grandes desvios, mas pode ser difícil de interpretar devido à unidade ao quadrado.</a:t>
             </a:r>
           </a:p>
           <a:p>

--- a/Tech Challenge 2.pptx
+++ b/Tech Challenge 2.pptx
@@ -334,7 +334,7 @@
   <pc:docChgLst>
     <pc:chgData name="Daniela Meneghello" userId="73bf1f0a2ad2b6aa" providerId="LiveId" clId="{CA9998E5-5CA2-4F20-A28D-73399079BE17}"/>
     <pc:docChg chg="undo custSel addSld delSld modSld sldOrd">
-      <pc:chgData name="Daniela Meneghello" userId="73bf1f0a2ad2b6aa" providerId="LiveId" clId="{CA9998E5-5CA2-4F20-A28D-73399079BE17}" dt="2025-01-21T00:46:11.116" v="5258" actId="113"/>
+      <pc:chgData name="Daniela Meneghello" userId="73bf1f0a2ad2b6aa" providerId="LiveId" clId="{CA9998E5-5CA2-4F20-A28D-73399079BE17}" dt="2025-01-21T00:58:48.549" v="5302" actId="20577"/>
       <pc:docMkLst>
         <pc:docMk/>
       </pc:docMkLst>
@@ -1227,7 +1227,7 @@
         </pc:picChg>
       </pc:sldChg>
       <pc:sldChg chg="addSp delSp modSp add mod">
-        <pc:chgData name="Daniela Meneghello" userId="73bf1f0a2ad2b6aa" providerId="LiveId" clId="{CA9998E5-5CA2-4F20-A28D-73399079BE17}" dt="2025-01-21T00:15:55.362" v="4121" actId="1076"/>
+        <pc:chgData name="Daniela Meneghello" userId="73bf1f0a2ad2b6aa" providerId="LiveId" clId="{CA9998E5-5CA2-4F20-A28D-73399079BE17}" dt="2025-01-21T00:56:44.623" v="5291" actId="20577"/>
         <pc:sldMkLst>
           <pc:docMk/>
           <pc:sldMk cId="830217502" sldId="305"/>
@@ -1241,7 +1241,7 @@
           </ac:spMkLst>
         </pc:spChg>
         <pc:spChg chg="mod">
-          <ac:chgData name="Daniela Meneghello" userId="73bf1f0a2ad2b6aa" providerId="LiveId" clId="{CA9998E5-5CA2-4F20-A28D-73399079BE17}" dt="2025-01-21T00:03:26.995" v="4076" actId="20577"/>
+          <ac:chgData name="Daniela Meneghello" userId="73bf1f0a2ad2b6aa" providerId="LiveId" clId="{CA9998E5-5CA2-4F20-A28D-73399079BE17}" dt="2025-01-21T00:56:44.623" v="5291" actId="20577"/>
           <ac:spMkLst>
             <pc:docMk/>
             <pc:sldMk cId="830217502" sldId="305"/>
@@ -1328,13 +1328,13 @@
         </pc:picChg>
       </pc:sldChg>
       <pc:sldChg chg="addSp delSp modSp add mod">
-        <pc:chgData name="Daniela Meneghello" userId="73bf1f0a2ad2b6aa" providerId="LiveId" clId="{CA9998E5-5CA2-4F20-A28D-73399079BE17}" dt="2025-01-19T19:57:54.112" v="3644" actId="255"/>
+        <pc:chgData name="Daniela Meneghello" userId="73bf1f0a2ad2b6aa" providerId="LiveId" clId="{CA9998E5-5CA2-4F20-A28D-73399079BE17}" dt="2025-01-21T00:54:46.762" v="5260" actId="20577"/>
         <pc:sldMkLst>
           <pc:docMk/>
           <pc:sldMk cId="511162897" sldId="308"/>
         </pc:sldMkLst>
         <pc:spChg chg="mod">
-          <ac:chgData name="Daniela Meneghello" userId="73bf1f0a2ad2b6aa" providerId="LiveId" clId="{CA9998E5-5CA2-4F20-A28D-73399079BE17}" dt="2025-01-19T19:57:54.112" v="3644" actId="255"/>
+          <ac:chgData name="Daniela Meneghello" userId="73bf1f0a2ad2b6aa" providerId="LiveId" clId="{CA9998E5-5CA2-4F20-A28D-73399079BE17}" dt="2025-01-21T00:54:46.762" v="5260" actId="20577"/>
           <ac:spMkLst>
             <pc:docMk/>
             <pc:sldMk cId="511162897" sldId="308"/>
@@ -1474,13 +1474,13 @@
         </pc:sldMkLst>
       </pc:sldChg>
       <pc:sldChg chg="addSp modSp add mod">
-        <pc:chgData name="Daniela Meneghello" userId="73bf1f0a2ad2b6aa" providerId="LiveId" clId="{CA9998E5-5CA2-4F20-A28D-73399079BE17}" dt="2025-01-21T00:33:22.915" v="4697" actId="1076"/>
+        <pc:chgData name="Daniela Meneghello" userId="73bf1f0a2ad2b6aa" providerId="LiveId" clId="{CA9998E5-5CA2-4F20-A28D-73399079BE17}" dt="2025-01-21T00:57:33.747" v="5301" actId="20577"/>
         <pc:sldMkLst>
           <pc:docMk/>
           <pc:sldMk cId="2528375167" sldId="313"/>
         </pc:sldMkLst>
         <pc:spChg chg="mod">
-          <ac:chgData name="Daniela Meneghello" userId="73bf1f0a2ad2b6aa" providerId="LiveId" clId="{CA9998E5-5CA2-4F20-A28D-73399079BE17}" dt="2025-01-21T00:33:16.385" v="4696" actId="255"/>
+          <ac:chgData name="Daniela Meneghello" userId="73bf1f0a2ad2b6aa" providerId="LiveId" clId="{CA9998E5-5CA2-4F20-A28D-73399079BE17}" dt="2025-01-21T00:57:33.747" v="5301" actId="20577"/>
           <ac:spMkLst>
             <pc:docMk/>
             <pc:sldMk cId="2528375167" sldId="313"/>
@@ -1520,13 +1520,13 @@
         </pc:graphicFrameChg>
       </pc:sldChg>
       <pc:sldChg chg="modSp add mod">
-        <pc:chgData name="Daniela Meneghello" userId="73bf1f0a2ad2b6aa" providerId="LiveId" clId="{CA9998E5-5CA2-4F20-A28D-73399079BE17}" dt="2025-01-21T00:46:11.116" v="5258" actId="113"/>
+        <pc:chgData name="Daniela Meneghello" userId="73bf1f0a2ad2b6aa" providerId="LiveId" clId="{CA9998E5-5CA2-4F20-A28D-73399079BE17}" dt="2025-01-21T00:58:48.549" v="5302" actId="20577"/>
         <pc:sldMkLst>
           <pc:docMk/>
           <pc:sldMk cId="2473973159" sldId="315"/>
         </pc:sldMkLst>
         <pc:spChg chg="mod">
-          <ac:chgData name="Daniela Meneghello" userId="73bf1f0a2ad2b6aa" providerId="LiveId" clId="{CA9998E5-5CA2-4F20-A28D-73399079BE17}" dt="2025-01-21T00:46:11.116" v="5258" actId="113"/>
+          <ac:chgData name="Daniela Meneghello" userId="73bf1f0a2ad2b6aa" providerId="LiveId" clId="{CA9998E5-5CA2-4F20-A28D-73399079BE17}" dt="2025-01-21T00:58:48.549" v="5302" actId="20577"/>
           <ac:spMkLst>
             <pc:docMk/>
             <pc:sldMk cId="2473973159" sldId="315"/>
@@ -7428,7 +7428,7 @@
           <a:p>
             <a:r>
               <a:rPr lang="pt-BR" sz="2200" dirty="0"/>
-              <a:t>Aplicamos o  método da Diferenciação de Primeira Ordem e novamente o teste ADF tendo o resultado de que a série é estacionária:</a:t>
+              <a:t>Aplicamos o  método da Diferenciação de Primeira Ordem e novamente o teste ADF obtendo o resultado de que a série é estacionária:</a:t>
             </a:r>
           </a:p>
         </p:txBody>
@@ -8298,7 +8298,7 @@
           <a:p>
             <a:r>
               <a:rPr lang="pt-BR" sz="2200" dirty="0"/>
-              <a:t>Realizamos a previsão dos próximos 15 dias, utilizando o período de treino de entre 17 e 31 de dezembro de 2024 dias para o modelo:</a:t>
+              <a:t>Realizamos a previsão dos 15 primeiros dias de 2024, utilizando o período de treino  entre 17 e 31 de dezembro de 2024  para o modelo:</a:t>
             </a:r>
           </a:p>
         </p:txBody>
@@ -8522,7 +8522,7 @@
           <a:p>
             <a:r>
               <a:rPr lang="pt-BR" sz="2200" dirty="0"/>
-              <a:t> Realizando uma comparação entre os modelos, temos os seguintes resultados:</a:t>
+              <a:t> Realizando uma comparação entre os modelos, observamos os seguintes resultados:</a:t>
             </a:r>
           </a:p>
           <a:p>
@@ -9798,7 +9798,15 @@
             </a:r>
             <a:r>
               <a:rPr lang="pt-BR" sz="2400" dirty="0"/>
-              <a:t>é o mais equilibrado e confiável no geral, sendo a melhor opção para a maioria dos cenários, uma vez que combina, baixos erros e maior consistência dos resultados. </a:t>
+              <a:t>é o mais equilibrado e confiável no geral, sendo a melhor opção para a maioria dos cenários, uma vez </a:t>
+            </a:r>
+            <a:r>
+              <a:rPr lang="pt-BR" sz="2400"/>
+              <a:t>que combina </a:t>
+            </a:r>
+            <a:r>
+              <a:rPr lang="pt-BR" sz="2400" dirty="0"/>
+              <a:t>baixos erros e maior consistência dos resultados. </a:t>
             </a:r>
             <a:br>
               <a:rPr lang="pt-BR" sz="2400" dirty="0"/>

--- a/Tech Challenge 2.pptx
+++ b/Tech Challenge 2.pptx
@@ -1621,7 +1621,7 @@
           <a:p>
             <a:fld id="{AC850299-B4C0-4C6B-8A04-7B521BF48FD3}" type="datetimeFigureOut">
               <a:rPr lang="pt-BR" smtClean="0"/>
-              <a:t>20/01/2025</a:t>
+              <a:t>21/01/2025</a:t>
             </a:fld>
             <a:endParaRPr lang="pt-BR"/>
           </a:p>
@@ -3175,7 +3175,7 @@
           <a:p>
             <a:fld id="{EFE62247-E43E-4986-AB07-454F481901DA}" type="datetimeFigureOut">
               <a:rPr lang="pt-BR" smtClean="0"/>
-              <a:t>20/01/2025</a:t>
+              <a:t>21/01/2025</a:t>
             </a:fld>
             <a:endParaRPr lang="pt-BR"/>
           </a:p>
@@ -3373,7 +3373,7 @@
           <a:p>
             <a:fld id="{EFE62247-E43E-4986-AB07-454F481901DA}" type="datetimeFigureOut">
               <a:rPr lang="pt-BR" smtClean="0"/>
-              <a:t>20/01/2025</a:t>
+              <a:t>21/01/2025</a:t>
             </a:fld>
             <a:endParaRPr lang="pt-BR"/>
           </a:p>
@@ -3581,7 +3581,7 @@
           <a:p>
             <a:fld id="{EFE62247-E43E-4986-AB07-454F481901DA}" type="datetimeFigureOut">
               <a:rPr lang="pt-BR" smtClean="0"/>
-              <a:t>20/01/2025</a:t>
+              <a:t>21/01/2025</a:t>
             </a:fld>
             <a:endParaRPr lang="pt-BR"/>
           </a:p>
@@ -3779,7 +3779,7 @@
           <a:p>
             <a:fld id="{EFE62247-E43E-4986-AB07-454F481901DA}" type="datetimeFigureOut">
               <a:rPr lang="pt-BR" smtClean="0"/>
-              <a:t>20/01/2025</a:t>
+              <a:t>21/01/2025</a:t>
             </a:fld>
             <a:endParaRPr lang="pt-BR"/>
           </a:p>
@@ -4054,7 +4054,7 @@
           <a:p>
             <a:fld id="{EFE62247-E43E-4986-AB07-454F481901DA}" type="datetimeFigureOut">
               <a:rPr lang="pt-BR" smtClean="0"/>
-              <a:t>20/01/2025</a:t>
+              <a:t>21/01/2025</a:t>
             </a:fld>
             <a:endParaRPr lang="pt-BR"/>
           </a:p>
@@ -4319,7 +4319,7 @@
           <a:p>
             <a:fld id="{EFE62247-E43E-4986-AB07-454F481901DA}" type="datetimeFigureOut">
               <a:rPr lang="pt-BR" smtClean="0"/>
-              <a:t>20/01/2025</a:t>
+              <a:t>21/01/2025</a:t>
             </a:fld>
             <a:endParaRPr lang="pt-BR"/>
           </a:p>
@@ -4731,7 +4731,7 @@
           <a:p>
             <a:fld id="{EFE62247-E43E-4986-AB07-454F481901DA}" type="datetimeFigureOut">
               <a:rPr lang="pt-BR" smtClean="0"/>
-              <a:t>20/01/2025</a:t>
+              <a:t>21/01/2025</a:t>
             </a:fld>
             <a:endParaRPr lang="pt-BR"/>
           </a:p>
@@ -4872,7 +4872,7 @@
           <a:p>
             <a:fld id="{EFE62247-E43E-4986-AB07-454F481901DA}" type="datetimeFigureOut">
               <a:rPr lang="pt-BR" smtClean="0"/>
-              <a:t>20/01/2025</a:t>
+              <a:t>21/01/2025</a:t>
             </a:fld>
             <a:endParaRPr lang="pt-BR"/>
           </a:p>
@@ -4985,7 +4985,7 @@
           <a:p>
             <a:fld id="{EFE62247-E43E-4986-AB07-454F481901DA}" type="datetimeFigureOut">
               <a:rPr lang="pt-BR" smtClean="0"/>
-              <a:t>20/01/2025</a:t>
+              <a:t>21/01/2025</a:t>
             </a:fld>
             <a:endParaRPr lang="pt-BR"/>
           </a:p>
@@ -5296,7 +5296,7 @@
           <a:p>
             <a:fld id="{EFE62247-E43E-4986-AB07-454F481901DA}" type="datetimeFigureOut">
               <a:rPr lang="pt-BR" smtClean="0"/>
-              <a:t>20/01/2025</a:t>
+              <a:t>21/01/2025</a:t>
             </a:fld>
             <a:endParaRPr lang="pt-BR"/>
           </a:p>
@@ -5584,7 +5584,7 @@
           <a:p>
             <a:fld id="{EFE62247-E43E-4986-AB07-454F481901DA}" type="datetimeFigureOut">
               <a:rPr lang="pt-BR" smtClean="0"/>
-              <a:t>20/01/2025</a:t>
+              <a:t>21/01/2025</a:t>
             </a:fld>
             <a:endParaRPr lang="pt-BR"/>
           </a:p>
@@ -5825,7 +5825,7 @@
           <a:p>
             <a:fld id="{EFE62247-E43E-4986-AB07-454F481901DA}" type="datetimeFigureOut">
               <a:rPr lang="pt-BR" smtClean="0"/>
-              <a:t>20/01/2025</a:t>
+              <a:t>21/01/2025</a:t>
             </a:fld>
             <a:endParaRPr lang="pt-BR"/>
           </a:p>
@@ -8233,82 +8233,12 @@
           <a:chExt cx="0" cy="0"/>
         </a:xfrm>
       </p:grpSpPr>
-      <p:sp>
-        <p:nvSpPr>
-          <p:cNvPr id="4" name="Título 3">
-            <a:extLst>
-              <a:ext uri="{FF2B5EF4-FFF2-40B4-BE49-F238E27FC236}">
-                <a16:creationId xmlns:a16="http://schemas.microsoft.com/office/drawing/2014/main" id="{B022DCE3-97BF-3BD5-DD5C-A63BC5E9BDD6}"/>
-              </a:ext>
-            </a:extLst>
-          </p:cNvPr>
-          <p:cNvSpPr>
-            <a:spLocks noGrp="1"/>
-          </p:cNvSpPr>
-          <p:nvPr>
-            <p:ph type="title"/>
-          </p:nvPr>
-        </p:nvSpPr>
-        <p:spPr/>
-        <p:txBody>
-          <a:bodyPr/>
-          <a:lstStyle/>
-          <a:p>
-            <a:pPr marL="742950" indent="-742950">
-              <a:buFont typeface="+mj-lt"/>
-              <a:buAutoNum type="arabicPeriod" startAt="4"/>
-            </a:pPr>
-            <a:r>
-              <a:rPr lang="pt-BR" dirty="0"/>
-              <a:t>Modelos  </a:t>
-            </a:r>
-            <a:br>
-              <a:rPr lang="pt-BR" dirty="0"/>
-            </a:br>
-            <a:r>
-              <a:rPr lang="pt-BR" sz="2400" dirty="0" err="1"/>
-              <a:t>Prophet</a:t>
-            </a:r>
-            <a:endParaRPr lang="pt-BR" sz="2400" dirty="0"/>
-          </a:p>
-        </p:txBody>
-      </p:sp>
-      <p:sp>
-        <p:nvSpPr>
-          <p:cNvPr id="5" name="Espaço Reservado para Conteúdo 4">
-            <a:extLst>
-              <a:ext uri="{FF2B5EF4-FFF2-40B4-BE49-F238E27FC236}">
-                <a16:creationId xmlns:a16="http://schemas.microsoft.com/office/drawing/2014/main" id="{ADFB1496-0F07-BE31-7327-FD1A09ADE495}"/>
-              </a:ext>
-            </a:extLst>
-          </p:cNvPr>
-          <p:cNvSpPr>
-            <a:spLocks noGrp="1"/>
-          </p:cNvSpPr>
-          <p:nvPr>
-            <p:ph idx="1"/>
-          </p:nvPr>
-        </p:nvSpPr>
-        <p:spPr/>
-        <p:txBody>
-          <a:bodyPr>
-            <a:normAutofit/>
-          </a:bodyPr>
-          <a:lstStyle/>
-          <a:p>
-            <a:r>
-              <a:rPr lang="pt-BR" sz="2200" dirty="0"/>
-              <a:t>Realizamos a previsão dos 15 primeiros dias de 2024, utilizando o período de treino  entre 17 e 31 de dezembro de 2024  para o modelo:</a:t>
-            </a:r>
-          </a:p>
-        </p:txBody>
-      </p:sp>
       <p:pic>
         <p:nvPicPr>
-          <p:cNvPr id="3" name="Imagem 2">
-            <a:extLst>
-              <a:ext uri="{FF2B5EF4-FFF2-40B4-BE49-F238E27FC236}">
-                <a16:creationId xmlns:a16="http://schemas.microsoft.com/office/drawing/2014/main" id="{57517C44-8181-3C6A-9B63-050841A4F4AC}"/>
+          <p:cNvPr id="9" name="Imagem 8">
+            <a:extLst>
+              <a:ext uri="{FF2B5EF4-FFF2-40B4-BE49-F238E27FC236}">
+                <a16:creationId xmlns:a16="http://schemas.microsoft.com/office/drawing/2014/main" id="{C29000FC-7D21-912F-1508-9E2E2E04DB99}"/>
               </a:ext>
             </a:extLst>
           </p:cNvPr>
@@ -8325,8 +8255,8 @@
         </p:blipFill>
         <p:spPr>
           <a:xfrm>
-            <a:off x="1058333" y="2607043"/>
-            <a:ext cx="7535333" cy="3885832"/>
+            <a:off x="8813799" y="3803134"/>
+            <a:ext cx="3071126" cy="746825"/>
           </a:xfrm>
           <a:prstGeom prst="rect">
             <a:avLst/>
@@ -8335,10 +8265,10 @@
       </p:pic>
       <p:pic>
         <p:nvPicPr>
-          <p:cNvPr id="7" name="Imagem 6">
-            <a:extLst>
-              <a:ext uri="{FF2B5EF4-FFF2-40B4-BE49-F238E27FC236}">
-                <a16:creationId xmlns:a16="http://schemas.microsoft.com/office/drawing/2014/main" id="{A14EFA29-82CE-E1DF-0E1B-31F69DB560D5}"/>
+          <p:cNvPr id="6" name="Imagem 5">
+            <a:extLst>
+              <a:ext uri="{FF2B5EF4-FFF2-40B4-BE49-F238E27FC236}">
+                <a16:creationId xmlns:a16="http://schemas.microsoft.com/office/drawing/2014/main" id="{0C38C6F0-AF7E-EF48-FF3A-2DDDBE3CB87C}"/>
               </a:ext>
             </a:extLst>
           </p:cNvPr>
@@ -8355,14 +8285,84 @@
         </p:blipFill>
         <p:spPr>
           <a:xfrm>
-            <a:off x="8813799" y="3798461"/>
-            <a:ext cx="3105679" cy="751498"/>
+            <a:off x="1058333" y="2607044"/>
+            <a:ext cx="7444434" cy="3885831"/>
           </a:xfrm>
           <a:prstGeom prst="rect">
             <a:avLst/>
           </a:prstGeom>
         </p:spPr>
       </p:pic>
+      <p:sp>
+        <p:nvSpPr>
+          <p:cNvPr id="4" name="Título 3">
+            <a:extLst>
+              <a:ext uri="{FF2B5EF4-FFF2-40B4-BE49-F238E27FC236}">
+                <a16:creationId xmlns:a16="http://schemas.microsoft.com/office/drawing/2014/main" id="{B022DCE3-97BF-3BD5-DD5C-A63BC5E9BDD6}"/>
+              </a:ext>
+            </a:extLst>
+          </p:cNvPr>
+          <p:cNvSpPr>
+            <a:spLocks noGrp="1"/>
+          </p:cNvSpPr>
+          <p:nvPr>
+            <p:ph type="title"/>
+          </p:nvPr>
+        </p:nvSpPr>
+        <p:spPr/>
+        <p:txBody>
+          <a:bodyPr/>
+          <a:lstStyle/>
+          <a:p>
+            <a:pPr marL="742950" indent="-742950">
+              <a:buFont typeface="+mj-lt"/>
+              <a:buAutoNum type="arabicPeriod" startAt="4"/>
+            </a:pPr>
+            <a:r>
+              <a:rPr lang="pt-BR" dirty="0"/>
+              <a:t>Modelos  </a:t>
+            </a:r>
+            <a:br>
+              <a:rPr lang="pt-BR" dirty="0"/>
+            </a:br>
+            <a:r>
+              <a:rPr lang="pt-BR" sz="2400" dirty="0" err="1"/>
+              <a:t>Prophet</a:t>
+            </a:r>
+            <a:endParaRPr lang="pt-BR" sz="2400" dirty="0"/>
+          </a:p>
+        </p:txBody>
+      </p:sp>
+      <p:sp>
+        <p:nvSpPr>
+          <p:cNvPr id="5" name="Espaço Reservado para Conteúdo 4">
+            <a:extLst>
+              <a:ext uri="{FF2B5EF4-FFF2-40B4-BE49-F238E27FC236}">
+                <a16:creationId xmlns:a16="http://schemas.microsoft.com/office/drawing/2014/main" id="{ADFB1496-0F07-BE31-7327-FD1A09ADE495}"/>
+              </a:ext>
+            </a:extLst>
+          </p:cNvPr>
+          <p:cNvSpPr>
+            <a:spLocks noGrp="1"/>
+          </p:cNvSpPr>
+          <p:nvPr>
+            <p:ph idx="1"/>
+          </p:nvPr>
+        </p:nvSpPr>
+        <p:spPr/>
+        <p:txBody>
+          <a:bodyPr>
+            <a:normAutofit/>
+          </a:bodyPr>
+          <a:lstStyle/>
+          <a:p>
+            <a:r>
+              <a:rPr lang="pt-BR" sz="2200" dirty="0"/>
+              <a:t>Realizamos a previsão dos 15 primeiros dias de 2024, utilizando o período de treino  entre 01 e 15 de janeiro de 2024  para o modelo:</a:t>
+            </a:r>
+          </a:p>
+        </p:txBody>
+      </p:sp>
     </p:spTree>
     <p:extLst>
       <p:ext uri="{BB962C8B-B14F-4D97-AF65-F5344CB8AC3E}">
@@ -8545,14 +8545,14 @@
           <p:nvPr>
             <p:extLst>
               <p:ext uri="{D42A27DB-BD31-4B8C-83A1-F6EECF244321}">
-                <p14:modId xmlns:p14="http://schemas.microsoft.com/office/powerpoint/2010/main" val="1439703915"/>
+                <p14:modId xmlns:p14="http://schemas.microsoft.com/office/powerpoint/2010/main" val="4237777347"/>
               </p:ext>
             </p:extLst>
           </p:nvPr>
         </p:nvGraphicFramePr>
         <p:xfrm>
           <a:off x="2186820" y="3294742"/>
-          <a:ext cx="7818360" cy="2591232"/>
+          <a:ext cx="7818360" cy="2221056"/>
         </p:xfrm>
         <a:graphic>
           <a:graphicData uri="http://schemas.openxmlformats.org/drawingml/2006/table">
@@ -8715,7 +8715,7 @@
                       <a:pPr algn="ctr"/>
                       <a:r>
                         <a:rPr lang="pt-BR" dirty="0"/>
-                        <a:t>23.943</a:t>
+                        <a:t>23.94</a:t>
                       </a:r>
                       <a:endParaRPr lang="pt-BR" dirty="0">
                         <a:latin typeface="+mn-lt"/>
@@ -8732,7 +8732,7 @@
                       <a:pPr algn="ctr"/>
                       <a:r>
                         <a:rPr lang="pt-BR" dirty="0"/>
-                        <a:t>15.126</a:t>
+                        <a:t>15.12</a:t>
                       </a:r>
                       <a:endParaRPr lang="pt-BR" dirty="0">
                         <a:latin typeface="+mn-lt"/>
@@ -8765,12 +8765,11 @@
                     <a:p>
                       <a:pPr algn="ctr"/>
                       <a:r>
-                        <a:rPr lang="pt-BR" dirty="0"/>
-                        <a:t>21.593</a:t>
+                        <a:rPr lang="pt-BR" dirty="0">
+                          <a:latin typeface="+mn-lt"/>
+                        </a:rPr>
+                        <a:t>10.50</a:t>
                       </a:r>
-                      <a:endParaRPr lang="pt-BR" dirty="0">
-                        <a:latin typeface="+mn-lt"/>
-                      </a:endParaRPr>
                     </a:p>
                   </a:txBody>
                   <a:tcPr/>
@@ -8807,7 +8806,7 @@
                       <a:pPr algn="ctr"/>
                       <a:r>
                         <a:rPr lang="pt-BR" dirty="0"/>
-                        <a:t>25.671</a:t>
+                        <a:t>25.67</a:t>
                       </a:r>
                       <a:endParaRPr lang="pt-BR" dirty="0">
                         <a:latin typeface="+mn-lt"/>
@@ -8824,7 +8823,7 @@
                       <a:pPr algn="ctr"/>
                       <a:r>
                         <a:rPr lang="pt-BR" dirty="0"/>
-                        <a:t>17.313</a:t>
+                        <a:t>17.31</a:t>
                       </a:r>
                       <a:endParaRPr lang="pt-BR" dirty="0">
                         <a:latin typeface="+mn-lt"/>
@@ -8858,7 +8857,7 @@
                       <a:pPr algn="ctr"/>
                       <a:r>
                         <a:rPr lang="pt-BR" dirty="0"/>
-                        <a:t>23.195</a:t>
+                        <a:t>11.06</a:t>
                       </a:r>
                       <a:endParaRPr lang="pt-BR" dirty="0">
                         <a:latin typeface="+mn-lt"/>
@@ -8950,7 +8949,7 @@
                       <a:pPr algn="ctr"/>
                       <a:r>
                         <a:rPr lang="pt-BR" dirty="0"/>
-                        <a:t>0.02%</a:t>
+                        <a:t>0.08%</a:t>
                       </a:r>
                       <a:endParaRPr lang="pt-BR" dirty="0">
                         <a:latin typeface="+mn-lt"/>
@@ -9042,7 +9041,7 @@
                       <a:pPr algn="ctr"/>
                       <a:r>
                         <a:rPr lang="pt-BR" dirty="0"/>
-                        <a:t>1.78%</a:t>
+                        <a:t>0.08%</a:t>
                       </a:r>
                       <a:endParaRPr lang="pt-BR" dirty="0">
                         <a:latin typeface="+mn-lt"/>
@@ -9083,7 +9082,7 @@
                       <a:pPr algn="ctr"/>
                       <a:r>
                         <a:rPr lang="pt-BR" dirty="0"/>
-                        <a:t>65.899</a:t>
+                        <a:t>65.89</a:t>
                       </a:r>
                       <a:endParaRPr lang="pt-BR" dirty="0">
                         <a:latin typeface="+mn-lt"/>
@@ -9100,7 +9099,7 @@
                       <a:pPr algn="ctr"/>
                       <a:r>
                         <a:rPr lang="pt-BR" dirty="0"/>
-                        <a:t>29.973</a:t>
+                        <a:t>29.97</a:t>
                       </a:r>
                       <a:endParaRPr lang="pt-BR" dirty="0">
                         <a:latin typeface="+mn-lt"/>
@@ -9134,7 +9133,7 @@
                       <a:pPr algn="ctr"/>
                       <a:r>
                         <a:rPr lang="pt-BR" dirty="0"/>
-                        <a:t>53.802</a:t>
+                        <a:t>122.47</a:t>
                       </a:r>
                       <a:endParaRPr lang="pt-BR" dirty="0">
                         <a:latin typeface="+mn-lt"/>
@@ -9146,102 +9145,6 @@
                 <a:extLst>
                   <a:ext uri="{0D108BD9-81ED-4DB2-BD59-A6C34878D82A}">
                     <a16:rowId xmlns:a16="http://schemas.microsoft.com/office/drawing/2014/main" val="2593038353"/>
-                  </a:ext>
-                </a:extLst>
-              </a:tr>
-              <a:tr h="370176">
-                <a:tc>
-                  <a:txBody>
-                    <a:bodyPr/>
-                    <a:lstStyle/>
-                    <a:p>
-                      <a:pPr algn="ctr"/>
-                      <a:r>
-                        <a:rPr lang="pt-BR" dirty="0"/>
-                        <a:t>R</a:t>
-                      </a:r>
-                      <a:r>
-                        <a:rPr lang="pt-BR" baseline="30000" dirty="0"/>
-                        <a:t>2</a:t>
-                      </a:r>
-                      <a:endParaRPr lang="pt-BR" baseline="30000" dirty="0">
-                        <a:latin typeface="+mn-lt"/>
-                      </a:endParaRPr>
-                    </a:p>
-                  </a:txBody>
-                  <a:tcPr/>
-                </a:tc>
-                <a:tc>
-                  <a:txBody>
-                    <a:bodyPr/>
-                    <a:lstStyle/>
-                    <a:p>
-                      <a:pPr algn="ctr"/>
-                      <a:r>
-                        <a:rPr lang="pt-BR" dirty="0"/>
-                        <a:t>-66.881</a:t>
-                      </a:r>
-                      <a:endParaRPr lang="pt-BR" dirty="0">
-                        <a:latin typeface="+mn-lt"/>
-                      </a:endParaRPr>
-                    </a:p>
-                  </a:txBody>
-                  <a:tcPr/>
-                </a:tc>
-                <a:tc>
-                  <a:txBody>
-                    <a:bodyPr/>
-                    <a:lstStyle/>
-                    <a:p>
-                      <a:pPr algn="ctr"/>
-                      <a:r>
-                        <a:rPr lang="pt-BR" dirty="0"/>
-                        <a:t>-24.967</a:t>
-                      </a:r>
-                      <a:endParaRPr lang="pt-BR" dirty="0">
-                        <a:latin typeface="+mn-lt"/>
-                      </a:endParaRPr>
-                    </a:p>
-                  </a:txBody>
-                  <a:tcPr/>
-                </a:tc>
-                <a:tc>
-                  <a:txBody>
-                    <a:bodyPr/>
-                    <a:lstStyle/>
-                    <a:p>
-                      <a:pPr algn="ctr"/>
-                      <a:r>
-                        <a:rPr lang="pt-BR" dirty="0"/>
-                        <a:t>-202.390.086</a:t>
-                      </a:r>
-                      <a:endParaRPr lang="pt-BR" dirty="0">
-                        <a:latin typeface="+mn-lt"/>
-                      </a:endParaRPr>
-                    </a:p>
-                  </a:txBody>
-                  <a:tcPr/>
-                </a:tc>
-                <a:tc>
-                  <a:txBody>
-                    <a:bodyPr/>
-                    <a:lstStyle/>
-                    <a:p>
-                      <a:pPr algn="ctr"/>
-                      <a:r>
-                        <a:rPr lang="pt-BR" dirty="0"/>
-                        <a:t>-23.836</a:t>
-                      </a:r>
-                      <a:endParaRPr lang="pt-BR" dirty="0">
-                        <a:latin typeface="+mn-lt"/>
-                      </a:endParaRPr>
-                    </a:p>
-                  </a:txBody>
-                  <a:tcPr/>
-                </a:tc>
-                <a:extLst>
-                  <a:ext uri="{0D108BD9-81ED-4DB2-BD59-A6C34878D82A}">
-                    <a16:rowId xmlns:a16="http://schemas.microsoft.com/office/drawing/2014/main" val="2015986597"/>
                   </a:ext>
                 </a:extLst>
               </a:tr>
@@ -9400,10 +9303,7 @@
             <a:br>
               <a:rPr lang="pt-BR" sz="1800" dirty="0"/>
             </a:br>
-            <a:r>
-              <a:rPr lang="pt-BR" sz="1800" dirty="0"/>
-              <a:t>Apesar de o R² ser negativo (-2.4967), esse modelo ainda apresenta um desempenho superior ao dos outros.</a:t>
-            </a:r>
+            <a:endParaRPr lang="pt-BR" sz="1800" dirty="0"/>
           </a:p>
           <a:p>
             <a:pPr lvl="1"/>
@@ -9425,7 +9325,7 @@
             </a:r>
             <a:r>
               <a:rPr lang="pt-BR" sz="1800" dirty="0"/>
-              <a:t>chamou a atenção pelo menor MAPE (0.02%), mas seu desempenho geral em outras métricas, como MAE, RMSE e R², ficou atrás, tornando-o menos confiável como uma escolha principal, tornando –o uma escolha secundária.</a:t>
+              <a:t>chamou a atenção pelo menor MAPE (0.08%), mas seu desempenho geral em outras métricas, como MAE, RMSE, ficou atrás, tornando-o menos confiável como uma escolha principal, tornando –o uma escolha secundária.</a:t>
             </a:r>
           </a:p>
           <a:p>

--- a/Tech Challenge 2.pptx
+++ b/Tech Challenge 2.pptx
@@ -334,7 +334,7 @@
   <pc:docChgLst>
     <pc:chgData name="Daniela Meneghello" userId="73bf1f0a2ad2b6aa" providerId="LiveId" clId="{CA9998E5-5CA2-4F20-A28D-73399079BE17}"/>
     <pc:docChg chg="undo custSel addSld delSld modSld sldOrd">
-      <pc:chgData name="Daniela Meneghello" userId="73bf1f0a2ad2b6aa" providerId="LiveId" clId="{CA9998E5-5CA2-4F20-A28D-73399079BE17}" dt="2025-01-21T00:58:48.549" v="5302" actId="20577"/>
+      <pc:chgData name="Daniela Meneghello" userId="73bf1f0a2ad2b6aa" providerId="LiveId" clId="{CA9998E5-5CA2-4F20-A28D-73399079BE17}" dt="2025-01-21T22:35:45.930" v="5303" actId="732"/>
       <pc:docMkLst>
         <pc:docMk/>
       </pc:docMkLst>
@@ -1397,7 +1397,7 @@
         </pc:picChg>
       </pc:sldChg>
       <pc:sldChg chg="addSp delSp modSp add mod">
-        <pc:chgData name="Daniela Meneghello" userId="73bf1f0a2ad2b6aa" providerId="LiveId" clId="{CA9998E5-5CA2-4F20-A28D-73399079BE17}" dt="2025-01-21T00:06:05.356" v="4111"/>
+        <pc:chgData name="Daniela Meneghello" userId="73bf1f0a2ad2b6aa" providerId="LiveId" clId="{CA9998E5-5CA2-4F20-A28D-73399079BE17}" dt="2025-01-21T22:35:45.930" v="5303" actId="732"/>
         <pc:sldMkLst>
           <pc:docMk/>
           <pc:sldMk cId="465831727" sldId="311"/>
@@ -1426,8 +1426,8 @@
             <ac:picMk id="8" creationId="{9031913B-570A-6C5D-D659-BD8455E301E0}"/>
           </ac:picMkLst>
         </pc:picChg>
-        <pc:picChg chg="add del mod">
-          <ac:chgData name="Daniela Meneghello" userId="73bf1f0a2ad2b6aa" providerId="LiveId" clId="{CA9998E5-5CA2-4F20-A28D-73399079BE17}" dt="2025-01-21T00:01:08.178" v="3951" actId="1076"/>
+        <pc:picChg chg="add del mod modCrop">
+          <ac:chgData name="Daniela Meneghello" userId="73bf1f0a2ad2b6aa" providerId="LiveId" clId="{CA9998E5-5CA2-4F20-A28D-73399079BE17}" dt="2025-01-21T22:35:45.930" v="5303" actId="732"/>
           <ac:picMkLst>
             <pc:docMk/>
             <pc:sldMk cId="465831727" sldId="311"/>
@@ -8169,14 +8169,13 @@
         </p:nvPicPr>
         <p:blipFill>
           <a:blip r:embed="rId5"/>
-          <a:stretch>
-            <a:fillRect/>
-          </a:stretch>
+          <a:srcRect b="28678"/>
+          <a:stretch/>
         </p:blipFill>
         <p:spPr>
           <a:xfrm>
             <a:off x="8743950" y="3652044"/>
-            <a:ext cx="2609850" cy="1028700"/>
+            <a:ext cx="2609850" cy="733689"/>
           </a:xfrm>
           <a:prstGeom prst="rect">
             <a:avLst/>

--- a/Tech Challenge 2.pptx
+++ b/Tech Challenge 2.pptx
@@ -5,7 +5,7 @@
     <p:sldMasterId id="2147483648" r:id="rId1"/>
   </p:sldMasterIdLst>
   <p:notesMasterIdLst>
-    <p:notesMasterId r:id="rId23"/>
+    <p:notesMasterId r:id="rId22"/>
   </p:notesMasterIdLst>
   <p:sldIdLst>
     <p:sldId id="259" r:id="rId2"/>
@@ -24,11 +24,10 @@
     <p:sldId id="312" r:id="rId15"/>
     <p:sldId id="310" r:id="rId16"/>
     <p:sldId id="311" r:id="rId17"/>
-    <p:sldId id="305" r:id="rId18"/>
+    <p:sldId id="316" r:id="rId18"/>
     <p:sldId id="313" r:id="rId19"/>
-    <p:sldId id="314" r:id="rId20"/>
-    <p:sldId id="315" r:id="rId21"/>
-    <p:sldId id="293" r:id="rId22"/>
+    <p:sldId id="315" r:id="rId20"/>
+    <p:sldId id="293" r:id="rId21"/>
   </p:sldIdLst>
   <p:sldSz cx="12192000" cy="6858000"/>
   <p:notesSz cx="6858000" cy="9144000"/>
@@ -138,7 +137,7 @@
 <file path=ppt/revisionInfo.xml><?xml version="1.0" encoding="utf-8"?>
 <p1510:revInfo xmlns:a="http://schemas.openxmlformats.org/drawingml/2006/main" xmlns:r="http://schemas.openxmlformats.org/officeDocument/2006/relationships" xmlns:p1510="http://schemas.microsoft.com/office/powerpoint/2015/10/main">
   <p1510:revLst>
-    <p1510:client id="{CA9998E5-5CA2-4F20-A28D-73399079BE17}" v="43" dt="2025-01-19T18:43:02.871"/>
+    <p1510:client id="{CA9998E5-5CA2-4F20-A28D-73399079BE17}" v="71" dt="2025-01-21T23:58:14.364"/>
   </p1510:revLst>
 </p1510:revInfo>
 </file>
@@ -334,7 +333,7 @@
   <pc:docChgLst>
     <pc:chgData name="Daniela Meneghello" userId="73bf1f0a2ad2b6aa" providerId="LiveId" clId="{CA9998E5-5CA2-4F20-A28D-73399079BE17}"/>
     <pc:docChg chg="undo custSel addSld delSld modSld sldOrd">
-      <pc:chgData name="Daniela Meneghello" userId="73bf1f0a2ad2b6aa" providerId="LiveId" clId="{CA9998E5-5CA2-4F20-A28D-73399079BE17}" dt="2025-01-21T22:35:45.930" v="5303" actId="732"/>
+      <pc:chgData name="Daniela Meneghello" userId="73bf1f0a2ad2b6aa" providerId="LiveId" clId="{CA9998E5-5CA2-4F20-A28D-73399079BE17}" dt="2025-01-22T00:18:18.972" v="5709" actId="20577"/>
       <pc:docMkLst>
         <pc:docMk/>
       </pc:docMkLst>
@@ -1226,8 +1225,8 @@
           </ac:picMkLst>
         </pc:picChg>
       </pc:sldChg>
-      <pc:sldChg chg="addSp delSp modSp add mod">
-        <pc:chgData name="Daniela Meneghello" userId="73bf1f0a2ad2b6aa" providerId="LiveId" clId="{CA9998E5-5CA2-4F20-A28D-73399079BE17}" dt="2025-01-21T00:56:44.623" v="5291" actId="20577"/>
+      <pc:sldChg chg="addSp delSp modSp add del mod modShow">
+        <pc:chgData name="Daniela Meneghello" userId="73bf1f0a2ad2b6aa" providerId="LiveId" clId="{CA9998E5-5CA2-4F20-A28D-73399079BE17}" dt="2025-01-21T23:22:40.957" v="5315" actId="2696"/>
         <pc:sldMkLst>
           <pc:docMk/>
           <pc:sldMk cId="830217502" sldId="305"/>
@@ -1397,7 +1396,7 @@
         </pc:picChg>
       </pc:sldChg>
       <pc:sldChg chg="addSp delSp modSp add mod">
-        <pc:chgData name="Daniela Meneghello" userId="73bf1f0a2ad2b6aa" providerId="LiveId" clId="{CA9998E5-5CA2-4F20-A28D-73399079BE17}" dt="2025-01-21T22:35:45.930" v="5303" actId="732"/>
+        <pc:chgData name="Daniela Meneghello" userId="73bf1f0a2ad2b6aa" providerId="LiveId" clId="{CA9998E5-5CA2-4F20-A28D-73399079BE17}" dt="2025-01-21T23:30:16.535" v="5318" actId="1076"/>
         <pc:sldMkLst>
           <pc:docMk/>
           <pc:sldMk cId="465831727" sldId="311"/>
@@ -1427,11 +1426,19 @@
           </ac:picMkLst>
         </pc:picChg>
         <pc:picChg chg="add del mod modCrop">
-          <ac:chgData name="Daniela Meneghello" userId="73bf1f0a2ad2b6aa" providerId="LiveId" clId="{CA9998E5-5CA2-4F20-A28D-73399079BE17}" dt="2025-01-21T22:35:45.930" v="5303" actId="732"/>
+          <ac:chgData name="Daniela Meneghello" userId="73bf1f0a2ad2b6aa" providerId="LiveId" clId="{CA9998E5-5CA2-4F20-A28D-73399079BE17}" dt="2025-01-21T23:30:11.225" v="5316" actId="478"/>
           <ac:picMkLst>
             <pc:docMk/>
             <pc:sldMk cId="465831727" sldId="311"/>
             <ac:picMk id="10" creationId="{CC466F88-EBBE-9122-F29E-721CB586C6DA}"/>
+          </ac:picMkLst>
+        </pc:picChg>
+        <pc:picChg chg="add mod">
+          <ac:chgData name="Daniela Meneghello" userId="73bf1f0a2ad2b6aa" providerId="LiveId" clId="{CA9998E5-5CA2-4F20-A28D-73399079BE17}" dt="2025-01-21T23:30:16.535" v="5318" actId="1076"/>
+          <ac:picMkLst>
+            <pc:docMk/>
+            <pc:sldMk cId="465831727" sldId="311"/>
+            <ac:picMk id="2050" creationId="{0F3199E8-1A55-B9F8-E295-7146AE78A02C}"/>
           </ac:picMkLst>
         </pc:picChg>
       </pc:sldChg>
@@ -1473,8 +1480,8 @@
           <pc:sldMk cId="2092737553" sldId="312"/>
         </pc:sldMkLst>
       </pc:sldChg>
-      <pc:sldChg chg="addSp modSp add mod">
-        <pc:chgData name="Daniela Meneghello" userId="73bf1f0a2ad2b6aa" providerId="LiveId" clId="{CA9998E5-5CA2-4F20-A28D-73399079BE17}" dt="2025-01-21T00:57:33.747" v="5301" actId="20577"/>
+      <pc:sldChg chg="addSp delSp modSp add mod">
+        <pc:chgData name="Daniela Meneghello" userId="73bf1f0a2ad2b6aa" providerId="LiveId" clId="{CA9998E5-5CA2-4F20-A28D-73399079BE17}" dt="2025-01-22T00:16:04.932" v="5696" actId="20577"/>
         <pc:sldMkLst>
           <pc:docMk/>
           <pc:sldMk cId="2528375167" sldId="313"/>
@@ -1487,8 +1494,16 @@
             <ac:spMk id="5" creationId="{6BA52494-D67E-527A-B485-AA7465F947EE}"/>
           </ac:spMkLst>
         </pc:spChg>
+        <pc:spChg chg="add del">
+          <ac:chgData name="Daniela Meneghello" userId="73bf1f0a2ad2b6aa" providerId="LiveId" clId="{CA9998E5-5CA2-4F20-A28D-73399079BE17}" dt="2025-01-21T23:51:12.315" v="5334" actId="478"/>
+          <ac:spMkLst>
+            <pc:docMk/>
+            <pc:sldMk cId="2528375167" sldId="313"/>
+            <ac:spMk id="6" creationId="{FA1502D0-BD08-3AD6-45B4-058893E8A32A}"/>
+          </ac:spMkLst>
+        </pc:spChg>
         <pc:graphicFrameChg chg="add mod modGraphic">
-          <ac:chgData name="Daniela Meneghello" userId="73bf1f0a2ad2b6aa" providerId="LiveId" clId="{CA9998E5-5CA2-4F20-A28D-73399079BE17}" dt="2025-01-21T00:33:22.915" v="4697" actId="1076"/>
+          <ac:chgData name="Daniela Meneghello" userId="73bf1f0a2ad2b6aa" providerId="LiveId" clId="{CA9998E5-5CA2-4F20-A28D-73399079BE17}" dt="2025-01-22T00:16:04.932" v="5696" actId="20577"/>
           <ac:graphicFrameMkLst>
             <pc:docMk/>
             <pc:sldMk cId="2528375167" sldId="313"/>
@@ -1496,14 +1511,14 @@
           </ac:graphicFrameMkLst>
         </pc:graphicFrameChg>
       </pc:sldChg>
-      <pc:sldChg chg="delSp modSp add mod">
-        <pc:chgData name="Daniela Meneghello" userId="73bf1f0a2ad2b6aa" providerId="LiveId" clId="{CA9998E5-5CA2-4F20-A28D-73399079BE17}" dt="2025-01-21T00:41:32.034" v="4874" actId="6549"/>
+      <pc:sldChg chg="delSp modSp add del mod">
+        <pc:chgData name="Daniela Meneghello" userId="73bf1f0a2ad2b6aa" providerId="LiveId" clId="{CA9998E5-5CA2-4F20-A28D-73399079BE17}" dt="2025-01-22T00:07:54.770" v="5475" actId="47"/>
         <pc:sldMkLst>
           <pc:docMk/>
           <pc:sldMk cId="3214034833" sldId="314"/>
         </pc:sldMkLst>
         <pc:spChg chg="mod">
-          <ac:chgData name="Daniela Meneghello" userId="73bf1f0a2ad2b6aa" providerId="LiveId" clId="{CA9998E5-5CA2-4F20-A28D-73399079BE17}" dt="2025-01-21T00:41:32.034" v="4874" actId="6549"/>
+          <ac:chgData name="Daniela Meneghello" userId="73bf1f0a2ad2b6aa" providerId="LiveId" clId="{CA9998E5-5CA2-4F20-A28D-73399079BE17}" dt="2025-01-22T00:04:00.570" v="5386" actId="20577"/>
           <ac:spMkLst>
             <pc:docMk/>
             <pc:sldMk cId="3214034833" sldId="314"/>
@@ -1520,19 +1535,74 @@
         </pc:graphicFrameChg>
       </pc:sldChg>
       <pc:sldChg chg="modSp add mod">
-        <pc:chgData name="Daniela Meneghello" userId="73bf1f0a2ad2b6aa" providerId="LiveId" clId="{CA9998E5-5CA2-4F20-A28D-73399079BE17}" dt="2025-01-21T00:58:48.549" v="5302" actId="20577"/>
+        <pc:chgData name="Daniela Meneghello" userId="73bf1f0a2ad2b6aa" providerId="LiveId" clId="{CA9998E5-5CA2-4F20-A28D-73399079BE17}" dt="2025-01-22T00:18:18.972" v="5709" actId="20577"/>
         <pc:sldMkLst>
           <pc:docMk/>
           <pc:sldMk cId="2473973159" sldId="315"/>
         </pc:sldMkLst>
         <pc:spChg chg="mod">
-          <ac:chgData name="Daniela Meneghello" userId="73bf1f0a2ad2b6aa" providerId="LiveId" clId="{CA9998E5-5CA2-4F20-A28D-73399079BE17}" dt="2025-01-21T00:58:48.549" v="5302" actId="20577"/>
+          <ac:chgData name="Daniela Meneghello" userId="73bf1f0a2ad2b6aa" providerId="LiveId" clId="{CA9998E5-5CA2-4F20-A28D-73399079BE17}" dt="2025-01-22T00:18:18.972" v="5709" actId="20577"/>
           <ac:spMkLst>
             <pc:docMk/>
             <pc:sldMk cId="2473973159" sldId="315"/>
             <ac:spMk id="5" creationId="{E8C424AA-A948-D993-3BE1-95D7FA852D87}"/>
           </ac:spMkLst>
         </pc:spChg>
+      </pc:sldChg>
+      <pc:sldChg chg="addSp delSp modSp add mod">
+        <pc:chgData name="Daniela Meneghello" userId="73bf1f0a2ad2b6aa" providerId="LiveId" clId="{CA9998E5-5CA2-4F20-A28D-73399079BE17}" dt="2025-01-21T23:46:04.033" v="5332" actId="1076"/>
+        <pc:sldMkLst>
+          <pc:docMk/>
+          <pc:sldMk cId="1633667206" sldId="316"/>
+        </pc:sldMkLst>
+        <pc:picChg chg="del">
+          <ac:chgData name="Daniela Meneghello" userId="73bf1f0a2ad2b6aa" providerId="LiveId" clId="{CA9998E5-5CA2-4F20-A28D-73399079BE17}" dt="2025-01-21T23:20:59.985" v="5306" actId="478"/>
+          <ac:picMkLst>
+            <pc:docMk/>
+            <pc:sldMk cId="1633667206" sldId="316"/>
+            <ac:picMk id="6" creationId="{38695A32-13C7-5E8B-5B88-E1C4F182618D}"/>
+          </ac:picMkLst>
+        </pc:picChg>
+        <pc:picChg chg="del">
+          <ac:chgData name="Daniela Meneghello" userId="73bf1f0a2ad2b6aa" providerId="LiveId" clId="{CA9998E5-5CA2-4F20-A28D-73399079BE17}" dt="2025-01-21T23:21:02.635" v="5307" actId="478"/>
+          <ac:picMkLst>
+            <pc:docMk/>
+            <pc:sldMk cId="1633667206" sldId="316"/>
+            <ac:picMk id="9" creationId="{470BDF1B-3342-0D3C-B438-B9FDBBB32763}"/>
+          </ac:picMkLst>
+        </pc:picChg>
+        <pc:picChg chg="add del mod">
+          <ac:chgData name="Daniela Meneghello" userId="73bf1f0a2ad2b6aa" providerId="LiveId" clId="{CA9998E5-5CA2-4F20-A28D-73399079BE17}" dt="2025-01-21T23:41:40.855" v="5320" actId="478"/>
+          <ac:picMkLst>
+            <pc:docMk/>
+            <pc:sldMk cId="1633667206" sldId="316"/>
+            <ac:picMk id="1026" creationId="{BE147121-9E25-068B-9941-979501F6F344}"/>
+          </ac:picMkLst>
+        </pc:picChg>
+        <pc:picChg chg="add del mod">
+          <ac:chgData name="Daniela Meneghello" userId="73bf1f0a2ad2b6aa" providerId="LiveId" clId="{CA9998E5-5CA2-4F20-A28D-73399079BE17}" dt="2025-01-21T23:41:14.043" v="5319" actId="478"/>
+          <ac:picMkLst>
+            <pc:docMk/>
+            <pc:sldMk cId="1633667206" sldId="316"/>
+            <ac:picMk id="1028" creationId="{2D4189DB-5715-5B6F-D71C-F23B12113DB6}"/>
+          </ac:picMkLst>
+        </pc:picChg>
+        <pc:picChg chg="add mod">
+          <ac:chgData name="Daniela Meneghello" userId="73bf1f0a2ad2b6aa" providerId="LiveId" clId="{CA9998E5-5CA2-4F20-A28D-73399079BE17}" dt="2025-01-21T23:46:04.033" v="5332" actId="1076"/>
+          <ac:picMkLst>
+            <pc:docMk/>
+            <pc:sldMk cId="1633667206" sldId="316"/>
+            <ac:picMk id="1030" creationId="{34F260A4-7096-35BE-CA83-12FB2E3DAACC}"/>
+          </ac:picMkLst>
+        </pc:picChg>
+        <pc:picChg chg="add mod">
+          <ac:chgData name="Daniela Meneghello" userId="73bf1f0a2ad2b6aa" providerId="LiveId" clId="{CA9998E5-5CA2-4F20-A28D-73399079BE17}" dt="2025-01-21T23:42:36.463" v="5328" actId="1076"/>
+          <ac:picMkLst>
+            <pc:docMk/>
+            <pc:sldMk cId="1633667206" sldId="316"/>
+            <ac:picMk id="1032" creationId="{27CFAE8F-EEAE-A853-AD79-E51EED251532}"/>
+          </ac:picMkLst>
+        </pc:picChg>
       </pc:sldChg>
     </pc:docChg>
   </pc:docChgLst>
@@ -2088,7 +2158,7 @@
         <p:cNvPr id="1" name="">
           <a:extLst>
             <a:ext uri="{FF2B5EF4-FFF2-40B4-BE49-F238E27FC236}">
-              <a16:creationId xmlns:a16="http://schemas.microsoft.com/office/drawing/2014/main" id="{82E22591-BA77-9364-EDF0-06B9D45258C4}"/>
+              <a16:creationId xmlns:a16="http://schemas.microsoft.com/office/drawing/2014/main" id="{55E1D624-0F03-A492-DE3F-1CCC44A5BE0D}"/>
             </a:ext>
           </a:extLst>
         </p:cNvPr>
@@ -2108,7 +2178,7 @@
           <p:cNvPr id="2" name="Espaço Reservado para Imagem de Slide 1">
             <a:extLst>
               <a:ext uri="{FF2B5EF4-FFF2-40B4-BE49-F238E27FC236}">
-                <a16:creationId xmlns:a16="http://schemas.microsoft.com/office/drawing/2014/main" id="{11F37719-7BD3-84AD-CF3D-DEE291A2FC71}"/>
+                <a16:creationId xmlns:a16="http://schemas.microsoft.com/office/drawing/2014/main" id="{7A4A6627-8381-23DF-C1BD-9D02E4F87676}"/>
               </a:ext>
             </a:extLst>
           </p:cNvPr>
@@ -2126,7 +2196,7 @@
           <p:cNvPr id="3" name="Espaço Reservado para Anotações 2">
             <a:extLst>
               <a:ext uri="{FF2B5EF4-FFF2-40B4-BE49-F238E27FC236}">
-                <a16:creationId xmlns:a16="http://schemas.microsoft.com/office/drawing/2014/main" id="{9362E003-DBAC-F2FA-8C58-54B5F9E7DF22}"/>
+                <a16:creationId xmlns:a16="http://schemas.microsoft.com/office/drawing/2014/main" id="{78BC694B-9B85-D544-25AC-8FE4B438A4E4}"/>
               </a:ext>
             </a:extLst>
           </p:cNvPr>
@@ -2151,7 +2221,7 @@
           <p:cNvPr id="4" name="Espaço Reservado para Número de Slide 3">
             <a:extLst>
               <a:ext uri="{FF2B5EF4-FFF2-40B4-BE49-F238E27FC236}">
-                <a16:creationId xmlns:a16="http://schemas.microsoft.com/office/drawing/2014/main" id="{0485E126-15AC-8089-E82E-75904EA3EA28}"/>
+                <a16:creationId xmlns:a16="http://schemas.microsoft.com/office/drawing/2014/main" id="{E0B5124C-85D2-B131-127D-86F95369587B}"/>
               </a:ext>
             </a:extLst>
           </p:cNvPr>
@@ -2178,7 +2248,7 @@
     </p:spTree>
     <p:extLst>
       <p:ext uri="{BB962C8B-B14F-4D97-AF65-F5344CB8AC3E}">
-        <p14:creationId xmlns:p14="http://schemas.microsoft.com/office/powerpoint/2010/main" val="2275402996"/>
+        <p14:creationId xmlns:p14="http://schemas.microsoft.com/office/powerpoint/2010/main" val="633958481"/>
       </p:ext>
     </p:extLst>
   </p:cSld>
@@ -8155,31 +8225,49 @@
       </p:pic>
       <p:pic>
         <p:nvPicPr>
-          <p:cNvPr id="10" name="Imagem 9">
-            <a:extLst>
-              <a:ext uri="{FF2B5EF4-FFF2-40B4-BE49-F238E27FC236}">
-                <a16:creationId xmlns:a16="http://schemas.microsoft.com/office/drawing/2014/main" id="{CC466F88-EBBE-9122-F29E-721CB586C6DA}"/>
+          <p:cNvPr id="2050" name="Picture 2">
+            <a:extLst>
+              <a:ext uri="{FF2B5EF4-FFF2-40B4-BE49-F238E27FC236}">
+                <a16:creationId xmlns:a16="http://schemas.microsoft.com/office/drawing/2014/main" id="{0F3199E8-1A55-B9F8-E295-7146AE78A02C}"/>
               </a:ext>
             </a:extLst>
           </p:cNvPr>
           <p:cNvPicPr>
-            <a:picLocks noChangeAspect="1"/>
+            <a:picLocks noChangeAspect="1" noChangeArrowheads="1"/>
           </p:cNvPicPr>
           <p:nvPr/>
         </p:nvPicPr>
         <p:blipFill>
-          <a:blip r:embed="rId5"/>
-          <a:srcRect b="28678"/>
-          <a:stretch/>
+          <a:blip r:embed="rId5">
+            <a:extLst>
+              <a:ext uri="{28A0092B-C50C-407E-A947-70E740481C1C}">
+                <a14:useLocalDpi xmlns:a14="http://schemas.microsoft.com/office/drawing/2010/main" val="0"/>
+              </a:ext>
+            </a:extLst>
+          </a:blip>
+          <a:srcRect/>
+          <a:stretch>
+            <a:fillRect/>
+          </a:stretch>
         </p:blipFill>
-        <p:spPr>
+        <p:spPr bwMode="auto">
           <a:xfrm>
-            <a:off x="8743950" y="3652044"/>
-            <a:ext cx="2609850" cy="733689"/>
+            <a:off x="8738507" y="3429000"/>
+            <a:ext cx="3162300" cy="952500"/>
           </a:xfrm>
           <a:prstGeom prst="rect">
             <a:avLst/>
           </a:prstGeom>
+          <a:noFill/>
+          <a:extLst>
+            <a:ext uri="{909E8E84-426E-40DD-AFC4-6F175D3DCCD1}">
+              <a14:hiddenFill xmlns:a14="http://schemas.microsoft.com/office/drawing/2010/main">
+                <a:solidFill>
+                  <a:srgbClr val="FFFFFF"/>
+                </a:solidFill>
+              </a14:hiddenFill>
+            </a:ext>
+          </a:extLst>
         </p:spPr>
       </p:pic>
     </p:spTree>
@@ -8217,7 +8305,7 @@
         <p:cNvPr id="1" name="">
           <a:extLst>
             <a:ext uri="{FF2B5EF4-FFF2-40B4-BE49-F238E27FC236}">
-              <a16:creationId xmlns:a16="http://schemas.microsoft.com/office/drawing/2014/main" id="{F5912CDE-F13E-B486-FB65-0434869B4C8E}"/>
+              <a16:creationId xmlns:a16="http://schemas.microsoft.com/office/drawing/2014/main" id="{936402AB-1698-3187-2F29-959C9FAB9E6B}"/>
             </a:ext>
           </a:extLst>
         </p:cNvPr>
@@ -8232,72 +8320,12 @@
           <a:chExt cx="0" cy="0"/>
         </a:xfrm>
       </p:grpSpPr>
-      <p:pic>
-        <p:nvPicPr>
-          <p:cNvPr id="9" name="Imagem 8">
-            <a:extLst>
-              <a:ext uri="{FF2B5EF4-FFF2-40B4-BE49-F238E27FC236}">
-                <a16:creationId xmlns:a16="http://schemas.microsoft.com/office/drawing/2014/main" id="{C29000FC-7D21-912F-1508-9E2E2E04DB99}"/>
-              </a:ext>
-            </a:extLst>
-          </p:cNvPr>
-          <p:cNvPicPr>
-            <a:picLocks noChangeAspect="1"/>
-          </p:cNvPicPr>
-          <p:nvPr/>
-        </p:nvPicPr>
-        <p:blipFill>
-          <a:blip r:embed="rId4"/>
-          <a:stretch>
-            <a:fillRect/>
-          </a:stretch>
-        </p:blipFill>
-        <p:spPr>
-          <a:xfrm>
-            <a:off x="8813799" y="3803134"/>
-            <a:ext cx="3071126" cy="746825"/>
-          </a:xfrm>
-          <a:prstGeom prst="rect">
-            <a:avLst/>
-          </a:prstGeom>
-        </p:spPr>
-      </p:pic>
-      <p:pic>
-        <p:nvPicPr>
-          <p:cNvPr id="6" name="Imagem 5">
-            <a:extLst>
-              <a:ext uri="{FF2B5EF4-FFF2-40B4-BE49-F238E27FC236}">
-                <a16:creationId xmlns:a16="http://schemas.microsoft.com/office/drawing/2014/main" id="{0C38C6F0-AF7E-EF48-FF3A-2DDDBE3CB87C}"/>
-              </a:ext>
-            </a:extLst>
-          </p:cNvPr>
-          <p:cNvPicPr>
-            <a:picLocks noChangeAspect="1"/>
-          </p:cNvPicPr>
-          <p:nvPr/>
-        </p:nvPicPr>
-        <p:blipFill>
-          <a:blip r:embed="rId5"/>
-          <a:stretch>
-            <a:fillRect/>
-          </a:stretch>
-        </p:blipFill>
-        <p:spPr>
-          <a:xfrm>
-            <a:off x="1058333" y="2607044"/>
-            <a:ext cx="7444434" cy="3885831"/>
-          </a:xfrm>
-          <a:prstGeom prst="rect">
-            <a:avLst/>
-          </a:prstGeom>
-        </p:spPr>
-      </p:pic>
       <p:sp>
         <p:nvSpPr>
           <p:cNvPr id="4" name="Título 3">
             <a:extLst>
               <a:ext uri="{FF2B5EF4-FFF2-40B4-BE49-F238E27FC236}">
-                <a16:creationId xmlns:a16="http://schemas.microsoft.com/office/drawing/2014/main" id="{B022DCE3-97BF-3BD5-DD5C-A63BC5E9BDD6}"/>
+                <a16:creationId xmlns:a16="http://schemas.microsoft.com/office/drawing/2014/main" id="{6E83E075-9624-3592-08DF-6D78579C2837}"/>
               </a:ext>
             </a:extLst>
           </p:cNvPr>
@@ -8337,7 +8365,7 @@
           <p:cNvPr id="5" name="Espaço Reservado para Conteúdo 4">
             <a:extLst>
               <a:ext uri="{FF2B5EF4-FFF2-40B4-BE49-F238E27FC236}">
-                <a16:creationId xmlns:a16="http://schemas.microsoft.com/office/drawing/2014/main" id="{ADFB1496-0F07-BE31-7327-FD1A09ADE495}"/>
+                <a16:creationId xmlns:a16="http://schemas.microsoft.com/office/drawing/2014/main" id="{B17DEFF5-1BA7-6833-2A6F-12A9F6C96FB2}"/>
               </a:ext>
             </a:extLst>
           </p:cNvPr>
@@ -8362,10 +8390,104 @@
           </a:p>
         </p:txBody>
       </p:sp>
+      <p:pic>
+        <p:nvPicPr>
+          <p:cNvPr id="1030" name="Picture 6">
+            <a:extLst>
+              <a:ext uri="{FF2B5EF4-FFF2-40B4-BE49-F238E27FC236}">
+                <a16:creationId xmlns:a16="http://schemas.microsoft.com/office/drawing/2014/main" id="{34F260A4-7096-35BE-CA83-12FB2E3DAACC}"/>
+              </a:ext>
+            </a:extLst>
+          </p:cNvPr>
+          <p:cNvPicPr>
+            <a:picLocks noChangeAspect="1" noChangeArrowheads="1"/>
+          </p:cNvPicPr>
+          <p:nvPr/>
+        </p:nvPicPr>
+        <p:blipFill>
+          <a:blip r:embed="rId4">
+            <a:extLst>
+              <a:ext uri="{28A0092B-C50C-407E-A947-70E740481C1C}">
+                <a14:useLocalDpi xmlns:a14="http://schemas.microsoft.com/office/drawing/2010/main" val="0"/>
+              </a:ext>
+            </a:extLst>
+          </a:blip>
+          <a:srcRect/>
+          <a:stretch>
+            <a:fillRect/>
+          </a:stretch>
+        </p:blipFill>
+        <p:spPr bwMode="auto">
+          <a:xfrm>
+            <a:off x="9036768" y="4119502"/>
+            <a:ext cx="2563775" cy="1150287"/>
+          </a:xfrm>
+          <a:prstGeom prst="rect">
+            <a:avLst/>
+          </a:prstGeom>
+          <a:noFill/>
+          <a:extLst>
+            <a:ext uri="{909E8E84-426E-40DD-AFC4-6F175D3DCCD1}">
+              <a14:hiddenFill xmlns:a14="http://schemas.microsoft.com/office/drawing/2010/main">
+                <a:solidFill>
+                  <a:srgbClr val="FFFFFF"/>
+                </a:solidFill>
+              </a14:hiddenFill>
+            </a:ext>
+          </a:extLst>
+        </p:spPr>
+      </p:pic>
+      <p:pic>
+        <p:nvPicPr>
+          <p:cNvPr id="1032" name="Picture 8">
+            <a:extLst>
+              <a:ext uri="{FF2B5EF4-FFF2-40B4-BE49-F238E27FC236}">
+                <a16:creationId xmlns:a16="http://schemas.microsoft.com/office/drawing/2014/main" id="{27CFAE8F-EEAE-A853-AD79-E51EED251532}"/>
+              </a:ext>
+            </a:extLst>
+          </p:cNvPr>
+          <p:cNvPicPr>
+            <a:picLocks noChangeAspect="1" noChangeArrowheads="1"/>
+          </p:cNvPicPr>
+          <p:nvPr/>
+        </p:nvPicPr>
+        <p:blipFill>
+          <a:blip r:embed="rId5">
+            <a:extLst>
+              <a:ext uri="{28A0092B-C50C-407E-A947-70E740481C1C}">
+                <a14:useLocalDpi xmlns:a14="http://schemas.microsoft.com/office/drawing/2010/main" val="0"/>
+              </a:ext>
+            </a:extLst>
+          </a:blip>
+          <a:srcRect/>
+          <a:stretch>
+            <a:fillRect/>
+          </a:stretch>
+        </p:blipFill>
+        <p:spPr bwMode="auto">
+          <a:xfrm>
+            <a:off x="1084943" y="2640447"/>
+            <a:ext cx="7565571" cy="3980790"/>
+          </a:xfrm>
+          <a:prstGeom prst="rect">
+            <a:avLst/>
+          </a:prstGeom>
+          <a:noFill/>
+          <a:extLst>
+            <a:ext uri="{909E8E84-426E-40DD-AFC4-6F175D3DCCD1}">
+              <a14:hiddenFill xmlns:a14="http://schemas.microsoft.com/office/drawing/2010/main">
+                <a:solidFill>
+                  <a:srgbClr val="FFFFFF"/>
+                </a:solidFill>
+              </a14:hiddenFill>
+            </a:ext>
+          </a:extLst>
+        </p:spPr>
+      </p:pic>
     </p:spTree>
     <p:extLst>
       <p:ext uri="{BB962C8B-B14F-4D97-AF65-F5344CB8AC3E}">
-        <p14:creationId xmlns:p14="http://schemas.microsoft.com/office/powerpoint/2010/main" val="830217502"/>
+        <p14:creationId xmlns:p14="http://schemas.microsoft.com/office/powerpoint/2010/main" val="1633667206"/>
       </p:ext>
     </p:extLst>
   </p:cSld>
@@ -8544,7 +8666,7 @@
           <p:nvPr>
             <p:extLst>
               <p:ext uri="{D42A27DB-BD31-4B8C-83A1-F6EECF244321}">
-                <p14:modId xmlns:p14="http://schemas.microsoft.com/office/powerpoint/2010/main" val="4237777347"/>
+                <p14:modId xmlns:p14="http://schemas.microsoft.com/office/powerpoint/2010/main" val="1894627240"/>
               </p:ext>
             </p:extLst>
           </p:nvPr>
@@ -8711,67 +8833,80 @@
                     <a:bodyPr/>
                     <a:lstStyle/>
                     <a:p>
-                      <a:pPr algn="ctr"/>
+                      <a:pPr algn="ctr" fontAlgn="ctr"/>
                       <a:r>
-                        <a:rPr lang="pt-BR" dirty="0"/>
-                        <a:t>23.94</a:t>
+                        <a:rPr lang="pt-BR" sz="1800" b="0" i="0" u="none" strike="noStrike" dirty="0">
+                          <a:solidFill>
+                            <a:srgbClr val="000000"/>
+                          </a:solidFill>
+                          <a:effectLst/>
+                          <a:latin typeface="+mn-lt"/>
+                        </a:rPr>
+                        <a:t>2.39</a:t>
                       </a:r>
-                      <a:endParaRPr lang="pt-BR" dirty="0">
-                        <a:latin typeface="+mn-lt"/>
-                      </a:endParaRPr>
                     </a:p>
                   </a:txBody>
-                  <a:tcPr/>
+                  <a:tcPr marL="9525" marR="9525" marT="9525" marB="0" anchor="ctr"/>
                 </a:tc>
                 <a:tc>
                   <a:txBody>
                     <a:bodyPr/>
                     <a:lstStyle/>
                     <a:p>
-                      <a:pPr algn="ctr"/>
+                      <a:pPr algn="ctr" fontAlgn="ctr"/>
                       <a:r>
-                        <a:rPr lang="pt-BR" dirty="0"/>
-                        <a:t>15.12</a:t>
+                        <a:rPr lang="pt-BR" sz="1800" b="0" i="0" u="none" strike="noStrike" dirty="0">
+                          <a:solidFill>
+                            <a:srgbClr val="000000"/>
+                          </a:solidFill>
+                          <a:effectLst/>
+                          <a:latin typeface="+mn-lt"/>
+                        </a:rPr>
+                        <a:t>1.51</a:t>
                       </a:r>
-                      <a:endParaRPr lang="pt-BR" dirty="0">
-                        <a:latin typeface="+mn-lt"/>
-                      </a:endParaRPr>
                     </a:p>
                   </a:txBody>
-                  <a:tcPr/>
+                  <a:tcPr marL="9525" marR="9525" marT="9525" marB="0" anchor="ctr"/>
                 </a:tc>
                 <a:tc>
                   <a:txBody>
                     <a:bodyPr/>
                     <a:lstStyle/>
                     <a:p>
-                      <a:pPr algn="ctr"/>
+                      <a:pPr algn="ctr" fontAlgn="ctr"/>
                       <a:r>
-                        <a:rPr lang="pt-BR" dirty="0"/>
-                        <a:t>1.317.124</a:t>
+                        <a:rPr lang="pt-BR" sz="1800" b="0" i="0" u="none" strike="noStrike" dirty="0">
+                          <a:solidFill>
+                            <a:srgbClr val="000000"/>
+                          </a:solidFill>
+                          <a:effectLst/>
+                          <a:latin typeface="+mn-lt"/>
+                        </a:rPr>
+                        <a:t>131.71</a:t>
                       </a:r>
-                      <a:endParaRPr lang="pt-BR" dirty="0">
-                        <a:latin typeface="+mn-lt"/>
-                      </a:endParaRPr>
                     </a:p>
                   </a:txBody>
-                  <a:tcPr/>
+                  <a:tcPr marL="9525" marR="9525" marT="9525" marB="0" anchor="ctr"/>
                 </a:tc>
                 <a:tc>
                   <a:txBody>
                     <a:bodyPr/>
                     <a:lstStyle/>
                     <a:p>
-                      <a:pPr algn="ctr"/>
+                      <a:pPr algn="ctr" fontAlgn="ctr"/>
                       <a:r>
-                        <a:rPr lang="pt-BR" dirty="0">
+                        <a:rPr lang="pt-BR" sz="1800" b="0" i="0" u="none" strike="noStrike" dirty="0">
+                          <a:solidFill>
+                            <a:srgbClr val="000000"/>
+                          </a:solidFill>
+                          <a:effectLst/>
                           <a:latin typeface="+mn-lt"/>
                         </a:rPr>
-                        <a:t>10.50</a:t>
+                        <a:t>4.82</a:t>
                       </a:r>
                     </a:p>
                   </a:txBody>
-                  <a:tcPr/>
+                  <a:tcPr marL="9525" marR="9525" marT="9525" marB="0" anchor="ctr"/>
                 </a:tc>
                 <a:extLst>
                   <a:ext uri="{0D108BD9-81ED-4DB2-BD59-A6C34878D82A}">
@@ -8802,68 +8937,80 @@
                     <a:bodyPr/>
                     <a:lstStyle/>
                     <a:p>
-                      <a:pPr algn="ctr"/>
+                      <a:pPr algn="ctr" fontAlgn="ctr"/>
                       <a:r>
-                        <a:rPr lang="pt-BR" dirty="0"/>
-                        <a:t>25.67</a:t>
+                        <a:rPr lang="pt-BR" sz="1800" b="0" i="0" u="none" strike="noStrike" dirty="0">
+                          <a:solidFill>
+                            <a:srgbClr val="000000"/>
+                          </a:solidFill>
+                          <a:effectLst/>
+                          <a:latin typeface="+mn-lt"/>
+                        </a:rPr>
+                        <a:t>2.57</a:t>
                       </a:r>
-                      <a:endParaRPr lang="pt-BR" dirty="0">
-                        <a:latin typeface="+mn-lt"/>
-                      </a:endParaRPr>
                     </a:p>
                   </a:txBody>
-                  <a:tcPr/>
+                  <a:tcPr marL="9525" marR="9525" marT="9525" marB="0" anchor="ctr"/>
                 </a:tc>
                 <a:tc>
                   <a:txBody>
                     <a:bodyPr/>
                     <a:lstStyle/>
                     <a:p>
-                      <a:pPr algn="ctr"/>
+                      <a:pPr algn="ctr" fontAlgn="ctr"/>
                       <a:r>
-                        <a:rPr lang="pt-BR" dirty="0"/>
-                        <a:t>17.31</a:t>
+                        <a:rPr lang="pt-BR" sz="1800" b="0" i="0" u="none" strike="noStrike" dirty="0">
+                          <a:solidFill>
+                            <a:srgbClr val="000000"/>
+                          </a:solidFill>
+                          <a:effectLst/>
+                          <a:latin typeface="+mn-lt"/>
+                        </a:rPr>
+                        <a:t>1.73</a:t>
                       </a:r>
-                      <a:endParaRPr lang="pt-BR" dirty="0">
-                        <a:latin typeface="+mn-lt"/>
-                      </a:endParaRPr>
                     </a:p>
                   </a:txBody>
-                  <a:tcPr/>
+                  <a:tcPr marL="9525" marR="9525" marT="9525" marB="0" anchor="ctr"/>
                 </a:tc>
                 <a:tc>
                   <a:txBody>
                     <a:bodyPr/>
                     <a:lstStyle/>
                     <a:p>
-                      <a:pPr algn="ctr"/>
+                      <a:pPr algn="ctr" fontAlgn="ctr"/>
                       <a:r>
-                        <a:rPr lang="pt-BR" dirty="0"/>
-                        <a:t>1.315.155</a:t>
+                        <a:rPr lang="pt-BR" sz="1800" b="0" i="0" u="none" strike="noStrike" dirty="0">
+                          <a:solidFill>
+                            <a:srgbClr val="000000"/>
+                          </a:solidFill>
+                          <a:effectLst/>
+                          <a:latin typeface="+mn-lt"/>
+                        </a:rPr>
+                        <a:t>131.71</a:t>
                       </a:r>
-                      <a:endParaRPr lang="pt-BR" dirty="0">
-                        <a:latin typeface="+mn-lt"/>
-                      </a:endParaRPr>
                     </a:p>
                   </a:txBody>
-                  <a:tcPr/>
+                  <a:tcPr marL="9525" marR="9525" marT="9525" marB="0" anchor="ctr"/>
                 </a:tc>
                 <a:tc>
                   <a:txBody>
                     <a:bodyPr/>
                     <a:lstStyle/>
                     <a:p>
-                      <a:pPr algn="ctr"/>
+                      <a:pPr algn="ctr" fontAlgn="ctr"/>
                       <a:r>
-                        <a:rPr lang="pt-BR" dirty="0"/>
-                        <a:t>11.06</a:t>
+                        <a:rPr lang="pt-BR" sz="1800" b="0" i="0" u="none" strike="noStrike" dirty="0">
+                          <a:solidFill>
+                            <a:srgbClr val="000000"/>
+                          </a:solidFill>
+                          <a:effectLst/>
+                          <a:latin typeface="+mn-lt"/>
+                        </a:rPr>
+                        <a:t>4.84</a:t>
                       </a:r>
-                      <a:endParaRPr lang="pt-BR" dirty="0">
-                        <a:latin typeface="+mn-lt"/>
-                      </a:endParaRPr>
                     </a:p>
                   </a:txBody>
-                  <a:tcPr/>
+                  <a:tcPr marL="9525" marR="9525" marT="9525" marB="0" anchor="ctr"/>
                 </a:tc>
                 <a:extLst>
                   <a:ext uri="{0D108BD9-81ED-4DB2-BD59-A6C34878D82A}">
@@ -8894,68 +9041,80 @@
                     <a:bodyPr/>
                     <a:lstStyle/>
                     <a:p>
-                      <a:pPr algn="ctr"/>
+                      <a:pPr algn="ctr" fontAlgn="ctr"/>
                       <a:r>
-                        <a:rPr lang="pt-BR" dirty="0"/>
-                        <a:t>1.82%</a:t>
+                        <a:rPr lang="pt-BR" sz="1800" b="0" i="0" u="none" strike="noStrike" dirty="0">
+                          <a:solidFill>
+                            <a:srgbClr val="000000"/>
+                          </a:solidFill>
+                          <a:effectLst/>
+                          <a:latin typeface="+mn-lt"/>
+                        </a:rPr>
+                        <a:t>0.02</a:t>
                       </a:r>
-                      <a:endParaRPr lang="pt-BR" dirty="0">
-                        <a:latin typeface="+mn-lt"/>
-                      </a:endParaRPr>
                     </a:p>
                   </a:txBody>
-                  <a:tcPr/>
+                  <a:tcPr marL="9525" marR="9525" marT="9525" marB="0" anchor="ctr"/>
                 </a:tc>
                 <a:tc>
                   <a:txBody>
                     <a:bodyPr/>
                     <a:lstStyle/>
                     <a:p>
-                      <a:pPr algn="ctr"/>
+                      <a:pPr algn="ctr" fontAlgn="ctr"/>
                       <a:r>
-                        <a:rPr lang="pt-BR" dirty="0"/>
-                        <a:t>1.15%</a:t>
+                        <a:rPr lang="pt-BR" sz="1800" b="0" i="0" u="none" strike="noStrike" dirty="0">
+                          <a:solidFill>
+                            <a:srgbClr val="000000"/>
+                          </a:solidFill>
+                          <a:effectLst/>
+                          <a:latin typeface="+mn-lt"/>
+                        </a:rPr>
+                        <a:t>0.01</a:t>
                       </a:r>
-                      <a:endParaRPr lang="pt-BR" dirty="0">
-                        <a:latin typeface="+mn-lt"/>
-                      </a:endParaRPr>
                     </a:p>
                   </a:txBody>
-                  <a:tcPr/>
+                  <a:tcPr marL="9525" marR="9525" marT="9525" marB="0" anchor="ctr"/>
                 </a:tc>
                 <a:tc>
                   <a:txBody>
                     <a:bodyPr/>
                     <a:lstStyle/>
                     <a:p>
-                      <a:pPr algn="ctr"/>
+                      <a:pPr algn="ctr" fontAlgn="ctr"/>
                       <a:r>
-                        <a:rPr lang="pt-BR" dirty="0"/>
-                        <a:t>99.94%</a:t>
+                        <a:rPr lang="pt-BR" sz="1800" b="0" i="0" u="none" strike="noStrike" dirty="0">
+                          <a:solidFill>
+                            <a:srgbClr val="000000"/>
+                          </a:solidFill>
+                          <a:effectLst/>
+                          <a:latin typeface="+mn-lt"/>
+                        </a:rPr>
+                        <a:t>1.00</a:t>
                       </a:r>
-                      <a:endParaRPr lang="pt-BR" dirty="0">
-                        <a:latin typeface="+mn-lt"/>
-                      </a:endParaRPr>
                     </a:p>
                   </a:txBody>
-                  <a:tcPr/>
+                  <a:tcPr marL="9525" marR="9525" marT="9525" marB="0" anchor="ctr"/>
                 </a:tc>
                 <a:tc>
                   <a:txBody>
                     <a:bodyPr/>
                     <a:lstStyle/>
                     <a:p>
-                      <a:pPr algn="ctr"/>
+                      <a:pPr algn="ctr" fontAlgn="ctr"/>
                       <a:r>
-                        <a:rPr lang="pt-BR" dirty="0"/>
-                        <a:t>0.08%</a:t>
+                        <a:rPr lang="pt-BR" sz="1800" b="0" i="0" u="none" strike="noStrike" dirty="0">
+                          <a:solidFill>
+                            <a:srgbClr val="000000"/>
+                          </a:solidFill>
+                          <a:effectLst/>
+                          <a:latin typeface="+mn-lt"/>
+                        </a:rPr>
+                        <a:t>0.000400</a:t>
                       </a:r>
-                      <a:endParaRPr lang="pt-BR" dirty="0">
-                        <a:latin typeface="+mn-lt"/>
-                      </a:endParaRPr>
                     </a:p>
                   </a:txBody>
-                  <a:tcPr/>
+                  <a:tcPr marL="9525" marR="9525" marT="9525" marB="0" anchor="ctr"/>
                 </a:tc>
                 <a:extLst>
                   <a:ext uri="{0D108BD9-81ED-4DB2-BD59-A6C34878D82A}">
@@ -8986,68 +9145,80 @@
                     <a:bodyPr/>
                     <a:lstStyle/>
                     <a:p>
-                      <a:pPr algn="ctr"/>
+                      <a:pPr algn="ctr" fontAlgn="ctr"/>
                       <a:r>
-                        <a:rPr lang="pt-BR" dirty="0"/>
+                        <a:rPr lang="pt-BR" sz="1800" b="0" i="0" u="none" strike="noStrike" dirty="0">
+                          <a:solidFill>
+                            <a:srgbClr val="000000"/>
+                          </a:solidFill>
+                          <a:effectLst/>
+                          <a:latin typeface="+mn-lt"/>
+                        </a:rPr>
                         <a:t>1.82%</a:t>
                       </a:r>
-                      <a:endParaRPr lang="pt-BR" dirty="0">
-                        <a:latin typeface="+mn-lt"/>
-                      </a:endParaRPr>
                     </a:p>
                   </a:txBody>
-                  <a:tcPr/>
+                  <a:tcPr marL="9525" marR="9525" marT="9525" marB="0" anchor="ctr"/>
                 </a:tc>
                 <a:tc>
                   <a:txBody>
                     <a:bodyPr/>
                     <a:lstStyle/>
                     <a:p>
-                      <a:pPr algn="ctr"/>
+                      <a:pPr algn="ctr" fontAlgn="ctr"/>
                       <a:r>
-                        <a:rPr lang="pt-BR" dirty="0"/>
+                        <a:rPr lang="pt-BR" sz="1800" b="0" i="0" u="none" strike="noStrike">
+                          <a:solidFill>
+                            <a:srgbClr val="000000"/>
+                          </a:solidFill>
+                          <a:effectLst/>
+                          <a:latin typeface="+mn-lt"/>
+                        </a:rPr>
                         <a:t>1.15%</a:t>
                       </a:r>
-                      <a:endParaRPr lang="pt-BR" dirty="0">
-                        <a:latin typeface="+mn-lt"/>
-                      </a:endParaRPr>
                     </a:p>
                   </a:txBody>
-                  <a:tcPr/>
+                  <a:tcPr marL="9525" marR="9525" marT="9525" marB="0" anchor="ctr"/>
                 </a:tc>
                 <a:tc>
                   <a:txBody>
                     <a:bodyPr/>
                     <a:lstStyle/>
                     <a:p>
-                      <a:pPr algn="ctr"/>
+                      <a:pPr algn="ctr" fontAlgn="ctr"/>
                       <a:r>
-                        <a:rPr lang="pt-BR" dirty="0"/>
+                        <a:rPr lang="pt-BR" sz="1800" b="0" i="0" u="none" strike="noStrike" dirty="0">
+                          <a:solidFill>
+                            <a:srgbClr val="000000"/>
+                          </a:solidFill>
+                          <a:effectLst/>
+                          <a:latin typeface="+mn-lt"/>
+                        </a:rPr>
                         <a:t>-</a:t>
                       </a:r>
-                      <a:endParaRPr lang="pt-BR" dirty="0">
-                        <a:latin typeface="+mn-lt"/>
-                      </a:endParaRPr>
                     </a:p>
                   </a:txBody>
-                  <a:tcPr/>
+                  <a:tcPr marL="9525" marR="9525" marT="9525" marB="0" anchor="ctr"/>
                 </a:tc>
                 <a:tc>
                   <a:txBody>
                     <a:bodyPr/>
                     <a:lstStyle/>
                     <a:p>
-                      <a:pPr algn="ctr"/>
+                      <a:pPr algn="ctr" fontAlgn="ctr"/>
                       <a:r>
-                        <a:rPr lang="pt-BR" dirty="0"/>
-                        <a:t>0.08%</a:t>
+                        <a:rPr lang="pt-BR" sz="1800" b="0" i="0" u="none" strike="noStrike" dirty="0">
+                          <a:solidFill>
+                            <a:srgbClr val="000000"/>
+                          </a:solidFill>
+                          <a:effectLst/>
+                          <a:latin typeface="+mn-lt"/>
+                        </a:rPr>
+                        <a:t>0.037%</a:t>
                       </a:r>
-                      <a:endParaRPr lang="pt-BR" dirty="0">
-                        <a:latin typeface="+mn-lt"/>
-                      </a:endParaRPr>
                     </a:p>
                   </a:txBody>
-                  <a:tcPr/>
+                  <a:tcPr marL="9525" marR="9525" marT="9525" marB="0" anchor="ctr"/>
                 </a:tc>
                 <a:extLst>
                   <a:ext uri="{0D108BD9-81ED-4DB2-BD59-A6C34878D82A}">
@@ -9078,68 +9249,80 @@
                     <a:bodyPr/>
                     <a:lstStyle/>
                     <a:p>
-                      <a:pPr algn="ctr"/>
+                      <a:pPr algn="ctr" fontAlgn="ctr"/>
                       <a:r>
-                        <a:rPr lang="pt-BR" dirty="0"/>
-                        <a:t>65.89</a:t>
+                        <a:rPr lang="pt-BR" sz="1800" b="0" i="0" u="none" strike="noStrike" dirty="0">
+                          <a:solidFill>
+                            <a:srgbClr val="000000"/>
+                          </a:solidFill>
+                          <a:effectLst/>
+                          <a:latin typeface="+mn-lt"/>
+                        </a:rPr>
+                        <a:t>6.59</a:t>
                       </a:r>
-                      <a:endParaRPr lang="pt-BR" dirty="0">
-                        <a:latin typeface="+mn-lt"/>
-                      </a:endParaRPr>
                     </a:p>
                   </a:txBody>
-                  <a:tcPr/>
+                  <a:tcPr marL="9525" marR="9525" marT="9525" marB="0" anchor="ctr"/>
                 </a:tc>
                 <a:tc>
                   <a:txBody>
                     <a:bodyPr/>
                     <a:lstStyle/>
                     <a:p>
-                      <a:pPr algn="ctr"/>
+                      <a:pPr algn="ctr" fontAlgn="ctr"/>
                       <a:r>
-                        <a:rPr lang="pt-BR" dirty="0"/>
-                        <a:t>29.97</a:t>
+                        <a:rPr lang="pt-BR" sz="1800" b="0" i="0" u="none" strike="noStrike" dirty="0">
+                          <a:solidFill>
+                            <a:srgbClr val="000000"/>
+                          </a:solidFill>
+                          <a:effectLst/>
+                          <a:latin typeface="+mn-lt"/>
+                        </a:rPr>
+                        <a:t>2,99</a:t>
                       </a:r>
-                      <a:endParaRPr lang="pt-BR" dirty="0">
-                        <a:latin typeface="+mn-lt"/>
-                      </a:endParaRPr>
                     </a:p>
                   </a:txBody>
-                  <a:tcPr/>
+                  <a:tcPr marL="9525" marR="9525" marT="9525" marB="0" anchor="ctr"/>
                 </a:tc>
                 <a:tc>
                   <a:txBody>
                     <a:bodyPr/>
                     <a:lstStyle/>
                     <a:p>
-                      <a:pPr algn="ctr"/>
+                      <a:pPr algn="ctr" fontAlgn="ctr"/>
                       <a:r>
-                        <a:rPr lang="pt-BR" dirty="0"/>
-                        <a:t>173.489.789</a:t>
+                        <a:rPr lang="pt-BR" sz="1800" b="0" i="0" u="none" strike="noStrike" dirty="0">
+                          <a:solidFill>
+                            <a:srgbClr val="000000"/>
+                          </a:solidFill>
+                          <a:effectLst/>
+                          <a:latin typeface="+mn-lt"/>
+                        </a:rPr>
+                        <a:t>17.35</a:t>
                       </a:r>
-                      <a:endParaRPr lang="pt-BR" dirty="0">
-                        <a:latin typeface="+mn-lt"/>
-                      </a:endParaRPr>
                     </a:p>
                   </a:txBody>
-                  <a:tcPr/>
+                  <a:tcPr marL="9525" marR="9525" marT="9525" marB="0" anchor="ctr"/>
                 </a:tc>
                 <a:tc>
                   <a:txBody>
                     <a:bodyPr/>
                     <a:lstStyle/>
                     <a:p>
-                      <a:pPr algn="ctr"/>
+                      <a:pPr algn="ctr" fontAlgn="ctr"/>
                       <a:r>
-                        <a:rPr lang="pt-BR" dirty="0"/>
-                        <a:t>122.47</a:t>
+                        <a:rPr lang="pt-BR" sz="1800" b="0" i="0" u="none" strike="noStrike" dirty="0">
+                          <a:solidFill>
+                            <a:srgbClr val="000000"/>
+                          </a:solidFill>
+                          <a:effectLst/>
+                          <a:latin typeface="+mn-lt"/>
+                        </a:rPr>
+                        <a:t>23.44</a:t>
                       </a:r>
-                      <a:endParaRPr lang="pt-BR" dirty="0">
-                        <a:latin typeface="+mn-lt"/>
-                      </a:endParaRPr>
                     </a:p>
                   </a:txBody>
-                  <a:tcPr/>
+                  <a:tcPr marL="9525" marR="9525" marT="9525" marB="0" anchor="ctr"/>
                 </a:tc>
                 <a:extLst>
                   <a:ext uri="{0D108BD9-81ED-4DB2-BD59-A6C34878D82A}">
@@ -9186,7 +9369,7 @@
         <p:cNvPr id="1" name="">
           <a:extLst>
             <a:ext uri="{FF2B5EF4-FFF2-40B4-BE49-F238E27FC236}">
-              <a16:creationId xmlns:a16="http://schemas.microsoft.com/office/drawing/2014/main" id="{E7F0C5D5-4F17-E65E-4E11-7C21345AF4A3}"/>
+              <a16:creationId xmlns:a16="http://schemas.microsoft.com/office/drawing/2014/main" id="{EADA3932-8EBA-35C2-88CE-A70CD597D703}"/>
             </a:ext>
           </a:extLst>
         </p:cNvPr>
@@ -9206,7 +9389,7 @@
           <p:cNvPr id="4" name="Título 3">
             <a:extLst>
               <a:ext uri="{FF2B5EF4-FFF2-40B4-BE49-F238E27FC236}">
-                <a16:creationId xmlns:a16="http://schemas.microsoft.com/office/drawing/2014/main" id="{73DCFEB2-23A8-D0C2-6D5C-66C368A61176}"/>
+                <a16:creationId xmlns:a16="http://schemas.microsoft.com/office/drawing/2014/main" id="{9C1FE61D-FE71-14BA-EB9F-26352AE0ED20}"/>
               </a:ext>
             </a:extLst>
           </p:cNvPr>
@@ -9238,7 +9421,7 @@
           <p:cNvPr id="5" name="Espaço Reservado para Conteúdo 4">
             <a:extLst>
               <a:ext uri="{FF2B5EF4-FFF2-40B4-BE49-F238E27FC236}">
-                <a16:creationId xmlns:a16="http://schemas.microsoft.com/office/drawing/2014/main" id="{12FA060A-E2ED-E36F-5CFB-8522F057B6D6}"/>
+                <a16:creationId xmlns:a16="http://schemas.microsoft.com/office/drawing/2014/main" id="{E8C424AA-A948-D993-3BE1-95D7FA852D87}"/>
               </a:ext>
             </a:extLst>
           </p:cNvPr>
@@ -9256,102 +9439,107 @@
           </a:bodyPr>
           <a:lstStyle/>
           <a:p>
+            <a:pPr algn="just"/>
             <a:r>
               <a:rPr lang="pt-BR" sz="2200" dirty="0"/>
-              <a:t>Observações sobre os resultados:</a:t>
-            </a:r>
-          </a:p>
-          <a:p>
-            <a:pPr lvl="1"/>
-            <a:r>
-              <a:rPr lang="pt-BR" sz="1800" dirty="0"/>
-              <a:t>O </a:t>
-            </a:r>
-            <a:r>
-              <a:rPr lang="pt-BR" sz="1800" b="1" dirty="0"/>
-              <a:t>modelo </a:t>
-            </a:r>
-            <a:r>
-              <a:rPr lang="pt-BR" sz="1800" b="1" dirty="0" err="1"/>
+              <a:t>O modelo </a:t>
+            </a:r>
+            <a:r>
+              <a:rPr lang="pt-BR" sz="2200" dirty="0" err="1"/>
               <a:t>Seasonal</a:t>
             </a:r>
             <a:r>
-              <a:rPr lang="pt-BR" sz="1800" b="1" dirty="0"/>
+              <a:rPr lang="pt-BR" sz="2200" dirty="0"/>
               <a:t> </a:t>
             </a:r>
             <a:r>
-              <a:rPr lang="pt-BR" sz="1800" b="1" dirty="0" err="1"/>
+              <a:rPr lang="pt-BR" sz="2200" dirty="0" err="1"/>
               <a:t>Window</a:t>
             </a:r>
             <a:r>
-              <a:rPr lang="pt-BR" sz="1800" b="1" dirty="0"/>
+              <a:rPr lang="pt-BR" sz="2200" dirty="0"/>
               <a:t> </a:t>
             </a:r>
             <a:r>
-              <a:rPr lang="pt-BR" sz="1800" b="1" dirty="0" err="1"/>
+              <a:rPr lang="pt-BR" sz="2200" dirty="0" err="1"/>
               <a:t>Average</a:t>
             </a:r>
             <a:r>
-              <a:rPr lang="pt-BR" sz="1800" b="1" dirty="0"/>
+              <a:rPr lang="pt-BR" sz="2200" dirty="0"/>
+              <a:t>  foi o que se destacou entre todas as opções avaliadas, demonstrando o melhor desempenho com base nas principais métricas. Ele apresentou o menor erro absoluto médio (MAE: 1.51), o menor erro quadrático médio (RMSE: 1.73) e um erro percentual médio (MAPE) de </a:t>
+            </a:r>
+            <a:r>
+              <a:rPr lang="pt-BR" sz="2200"/>
+              <a:t>aproximadamente 1.15</a:t>
+            </a:r>
+            <a:r>
+              <a:rPr lang="pt-BR" sz="2200" dirty="0"/>
+              <a:t>%. Esses resultados indicam que suas previsões são mais precisas e também menos variáveis. Além disso, o erro médio quadrático (MSE: 2.99) foi o mais baixo, confirmando sua consistência.</a:t>
+            </a:r>
+          </a:p>
+          <a:p>
+            <a:pPr algn="just"/>
+            <a:r>
+              <a:rPr lang="pt-BR" sz="2200" dirty="0"/>
+              <a:t>Em comparação, o Modelo </a:t>
+            </a:r>
+            <a:r>
+              <a:rPr lang="pt-BR" sz="2200" dirty="0" err="1"/>
+              <a:t>Sarima</a:t>
+            </a:r>
+            <a:r>
+              <a:rPr lang="pt-BR" sz="2200" dirty="0"/>
+              <a:t> teve erros excessivamente altos, o que compromete sua confiabilidade, enquanto o </a:t>
+            </a:r>
+            <a:r>
+              <a:rPr lang="pt-BR" sz="2200" dirty="0" err="1"/>
+              <a:t>Prophet</a:t>
+            </a:r>
+            <a:r>
+              <a:rPr lang="pt-BR" sz="2200" dirty="0"/>
+              <a:t>, embora com um MAPE baixo, apresentou erros absolutos maiores, sugerindo menor precisão geral, porém poderia ser uma escolhas secundária.</a:t>
+            </a:r>
+          </a:p>
+          <a:p>
+            <a:pPr algn="just"/>
+            <a:r>
+              <a:rPr lang="pt-BR" sz="2200" dirty="0"/>
+              <a:t>Com base nessa análise, o Modelo </a:t>
+            </a:r>
+            <a:r>
+              <a:rPr lang="pt-BR" sz="2200" b="1" dirty="0" err="1"/>
+              <a:t>Seasonal</a:t>
+            </a:r>
+            <a:r>
+              <a:rPr lang="pt-BR" sz="2200" b="1" dirty="0"/>
               <a:t> </a:t>
             </a:r>
             <a:r>
-              <a:rPr lang="pt-BR" sz="1800" dirty="0"/>
-              <a:t>se destacou como o melhor entre os analisados. Ele teve os menores valores de erro absoluto (MAE: 1.5126) e quadrático médio (RMSE: 1.7313), além de um WMAPE de 1.15%, o que demonstra consistência nos resultados. </a:t>
-            </a:r>
-            <a:br>
-              <a:rPr lang="pt-BR" sz="1800" dirty="0"/>
-            </a:br>
-            <a:endParaRPr lang="pt-BR" sz="1800" dirty="0"/>
-          </a:p>
-          <a:p>
-            <a:pPr lvl="1"/>
-            <a:r>
-              <a:rPr lang="pt-BR" sz="1800" dirty="0"/>
-              <a:t>O </a:t>
-            </a:r>
-            <a:r>
-              <a:rPr lang="pt-BR" sz="1800" b="1" dirty="0"/>
-              <a:t>Modelo </a:t>
-            </a:r>
-            <a:r>
-              <a:rPr lang="pt-BR" sz="1800" b="1" dirty="0" err="1"/>
-              <a:t>Prophet</a:t>
-            </a:r>
-            <a:r>
-              <a:rPr lang="pt-BR" sz="1800" b="1" dirty="0"/>
+              <a:rPr lang="pt-BR" sz="2200" b="1" dirty="0" err="1"/>
+              <a:t>Window</a:t>
+            </a:r>
+            <a:r>
+              <a:rPr lang="pt-BR" sz="2200" b="1" dirty="0"/>
               <a:t> </a:t>
             </a:r>
             <a:r>
-              <a:rPr lang="pt-BR" sz="1800" dirty="0"/>
-              <a:t>chamou a atenção pelo menor MAPE (0.08%), mas seu desempenho geral em outras métricas, como MAE, RMSE, ficou atrás, tornando-o menos confiável como uma escolha principal, tornando –o uma escolha secundária.</a:t>
-            </a:r>
-          </a:p>
-          <a:p>
-            <a:pPr lvl="1"/>
-            <a:r>
-              <a:rPr lang="pt-BR" sz="1800" dirty="0"/>
-              <a:t>Por outro lado, o </a:t>
-            </a:r>
-            <a:r>
-              <a:rPr lang="pt-BR" sz="1800" b="1" dirty="0"/>
-              <a:t>Modelo </a:t>
-            </a:r>
-            <a:r>
-              <a:rPr lang="pt-BR" sz="1800" b="1" dirty="0" err="1"/>
-              <a:t>Sarima</a:t>
-            </a:r>
-            <a:r>
-              <a:rPr lang="pt-BR" sz="1800" dirty="0"/>
-              <a:t> teve resultados ruins em todas as métricas avaliadas, sugerindo que ele não foi bem ajustado aos dados.</a:t>
-            </a:r>
+              <a:rPr lang="pt-BR" sz="2200" b="1" dirty="0" err="1"/>
+              <a:t>Average</a:t>
+            </a:r>
+            <a:r>
+              <a:rPr lang="pt-BR" sz="2200" dirty="0"/>
+              <a:t>   demonstrou ser a melhor escolha para o tipo de previsão realizada. </a:t>
+            </a:r>
+          </a:p>
+          <a:p>
+            <a:endParaRPr lang="pt-BR" sz="2400" dirty="0"/>
           </a:p>
         </p:txBody>
       </p:sp>
     </p:spTree>
     <p:extLst>
       <p:ext uri="{BB962C8B-B14F-4D97-AF65-F5344CB8AC3E}">
-        <p14:creationId xmlns:p14="http://schemas.microsoft.com/office/powerpoint/2010/main" val="3214034833"/>
+        <p14:creationId xmlns:p14="http://schemas.microsoft.com/office/powerpoint/2010/main" val="2473973159"/>
       </p:ext>
     </p:extLst>
   </p:cSld>
@@ -9572,173 +9760,6 @@
 </file>
 
 <file path=ppt/slides/slide20.xml><?xml version="1.0" encoding="utf-8"?>
-<p:sld xmlns:a="http://schemas.openxmlformats.org/drawingml/2006/main" xmlns:r="http://schemas.openxmlformats.org/officeDocument/2006/relationships" xmlns:p="http://schemas.openxmlformats.org/presentationml/2006/main">
-  <p:cSld>
-    <p:bg>
-      <p:bgPr>
-        <a:blipFill dpi="0" rotWithShape="1">
-          <a:blip r:embed="rId2">
-            <a:lum/>
-          </a:blip>
-          <a:srcRect/>
-          <a:stretch>
-            <a:fillRect/>
-          </a:stretch>
-        </a:blipFill>
-        <a:effectLst/>
-      </p:bgPr>
-    </p:bg>
-    <p:spTree>
-      <p:nvGrpSpPr>
-        <p:cNvPr id="1" name="">
-          <a:extLst>
-            <a:ext uri="{FF2B5EF4-FFF2-40B4-BE49-F238E27FC236}">
-              <a16:creationId xmlns:a16="http://schemas.microsoft.com/office/drawing/2014/main" id="{EADA3932-8EBA-35C2-88CE-A70CD597D703}"/>
-            </a:ext>
-          </a:extLst>
-        </p:cNvPr>
-        <p:cNvGrpSpPr/>
-        <p:nvPr/>
-      </p:nvGrpSpPr>
-      <p:grpSpPr>
-        <a:xfrm>
-          <a:off x="0" y="0"/>
-          <a:ext cx="0" cy="0"/>
-          <a:chOff x="0" y="0"/>
-          <a:chExt cx="0" cy="0"/>
-        </a:xfrm>
-      </p:grpSpPr>
-      <p:sp>
-        <p:nvSpPr>
-          <p:cNvPr id="4" name="Título 3">
-            <a:extLst>
-              <a:ext uri="{FF2B5EF4-FFF2-40B4-BE49-F238E27FC236}">
-                <a16:creationId xmlns:a16="http://schemas.microsoft.com/office/drawing/2014/main" id="{9C1FE61D-FE71-14BA-EB9F-26352AE0ED20}"/>
-              </a:ext>
-            </a:extLst>
-          </p:cNvPr>
-          <p:cNvSpPr>
-            <a:spLocks noGrp="1"/>
-          </p:cNvSpPr>
-          <p:nvPr>
-            <p:ph type="title"/>
-          </p:nvPr>
-        </p:nvSpPr>
-        <p:spPr/>
-        <p:txBody>
-          <a:bodyPr/>
-          <a:lstStyle/>
-          <a:p>
-            <a:pPr marL="742950" indent="-742950">
-              <a:buFont typeface="+mj-lt"/>
-              <a:buAutoNum type="arabicPeriod" startAt="8"/>
-            </a:pPr>
-            <a:r>
-              <a:rPr lang="pt-BR" dirty="0"/>
-              <a:t>Conclusão</a:t>
-            </a:r>
-          </a:p>
-        </p:txBody>
-      </p:sp>
-      <p:sp>
-        <p:nvSpPr>
-          <p:cNvPr id="5" name="Espaço Reservado para Conteúdo 4">
-            <a:extLst>
-              <a:ext uri="{FF2B5EF4-FFF2-40B4-BE49-F238E27FC236}">
-                <a16:creationId xmlns:a16="http://schemas.microsoft.com/office/drawing/2014/main" id="{E8C424AA-A948-D993-3BE1-95D7FA852D87}"/>
-              </a:ext>
-            </a:extLst>
-          </p:cNvPr>
-          <p:cNvSpPr>
-            <a:spLocks noGrp="1"/>
-          </p:cNvSpPr>
-          <p:nvPr>
-            <p:ph idx="1"/>
-          </p:nvPr>
-        </p:nvSpPr>
-        <p:spPr/>
-        <p:txBody>
-          <a:bodyPr>
-            <a:normAutofit/>
-          </a:bodyPr>
-          <a:lstStyle/>
-          <a:p>
-            <a:r>
-              <a:rPr lang="pt-BR" sz="2400" dirty="0"/>
-              <a:t>Conclusão final: o </a:t>
-            </a:r>
-            <a:r>
-              <a:rPr lang="pt-BR" sz="2400" b="1" dirty="0"/>
-              <a:t>Modelo </a:t>
-            </a:r>
-            <a:r>
-              <a:rPr lang="pt-BR" sz="2400" b="1" dirty="0" err="1"/>
-              <a:t>Seasonal</a:t>
-            </a:r>
-            <a:r>
-              <a:rPr lang="pt-BR" sz="2400" b="1" dirty="0"/>
-              <a:t> </a:t>
-            </a:r>
-            <a:r>
-              <a:rPr lang="pt-BR" sz="2400" b="1" dirty="0" err="1"/>
-              <a:t>Window</a:t>
-            </a:r>
-            <a:r>
-              <a:rPr lang="pt-BR" sz="2400" b="1" dirty="0"/>
-              <a:t> </a:t>
-            </a:r>
-            <a:r>
-              <a:rPr lang="pt-BR" sz="2400" b="1" dirty="0" err="1"/>
-              <a:t>Average</a:t>
-            </a:r>
-            <a:r>
-              <a:rPr lang="pt-BR" sz="2400" b="1" dirty="0"/>
-              <a:t> </a:t>
-            </a:r>
-            <a:r>
-              <a:rPr lang="pt-BR" sz="2400" dirty="0"/>
-              <a:t>é o mais equilibrado e confiável no geral, sendo a melhor opção para a maioria dos cenários, uma vez </a:t>
-            </a:r>
-            <a:r>
-              <a:rPr lang="pt-BR" sz="2400"/>
-              <a:t>que combina </a:t>
-            </a:r>
-            <a:r>
-              <a:rPr lang="pt-BR" sz="2400" dirty="0"/>
-              <a:t>baixos erros e maior consistência dos resultados. </a:t>
-            </a:r>
-            <a:br>
-              <a:rPr lang="pt-BR" sz="2400" dirty="0"/>
-            </a:br>
-            <a:r>
-              <a:rPr lang="pt-BR" sz="2400" dirty="0"/>
-              <a:t>O modelo </a:t>
-            </a:r>
-            <a:r>
-              <a:rPr lang="pt-BR" sz="2400" dirty="0" err="1"/>
-              <a:t>Prophet</a:t>
-            </a:r>
-            <a:r>
-              <a:rPr lang="pt-BR" sz="2400" dirty="0"/>
-              <a:t> pode ser considerado em situações mais específicas, como por exemplo, para análises mais voltadas ao WMAPE recente. </a:t>
-            </a:r>
-          </a:p>
-        </p:txBody>
-      </p:sp>
-    </p:spTree>
-    <p:extLst>
-      <p:ext uri="{BB962C8B-B14F-4D97-AF65-F5344CB8AC3E}">
-        <p14:creationId xmlns:p14="http://schemas.microsoft.com/office/powerpoint/2010/main" val="2473973159"/>
-      </p:ext>
-    </p:extLst>
-  </p:cSld>
-  <p:clrMapOvr>
-    <a:masterClrMapping/>
-  </p:clrMapOvr>
-</p:sld>
-</file>
-
-<file path=ppt/slides/slide21.xml><?xml version="1.0" encoding="utf-8"?>
 <p:sld xmlns:a="http://schemas.openxmlformats.org/drawingml/2006/main" xmlns:r="http://schemas.openxmlformats.org/officeDocument/2006/relationships" xmlns:p="http://schemas.openxmlformats.org/presentationml/2006/main">
   <p:cSld>
     <p:bg>
